--- a/HTML_CSS/Html&CSS.pptx
+++ b/HTML_CSS/Html&CSS.pptx
@@ -5,7 +5,7 @@
     <p:sldMasterId id="2147483648" r:id="rId1"/>
   </p:sldMasterIdLst>
   <p:notesMasterIdLst>
-    <p:notesMasterId r:id="rId20"/>
+    <p:notesMasterId r:id="rId22"/>
   </p:notesMasterIdLst>
   <p:sldIdLst>
     <p:sldId id="256" r:id="rId2"/>
@@ -16,16 +16,18 @@
     <p:sldId id="319" r:id="rId7"/>
     <p:sldId id="299" r:id="rId8"/>
     <p:sldId id="304" r:id="rId9"/>
-    <p:sldId id="322" r:id="rId10"/>
-    <p:sldId id="323" r:id="rId11"/>
-    <p:sldId id="309" r:id="rId12"/>
-    <p:sldId id="320" r:id="rId13"/>
-    <p:sldId id="321" r:id="rId14"/>
-    <p:sldId id="306" r:id="rId15"/>
-    <p:sldId id="308" r:id="rId16"/>
-    <p:sldId id="324" r:id="rId17"/>
-    <p:sldId id="325" r:id="rId18"/>
-    <p:sldId id="280" r:id="rId19"/>
+    <p:sldId id="327" r:id="rId10"/>
+    <p:sldId id="322" r:id="rId11"/>
+    <p:sldId id="323" r:id="rId12"/>
+    <p:sldId id="309" r:id="rId13"/>
+    <p:sldId id="320" r:id="rId14"/>
+    <p:sldId id="326" r:id="rId15"/>
+    <p:sldId id="321" r:id="rId16"/>
+    <p:sldId id="306" r:id="rId17"/>
+    <p:sldId id="308" r:id="rId18"/>
+    <p:sldId id="324" r:id="rId19"/>
+    <p:sldId id="325" r:id="rId20"/>
+    <p:sldId id="280" r:id="rId21"/>
   </p:sldIdLst>
   <p:sldSz cx="12192000" cy="6858000"/>
   <p:notesSz cx="6858000" cy="9144000"/>
@@ -214,7 +216,7 @@
           <a:p>
             <a:fld id="{94EA9A77-0CE4-4E25-84E3-55E75407559E}" type="datetimeFigureOut">
               <a:rPr lang="zh-CN" altLang="en-US" smtClean="0"/>
-              <a:t>2017/4/11</a:t>
+              <a:t>2018/4/4</a:t>
             </a:fld>
             <a:endParaRPr lang="zh-CN" altLang="en-US"/>
           </a:p>
@@ -485,6 +487,14 @@
 <file path=ppt/slideLayouts/slideLayout1.xml><?xml version="1.0" encoding="utf-8"?>
 <p:sldLayout xmlns:a="http://schemas.openxmlformats.org/drawingml/2006/main" xmlns:r="http://schemas.openxmlformats.org/officeDocument/2006/relationships" xmlns:p="http://schemas.openxmlformats.org/presentationml/2006/main" type="title" preserve="1">
   <p:cSld name="标题幻灯片">
+    <p:bg>
+      <p:bgPr>
+        <a:solidFill>
+          <a:srgbClr val="00B0F0"/>
+        </a:solidFill>
+        <a:effectLst/>
+      </p:bgPr>
+    </p:bg>
     <p:spTree>
       <p:nvGrpSpPr>
         <p:cNvPr id="1" name=""/>
@@ -631,6 +641,14 @@
 <file path=ppt/slideLayouts/slideLayout2.xml><?xml version="1.0" encoding="utf-8"?>
 <p:sldLayout xmlns:a="http://schemas.openxmlformats.org/drawingml/2006/main" xmlns:r="http://schemas.openxmlformats.org/officeDocument/2006/relationships" xmlns:p="http://schemas.openxmlformats.org/presentationml/2006/main" preserve="1" userDrawn="1">
   <p:cSld name="节标题">
+    <p:bg>
+      <p:bgPr>
+        <a:solidFill>
+          <a:srgbClr val="00B0F0"/>
+        </a:solidFill>
+        <a:effectLst/>
+      </p:bgPr>
+    </p:bg>
     <p:spTree>
       <p:nvGrpSpPr>
         <p:cNvPr id="1" name=""/>
@@ -659,20 +677,9 @@
           <a:prstGeom prst="rect">
             <a:avLst/>
           </a:prstGeom>
-          <a:gradFill flip="none" rotWithShape="1">
-            <a:gsLst>
-              <a:gs pos="0">
-                <a:srgbClr val="78C6E2">
-                  <a:alpha val="88000"/>
-                </a:srgbClr>
-              </a:gs>
-              <a:gs pos="100000">
-                <a:srgbClr val="00ABE3"/>
-              </a:gs>
-            </a:gsLst>
-            <a:lin ang="16200000" scaled="1"/>
-            <a:tileRect/>
-          </a:gradFill>
+          <a:solidFill>
+            <a:srgbClr val="00B0F0"/>
+          </a:solidFill>
           <a:ln>
             <a:noFill/>
           </a:ln>
@@ -710,192 +717,14 @@
 </p:sldLayout>
 </file>
 
-<file path=ppt/slideLayouts/slideLayout3.xml><?xml version="1.0" encoding="utf-8"?>
-<p:sldLayout xmlns:a="http://schemas.openxmlformats.org/drawingml/2006/main" xmlns:r="http://schemas.openxmlformats.org/officeDocument/2006/relationships" xmlns:p="http://schemas.openxmlformats.org/presentationml/2006/main" preserve="1" userDrawn="1">
-  <p:cSld name="标题和内容">
-    <p:spTree>
-      <p:nvGrpSpPr>
-        <p:cNvPr id="1" name=""/>
-        <p:cNvGrpSpPr/>
-        <p:nvPr/>
-      </p:nvGrpSpPr>
-      <p:grpSpPr>
-        <a:xfrm>
-          <a:off x="0" y="0"/>
-          <a:ext cx="0" cy="0"/>
-          <a:chOff x="0" y="0"/>
-          <a:chExt cx="0" cy="0"/>
-        </a:xfrm>
-      </p:grpSpPr>
-      <p:sp>
-        <p:nvSpPr>
-          <p:cNvPr id="7" name="矩形 6"/>
-          <p:cNvSpPr/>
-          <p:nvPr userDrawn="1"/>
-        </p:nvSpPr>
-        <p:spPr>
-          <a:xfrm>
-            <a:off x="0" y="0"/>
-            <a:ext cx="12192000" cy="6858000"/>
-          </a:xfrm>
-          <a:prstGeom prst="rect">
-            <a:avLst/>
-          </a:prstGeom>
-          <a:gradFill flip="none" rotWithShape="1">
-            <a:gsLst>
-              <a:gs pos="0">
-                <a:srgbClr val="2CA398"/>
-              </a:gs>
-              <a:gs pos="100000">
-                <a:srgbClr val="99DC9A"/>
-              </a:gs>
-            </a:gsLst>
-            <a:lin ang="5400000" scaled="1"/>
-            <a:tileRect/>
-          </a:gradFill>
-          <a:ln>
-            <a:noFill/>
-          </a:ln>
-        </p:spPr>
-        <p:style>
-          <a:lnRef idx="2">
-            <a:schemeClr val="accent1">
-              <a:shade val="50000"/>
-            </a:schemeClr>
-          </a:lnRef>
-          <a:fillRef idx="1">
-            <a:schemeClr val="accent1"/>
-          </a:fillRef>
-          <a:effectRef idx="0">
-            <a:schemeClr val="accent1"/>
-          </a:effectRef>
-          <a:fontRef idx="minor">
-            <a:schemeClr val="lt1"/>
-          </a:fontRef>
-        </p:style>
-        <p:txBody>
-          <a:bodyPr rtlCol="0" anchor="ctr"/>
-          <a:lstStyle/>
-          <a:p>
-            <a:pPr algn="ctr"/>
-            <a:endParaRPr lang="zh-CN" altLang="en-US"/>
-          </a:p>
-        </p:txBody>
-      </p:sp>
-    </p:spTree>
-  </p:cSld>
-  <p:clrMapOvr>
-    <a:masterClrMapping/>
-  </p:clrMapOvr>
-  <p:timing>
-    <p:tnLst>
-      <p:par>
-        <p:cTn id="1" dur="indefinite" restart="never" nodeType="tmRoot"/>
-      </p:par>
-    </p:tnLst>
-  </p:timing>
-</p:sldLayout>
-</file>
-
-<file path=ppt/slideLayouts/slideLayout4.xml><?xml version="1.0" encoding="utf-8"?>
-<p:sldLayout xmlns:a="http://schemas.openxmlformats.org/drawingml/2006/main" xmlns:r="http://schemas.openxmlformats.org/officeDocument/2006/relationships" xmlns:p="http://schemas.openxmlformats.org/presentationml/2006/main" preserve="1" userDrawn="1">
-  <p:cSld name="两栏内容">
-    <p:spTree>
-      <p:nvGrpSpPr>
-        <p:cNvPr id="1" name=""/>
-        <p:cNvGrpSpPr/>
-        <p:nvPr/>
-      </p:nvGrpSpPr>
-      <p:grpSpPr>
-        <a:xfrm>
-          <a:off x="0" y="0"/>
-          <a:ext cx="0" cy="0"/>
-          <a:chOff x="0" y="0"/>
-          <a:chExt cx="0" cy="0"/>
-        </a:xfrm>
-      </p:grpSpPr>
-      <p:sp>
-        <p:nvSpPr>
-          <p:cNvPr id="9" name="矩形 8"/>
-          <p:cNvSpPr/>
-          <p:nvPr userDrawn="1"/>
-        </p:nvSpPr>
-        <p:spPr>
-          <a:xfrm>
-            <a:off x="0" y="0"/>
-            <a:ext cx="12192000" cy="6858000"/>
-          </a:xfrm>
-          <a:prstGeom prst="rect">
-            <a:avLst/>
-          </a:prstGeom>
-          <a:gradFill flip="none" rotWithShape="1">
-            <a:gsLst>
-              <a:gs pos="0">
-                <a:srgbClr val="E63F0A"/>
-              </a:gs>
-              <a:gs pos="100000">
-                <a:srgbClr val="D70010"/>
-              </a:gs>
-            </a:gsLst>
-            <a:lin ang="16200000" scaled="1"/>
-            <a:tileRect/>
-          </a:gradFill>
-          <a:ln>
-            <a:noFill/>
-          </a:ln>
-        </p:spPr>
-        <p:style>
-          <a:lnRef idx="2">
-            <a:schemeClr val="accent1">
-              <a:shade val="50000"/>
-            </a:schemeClr>
-          </a:lnRef>
-          <a:fillRef idx="1">
-            <a:schemeClr val="accent1"/>
-          </a:fillRef>
-          <a:effectRef idx="0">
-            <a:schemeClr val="accent1"/>
-          </a:effectRef>
-          <a:fontRef idx="minor">
-            <a:schemeClr val="lt1"/>
-          </a:fontRef>
-        </p:style>
-        <p:txBody>
-          <a:bodyPr rtlCol="0" anchor="ctr"/>
-          <a:lstStyle/>
-          <a:p>
-            <a:pPr algn="ctr"/>
-            <a:endParaRPr lang="zh-CN" altLang="en-US"/>
-          </a:p>
-        </p:txBody>
-      </p:sp>
-    </p:spTree>
-  </p:cSld>
-  <p:clrMapOvr>
-    <a:masterClrMapping/>
-  </p:clrMapOvr>
-</p:sldLayout>
-</file>
-
 <file path=ppt/slideMasters/slideMaster1.xml><?xml version="1.0" encoding="utf-8"?>
 <p:sldMaster xmlns:a="http://schemas.openxmlformats.org/drawingml/2006/main" xmlns:r="http://schemas.openxmlformats.org/officeDocument/2006/relationships" xmlns:p="http://schemas.openxmlformats.org/presentationml/2006/main">
   <p:cSld>
     <p:bg>
       <p:bgPr>
-        <a:gradFill flip="none" rotWithShape="0">
-          <a:gsLst>
-            <a:gs pos="0">
-              <a:schemeClr val="accent1">
-                <a:lumMod val="60000"/>
-                <a:lumOff val="40000"/>
-              </a:schemeClr>
-            </a:gs>
-            <a:gs pos="100000">
-              <a:srgbClr val="00B0F0"/>
-            </a:gs>
-          </a:gsLst>
-          <a:lin ang="16200000" scaled="0"/>
-        </a:gradFill>
+        <a:solidFill>
+          <a:srgbClr val="00B0F0"/>
+        </a:solidFill>
         <a:effectLst/>
       </p:bgPr>
     </p:bg>
@@ -1043,7 +872,7 @@
           <a:p>
             <a:fld id="{A94A5677-1990-4DEF-94A6-269AB3DAB6C5}" type="datetimeFigureOut">
               <a:rPr lang="zh-CN" altLang="en-US" smtClean="0"/>
-              <a:t>2017/4/11</a:t>
+              <a:t>2018/4/4</a:t>
             </a:fld>
             <a:endParaRPr lang="zh-CN" altLang="en-US"/>
           </a:p>
@@ -1133,8 +962,6 @@
   <p:sldLayoutIdLst>
     <p:sldLayoutId id="2147483649" r:id="rId1"/>
     <p:sldLayoutId id="2147483650" r:id="rId2"/>
-    <p:sldLayoutId id="2147483651" r:id="rId3"/>
-    <p:sldLayoutId id="2147483652" r:id="rId4"/>
   </p:sldLayoutIdLst>
   <p:txStyles>
     <p:titleStyle>
@@ -3417,7 +3244,7 @@
             </a:r>
             <a:r>
               <a:rPr lang="zh-CN" altLang="en-US"/>
-              <a:t>选择器优先级</a:t>
+              <a:t>选择器</a:t>
             </a:r>
           </a:p>
         </p:txBody>
@@ -3440,36 +3267,120 @@
           <a:lstStyle/>
           <a:p>
             <a:r>
+              <a:rPr lang="zh-CN" altLang="en-US" dirty="0" smtClean="0">
+                <a:sym typeface="+mn-ea"/>
+              </a:rPr>
+              <a:t>.</a:t>
+            </a:r>
+            <a:r>
+              <a:rPr lang="en-US" altLang="zh-CN" dirty="0" smtClean="0">
+                <a:sym typeface="+mn-ea"/>
+              </a:rPr>
+              <a:t>xxx</a:t>
+            </a:r>
+            <a:r>
+              <a:rPr lang="en-US" altLang="zh-CN" dirty="0">
+                <a:sym typeface="+mn-ea"/>
+              </a:rPr>
+              <a:t>	 选择 class="xxx" 的所有元素</a:t>
+            </a:r>
+          </a:p>
+          <a:p>
+            <a:r>
+              <a:rPr lang="zh-CN" altLang="en-US" dirty="0" smtClean="0">
+                <a:sym typeface="+mn-ea"/>
+              </a:rPr>
+              <a:t>#</a:t>
+            </a:r>
+            <a:r>
+              <a:rPr lang="en-US" altLang="zh-CN" dirty="0" smtClean="0">
+                <a:sym typeface="+mn-ea"/>
+              </a:rPr>
+              <a:t>xxx</a:t>
+            </a:r>
+            <a:r>
+              <a:rPr lang="en-US" altLang="zh-CN" dirty="0">
+                <a:sym typeface="+mn-ea"/>
+              </a:rPr>
+              <a:t>	选择 id="XXX" 的所有元素</a:t>
+            </a:r>
+          </a:p>
+          <a:p>
+            <a:r>
               <a:rPr lang="zh-CN" altLang="en-US" dirty="0">
                 <a:sym typeface="+mn-ea"/>
               </a:rPr>
-              <a:t>!important的权值为</a:t>
+              <a:t>*</a:t>
             </a:r>
             <a:r>
               <a:rPr lang="en-US" altLang="zh-CN" dirty="0">
                 <a:sym typeface="+mn-ea"/>
               </a:rPr>
-              <a:t>			10000</a:t>
-            </a:r>
-          </a:p>
-          <a:p>
+              <a:t>	选择所有元素</a:t>
+            </a:r>
+          </a:p>
+          <a:p>
+            <a:r>
+              <a:rPr lang="en-US" altLang="zh-CN" dirty="0">
+                <a:sym typeface="+mn-ea"/>
+              </a:rPr>
+              <a:t>element	选择所有X 元素</a:t>
+            </a:r>
+          </a:p>
+          <a:p>
+            <a:r>
+              <a:rPr lang="zh-CN" altLang="en-US" dirty="0"/>
+              <a:t>element</a:t>
+            </a:r>
+            <a:r>
+              <a:rPr lang="en-US" altLang="zh-CN" dirty="0"/>
+              <a:t>1</a:t>
+            </a:r>
+            <a:r>
+              <a:rPr lang="zh-CN" altLang="en-US" dirty="0"/>
+              <a:t>,element</a:t>
+            </a:r>
+            <a:r>
+              <a:rPr lang="en-US" altLang="zh-CN" dirty="0"/>
+              <a:t>2 </a:t>
+            </a:r>
+            <a:r>
+              <a:rPr lang="en-US" altLang="zh-CN" dirty="0">
+                <a:sym typeface="+mn-ea"/>
+              </a:rPr>
+              <a:t>选择所有X1</a:t>
+            </a:r>
             <a:r>
               <a:rPr lang="zh-CN" altLang="en-US" dirty="0">
                 <a:sym typeface="+mn-ea"/>
               </a:rPr>
-              <a:t>内联样式表的权值为 </a:t>
+              <a:t>、</a:t>
             </a:r>
             <a:r>
               <a:rPr lang="en-US" altLang="zh-CN" dirty="0">
                 <a:sym typeface="+mn-ea"/>
               </a:rPr>
-              <a:t>		</a:t>
+              <a:t>X2 元素</a:t>
+            </a:r>
+          </a:p>
+          <a:p>
+            <a:r>
+              <a:rPr lang="en-US" altLang="zh-CN" dirty="0">
+                <a:sym typeface="+mn-ea"/>
+              </a:rPr>
+              <a:t>element1 element2 选择X1</a:t>
             </a:r>
             <a:r>
               <a:rPr lang="zh-CN" altLang="en-US" dirty="0">
                 <a:sym typeface="+mn-ea"/>
               </a:rPr>
-              <a:t>1000</a:t>
+              <a:t>下所有</a:t>
+            </a:r>
+            <a:r>
+              <a:rPr lang="en-US" altLang="zh-CN" dirty="0">
+                <a:sym typeface="+mn-ea"/>
+              </a:rPr>
+              <a:t>X2 元素</a:t>
             </a:r>
           </a:p>
           <a:p>
@@ -3477,75 +3388,7 @@
               <a:rPr lang="zh-CN" altLang="en-US" dirty="0">
                 <a:sym typeface="+mn-ea"/>
               </a:rPr>
-              <a:t>ID 选择器的权值为 </a:t>
-            </a:r>
-            <a:r>
-              <a:rPr lang="en-US" altLang="zh-CN" dirty="0">
-                <a:sym typeface="+mn-ea"/>
-              </a:rPr>
-              <a:t>			</a:t>
-            </a:r>
-            <a:r>
-              <a:rPr lang="zh-CN" altLang="en-US" dirty="0">
-                <a:sym typeface="+mn-ea"/>
-              </a:rPr>
-              <a:t>100</a:t>
-            </a:r>
-          </a:p>
-          <a:p>
-            <a:r>
-              <a:rPr lang="zh-CN" altLang="en-US" dirty="0">
-                <a:sym typeface="+mn-ea"/>
-              </a:rPr>
-              <a:t>Class 类选择器的权值为 </a:t>
-            </a:r>
-            <a:r>
-              <a:rPr lang="en-US" altLang="zh-CN" dirty="0">
-                <a:sym typeface="+mn-ea"/>
-              </a:rPr>
-              <a:t>		</a:t>
-            </a:r>
-            <a:r>
-              <a:rPr lang="zh-CN" altLang="en-US" dirty="0">
-                <a:sym typeface="+mn-ea"/>
-              </a:rPr>
-              <a:t>10</a:t>
-            </a:r>
-          </a:p>
-          <a:p>
-            <a:r>
-              <a:rPr lang="zh-CN" altLang="en-US" dirty="0">
-                <a:sym typeface="+mn-ea"/>
-              </a:rPr>
-              <a:t>HTML 标签选择器的权值为 </a:t>
-            </a:r>
-            <a:r>
-              <a:rPr lang="en-US" altLang="zh-CN" dirty="0">
-                <a:sym typeface="+mn-ea"/>
-              </a:rPr>
-              <a:t>	</a:t>
-            </a:r>
-            <a:r>
-              <a:rPr lang="zh-CN" altLang="en-US" dirty="0">
-                <a:sym typeface="+mn-ea"/>
-              </a:rPr>
-              <a:t>1</a:t>
-            </a:r>
-          </a:p>
-          <a:p>
-            <a:r>
-              <a:rPr lang="zh-CN" altLang="en-US" dirty="0">
-                <a:sym typeface="+mn-ea"/>
-              </a:rPr>
-              <a:t>简单记为限制越大，优先级越大</a:t>
-            </a:r>
-          </a:p>
-          <a:p>
-            <a:r>
-              <a:rPr lang="zh-CN" altLang="en-US" dirty="0">
-                <a:sym typeface="+mn-ea"/>
-              </a:rPr>
-              <a:t>就近原则：同一级别后写的会覆盖先写的样式</a:t>
+              <a:t>:hover 伪类，鼠标移动到容器的样式</a:t>
             </a:r>
           </a:p>
         </p:txBody>
@@ -3558,6 +3401,13 @@
   <p:transition>
     <p:wipe dir="r"/>
   </p:transition>
+  <p:timing>
+    <p:tnLst>
+      <p:par>
+        <p:cTn id="1" dur="indefinite" restart="never" nodeType="tmRoot"/>
+      </p:par>
+    </p:tnLst>
+  </p:timing>
 </p:sld>
 </file>
 
@@ -3594,8 +3444,12 @@
           <a:lstStyle/>
           <a:p>
             <a:r>
+              <a:rPr lang="en-US" altLang="zh-CN"/>
+              <a:t>CSS</a:t>
+            </a:r>
+            <a:r>
               <a:rPr lang="zh-CN" altLang="en-US"/>
-              <a:t>块级元素</a:t>
+              <a:t>选择器优先级</a:t>
             </a:r>
           </a:p>
         </p:txBody>
@@ -3613,7 +3467,7 @@
         <p:spPr/>
         <p:txBody>
           <a:bodyPr>
-            <a:normAutofit/>
+            <a:normAutofit fontScale="90000" lnSpcReduction="20000"/>
           </a:bodyPr>
           <a:lstStyle/>
           <a:p>
@@ -3621,7 +3475,13 @@
               <a:rPr lang="zh-CN" altLang="en-US" dirty="0">
                 <a:sym typeface="+mn-ea"/>
               </a:rPr>
-              <a:t>块级元素会独占一行，其宽度自动填满其父元素宽度</a:t>
+              <a:t>!important的权值为</a:t>
+            </a:r>
+            <a:r>
+              <a:rPr lang="en-US" altLang="zh-CN" dirty="0">
+                <a:sym typeface="+mn-ea"/>
+              </a:rPr>
+              <a:t>			10000</a:t>
             </a:r>
           </a:p>
           <a:p>
@@ -3629,27 +3489,96 @@
               <a:rPr lang="zh-CN" altLang="en-US" dirty="0">
                 <a:sym typeface="+mn-ea"/>
               </a:rPr>
-              <a:t>块级元素可以设置 width, height属性，块级元素即使设置了宽度，仍然是独占一行的</a:t>
-            </a:r>
-          </a:p>
-          <a:p>
+              <a:t>内联样式表的权值为 </a:t>
+            </a:r>
+            <a:r>
+              <a:rPr lang="en-US" altLang="zh-CN" dirty="0">
+                <a:sym typeface="+mn-ea"/>
+              </a:rPr>
+              <a:t>		</a:t>
+            </a:r>
             <a:r>
               <a:rPr lang="zh-CN" altLang="en-US" dirty="0">
                 <a:sym typeface="+mn-ea"/>
               </a:rPr>
-              <a:t>块级元素可以设置margin 和 padding</a:t>
-            </a:r>
-          </a:p>
-          <a:p>
+              <a:t>1000</a:t>
+            </a:r>
+          </a:p>
+          <a:p>
+            <a:r>
+              <a:rPr lang="zh-CN" altLang="en-US" dirty="0">
+                <a:sym typeface="+mn-ea"/>
+              </a:rPr>
+              <a:t>ID 选择器的权值为 </a:t>
+            </a:r>
             <a:r>
               <a:rPr lang="en-US" altLang="zh-CN" dirty="0">
                 <a:sym typeface="+mn-ea"/>
               </a:rPr>
-              <a:t>div,h1~h6,p,table...</a:t>
-            </a:r>
-          </a:p>
-          <a:p>
-            <a:endParaRPr lang="zh-CN" altLang="en-US" dirty="0"/>
+              <a:t>			</a:t>
+            </a:r>
+            <a:r>
+              <a:rPr lang="zh-CN" altLang="en-US" dirty="0">
+                <a:sym typeface="+mn-ea"/>
+              </a:rPr>
+              <a:t>100</a:t>
+            </a:r>
+          </a:p>
+          <a:p>
+            <a:r>
+              <a:rPr lang="zh-CN" altLang="en-US" dirty="0">
+                <a:sym typeface="+mn-ea"/>
+              </a:rPr>
+              <a:t>Class 类选择器的权值为 </a:t>
+            </a:r>
+            <a:r>
+              <a:rPr lang="en-US" altLang="zh-CN" dirty="0">
+                <a:sym typeface="+mn-ea"/>
+              </a:rPr>
+              <a:t>		</a:t>
+            </a:r>
+            <a:r>
+              <a:rPr lang="zh-CN" altLang="en-US" dirty="0">
+                <a:sym typeface="+mn-ea"/>
+              </a:rPr>
+              <a:t>10</a:t>
+            </a:r>
+          </a:p>
+          <a:p>
+            <a:r>
+              <a:rPr lang="zh-CN" altLang="en-US" dirty="0">
+                <a:sym typeface="+mn-ea"/>
+              </a:rPr>
+              <a:t>HTML 标签选择器的权值为 </a:t>
+            </a:r>
+            <a:r>
+              <a:rPr lang="en-US" altLang="zh-CN" dirty="0">
+                <a:sym typeface="+mn-ea"/>
+              </a:rPr>
+              <a:t>	</a:t>
+            </a:r>
+            <a:r>
+              <a:rPr lang="zh-CN" altLang="en-US" dirty="0">
+                <a:sym typeface="+mn-ea"/>
+              </a:rPr>
+              <a:t>1</a:t>
+            </a:r>
+          </a:p>
+          <a:p>
+            <a:r>
+              <a:rPr lang="zh-CN" altLang="en-US" dirty="0">
+                <a:sym typeface="+mn-ea"/>
+              </a:rPr>
+              <a:t>简单记为限制越大，优先级越大</a:t>
+            </a:r>
+          </a:p>
+          <a:p>
+            <a:r>
+              <a:rPr lang="zh-CN" altLang="en-US" dirty="0">
+                <a:sym typeface="+mn-ea"/>
+              </a:rPr>
+              <a:t>就近原则：同一级别后写的会覆盖先写的样式</a:t>
+            </a:r>
           </a:p>
         </p:txBody>
       </p:sp>
@@ -3661,6 +3590,13 @@
   <p:transition>
     <p:wipe dir="r"/>
   </p:transition>
+  <p:timing>
+    <p:tnLst>
+      <p:par>
+        <p:cTn id="1" dur="indefinite" restart="never" nodeType="tmRoot"/>
+      </p:par>
+    </p:tnLst>
+  </p:timing>
 </p:sld>
 </file>
 
@@ -3698,7 +3634,7 @@
           <a:p>
             <a:r>
               <a:rPr lang="zh-CN" altLang="en-US"/>
-              <a:t>行内元素</a:t>
+              <a:t>块级元素</a:t>
             </a:r>
           </a:p>
         </p:txBody>
@@ -3716,7 +3652,7 @@
         <p:spPr/>
         <p:txBody>
           <a:bodyPr>
-            <a:normAutofit fontScale="90000" lnSpcReduction="10000"/>
+            <a:normAutofit/>
           </a:bodyPr>
           <a:lstStyle/>
           <a:p>
@@ -3724,7 +3660,7 @@
               <a:rPr lang="zh-CN" altLang="en-US" dirty="0">
                 <a:sym typeface="+mn-ea"/>
               </a:rPr>
-              <a:t>行内元素（内联元素）不会独占一行，相邻的行内元素会排列在同一行里，直到一行排不下，才会换行，其宽度随元素的内容而变化</a:t>
+              <a:t>块级元素会独占一行，其宽度自动填满其父元素宽度</a:t>
             </a:r>
           </a:p>
           <a:p>
@@ -3732,7 +3668,7 @@
               <a:rPr lang="zh-CN" altLang="en-US" dirty="0">
                 <a:sym typeface="+mn-ea"/>
               </a:rPr>
-              <a:t>行内元素设置width,  height无效</a:t>
+              <a:t>块级元素可以设置 width, height属性，块级元素即使设置了宽度，仍然是独占一行的</a:t>
             </a:r>
           </a:p>
           <a:p>
@@ -3740,7 +3676,7 @@
               <a:rPr lang="zh-CN" altLang="en-US" dirty="0">
                 <a:sym typeface="+mn-ea"/>
               </a:rPr>
-              <a:t>行内元素的padding、margin水平方向会产生边距效果，但是竖直方向的不会产生边距效果</a:t>
+              <a:t>块级元素可以设置margin 和 padding</a:t>
             </a:r>
           </a:p>
           <a:p>
@@ -3748,7 +3684,7 @@
               <a:rPr lang="en-US" altLang="zh-CN" dirty="0">
                 <a:sym typeface="+mn-ea"/>
               </a:rPr>
-              <a:t>a,img,span......</a:t>
+              <a:t>div,h1~h6,p,table...</a:t>
             </a:r>
           </a:p>
           <a:p>
@@ -3764,6 +3700,13 @@
   <p:transition>
     <p:wipe dir="r"/>
   </p:transition>
+  <p:timing>
+    <p:tnLst>
+      <p:par>
+        <p:cTn id="1" dur="indefinite" restart="never" nodeType="tmRoot"/>
+      </p:par>
+    </p:tnLst>
+  </p:timing>
 </p:sld>
 </file>
 
@@ -3801,7 +3744,7 @@
           <a:p>
             <a:r>
               <a:rPr lang="zh-CN" altLang="en-US"/>
-              <a:t>绝对定位</a:t>
+              <a:t>行内元素</a:t>
             </a:r>
           </a:p>
         </p:txBody>
@@ -3819,7 +3762,7 @@
         <p:spPr/>
         <p:txBody>
           <a:bodyPr>
-            <a:normAutofit/>
+            <a:normAutofit fontScale="90000" lnSpcReduction="10000"/>
           </a:bodyPr>
           <a:lstStyle/>
           <a:p>
@@ -3827,7 +3770,7 @@
               <a:rPr lang="zh-CN" altLang="en-US" dirty="0">
                 <a:sym typeface="+mn-ea"/>
               </a:rPr>
-              <a:t>position: absolute;</a:t>
+              <a:t>行内元素（内联元素）不会独占一行，相邻的行内元素会排列在同一行里，直到一行排不下，才会换行，其宽度随元素的内容而变化</a:t>
             </a:r>
           </a:p>
           <a:p>
@@ -3835,7 +3778,15 @@
               <a:rPr lang="zh-CN" altLang="en-US" dirty="0">
                 <a:sym typeface="+mn-ea"/>
               </a:rPr>
-              <a:t>绝对定位的元素的位置相对于最近的已定位祖先元素，若没有则为界面左上方</a:t>
+              <a:t>行内元素设置width,  height无效</a:t>
+            </a:r>
+          </a:p>
+          <a:p>
+            <a:r>
+              <a:rPr lang="zh-CN" altLang="en-US" dirty="0">
+                <a:sym typeface="+mn-ea"/>
+              </a:rPr>
+              <a:t>行内元素的padding、margin水平方向会产生边距效果，但是竖直方向的不会产生边距效果</a:t>
             </a:r>
           </a:p>
           <a:p>
@@ -3843,15 +3794,7 @@
               <a:rPr lang="en-US" altLang="zh-CN" dirty="0">
                 <a:sym typeface="+mn-ea"/>
               </a:rPr>
-              <a:t>元素的位置通过 "left", "top", "right" 以及 "bottom" 属性进行规定</a:t>
-            </a:r>
-          </a:p>
-          <a:p>
-            <a:r>
-              <a:rPr lang="en-US" altLang="zh-CN" dirty="0">
-                <a:sym typeface="+mn-ea"/>
-              </a:rPr>
-              <a:t>脱离了文本流（即在文档中已经不占据位置）</a:t>
+              <a:t>a,img,span......</a:t>
             </a:r>
           </a:p>
           <a:p>
@@ -3867,6 +3810,13 @@
   <p:transition>
     <p:wipe dir="r"/>
   </p:transition>
+  <p:timing>
+    <p:tnLst>
+      <p:par>
+        <p:cTn id="1" dur="indefinite" restart="never" nodeType="tmRoot"/>
+      </p:par>
+    </p:tnLst>
+  </p:timing>
 </p:sld>
 </file>
 
@@ -3903,9 +3853,10 @@
           <a:lstStyle/>
           <a:p>
             <a:r>
-              <a:rPr lang="zh-CN" altLang="en-US" dirty="0"/>
-              <a:t>一个简单的页面布局</a:t>
-            </a:r>
+              <a:rPr lang="zh-CN" altLang="en-US" dirty="0" smtClean="0"/>
+              <a:t>元素居中</a:t>
+            </a:r>
+            <a:endParaRPr lang="zh-CN" altLang="en-US" dirty="0"/>
           </a:p>
         </p:txBody>
       </p:sp>
@@ -3926,62 +3877,92 @@
           </a:bodyPr>
           <a:lstStyle/>
           <a:p>
+            <a:r>
+              <a:rPr lang="zh-CN" altLang="en-US" dirty="0" smtClean="0">
+                <a:sym typeface="+mn-ea"/>
+              </a:rPr>
+              <a:t>固定宽度块级</a:t>
+            </a:r>
+            <a:r>
+              <a:rPr lang="zh-CN" altLang="en-US" dirty="0" smtClean="0">
+                <a:sym typeface="+mn-ea"/>
+              </a:rPr>
+              <a:t>元素设置</a:t>
+            </a:r>
+            <a:endParaRPr lang="en-US" altLang="zh-CN" dirty="0" smtClean="0">
+              <a:sym typeface="+mn-ea"/>
+            </a:endParaRPr>
+          </a:p>
+          <a:p>
             <a:pPr marL="0" indent="0">
               <a:buNone/>
             </a:pPr>
             <a:r>
-              <a:rPr lang="zh-CN" altLang="en-US" dirty="0"/>
-              <a:t>    &lt;div class="header"&gt;&lt;/div&gt;</a:t>
-            </a:r>
-          </a:p>
-          <a:p>
-            <a:pPr marL="0" indent="0">
-              <a:buNone/>
-            </a:pPr>
-            <a:r>
-              <a:rPr lang="zh-CN" altLang="en-US" dirty="0"/>
-              <a:t>    &lt;div class="center"&gt;</a:t>
-            </a:r>
-          </a:p>
-          <a:p>
-            <a:pPr marL="0" indent="0">
-              <a:buNone/>
-            </a:pPr>
-            <a:r>
-              <a:rPr lang="zh-CN" altLang="en-US" dirty="0"/>
-              <a:t>        &lt;div class="menu"&gt;&lt;/div&gt;</a:t>
-            </a:r>
-          </a:p>
-          <a:p>
-            <a:pPr marL="0" indent="0">
-              <a:buNone/>
-            </a:pPr>
-            <a:r>
-              <a:rPr lang="zh-CN" altLang="en-US" dirty="0"/>
-              <a:t>        &lt;div class="main"&gt;&lt;/div&gt;</a:t>
-            </a:r>
-          </a:p>
-          <a:p>
-            <a:pPr marL="0" indent="0">
-              <a:buNone/>
-            </a:pPr>
-            <a:r>
-              <a:rPr lang="zh-CN" altLang="en-US" dirty="0"/>
-              <a:t>    &lt;/div&gt;</a:t>
-            </a:r>
-          </a:p>
-          <a:p>
-            <a:pPr marL="0" indent="0">
-              <a:buNone/>
-            </a:pPr>
-            <a:r>
-              <a:rPr lang="zh-CN" altLang="en-US" dirty="0"/>
-              <a:t>    &lt;div class="footer"&gt;&lt;/div&gt;</a:t>
-            </a:r>
+              <a:rPr lang="en-US" altLang="zh-CN" dirty="0">
+                <a:sym typeface="+mn-ea"/>
+              </a:rPr>
+              <a:t> </a:t>
+            </a:r>
+            <a:r>
+              <a:rPr lang="en-US" altLang="zh-CN" dirty="0" smtClean="0">
+                <a:sym typeface="+mn-ea"/>
+              </a:rPr>
+              <a:t>	</a:t>
+            </a:r>
+            <a:r>
+              <a:rPr lang="en-US" altLang="zh-CN" dirty="0" err="1" smtClean="0">
+                <a:sym typeface="+mn-ea"/>
+              </a:rPr>
+              <a:t>margin-left:auto;margin-right:auto</a:t>
+            </a:r>
+            <a:r>
+              <a:rPr lang="en-US" altLang="zh-CN" dirty="0" smtClean="0">
+                <a:sym typeface="+mn-ea"/>
+              </a:rPr>
+              <a:t>;</a:t>
+            </a:r>
+          </a:p>
+          <a:p>
+            <a:r>
+              <a:rPr lang="zh-CN" altLang="en-US" dirty="0" smtClean="0">
+                <a:sym typeface="+mn-ea"/>
+              </a:rPr>
+              <a:t> 行</a:t>
+            </a:r>
+            <a:r>
+              <a:rPr lang="zh-CN" altLang="en-US" dirty="0">
+                <a:sym typeface="+mn-ea"/>
+              </a:rPr>
+              <a:t>内</a:t>
+            </a:r>
+            <a:r>
+              <a:rPr lang="zh-CN" altLang="en-US" dirty="0" smtClean="0">
+                <a:sym typeface="+mn-ea"/>
+              </a:rPr>
+              <a:t>元素设置父级元素</a:t>
+            </a:r>
+            <a:r>
+              <a:rPr lang="en-US" altLang="zh-CN" dirty="0" err="1" smtClean="0">
+                <a:sym typeface="+mn-ea"/>
+              </a:rPr>
+              <a:t>text-align:center</a:t>
+            </a:r>
+            <a:r>
+              <a:rPr lang="en-US" altLang="zh-CN" dirty="0" smtClean="0">
+                <a:sym typeface="+mn-ea"/>
+              </a:rPr>
+              <a:t>;</a:t>
+            </a:r>
+            <a:endParaRPr lang="zh-CN" altLang="en-US" dirty="0"/>
           </a:p>
         </p:txBody>
       </p:sp>
     </p:spTree>
+    <p:extLst>
+      <p:ext uri="{BB962C8B-B14F-4D97-AF65-F5344CB8AC3E}">
+        <p14:creationId xmlns:p14="http://schemas.microsoft.com/office/powerpoint/2010/main" val="1798522408"/>
+      </p:ext>
+    </p:extLst>
   </p:cSld>
   <p:clrMapOvr>
     <a:masterClrMapping/>
@@ -3989,6 +3970,13 @@
   <p:transition>
     <p:wipe dir="r"/>
   </p:transition>
+  <p:timing>
+    <p:tnLst>
+      <p:par>
+        <p:cTn id="1" dur="indefinite" restart="never" nodeType="tmRoot"/>
+      </p:par>
+    </p:tnLst>
+  </p:timing>
 </p:sld>
 </file>
 
@@ -4026,7 +4014,7 @@
           <a:p>
             <a:r>
               <a:rPr lang="zh-CN" altLang="en-US"/>
-              <a:t>学习建议</a:t>
+              <a:t>绝对定位</a:t>
             </a:r>
           </a:p>
         </p:txBody>
@@ -4052,89 +4040,56 @@
               <a:rPr lang="zh-CN" altLang="en-US" dirty="0">
                 <a:sym typeface="+mn-ea"/>
               </a:rPr>
-              <a:t>菜</a:t>
+              <a:t>position: absolute;</a:t>
+            </a:r>
+          </a:p>
+          <a:p>
+            <a:r>
+              <a:rPr lang="zh-CN" altLang="en-US" dirty="0">
+                <a:sym typeface="+mn-ea"/>
+              </a:rPr>
+              <a:t>绝对定位的元素的位置相对于最近的已定位祖先元素，若没有则为界面左上方</a:t>
+            </a:r>
+          </a:p>
+          <a:p>
+            <a:r>
+              <a:rPr lang="en-US" altLang="zh-CN" dirty="0">
+                <a:sym typeface="+mn-ea"/>
+              </a:rPr>
+              <a:t>元素的位置通过 "left", "top", "right" 以及 "bottom" 属性进行规定</a:t>
+            </a:r>
+          </a:p>
+          <a:p>
+            <a:r>
+              <a:rPr lang="en-US" altLang="zh-CN" dirty="0" err="1" smtClean="0">
+                <a:sym typeface="+mn-ea"/>
+              </a:rPr>
+              <a:t>脱离了文</a:t>
             </a:r>
             <a:r>
               <a:rPr lang="zh-CN" altLang="en-US" dirty="0" smtClean="0">
                 <a:sym typeface="+mn-ea"/>
               </a:rPr>
-              <a:t>鸟驿站（入门级）</a:t>
-            </a:r>
-            <a:endParaRPr lang="en-US" altLang="zh-CN" dirty="0" smtClean="0">
-              <a:sym typeface="+mn-ea"/>
-            </a:endParaRPr>
-          </a:p>
-          <a:p>
-            <a:pPr marL="0" indent="0">
-              <a:buNone/>
-            </a:pPr>
-            <a:r>
-              <a:rPr lang="en-US" altLang="zh-CN" dirty="0" smtClean="0">
-                <a:sym typeface="+mn-ea"/>
-              </a:rPr>
-              <a:t>	</a:t>
-            </a:r>
-            <a:r>
-              <a:rPr lang="en-US" altLang="zh-CN" dirty="0" smtClean="0">
-                <a:sym typeface="+mn-ea"/>
-                <a:hlinkClick r:id="rId2"/>
-              </a:rPr>
-              <a:t>http://www.runoob.com/</a:t>
-            </a:r>
-            <a:endParaRPr lang="en-US" altLang="zh-CN" dirty="0" smtClean="0">
-              <a:sym typeface="+mn-ea"/>
-            </a:endParaRPr>
-          </a:p>
-          <a:p>
-            <a:r>
-              <a:rPr lang="en-US" altLang="zh-CN" dirty="0"/>
-              <a:t>《CSS</a:t>
-            </a:r>
-            <a:r>
-              <a:rPr lang="zh-CN" altLang="en-US" dirty="0"/>
-              <a:t>权威指南</a:t>
-            </a:r>
-            <a:r>
-              <a:rPr lang="en-US" altLang="zh-CN" dirty="0" smtClean="0"/>
-              <a:t>》(</a:t>
-            </a:r>
-            <a:r>
-              <a:rPr lang="zh-CN" altLang="en-US" dirty="0" smtClean="0"/>
-              <a:t>工具书</a:t>
-            </a:r>
-            <a:r>
-              <a:rPr lang="en-US" altLang="zh-CN" dirty="0"/>
-              <a:t>)</a:t>
-            </a:r>
-            <a:r>
-              <a:rPr lang="zh-CN" altLang="en-US" dirty="0" smtClean="0"/>
-              <a:t>，有选择的去看</a:t>
-            </a:r>
-            <a:endParaRPr lang="en-US" altLang="zh-CN" dirty="0" smtClean="0">
-              <a:sym typeface="+mn-ea"/>
-            </a:endParaRPr>
-          </a:p>
-          <a:p>
-            <a:r>
-              <a:rPr lang="zh-CN" altLang="en-US" dirty="0">
-                <a:sym typeface="+mn-ea"/>
-              </a:rPr>
-              <a:t>学习要靠</a:t>
-            </a:r>
-            <a:r>
-              <a:rPr lang="zh-CN" altLang="en-US" dirty="0" smtClean="0">
-                <a:sym typeface="+mn-ea"/>
-              </a:rPr>
-              <a:t>自觉性</a:t>
-            </a:r>
-            <a:endParaRPr lang="zh-CN" altLang="en-US" dirty="0">
-              <a:sym typeface="+mn-ea"/>
-            </a:endParaRPr>
-          </a:p>
-          <a:p>
-            <a:endParaRPr lang="zh-CN" altLang="en-US" dirty="0">
-              <a:sym typeface="+mn-ea"/>
-            </a:endParaRPr>
+              <a:t>档</a:t>
+            </a:r>
+            <a:r>
+              <a:rPr lang="en-US" altLang="zh-CN" dirty="0" err="1" smtClean="0">
+                <a:sym typeface="+mn-ea"/>
+              </a:rPr>
+              <a:t>流</a:t>
+            </a:r>
+            <a:r>
+              <a:rPr lang="en-US" altLang="zh-CN" dirty="0" err="1">
+                <a:sym typeface="+mn-ea"/>
+              </a:rPr>
+              <a:t>（即在文档中已经不占据位置</a:t>
+            </a:r>
+            <a:r>
+              <a:rPr lang="en-US" altLang="zh-CN" dirty="0">
+                <a:sym typeface="+mn-ea"/>
+              </a:rPr>
+              <a:t>）</a:t>
+            </a:r>
           </a:p>
           <a:p>
             <a:endParaRPr lang="zh-CN" altLang="en-US" dirty="0"/>
@@ -4149,6 +4104,13 @@
   <p:transition>
     <p:wipe dir="r"/>
   </p:transition>
+  <p:timing>
+    <p:tnLst>
+      <p:par>
+        <p:cTn id="1" dur="indefinite" restart="never" nodeType="tmRoot"/>
+      </p:par>
+    </p:tnLst>
+  </p:timing>
 </p:sld>
 </file>
 
@@ -4185,10 +4147,138 @@
           <a:lstStyle/>
           <a:p>
             <a:r>
-              <a:rPr lang="zh-CN" altLang="en-US" dirty="0" smtClean="0"/>
-              <a:t>作业</a:t>
-            </a:r>
-            <a:endParaRPr lang="zh-CN" altLang="en-US" dirty="0"/>
+              <a:rPr lang="zh-CN" altLang="en-US" dirty="0"/>
+              <a:t>一个简单的页面布局</a:t>
+            </a:r>
+          </a:p>
+        </p:txBody>
+      </p:sp>
+      <p:sp>
+        <p:nvSpPr>
+          <p:cNvPr id="3" name="副标题 2"/>
+          <p:cNvSpPr>
+            <a:spLocks noGrp="1"/>
+          </p:cNvSpPr>
+          <p:nvPr>
+            <p:ph type="subTitle" idx="1"/>
+          </p:nvPr>
+        </p:nvSpPr>
+        <p:spPr/>
+        <p:txBody>
+          <a:bodyPr>
+            <a:normAutofit fontScale="97500"/>
+          </a:bodyPr>
+          <a:lstStyle/>
+          <a:p>
+            <a:pPr marL="0" indent="0">
+              <a:buNone/>
+            </a:pPr>
+            <a:r>
+              <a:rPr lang="zh-CN" altLang="en-US" dirty="0"/>
+              <a:t>    &lt;div class="header"&gt;&lt;/div&gt;</a:t>
+            </a:r>
+          </a:p>
+          <a:p>
+            <a:pPr marL="0" indent="0">
+              <a:buNone/>
+            </a:pPr>
+            <a:r>
+              <a:rPr lang="zh-CN" altLang="en-US" dirty="0"/>
+              <a:t>    &lt;div class="center"&gt;</a:t>
+            </a:r>
+          </a:p>
+          <a:p>
+            <a:pPr marL="0" indent="0">
+              <a:buNone/>
+            </a:pPr>
+            <a:r>
+              <a:rPr lang="zh-CN" altLang="en-US" dirty="0"/>
+              <a:t>        &lt;div class="menu"&gt;&lt;/div&gt;</a:t>
+            </a:r>
+          </a:p>
+          <a:p>
+            <a:pPr marL="0" indent="0">
+              <a:buNone/>
+            </a:pPr>
+            <a:r>
+              <a:rPr lang="zh-CN" altLang="en-US" dirty="0"/>
+              <a:t>        &lt;div class="main"&gt;&lt;/div&gt;</a:t>
+            </a:r>
+          </a:p>
+          <a:p>
+            <a:pPr marL="0" indent="0">
+              <a:buNone/>
+            </a:pPr>
+            <a:r>
+              <a:rPr lang="zh-CN" altLang="en-US" dirty="0"/>
+              <a:t>    &lt;/div&gt;</a:t>
+            </a:r>
+          </a:p>
+          <a:p>
+            <a:pPr marL="0" indent="0">
+              <a:buNone/>
+            </a:pPr>
+            <a:r>
+              <a:rPr lang="zh-CN" altLang="en-US" dirty="0"/>
+              <a:t>    &lt;div class="footer"&gt;&lt;/div&gt;</a:t>
+            </a:r>
+          </a:p>
+        </p:txBody>
+      </p:sp>
+    </p:spTree>
+  </p:cSld>
+  <p:clrMapOvr>
+    <a:masterClrMapping/>
+  </p:clrMapOvr>
+  <p:transition>
+    <p:wipe dir="r"/>
+  </p:transition>
+  <p:timing>
+    <p:tnLst>
+      <p:par>
+        <p:cTn id="1" dur="indefinite" restart="never" nodeType="tmRoot"/>
+      </p:par>
+    </p:tnLst>
+  </p:timing>
+</p:sld>
+</file>
+
+<file path=ppt/slides/slide17.xml><?xml version="1.0" encoding="utf-8"?>
+<p:sld xmlns:a="http://schemas.openxmlformats.org/drawingml/2006/main" xmlns:r="http://schemas.openxmlformats.org/officeDocument/2006/relationships" xmlns:p="http://schemas.openxmlformats.org/presentationml/2006/main">
+  <p:cSld>
+    <p:spTree>
+      <p:nvGrpSpPr>
+        <p:cNvPr id="1" name=""/>
+        <p:cNvGrpSpPr/>
+        <p:nvPr/>
+      </p:nvGrpSpPr>
+      <p:grpSpPr>
+        <a:xfrm>
+          <a:off x="0" y="0"/>
+          <a:ext cx="0" cy="0"/>
+          <a:chOff x="0" y="0"/>
+          <a:chExt cx="0" cy="0"/>
+        </a:xfrm>
+      </p:grpSpPr>
+      <p:sp>
+        <p:nvSpPr>
+          <p:cNvPr id="2" name="标题 1"/>
+          <p:cNvSpPr>
+            <a:spLocks noGrp="1"/>
+          </p:cNvSpPr>
+          <p:nvPr>
+            <p:ph type="ctrTitle"/>
+          </p:nvPr>
+        </p:nvSpPr>
+        <p:spPr/>
+        <p:txBody>
+          <a:bodyPr/>
+          <a:lstStyle/>
+          <a:p>
+            <a:r>
+              <a:rPr lang="zh-CN" altLang="en-US"/>
+              <a:t>学习建议</a:t>
+            </a:r>
           </a:p>
         </p:txBody>
       </p:sp>
@@ -4213,6 +4303,178 @@
               <a:rPr lang="zh-CN" altLang="en-US" dirty="0">
                 <a:sym typeface="+mn-ea"/>
               </a:rPr>
+              <a:t>菜</a:t>
+            </a:r>
+            <a:r>
+              <a:rPr lang="zh-CN" altLang="en-US" dirty="0" smtClean="0">
+                <a:sym typeface="+mn-ea"/>
+              </a:rPr>
+              <a:t>鸟驿站（入门级）</a:t>
+            </a:r>
+            <a:endParaRPr lang="en-US" altLang="zh-CN" dirty="0" smtClean="0">
+              <a:sym typeface="+mn-ea"/>
+            </a:endParaRPr>
+          </a:p>
+          <a:p>
+            <a:pPr marL="0" indent="0">
+              <a:buNone/>
+            </a:pPr>
+            <a:r>
+              <a:rPr lang="en-US" altLang="zh-CN" dirty="0" smtClean="0">
+                <a:sym typeface="+mn-ea"/>
+              </a:rPr>
+              <a:t>	</a:t>
+            </a:r>
+            <a:r>
+              <a:rPr lang="en-US" altLang="zh-CN" dirty="0" smtClean="0">
+                <a:sym typeface="+mn-ea"/>
+                <a:hlinkClick r:id="rId2"/>
+              </a:rPr>
+              <a:t>http://www.runoob.com/</a:t>
+            </a:r>
+            <a:endParaRPr lang="en-US" altLang="zh-CN" dirty="0" smtClean="0">
+              <a:sym typeface="+mn-ea"/>
+            </a:endParaRPr>
+          </a:p>
+          <a:p>
+            <a:r>
+              <a:rPr lang="en-US" altLang="zh-CN" dirty="0"/>
+              <a:t>《CSS</a:t>
+            </a:r>
+            <a:r>
+              <a:rPr lang="zh-CN" altLang="en-US" dirty="0"/>
+              <a:t>权威指南</a:t>
+            </a:r>
+            <a:r>
+              <a:rPr lang="en-US" altLang="zh-CN" dirty="0" smtClean="0"/>
+              <a:t>》(</a:t>
+            </a:r>
+            <a:r>
+              <a:rPr lang="zh-CN" altLang="en-US" dirty="0" smtClean="0"/>
+              <a:t>工具书</a:t>
+            </a:r>
+            <a:r>
+              <a:rPr lang="en-US" altLang="zh-CN" dirty="0"/>
+              <a:t>)</a:t>
+            </a:r>
+            <a:r>
+              <a:rPr lang="zh-CN" altLang="en-US" dirty="0" smtClean="0"/>
+              <a:t>，有选择的去看</a:t>
+            </a:r>
+            <a:endParaRPr lang="en-US" altLang="zh-CN" dirty="0" smtClean="0">
+              <a:sym typeface="+mn-ea"/>
+            </a:endParaRPr>
+          </a:p>
+          <a:p>
+            <a:pPr latinLnBrk="1"/>
+            <a:r>
+              <a:rPr lang="zh-CN" altLang="en-US" dirty="0"/>
+              <a:t>读书好，多读书，读</a:t>
+            </a:r>
+            <a:r>
+              <a:rPr lang="zh-CN" altLang="en-US" dirty="0" smtClean="0"/>
+              <a:t>好书</a:t>
+            </a:r>
+            <a:r>
+              <a:rPr lang="en-US" altLang="zh-CN" b="1" dirty="0"/>
+              <a:t>	</a:t>
+            </a:r>
+            <a:r>
+              <a:rPr lang="en-US" altLang="zh-CN" b="1" dirty="0" smtClean="0"/>
+              <a:t>		——</a:t>
+            </a:r>
+            <a:r>
+              <a:rPr lang="zh-CN" altLang="en-US" b="1" dirty="0" smtClean="0"/>
+              <a:t>冰心</a:t>
+            </a:r>
+            <a:endParaRPr lang="zh-CN" altLang="en-US" dirty="0">
+              <a:sym typeface="+mn-ea"/>
+            </a:endParaRPr>
+          </a:p>
+          <a:p>
+            <a:endParaRPr lang="zh-CN" altLang="en-US" dirty="0"/>
+          </a:p>
+        </p:txBody>
+      </p:sp>
+    </p:spTree>
+  </p:cSld>
+  <p:clrMapOvr>
+    <a:masterClrMapping/>
+  </p:clrMapOvr>
+  <p:transition>
+    <p:wipe dir="r"/>
+  </p:transition>
+  <p:timing>
+    <p:tnLst>
+      <p:par>
+        <p:cTn id="1" dur="indefinite" restart="never" nodeType="tmRoot"/>
+      </p:par>
+    </p:tnLst>
+  </p:timing>
+</p:sld>
+</file>
+
+<file path=ppt/slides/slide18.xml><?xml version="1.0" encoding="utf-8"?>
+<p:sld xmlns:a="http://schemas.openxmlformats.org/drawingml/2006/main" xmlns:r="http://schemas.openxmlformats.org/officeDocument/2006/relationships" xmlns:p="http://schemas.openxmlformats.org/presentationml/2006/main">
+  <p:cSld>
+    <p:spTree>
+      <p:nvGrpSpPr>
+        <p:cNvPr id="1" name=""/>
+        <p:cNvGrpSpPr/>
+        <p:nvPr/>
+      </p:nvGrpSpPr>
+      <p:grpSpPr>
+        <a:xfrm>
+          <a:off x="0" y="0"/>
+          <a:ext cx="0" cy="0"/>
+          <a:chOff x="0" y="0"/>
+          <a:chExt cx="0" cy="0"/>
+        </a:xfrm>
+      </p:grpSpPr>
+      <p:sp>
+        <p:nvSpPr>
+          <p:cNvPr id="2" name="标题 1"/>
+          <p:cNvSpPr>
+            <a:spLocks noGrp="1"/>
+          </p:cNvSpPr>
+          <p:nvPr>
+            <p:ph type="ctrTitle"/>
+          </p:nvPr>
+        </p:nvSpPr>
+        <p:spPr/>
+        <p:txBody>
+          <a:bodyPr/>
+          <a:lstStyle/>
+          <a:p>
+            <a:r>
+              <a:rPr lang="zh-CN" altLang="en-US" dirty="0" smtClean="0"/>
+              <a:t>作业</a:t>
+            </a:r>
+            <a:endParaRPr lang="zh-CN" altLang="en-US" dirty="0"/>
+          </a:p>
+        </p:txBody>
+      </p:sp>
+      <p:sp>
+        <p:nvSpPr>
+          <p:cNvPr id="3" name="副标题 2"/>
+          <p:cNvSpPr>
+            <a:spLocks noGrp="1"/>
+          </p:cNvSpPr>
+          <p:nvPr>
+            <p:ph type="subTitle" idx="1"/>
+          </p:nvPr>
+        </p:nvSpPr>
+        <p:spPr/>
+        <p:txBody>
+          <a:bodyPr>
+            <a:normAutofit/>
+          </a:bodyPr>
+          <a:lstStyle/>
+          <a:p>
+            <a:r>
+              <a:rPr lang="zh-CN" altLang="en-US" dirty="0">
+                <a:sym typeface="+mn-ea"/>
+              </a:rPr>
               <a:t>使</a:t>
             </a:r>
             <a:r>
@@ -4231,13 +4493,7 @@
               <a:rPr lang="zh-CN" altLang="en-US" dirty="0" smtClean="0">
                 <a:sym typeface="+mn-ea"/>
               </a:rPr>
-              <a:t>将页面分割成上中下三部分，中间分为左右两部分（考核点：样式与结构分离、命名规范、界面好看有加分</a:t>
-            </a:r>
-            <a:r>
-              <a:rPr lang="zh-CN" altLang="en-US" dirty="0" smtClean="0">
-                <a:sym typeface="+mn-ea"/>
-              </a:rPr>
-              <a:t>）</a:t>
+              <a:t>将页面分割成上中下三部分，中间分为左右两部分（考核点：样式与结构分离、命名规范、界面好看有加分）</a:t>
             </a:r>
             <a:endParaRPr lang="en-US" altLang="zh-CN" dirty="0" smtClean="0">
               <a:sym typeface="+mn-ea"/>
@@ -4342,12 +4598,27 @@
   <p:transition>
     <p:wipe dir="r"/>
   </p:transition>
+  <p:timing>
+    <p:tnLst>
+      <p:par>
+        <p:cTn id="1" dur="indefinite" restart="never" nodeType="tmRoot"/>
+      </p:par>
+    </p:tnLst>
+  </p:timing>
 </p:sld>
 </file>
 
-<file path=ppt/slides/slide17.xml><?xml version="1.0" encoding="utf-8"?>
+<file path=ppt/slides/slide19.xml><?xml version="1.0" encoding="utf-8"?>
 <p:sld xmlns:a="http://schemas.openxmlformats.org/drawingml/2006/main" xmlns:r="http://schemas.openxmlformats.org/officeDocument/2006/relationships" xmlns:p="http://schemas.openxmlformats.org/presentationml/2006/main">
   <p:cSld>
+    <p:bg>
+      <p:bgPr>
+        <a:solidFill>
+          <a:srgbClr val="00B0F0"/>
+        </a:solidFill>
+        <a:effectLst/>
+      </p:bgPr>
+    </p:bg>
     <p:spTree>
       <p:nvGrpSpPr>
         <p:cNvPr id="1" name=""/>
@@ -4402,1787 +4673,15 @@
   <p:clrMapOvr>
     <a:masterClrMapping/>
   </p:clrMapOvr>
-</p:sld>
-</file>
-
-<file path=ppt/slides/slide18.xml><?xml version="1.0" encoding="utf-8"?>
-<p:sld xmlns:a="http://schemas.openxmlformats.org/drawingml/2006/main" xmlns:r="http://schemas.openxmlformats.org/officeDocument/2006/relationships" xmlns:p="http://schemas.openxmlformats.org/presentationml/2006/main">
-  <p:cSld>
-    <p:spTree>
-      <p:nvGrpSpPr>
-        <p:cNvPr id="1" name=""/>
-        <p:cNvGrpSpPr/>
-        <p:nvPr/>
-      </p:nvGrpSpPr>
-      <p:grpSpPr>
-        <a:xfrm>
-          <a:off x="0" y="0"/>
-          <a:ext cx="0" cy="0"/>
-          <a:chOff x="0" y="0"/>
-          <a:chExt cx="0" cy="0"/>
-        </a:xfrm>
-      </p:grpSpPr>
-      <p:sp>
-        <p:nvSpPr>
-          <p:cNvPr id="16" name="文本框 15"/>
-          <p:cNvSpPr txBox="1"/>
-          <p:nvPr/>
-        </p:nvSpPr>
-        <p:spPr>
-          <a:xfrm>
-            <a:off x="3951824" y="2521036"/>
-            <a:ext cx="4754880" cy="1310640"/>
-          </a:xfrm>
-          <a:prstGeom prst="rect">
-            <a:avLst/>
-          </a:prstGeom>
-          <a:noFill/>
-          <a:effectLst>
-            <a:outerShdw blurRad="114300" dist="38100" dir="5460000" algn="tr" rotWithShape="0">
-              <a:prstClr val="black">
-                <a:alpha val="16000"/>
-              </a:prstClr>
-            </a:outerShdw>
-          </a:effectLst>
-        </p:spPr>
-        <p:txBody>
-          <a:bodyPr wrap="none" rtlCol="0">
-            <a:spAutoFit/>
-          </a:bodyPr>
-          <a:lstStyle/>
-          <a:p>
-            <a:r>
-              <a:rPr lang="zh-CN" altLang="en-US" sz="8000" dirty="0" smtClean="0">
-                <a:solidFill>
-                  <a:schemeClr val="bg1"/>
-                </a:solidFill>
-                <a:latin typeface="方正正纤黑简体" panose="02000000000000000000" pitchFamily="2" charset="-122"/>
-                <a:ea typeface="方正正纤黑简体" panose="02000000000000000000" pitchFamily="2" charset="-122"/>
-              </a:rPr>
-              <a:t>谢谢大家</a:t>
-            </a:r>
-            <a:r>
-              <a:rPr lang="en-US" altLang="zh-CN" sz="8000" dirty="0" smtClean="0">
-                <a:solidFill>
-                  <a:schemeClr val="bg1"/>
-                </a:solidFill>
-                <a:latin typeface="方正正纤黑简体" panose="02000000000000000000" pitchFamily="2" charset="-122"/>
-                <a:ea typeface="方正正纤黑简体" panose="02000000000000000000" pitchFamily="2" charset="-122"/>
-              </a:rPr>
-              <a:t>!</a:t>
-            </a:r>
-          </a:p>
-        </p:txBody>
-      </p:sp>
-      <p:sp>
-        <p:nvSpPr>
-          <p:cNvPr id="27" name="六边形 26"/>
-          <p:cNvSpPr/>
-          <p:nvPr/>
-        </p:nvSpPr>
-        <p:spPr>
-          <a:xfrm rot="5400000">
-            <a:off x="3977317" y="5593935"/>
-            <a:ext cx="4237367" cy="3616159"/>
-          </a:xfrm>
-          <a:prstGeom prst="hexagon">
-            <a:avLst>
-              <a:gd name="adj" fmla="val 27952"/>
-              <a:gd name="vf" fmla="val 115470"/>
-            </a:avLst>
-          </a:prstGeom>
-          <a:gradFill flip="none" rotWithShape="1">
-            <a:gsLst>
-              <a:gs pos="0">
-                <a:srgbClr val="FBFBFB"/>
-              </a:gs>
-              <a:gs pos="100000">
-                <a:srgbClr val="E1E1E1"/>
-              </a:gs>
-            </a:gsLst>
-            <a:lin ang="18900000" scaled="1"/>
-            <a:tileRect/>
-          </a:gradFill>
-          <a:ln w="38100">
-            <a:gradFill>
-              <a:gsLst>
-                <a:gs pos="0">
-                  <a:srgbClr val="FCFCFC"/>
-                </a:gs>
-                <a:gs pos="100000">
-                  <a:srgbClr val="E1E1E1"/>
-                </a:gs>
-              </a:gsLst>
-              <a:lin ang="5400000" scaled="1"/>
-            </a:gradFill>
-          </a:ln>
-          <a:effectLst>
-            <a:outerShdw blurRad="901700" dist="927100" dir="11040000" sx="91000" sy="91000" algn="tr" rotWithShape="0">
-              <a:prstClr val="black">
-                <a:alpha val="5000"/>
-              </a:prstClr>
-            </a:outerShdw>
-          </a:effectLst>
-        </p:spPr>
-        <p:style>
-          <a:lnRef idx="2">
-            <a:schemeClr val="accent1">
-              <a:shade val="50000"/>
-            </a:schemeClr>
-          </a:lnRef>
-          <a:fillRef idx="1">
-            <a:schemeClr val="accent1"/>
-          </a:fillRef>
-          <a:effectRef idx="0">
-            <a:schemeClr val="accent1"/>
-          </a:effectRef>
-          <a:fontRef idx="minor">
-            <a:schemeClr val="lt1"/>
-          </a:fontRef>
-        </p:style>
-        <p:txBody>
-          <a:bodyPr rtlCol="0" anchor="ctr"/>
-          <a:lstStyle/>
-          <a:p>
-            <a:pPr algn="ctr"/>
-            <a:endParaRPr lang="zh-CN" altLang="en-US"/>
-          </a:p>
-        </p:txBody>
-      </p:sp>
-      <p:sp>
-        <p:nvSpPr>
-          <p:cNvPr id="28" name="六边形 27"/>
-          <p:cNvSpPr/>
-          <p:nvPr/>
-        </p:nvSpPr>
-        <p:spPr>
-          <a:xfrm rot="5400000" flipH="1">
-            <a:off x="2583546" y="7014855"/>
-            <a:ext cx="3207864" cy="2737582"/>
-          </a:xfrm>
-          <a:prstGeom prst="hexagon">
-            <a:avLst>
-              <a:gd name="adj" fmla="val 27952"/>
-              <a:gd name="vf" fmla="val 115470"/>
-            </a:avLst>
-          </a:prstGeom>
-          <a:gradFill flip="none" rotWithShape="1">
-            <a:gsLst>
-              <a:gs pos="0">
-                <a:srgbClr val="FBFBFB"/>
-              </a:gs>
-              <a:gs pos="100000">
-                <a:srgbClr val="E1E1E1"/>
-              </a:gs>
-            </a:gsLst>
-            <a:lin ang="18900000" scaled="1"/>
-            <a:tileRect/>
-          </a:gradFill>
-          <a:ln w="38100">
-            <a:gradFill>
-              <a:gsLst>
-                <a:gs pos="0">
-                  <a:srgbClr val="FCFCFC"/>
-                </a:gs>
-                <a:gs pos="100000">
-                  <a:srgbClr val="E1E1E1"/>
-                </a:gs>
-              </a:gsLst>
-              <a:lin ang="5400000" scaled="1"/>
-            </a:gradFill>
-          </a:ln>
-          <a:effectLst>
-            <a:outerShdw blurRad="901700" dist="927100" dir="11040000" sx="91000" sy="91000" algn="tr" rotWithShape="0">
-              <a:prstClr val="black">
-                <a:alpha val="5000"/>
-              </a:prstClr>
-            </a:outerShdw>
-          </a:effectLst>
-        </p:spPr>
-        <p:style>
-          <a:lnRef idx="2">
-            <a:schemeClr val="accent1">
-              <a:shade val="50000"/>
-            </a:schemeClr>
-          </a:lnRef>
-          <a:fillRef idx="1">
-            <a:schemeClr val="accent1"/>
-          </a:fillRef>
-          <a:effectRef idx="0">
-            <a:schemeClr val="accent1"/>
-          </a:effectRef>
-          <a:fontRef idx="minor">
-            <a:schemeClr val="lt1"/>
-          </a:fontRef>
-        </p:style>
-        <p:txBody>
-          <a:bodyPr rtlCol="0" anchor="ctr"/>
-          <a:lstStyle/>
-          <a:p>
-            <a:pPr algn="ctr"/>
-            <a:endParaRPr lang="zh-CN" altLang="en-US"/>
-          </a:p>
-        </p:txBody>
-      </p:sp>
-      <p:sp>
-        <p:nvSpPr>
-          <p:cNvPr id="29" name="六边形 28"/>
-          <p:cNvSpPr/>
-          <p:nvPr/>
-        </p:nvSpPr>
-        <p:spPr>
-          <a:xfrm rot="5400000" flipH="1">
-            <a:off x="3405372" y="5833227"/>
-            <a:ext cx="1188193" cy="1014000"/>
-          </a:xfrm>
-          <a:prstGeom prst="hexagon">
-            <a:avLst>
-              <a:gd name="adj" fmla="val 27952"/>
-              <a:gd name="vf" fmla="val 115470"/>
-            </a:avLst>
-          </a:prstGeom>
-          <a:gradFill flip="none" rotWithShape="1">
-            <a:gsLst>
-              <a:gs pos="0">
-                <a:srgbClr val="FBFBFB"/>
-              </a:gs>
-              <a:gs pos="100000">
-                <a:srgbClr val="E1E1E1"/>
-              </a:gs>
-            </a:gsLst>
-            <a:lin ang="18900000" scaled="1"/>
-            <a:tileRect/>
-          </a:gradFill>
-          <a:ln w="38100">
-            <a:gradFill>
-              <a:gsLst>
-                <a:gs pos="0">
-                  <a:srgbClr val="FCFCFC"/>
-                </a:gs>
-                <a:gs pos="100000">
-                  <a:srgbClr val="E1E1E1"/>
-                </a:gs>
-              </a:gsLst>
-              <a:lin ang="5400000" scaled="1"/>
-            </a:gradFill>
-          </a:ln>
-          <a:effectLst>
-            <a:outerShdw blurRad="901700" dist="927100" dir="11040000" sx="91000" sy="91000" algn="tr" rotWithShape="0">
-              <a:prstClr val="black">
-                <a:alpha val="5000"/>
-              </a:prstClr>
-            </a:outerShdw>
-          </a:effectLst>
-        </p:spPr>
-        <p:style>
-          <a:lnRef idx="2">
-            <a:schemeClr val="accent1">
-              <a:shade val="50000"/>
-            </a:schemeClr>
-          </a:lnRef>
-          <a:fillRef idx="1">
-            <a:schemeClr val="accent1"/>
-          </a:fillRef>
-          <a:effectRef idx="0">
-            <a:schemeClr val="accent1"/>
-          </a:effectRef>
-          <a:fontRef idx="minor">
-            <a:schemeClr val="lt1"/>
-          </a:fontRef>
-        </p:style>
-        <p:txBody>
-          <a:bodyPr rtlCol="0" anchor="ctr"/>
-          <a:lstStyle/>
-          <a:p>
-            <a:pPr algn="ctr"/>
-            <a:endParaRPr lang="zh-CN" altLang="en-US"/>
-          </a:p>
-        </p:txBody>
-      </p:sp>
-      <p:sp>
-        <p:nvSpPr>
-          <p:cNvPr id="30" name="六边形 29"/>
-          <p:cNvSpPr/>
-          <p:nvPr/>
-        </p:nvSpPr>
-        <p:spPr>
-          <a:xfrm rot="5400000" flipH="1">
-            <a:off x="8280493" y="5239130"/>
-            <a:ext cx="1188193" cy="1014000"/>
-          </a:xfrm>
-          <a:prstGeom prst="hexagon">
-            <a:avLst>
-              <a:gd name="adj" fmla="val 27952"/>
-              <a:gd name="vf" fmla="val 115470"/>
-            </a:avLst>
-          </a:prstGeom>
-          <a:gradFill flip="none" rotWithShape="1">
-            <a:gsLst>
-              <a:gs pos="0">
-                <a:srgbClr val="FBFBFB"/>
-              </a:gs>
-              <a:gs pos="100000">
-                <a:srgbClr val="E1E1E1"/>
-              </a:gs>
-            </a:gsLst>
-            <a:lin ang="18900000" scaled="1"/>
-            <a:tileRect/>
-          </a:gradFill>
-          <a:ln w="38100">
-            <a:gradFill>
-              <a:gsLst>
-                <a:gs pos="0">
-                  <a:srgbClr val="FCFCFC"/>
-                </a:gs>
-                <a:gs pos="100000">
-                  <a:srgbClr val="E1E1E1"/>
-                </a:gs>
-              </a:gsLst>
-              <a:lin ang="5400000" scaled="1"/>
-            </a:gradFill>
-          </a:ln>
-          <a:effectLst>
-            <a:outerShdw blurRad="901700" dist="927100" dir="11040000" sx="91000" sy="91000" algn="tr" rotWithShape="0">
-              <a:prstClr val="black">
-                <a:alpha val="5000"/>
-              </a:prstClr>
-            </a:outerShdw>
-          </a:effectLst>
-        </p:spPr>
-        <p:style>
-          <a:lnRef idx="2">
-            <a:schemeClr val="accent1">
-              <a:shade val="50000"/>
-            </a:schemeClr>
-          </a:lnRef>
-          <a:fillRef idx="1">
-            <a:schemeClr val="accent1"/>
-          </a:fillRef>
-          <a:effectRef idx="0">
-            <a:schemeClr val="accent1"/>
-          </a:effectRef>
-          <a:fontRef idx="minor">
-            <a:schemeClr val="lt1"/>
-          </a:fontRef>
-        </p:style>
-        <p:txBody>
-          <a:bodyPr rtlCol="0" anchor="ctr"/>
-          <a:lstStyle/>
-          <a:p>
-            <a:pPr algn="ctr"/>
-            <a:endParaRPr lang="zh-CN" altLang="en-US"/>
-          </a:p>
-        </p:txBody>
-      </p:sp>
-      <p:sp>
-        <p:nvSpPr>
-          <p:cNvPr id="31" name="六边形 30"/>
-          <p:cNvSpPr/>
-          <p:nvPr/>
-        </p:nvSpPr>
-        <p:spPr>
-          <a:xfrm rot="5400000" flipH="1">
-            <a:off x="8812784" y="6406577"/>
-            <a:ext cx="1689837" cy="1442102"/>
-          </a:xfrm>
-          <a:prstGeom prst="hexagon">
-            <a:avLst>
-              <a:gd name="adj" fmla="val 27952"/>
-              <a:gd name="vf" fmla="val 115470"/>
-            </a:avLst>
-          </a:prstGeom>
-          <a:gradFill flip="none" rotWithShape="1">
-            <a:gsLst>
-              <a:gs pos="0">
-                <a:srgbClr val="FBFBFB"/>
-              </a:gs>
-              <a:gs pos="100000">
-                <a:srgbClr val="E1E1E1"/>
-              </a:gs>
-            </a:gsLst>
-            <a:lin ang="18900000" scaled="1"/>
-            <a:tileRect/>
-          </a:gradFill>
-          <a:ln w="38100">
-            <a:gradFill>
-              <a:gsLst>
-                <a:gs pos="0">
-                  <a:srgbClr val="FCFCFC"/>
-                </a:gs>
-                <a:gs pos="100000">
-                  <a:srgbClr val="E1E1E1"/>
-                </a:gs>
-              </a:gsLst>
-              <a:lin ang="5400000" scaled="1"/>
-            </a:gradFill>
-          </a:ln>
-          <a:effectLst>
-            <a:outerShdw blurRad="901700" dist="927100" dir="11040000" sx="91000" sy="91000" algn="tr" rotWithShape="0">
-              <a:prstClr val="black">
-                <a:alpha val="5000"/>
-              </a:prstClr>
-            </a:outerShdw>
-          </a:effectLst>
-        </p:spPr>
-        <p:style>
-          <a:lnRef idx="2">
-            <a:schemeClr val="accent1">
-              <a:shade val="50000"/>
-            </a:schemeClr>
-          </a:lnRef>
-          <a:fillRef idx="1">
-            <a:schemeClr val="accent1"/>
-          </a:fillRef>
-          <a:effectRef idx="0">
-            <a:schemeClr val="accent1"/>
-          </a:effectRef>
-          <a:fontRef idx="minor">
-            <a:schemeClr val="lt1"/>
-          </a:fontRef>
-        </p:style>
-        <p:txBody>
-          <a:bodyPr rtlCol="0" anchor="ctr"/>
-          <a:lstStyle/>
-          <a:p>
-            <a:pPr algn="ctr"/>
-            <a:endParaRPr lang="zh-CN" altLang="en-US"/>
-          </a:p>
-        </p:txBody>
-      </p:sp>
-      <p:sp>
-        <p:nvSpPr>
-          <p:cNvPr id="32" name="六边形 31"/>
-          <p:cNvSpPr/>
-          <p:nvPr/>
-        </p:nvSpPr>
-        <p:spPr>
-          <a:xfrm rot="5400000" flipH="1">
-            <a:off x="9827152" y="6349133"/>
-            <a:ext cx="2635986" cy="2249543"/>
-          </a:xfrm>
-          <a:prstGeom prst="hexagon">
-            <a:avLst>
-              <a:gd name="adj" fmla="val 27952"/>
-              <a:gd name="vf" fmla="val 115470"/>
-            </a:avLst>
-          </a:prstGeom>
-          <a:gradFill flip="none" rotWithShape="1">
-            <a:gsLst>
-              <a:gs pos="0">
-                <a:srgbClr val="FBFBFB"/>
-              </a:gs>
-              <a:gs pos="100000">
-                <a:srgbClr val="E1E1E1"/>
-              </a:gs>
-            </a:gsLst>
-            <a:lin ang="18900000" scaled="1"/>
-            <a:tileRect/>
-          </a:gradFill>
-          <a:ln w="38100">
-            <a:gradFill>
-              <a:gsLst>
-                <a:gs pos="0">
-                  <a:srgbClr val="FCFCFC"/>
-                </a:gs>
-                <a:gs pos="100000">
-                  <a:srgbClr val="E1E1E1"/>
-                </a:gs>
-              </a:gsLst>
-              <a:lin ang="5400000" scaled="1"/>
-            </a:gradFill>
-          </a:ln>
-          <a:effectLst>
-            <a:outerShdw blurRad="901700" dist="927100" dir="11040000" sx="91000" sy="91000" algn="tr" rotWithShape="0">
-              <a:prstClr val="black">
-                <a:alpha val="5000"/>
-              </a:prstClr>
-            </a:outerShdw>
-          </a:effectLst>
-        </p:spPr>
-        <p:style>
-          <a:lnRef idx="2">
-            <a:schemeClr val="accent1">
-              <a:shade val="50000"/>
-            </a:schemeClr>
-          </a:lnRef>
-          <a:fillRef idx="1">
-            <a:schemeClr val="accent1"/>
-          </a:fillRef>
-          <a:effectRef idx="0">
-            <a:schemeClr val="accent1"/>
-          </a:effectRef>
-          <a:fontRef idx="minor">
-            <a:schemeClr val="lt1"/>
-          </a:fontRef>
-        </p:style>
-        <p:txBody>
-          <a:bodyPr rtlCol="0" anchor="ctr"/>
-          <a:lstStyle/>
-          <a:p>
-            <a:pPr algn="ctr"/>
-            <a:endParaRPr lang="zh-CN" altLang="en-US"/>
-          </a:p>
-        </p:txBody>
-      </p:sp>
-      <p:sp>
-        <p:nvSpPr>
-          <p:cNvPr id="33" name="六边形 32"/>
-          <p:cNvSpPr/>
-          <p:nvPr/>
-        </p:nvSpPr>
-        <p:spPr>
-          <a:xfrm rot="5400000" flipH="1">
-            <a:off x="1957338" y="6647237"/>
-            <a:ext cx="1833900" cy="1565045"/>
-          </a:xfrm>
-          <a:prstGeom prst="hexagon">
-            <a:avLst>
-              <a:gd name="adj" fmla="val 27952"/>
-              <a:gd name="vf" fmla="val 115470"/>
-            </a:avLst>
-          </a:prstGeom>
-          <a:gradFill flip="none" rotWithShape="1">
-            <a:gsLst>
-              <a:gs pos="0">
-                <a:srgbClr val="FBFBFB"/>
-              </a:gs>
-              <a:gs pos="100000">
-                <a:srgbClr val="E1E1E1"/>
-              </a:gs>
-            </a:gsLst>
-            <a:lin ang="18900000" scaled="1"/>
-            <a:tileRect/>
-          </a:gradFill>
-          <a:ln w="38100">
-            <a:gradFill>
-              <a:gsLst>
-                <a:gs pos="0">
-                  <a:srgbClr val="FCFCFC"/>
-                </a:gs>
-                <a:gs pos="100000">
-                  <a:srgbClr val="E1E1E1"/>
-                </a:gs>
-              </a:gsLst>
-              <a:lin ang="5400000" scaled="1"/>
-            </a:gradFill>
-          </a:ln>
-          <a:effectLst>
-            <a:outerShdw blurRad="901700" dist="927100" dir="11040000" sx="91000" sy="91000" algn="tr" rotWithShape="0">
-              <a:prstClr val="black">
-                <a:alpha val="5000"/>
-              </a:prstClr>
-            </a:outerShdw>
-          </a:effectLst>
-        </p:spPr>
-        <p:style>
-          <a:lnRef idx="2">
-            <a:schemeClr val="accent1">
-              <a:shade val="50000"/>
-            </a:schemeClr>
-          </a:lnRef>
-          <a:fillRef idx="1">
-            <a:schemeClr val="accent1"/>
-          </a:fillRef>
-          <a:effectRef idx="0">
-            <a:schemeClr val="accent1"/>
-          </a:effectRef>
-          <a:fontRef idx="minor">
-            <a:schemeClr val="lt1"/>
-          </a:fontRef>
-        </p:style>
-        <p:txBody>
-          <a:bodyPr rtlCol="0" anchor="ctr"/>
-          <a:lstStyle/>
-          <a:p>
-            <a:pPr algn="ctr"/>
-            <a:endParaRPr lang="zh-CN" altLang="en-US"/>
-          </a:p>
-        </p:txBody>
-      </p:sp>
-      <p:sp>
-        <p:nvSpPr>
-          <p:cNvPr id="34" name="六边形 33"/>
-          <p:cNvSpPr/>
-          <p:nvPr/>
-        </p:nvSpPr>
-        <p:spPr>
-          <a:xfrm rot="5400000" flipH="1">
-            <a:off x="-300354" y="5341249"/>
-            <a:ext cx="2581335" cy="2202903"/>
-          </a:xfrm>
-          <a:prstGeom prst="hexagon">
-            <a:avLst>
-              <a:gd name="adj" fmla="val 27952"/>
-              <a:gd name="vf" fmla="val 115470"/>
-            </a:avLst>
-          </a:prstGeom>
-          <a:gradFill flip="none" rotWithShape="1">
-            <a:gsLst>
-              <a:gs pos="0">
-                <a:srgbClr val="FBFBFB"/>
-              </a:gs>
-              <a:gs pos="100000">
-                <a:srgbClr val="E1E1E1"/>
-              </a:gs>
-            </a:gsLst>
-            <a:lin ang="18900000" scaled="1"/>
-            <a:tileRect/>
-          </a:gradFill>
-          <a:ln w="38100">
-            <a:gradFill>
-              <a:gsLst>
-                <a:gs pos="0">
-                  <a:srgbClr val="FCFCFC"/>
-                </a:gs>
-                <a:gs pos="100000">
-                  <a:srgbClr val="E1E1E1"/>
-                </a:gs>
-              </a:gsLst>
-              <a:lin ang="5400000" scaled="1"/>
-            </a:gradFill>
-          </a:ln>
-          <a:effectLst>
-            <a:outerShdw blurRad="901700" dist="927100" dir="11040000" sx="91000" sy="91000" algn="tr" rotWithShape="0">
-              <a:prstClr val="black">
-                <a:alpha val="5000"/>
-              </a:prstClr>
-            </a:outerShdw>
-          </a:effectLst>
-        </p:spPr>
-        <p:style>
-          <a:lnRef idx="2">
-            <a:schemeClr val="accent1">
-              <a:shade val="50000"/>
-            </a:schemeClr>
-          </a:lnRef>
-          <a:fillRef idx="1">
-            <a:schemeClr val="accent1"/>
-          </a:fillRef>
-          <a:effectRef idx="0">
-            <a:schemeClr val="accent1"/>
-          </a:effectRef>
-          <a:fontRef idx="minor">
-            <a:schemeClr val="lt1"/>
-          </a:fontRef>
-        </p:style>
-        <p:txBody>
-          <a:bodyPr rtlCol="0" anchor="ctr"/>
-          <a:lstStyle/>
-          <a:p>
-            <a:pPr algn="ctr"/>
-            <a:endParaRPr lang="zh-CN" altLang="en-US"/>
-          </a:p>
-        </p:txBody>
-      </p:sp>
-      <p:sp>
-        <p:nvSpPr>
-          <p:cNvPr id="35" name="六边形 34"/>
-          <p:cNvSpPr/>
-          <p:nvPr/>
-        </p:nvSpPr>
-        <p:spPr>
-          <a:xfrm rot="5400000" flipH="1">
-            <a:off x="8480954" y="6906027"/>
-            <a:ext cx="519340" cy="443204"/>
-          </a:xfrm>
-          <a:prstGeom prst="hexagon">
-            <a:avLst>
-              <a:gd name="adj" fmla="val 27952"/>
-              <a:gd name="vf" fmla="val 115470"/>
-            </a:avLst>
-          </a:prstGeom>
-          <a:gradFill flip="none" rotWithShape="1">
-            <a:gsLst>
-              <a:gs pos="0">
-                <a:srgbClr val="FBFBFB"/>
-              </a:gs>
-              <a:gs pos="100000">
-                <a:srgbClr val="E1E1E1"/>
-              </a:gs>
-            </a:gsLst>
-            <a:lin ang="18900000" scaled="1"/>
-            <a:tileRect/>
-          </a:gradFill>
-          <a:ln w="38100">
-            <a:gradFill>
-              <a:gsLst>
-                <a:gs pos="0">
-                  <a:srgbClr val="FCFCFC"/>
-                </a:gs>
-                <a:gs pos="100000">
-                  <a:srgbClr val="E1E1E1"/>
-                </a:gs>
-              </a:gsLst>
-              <a:lin ang="5400000" scaled="1"/>
-            </a:gradFill>
-          </a:ln>
-          <a:effectLst>
-            <a:outerShdw blurRad="901700" dist="927100" dir="11040000" sx="91000" sy="91000" algn="tr" rotWithShape="0">
-              <a:prstClr val="black">
-                <a:alpha val="5000"/>
-              </a:prstClr>
-            </a:outerShdw>
-          </a:effectLst>
-        </p:spPr>
-        <p:style>
-          <a:lnRef idx="2">
-            <a:schemeClr val="accent1">
-              <a:shade val="50000"/>
-            </a:schemeClr>
-          </a:lnRef>
-          <a:fillRef idx="1">
-            <a:schemeClr val="accent1"/>
-          </a:fillRef>
-          <a:effectRef idx="0">
-            <a:schemeClr val="accent1"/>
-          </a:effectRef>
-          <a:fontRef idx="minor">
-            <a:schemeClr val="lt1"/>
-          </a:fontRef>
-        </p:style>
-        <p:txBody>
-          <a:bodyPr rtlCol="0" anchor="ctr"/>
-          <a:lstStyle/>
-          <a:p>
-            <a:pPr algn="ctr"/>
-            <a:endParaRPr lang="zh-CN" altLang="en-US"/>
-          </a:p>
-        </p:txBody>
-      </p:sp>
-      <p:sp>
-        <p:nvSpPr>
-          <p:cNvPr id="36" name="六边形 35"/>
-          <p:cNvSpPr/>
-          <p:nvPr/>
-        </p:nvSpPr>
-        <p:spPr>
-          <a:xfrm rot="5400000" flipH="1">
-            <a:off x="7644409" y="5524526"/>
-            <a:ext cx="519344" cy="443208"/>
-          </a:xfrm>
-          <a:prstGeom prst="hexagon">
-            <a:avLst>
-              <a:gd name="adj" fmla="val 27952"/>
-              <a:gd name="vf" fmla="val 115470"/>
-            </a:avLst>
-          </a:prstGeom>
-          <a:gradFill flip="none" rotWithShape="1">
-            <a:gsLst>
-              <a:gs pos="0">
-                <a:srgbClr val="FBFBFB"/>
-              </a:gs>
-              <a:gs pos="100000">
-                <a:srgbClr val="E1E1E1"/>
-              </a:gs>
-            </a:gsLst>
-            <a:lin ang="18900000" scaled="1"/>
-            <a:tileRect/>
-          </a:gradFill>
-          <a:ln w="38100">
-            <a:gradFill>
-              <a:gsLst>
-                <a:gs pos="0">
-                  <a:srgbClr val="FCFCFC"/>
-                </a:gs>
-                <a:gs pos="100000">
-                  <a:srgbClr val="E1E1E1"/>
-                </a:gs>
-              </a:gsLst>
-              <a:lin ang="5400000" scaled="1"/>
-            </a:gradFill>
-          </a:ln>
-          <a:effectLst>
-            <a:outerShdw blurRad="901700" dist="927100" dir="11040000" sx="91000" sy="91000" algn="tr" rotWithShape="0">
-              <a:prstClr val="black">
-                <a:alpha val="5000"/>
-              </a:prstClr>
-            </a:outerShdw>
-          </a:effectLst>
-        </p:spPr>
-        <p:style>
-          <a:lnRef idx="2">
-            <a:schemeClr val="accent1">
-              <a:shade val="50000"/>
-            </a:schemeClr>
-          </a:lnRef>
-          <a:fillRef idx="1">
-            <a:schemeClr val="accent1"/>
-          </a:fillRef>
-          <a:effectRef idx="0">
-            <a:schemeClr val="accent1"/>
-          </a:effectRef>
-          <a:fontRef idx="minor">
-            <a:schemeClr val="lt1"/>
-          </a:fontRef>
-        </p:style>
-        <p:txBody>
-          <a:bodyPr rtlCol="0" anchor="ctr"/>
-          <a:lstStyle/>
-          <a:p>
-            <a:pPr algn="ctr"/>
-            <a:endParaRPr lang="zh-CN" altLang="en-US"/>
-          </a:p>
-        </p:txBody>
-      </p:sp>
-    </p:spTree>
-  </p:cSld>
-  <p:clrMapOvr>
-    <a:masterClrMapping/>
-  </p:clrMapOvr>
+  <p:transition>
+    <p:wipe dir="r"/>
+  </p:transition>
   <p:timing>
     <p:tnLst>
       <p:par>
-        <p:cTn id="1" dur="indefinite" restart="never" nodeType="tmRoot">
-          <p:childTnLst>
-            <p:seq concurrent="1" nextAc="seek">
-              <p:cTn id="2" dur="indefinite" nodeType="mainSeq">
-                <p:childTnLst>
-                  <p:par>
-                    <p:cTn id="3" fill="hold">
-                      <p:stCondLst>
-                        <p:cond delay="indefinite"/>
-                        <p:cond evt="onBegin" delay="0">
-                          <p:tn val="2"/>
-                        </p:cond>
-                      </p:stCondLst>
-                      <p:childTnLst>
-                        <p:par>
-                          <p:cTn id="4" fill="hold">
-                            <p:stCondLst>
-                              <p:cond delay="0"/>
-                            </p:stCondLst>
-                            <p:childTnLst>
-                              <p:par>
-                                <p:cTn id="5" presetID="53" presetClass="entr" presetSubtype="16" fill="hold" grpId="0" nodeType="withEffect">
-                                  <p:stCondLst>
-                                    <p:cond delay="0"/>
-                                  </p:stCondLst>
-                                  <p:childTnLst>
-                                    <p:set>
-                                      <p:cBhvr>
-                                        <p:cTn id="6" dur="1" fill="hold">
-                                          <p:stCondLst>
-                                            <p:cond delay="0"/>
-                                          </p:stCondLst>
-                                        </p:cTn>
-                                        <p:tgtEl>
-                                          <p:spTgt spid="16"/>
-                                        </p:tgtEl>
-                                        <p:attrNameLst>
-                                          <p:attrName>style.visibility</p:attrName>
-                                        </p:attrNameLst>
-                                      </p:cBhvr>
-                                      <p:to>
-                                        <p:strVal val="visible"/>
-                                      </p:to>
-                                    </p:set>
-                                    <p:anim calcmode="lin" valueType="num">
-                                      <p:cBhvr>
-                                        <p:cTn id="7" dur="500" fill="hold"/>
-                                        <p:tgtEl>
-                                          <p:spTgt spid="16"/>
-                                        </p:tgtEl>
-                                        <p:attrNameLst>
-                                          <p:attrName>ppt_w</p:attrName>
-                                        </p:attrNameLst>
-                                      </p:cBhvr>
-                                      <p:tavLst>
-                                        <p:tav tm="0">
-                                          <p:val>
-                                            <p:fltVal val="0"/>
-                                          </p:val>
-                                        </p:tav>
-                                        <p:tav tm="100000">
-                                          <p:val>
-                                            <p:strVal val="#ppt_w"/>
-                                          </p:val>
-                                        </p:tav>
-                                      </p:tavLst>
-                                    </p:anim>
-                                    <p:anim calcmode="lin" valueType="num">
-                                      <p:cBhvr>
-                                        <p:cTn id="8" dur="500" fill="hold"/>
-                                        <p:tgtEl>
-                                          <p:spTgt spid="16"/>
-                                        </p:tgtEl>
-                                        <p:attrNameLst>
-                                          <p:attrName>ppt_h</p:attrName>
-                                        </p:attrNameLst>
-                                      </p:cBhvr>
-                                      <p:tavLst>
-                                        <p:tav tm="0">
-                                          <p:val>
-                                            <p:fltVal val="0"/>
-                                          </p:val>
-                                        </p:tav>
-                                        <p:tav tm="100000">
-                                          <p:val>
-                                            <p:strVal val="#ppt_h"/>
-                                          </p:val>
-                                        </p:tav>
-                                      </p:tavLst>
-                                    </p:anim>
-                                    <p:animEffect transition="in" filter="fade">
-                                      <p:cBhvr>
-                                        <p:cTn id="9" dur="500"/>
-                                        <p:tgtEl>
-                                          <p:spTgt spid="16"/>
-                                        </p:tgtEl>
-                                      </p:cBhvr>
-                                    </p:animEffect>
-                                  </p:childTnLst>
-                                </p:cTn>
-                              </p:par>
-                              <p:par>
-                                <p:cTn id="10" presetID="42" presetClass="entr" presetSubtype="0" fill="hold" grpId="0" nodeType="withEffect">
-                                  <p:stCondLst>
-                                    <p:cond delay="0"/>
-                                  </p:stCondLst>
-                                  <p:childTnLst>
-                                    <p:set>
-                                      <p:cBhvr>
-                                        <p:cTn id="11" dur="1" fill="hold">
-                                          <p:stCondLst>
-                                            <p:cond delay="0"/>
-                                          </p:stCondLst>
-                                        </p:cTn>
-                                        <p:tgtEl>
-                                          <p:spTgt spid="34"/>
-                                        </p:tgtEl>
-                                        <p:attrNameLst>
-                                          <p:attrName>style.visibility</p:attrName>
-                                        </p:attrNameLst>
-                                      </p:cBhvr>
-                                      <p:to>
-                                        <p:strVal val="visible"/>
-                                      </p:to>
-                                    </p:set>
-                                    <p:animEffect transition="in" filter="fade">
-                                      <p:cBhvr>
-                                        <p:cTn id="12" dur="1000"/>
-                                        <p:tgtEl>
-                                          <p:spTgt spid="34"/>
-                                        </p:tgtEl>
-                                      </p:cBhvr>
-                                    </p:animEffect>
-                                    <p:anim calcmode="lin" valueType="num">
-                                      <p:cBhvr>
-                                        <p:cTn id="13" dur="1000" fill="hold"/>
-                                        <p:tgtEl>
-                                          <p:spTgt spid="34"/>
-                                        </p:tgtEl>
-                                        <p:attrNameLst>
-                                          <p:attrName>ppt_x</p:attrName>
-                                        </p:attrNameLst>
-                                      </p:cBhvr>
-                                      <p:tavLst>
-                                        <p:tav tm="0">
-                                          <p:val>
-                                            <p:strVal val="#ppt_x"/>
-                                          </p:val>
-                                        </p:tav>
-                                        <p:tav tm="100000">
-                                          <p:val>
-                                            <p:strVal val="#ppt_x"/>
-                                          </p:val>
-                                        </p:tav>
-                                      </p:tavLst>
-                                    </p:anim>
-                                    <p:anim calcmode="lin" valueType="num">
-                                      <p:cBhvr>
-                                        <p:cTn id="14" dur="1000" fill="hold"/>
-                                        <p:tgtEl>
-                                          <p:spTgt spid="34"/>
-                                        </p:tgtEl>
-                                        <p:attrNameLst>
-                                          <p:attrName>ppt_y</p:attrName>
-                                        </p:attrNameLst>
-                                      </p:cBhvr>
-                                      <p:tavLst>
-                                        <p:tav tm="0">
-                                          <p:val>
-                                            <p:strVal val="#ppt_y+.1"/>
-                                          </p:val>
-                                        </p:tav>
-                                        <p:tav tm="100000">
-                                          <p:val>
-                                            <p:strVal val="#ppt_y"/>
-                                          </p:val>
-                                        </p:tav>
-                                      </p:tavLst>
-                                    </p:anim>
-                                  </p:childTnLst>
-                                </p:cTn>
-                              </p:par>
-                              <p:par>
-                                <p:cTn id="15" presetID="42" presetClass="entr" presetSubtype="0" fill="hold" grpId="0" nodeType="withEffect">
-                                  <p:stCondLst>
-                                    <p:cond delay="0"/>
-                                  </p:stCondLst>
-                                  <p:childTnLst>
-                                    <p:set>
-                                      <p:cBhvr>
-                                        <p:cTn id="16" dur="1" fill="hold">
-                                          <p:stCondLst>
-                                            <p:cond delay="0"/>
-                                          </p:stCondLst>
-                                        </p:cTn>
-                                        <p:tgtEl>
-                                          <p:spTgt spid="29"/>
-                                        </p:tgtEl>
-                                        <p:attrNameLst>
-                                          <p:attrName>style.visibility</p:attrName>
-                                        </p:attrNameLst>
-                                      </p:cBhvr>
-                                      <p:to>
-                                        <p:strVal val="visible"/>
-                                      </p:to>
-                                    </p:set>
-                                    <p:animEffect transition="in" filter="fade">
-                                      <p:cBhvr>
-                                        <p:cTn id="17" dur="1000"/>
-                                        <p:tgtEl>
-                                          <p:spTgt spid="29"/>
-                                        </p:tgtEl>
-                                      </p:cBhvr>
-                                    </p:animEffect>
-                                    <p:anim calcmode="lin" valueType="num">
-                                      <p:cBhvr>
-                                        <p:cTn id="18" dur="1000" fill="hold"/>
-                                        <p:tgtEl>
-                                          <p:spTgt spid="29"/>
-                                        </p:tgtEl>
-                                        <p:attrNameLst>
-                                          <p:attrName>ppt_x</p:attrName>
-                                        </p:attrNameLst>
-                                      </p:cBhvr>
-                                      <p:tavLst>
-                                        <p:tav tm="0">
-                                          <p:val>
-                                            <p:strVal val="#ppt_x"/>
-                                          </p:val>
-                                        </p:tav>
-                                        <p:tav tm="100000">
-                                          <p:val>
-                                            <p:strVal val="#ppt_x"/>
-                                          </p:val>
-                                        </p:tav>
-                                      </p:tavLst>
-                                    </p:anim>
-                                    <p:anim calcmode="lin" valueType="num">
-                                      <p:cBhvr>
-                                        <p:cTn id="19" dur="1000" fill="hold"/>
-                                        <p:tgtEl>
-                                          <p:spTgt spid="29"/>
-                                        </p:tgtEl>
-                                        <p:attrNameLst>
-                                          <p:attrName>ppt_y</p:attrName>
-                                        </p:attrNameLst>
-                                      </p:cBhvr>
-                                      <p:tavLst>
-                                        <p:tav tm="0">
-                                          <p:val>
-                                            <p:strVal val="#ppt_y+.1"/>
-                                          </p:val>
-                                        </p:tav>
-                                        <p:tav tm="100000">
-                                          <p:val>
-                                            <p:strVal val="#ppt_y"/>
-                                          </p:val>
-                                        </p:tav>
-                                      </p:tavLst>
-                                    </p:anim>
-                                  </p:childTnLst>
-                                </p:cTn>
-                              </p:par>
-                              <p:par>
-                                <p:cTn id="20" presetID="42" presetClass="entr" presetSubtype="0" fill="hold" grpId="0" nodeType="withEffect">
-                                  <p:stCondLst>
-                                    <p:cond delay="0"/>
-                                  </p:stCondLst>
-                                  <p:childTnLst>
-                                    <p:set>
-                                      <p:cBhvr>
-                                        <p:cTn id="21" dur="1" fill="hold">
-                                          <p:stCondLst>
-                                            <p:cond delay="0"/>
-                                          </p:stCondLst>
-                                        </p:cTn>
-                                        <p:tgtEl>
-                                          <p:spTgt spid="33"/>
-                                        </p:tgtEl>
-                                        <p:attrNameLst>
-                                          <p:attrName>style.visibility</p:attrName>
-                                        </p:attrNameLst>
-                                      </p:cBhvr>
-                                      <p:to>
-                                        <p:strVal val="visible"/>
-                                      </p:to>
-                                    </p:set>
-                                    <p:animEffect transition="in" filter="fade">
-                                      <p:cBhvr>
-                                        <p:cTn id="22" dur="1000"/>
-                                        <p:tgtEl>
-                                          <p:spTgt spid="33"/>
-                                        </p:tgtEl>
-                                      </p:cBhvr>
-                                    </p:animEffect>
-                                    <p:anim calcmode="lin" valueType="num">
-                                      <p:cBhvr>
-                                        <p:cTn id="23" dur="1000" fill="hold"/>
-                                        <p:tgtEl>
-                                          <p:spTgt spid="33"/>
-                                        </p:tgtEl>
-                                        <p:attrNameLst>
-                                          <p:attrName>ppt_x</p:attrName>
-                                        </p:attrNameLst>
-                                      </p:cBhvr>
-                                      <p:tavLst>
-                                        <p:tav tm="0">
-                                          <p:val>
-                                            <p:strVal val="#ppt_x"/>
-                                          </p:val>
-                                        </p:tav>
-                                        <p:tav tm="100000">
-                                          <p:val>
-                                            <p:strVal val="#ppt_x"/>
-                                          </p:val>
-                                        </p:tav>
-                                      </p:tavLst>
-                                    </p:anim>
-                                    <p:anim calcmode="lin" valueType="num">
-                                      <p:cBhvr>
-                                        <p:cTn id="24" dur="1000" fill="hold"/>
-                                        <p:tgtEl>
-                                          <p:spTgt spid="33"/>
-                                        </p:tgtEl>
-                                        <p:attrNameLst>
-                                          <p:attrName>ppt_y</p:attrName>
-                                        </p:attrNameLst>
-                                      </p:cBhvr>
-                                      <p:tavLst>
-                                        <p:tav tm="0">
-                                          <p:val>
-                                            <p:strVal val="#ppt_y+.1"/>
-                                          </p:val>
-                                        </p:tav>
-                                        <p:tav tm="100000">
-                                          <p:val>
-                                            <p:strVal val="#ppt_y"/>
-                                          </p:val>
-                                        </p:tav>
-                                      </p:tavLst>
-                                    </p:anim>
-                                  </p:childTnLst>
-                                </p:cTn>
-                              </p:par>
-                              <p:par>
-                                <p:cTn id="25" presetID="42" presetClass="entr" presetSubtype="0" fill="hold" grpId="0" nodeType="withEffect">
-                                  <p:stCondLst>
-                                    <p:cond delay="0"/>
-                                  </p:stCondLst>
-                                  <p:childTnLst>
-                                    <p:set>
-                                      <p:cBhvr>
-                                        <p:cTn id="26" dur="1" fill="hold">
-                                          <p:stCondLst>
-                                            <p:cond delay="0"/>
-                                          </p:stCondLst>
-                                        </p:cTn>
-                                        <p:tgtEl>
-                                          <p:spTgt spid="28"/>
-                                        </p:tgtEl>
-                                        <p:attrNameLst>
-                                          <p:attrName>style.visibility</p:attrName>
-                                        </p:attrNameLst>
-                                      </p:cBhvr>
-                                      <p:to>
-                                        <p:strVal val="visible"/>
-                                      </p:to>
-                                    </p:set>
-                                    <p:animEffect transition="in" filter="fade">
-                                      <p:cBhvr>
-                                        <p:cTn id="27" dur="1000"/>
-                                        <p:tgtEl>
-                                          <p:spTgt spid="28"/>
-                                        </p:tgtEl>
-                                      </p:cBhvr>
-                                    </p:animEffect>
-                                    <p:anim calcmode="lin" valueType="num">
-                                      <p:cBhvr>
-                                        <p:cTn id="28" dur="1000" fill="hold"/>
-                                        <p:tgtEl>
-                                          <p:spTgt spid="28"/>
-                                        </p:tgtEl>
-                                        <p:attrNameLst>
-                                          <p:attrName>ppt_x</p:attrName>
-                                        </p:attrNameLst>
-                                      </p:cBhvr>
-                                      <p:tavLst>
-                                        <p:tav tm="0">
-                                          <p:val>
-                                            <p:strVal val="#ppt_x"/>
-                                          </p:val>
-                                        </p:tav>
-                                        <p:tav tm="100000">
-                                          <p:val>
-                                            <p:strVal val="#ppt_x"/>
-                                          </p:val>
-                                        </p:tav>
-                                      </p:tavLst>
-                                    </p:anim>
-                                    <p:anim calcmode="lin" valueType="num">
-                                      <p:cBhvr>
-                                        <p:cTn id="29" dur="1000" fill="hold"/>
-                                        <p:tgtEl>
-                                          <p:spTgt spid="28"/>
-                                        </p:tgtEl>
-                                        <p:attrNameLst>
-                                          <p:attrName>ppt_y</p:attrName>
-                                        </p:attrNameLst>
-                                      </p:cBhvr>
-                                      <p:tavLst>
-                                        <p:tav tm="0">
-                                          <p:val>
-                                            <p:strVal val="#ppt_y+.1"/>
-                                          </p:val>
-                                        </p:tav>
-                                        <p:tav tm="100000">
-                                          <p:val>
-                                            <p:strVal val="#ppt_y"/>
-                                          </p:val>
-                                        </p:tav>
-                                      </p:tavLst>
-                                    </p:anim>
-                                  </p:childTnLst>
-                                </p:cTn>
-                              </p:par>
-                              <p:par>
-                                <p:cTn id="30" presetID="42" presetClass="entr" presetSubtype="0" fill="hold" grpId="0" nodeType="withEffect">
-                                  <p:stCondLst>
-                                    <p:cond delay="0"/>
-                                  </p:stCondLst>
-                                  <p:childTnLst>
-                                    <p:set>
-                                      <p:cBhvr>
-                                        <p:cTn id="31" dur="1" fill="hold">
-                                          <p:stCondLst>
-                                            <p:cond delay="0"/>
-                                          </p:stCondLst>
-                                        </p:cTn>
-                                        <p:tgtEl>
-                                          <p:spTgt spid="27"/>
-                                        </p:tgtEl>
-                                        <p:attrNameLst>
-                                          <p:attrName>style.visibility</p:attrName>
-                                        </p:attrNameLst>
-                                      </p:cBhvr>
-                                      <p:to>
-                                        <p:strVal val="visible"/>
-                                      </p:to>
-                                    </p:set>
-                                    <p:animEffect transition="in" filter="fade">
-                                      <p:cBhvr>
-                                        <p:cTn id="32" dur="1000"/>
-                                        <p:tgtEl>
-                                          <p:spTgt spid="27"/>
-                                        </p:tgtEl>
-                                      </p:cBhvr>
-                                    </p:animEffect>
-                                    <p:anim calcmode="lin" valueType="num">
-                                      <p:cBhvr>
-                                        <p:cTn id="33" dur="1000" fill="hold"/>
-                                        <p:tgtEl>
-                                          <p:spTgt spid="27"/>
-                                        </p:tgtEl>
-                                        <p:attrNameLst>
-                                          <p:attrName>ppt_x</p:attrName>
-                                        </p:attrNameLst>
-                                      </p:cBhvr>
-                                      <p:tavLst>
-                                        <p:tav tm="0">
-                                          <p:val>
-                                            <p:strVal val="#ppt_x"/>
-                                          </p:val>
-                                        </p:tav>
-                                        <p:tav tm="100000">
-                                          <p:val>
-                                            <p:strVal val="#ppt_x"/>
-                                          </p:val>
-                                        </p:tav>
-                                      </p:tavLst>
-                                    </p:anim>
-                                    <p:anim calcmode="lin" valueType="num">
-                                      <p:cBhvr>
-                                        <p:cTn id="34" dur="1000" fill="hold"/>
-                                        <p:tgtEl>
-                                          <p:spTgt spid="27"/>
-                                        </p:tgtEl>
-                                        <p:attrNameLst>
-                                          <p:attrName>ppt_y</p:attrName>
-                                        </p:attrNameLst>
-                                      </p:cBhvr>
-                                      <p:tavLst>
-                                        <p:tav tm="0">
-                                          <p:val>
-                                            <p:strVal val="#ppt_y+.1"/>
-                                          </p:val>
-                                        </p:tav>
-                                        <p:tav tm="100000">
-                                          <p:val>
-                                            <p:strVal val="#ppt_y"/>
-                                          </p:val>
-                                        </p:tav>
-                                      </p:tavLst>
-                                    </p:anim>
-                                  </p:childTnLst>
-                                </p:cTn>
-                              </p:par>
-                              <p:par>
-                                <p:cTn id="35" presetID="42" presetClass="entr" presetSubtype="0" fill="hold" grpId="0" nodeType="withEffect">
-                                  <p:stCondLst>
-                                    <p:cond delay="0"/>
-                                  </p:stCondLst>
-                                  <p:childTnLst>
-                                    <p:set>
-                                      <p:cBhvr>
-                                        <p:cTn id="36" dur="1" fill="hold">
-                                          <p:stCondLst>
-                                            <p:cond delay="0"/>
-                                          </p:stCondLst>
-                                        </p:cTn>
-                                        <p:tgtEl>
-                                          <p:spTgt spid="36"/>
-                                        </p:tgtEl>
-                                        <p:attrNameLst>
-                                          <p:attrName>style.visibility</p:attrName>
-                                        </p:attrNameLst>
-                                      </p:cBhvr>
-                                      <p:to>
-                                        <p:strVal val="visible"/>
-                                      </p:to>
-                                    </p:set>
-                                    <p:animEffect transition="in" filter="fade">
-                                      <p:cBhvr>
-                                        <p:cTn id="37" dur="1000"/>
-                                        <p:tgtEl>
-                                          <p:spTgt spid="36"/>
-                                        </p:tgtEl>
-                                      </p:cBhvr>
-                                    </p:animEffect>
-                                    <p:anim calcmode="lin" valueType="num">
-                                      <p:cBhvr>
-                                        <p:cTn id="38" dur="1000" fill="hold"/>
-                                        <p:tgtEl>
-                                          <p:spTgt spid="36"/>
-                                        </p:tgtEl>
-                                        <p:attrNameLst>
-                                          <p:attrName>ppt_x</p:attrName>
-                                        </p:attrNameLst>
-                                      </p:cBhvr>
-                                      <p:tavLst>
-                                        <p:tav tm="0">
-                                          <p:val>
-                                            <p:strVal val="#ppt_x"/>
-                                          </p:val>
-                                        </p:tav>
-                                        <p:tav tm="100000">
-                                          <p:val>
-                                            <p:strVal val="#ppt_x"/>
-                                          </p:val>
-                                        </p:tav>
-                                      </p:tavLst>
-                                    </p:anim>
-                                    <p:anim calcmode="lin" valueType="num">
-                                      <p:cBhvr>
-                                        <p:cTn id="39" dur="1000" fill="hold"/>
-                                        <p:tgtEl>
-                                          <p:spTgt spid="36"/>
-                                        </p:tgtEl>
-                                        <p:attrNameLst>
-                                          <p:attrName>ppt_y</p:attrName>
-                                        </p:attrNameLst>
-                                      </p:cBhvr>
-                                      <p:tavLst>
-                                        <p:tav tm="0">
-                                          <p:val>
-                                            <p:strVal val="#ppt_y+.1"/>
-                                          </p:val>
-                                        </p:tav>
-                                        <p:tav tm="100000">
-                                          <p:val>
-                                            <p:strVal val="#ppt_y"/>
-                                          </p:val>
-                                        </p:tav>
-                                      </p:tavLst>
-                                    </p:anim>
-                                  </p:childTnLst>
-                                </p:cTn>
-                              </p:par>
-                              <p:par>
-                                <p:cTn id="40" presetID="42" presetClass="entr" presetSubtype="0" fill="hold" grpId="0" nodeType="withEffect">
-                                  <p:stCondLst>
-                                    <p:cond delay="0"/>
-                                  </p:stCondLst>
-                                  <p:childTnLst>
-                                    <p:set>
-                                      <p:cBhvr>
-                                        <p:cTn id="41" dur="1" fill="hold">
-                                          <p:stCondLst>
-                                            <p:cond delay="0"/>
-                                          </p:stCondLst>
-                                        </p:cTn>
-                                        <p:tgtEl>
-                                          <p:spTgt spid="30"/>
-                                        </p:tgtEl>
-                                        <p:attrNameLst>
-                                          <p:attrName>style.visibility</p:attrName>
-                                        </p:attrNameLst>
-                                      </p:cBhvr>
-                                      <p:to>
-                                        <p:strVal val="visible"/>
-                                      </p:to>
-                                    </p:set>
-                                    <p:animEffect transition="in" filter="fade">
-                                      <p:cBhvr>
-                                        <p:cTn id="42" dur="1000"/>
-                                        <p:tgtEl>
-                                          <p:spTgt spid="30"/>
-                                        </p:tgtEl>
-                                      </p:cBhvr>
-                                    </p:animEffect>
-                                    <p:anim calcmode="lin" valueType="num">
-                                      <p:cBhvr>
-                                        <p:cTn id="43" dur="1000" fill="hold"/>
-                                        <p:tgtEl>
-                                          <p:spTgt spid="30"/>
-                                        </p:tgtEl>
-                                        <p:attrNameLst>
-                                          <p:attrName>ppt_x</p:attrName>
-                                        </p:attrNameLst>
-                                      </p:cBhvr>
-                                      <p:tavLst>
-                                        <p:tav tm="0">
-                                          <p:val>
-                                            <p:strVal val="#ppt_x"/>
-                                          </p:val>
-                                        </p:tav>
-                                        <p:tav tm="100000">
-                                          <p:val>
-                                            <p:strVal val="#ppt_x"/>
-                                          </p:val>
-                                        </p:tav>
-                                      </p:tavLst>
-                                    </p:anim>
-                                    <p:anim calcmode="lin" valueType="num">
-                                      <p:cBhvr>
-                                        <p:cTn id="44" dur="1000" fill="hold"/>
-                                        <p:tgtEl>
-                                          <p:spTgt spid="30"/>
-                                        </p:tgtEl>
-                                        <p:attrNameLst>
-                                          <p:attrName>ppt_y</p:attrName>
-                                        </p:attrNameLst>
-                                      </p:cBhvr>
-                                      <p:tavLst>
-                                        <p:tav tm="0">
-                                          <p:val>
-                                            <p:strVal val="#ppt_y+.1"/>
-                                          </p:val>
-                                        </p:tav>
-                                        <p:tav tm="100000">
-                                          <p:val>
-                                            <p:strVal val="#ppt_y"/>
-                                          </p:val>
-                                        </p:tav>
-                                      </p:tavLst>
-                                    </p:anim>
-                                  </p:childTnLst>
-                                </p:cTn>
-                              </p:par>
-                              <p:par>
-                                <p:cTn id="45" presetID="42" presetClass="entr" presetSubtype="0" fill="hold" grpId="0" nodeType="withEffect">
-                                  <p:stCondLst>
-                                    <p:cond delay="0"/>
-                                  </p:stCondLst>
-                                  <p:childTnLst>
-                                    <p:set>
-                                      <p:cBhvr>
-                                        <p:cTn id="46" dur="1" fill="hold">
-                                          <p:stCondLst>
-                                            <p:cond delay="0"/>
-                                          </p:stCondLst>
-                                        </p:cTn>
-                                        <p:tgtEl>
-                                          <p:spTgt spid="32"/>
-                                        </p:tgtEl>
-                                        <p:attrNameLst>
-                                          <p:attrName>style.visibility</p:attrName>
-                                        </p:attrNameLst>
-                                      </p:cBhvr>
-                                      <p:to>
-                                        <p:strVal val="visible"/>
-                                      </p:to>
-                                    </p:set>
-                                    <p:animEffect transition="in" filter="fade">
-                                      <p:cBhvr>
-                                        <p:cTn id="47" dur="1000"/>
-                                        <p:tgtEl>
-                                          <p:spTgt spid="32"/>
-                                        </p:tgtEl>
-                                      </p:cBhvr>
-                                    </p:animEffect>
-                                    <p:anim calcmode="lin" valueType="num">
-                                      <p:cBhvr>
-                                        <p:cTn id="48" dur="1000" fill="hold"/>
-                                        <p:tgtEl>
-                                          <p:spTgt spid="32"/>
-                                        </p:tgtEl>
-                                        <p:attrNameLst>
-                                          <p:attrName>ppt_x</p:attrName>
-                                        </p:attrNameLst>
-                                      </p:cBhvr>
-                                      <p:tavLst>
-                                        <p:tav tm="0">
-                                          <p:val>
-                                            <p:strVal val="#ppt_x"/>
-                                          </p:val>
-                                        </p:tav>
-                                        <p:tav tm="100000">
-                                          <p:val>
-                                            <p:strVal val="#ppt_x"/>
-                                          </p:val>
-                                        </p:tav>
-                                      </p:tavLst>
-                                    </p:anim>
-                                    <p:anim calcmode="lin" valueType="num">
-                                      <p:cBhvr>
-                                        <p:cTn id="49" dur="1000" fill="hold"/>
-                                        <p:tgtEl>
-                                          <p:spTgt spid="32"/>
-                                        </p:tgtEl>
-                                        <p:attrNameLst>
-                                          <p:attrName>ppt_y</p:attrName>
-                                        </p:attrNameLst>
-                                      </p:cBhvr>
-                                      <p:tavLst>
-                                        <p:tav tm="0">
-                                          <p:val>
-                                            <p:strVal val="#ppt_y+.1"/>
-                                          </p:val>
-                                        </p:tav>
-                                        <p:tav tm="100000">
-                                          <p:val>
-                                            <p:strVal val="#ppt_y"/>
-                                          </p:val>
-                                        </p:tav>
-                                      </p:tavLst>
-                                    </p:anim>
-                                  </p:childTnLst>
-                                </p:cTn>
-                              </p:par>
-                              <p:par>
-                                <p:cTn id="50" presetID="42" presetClass="entr" presetSubtype="0" fill="hold" grpId="0" nodeType="withEffect">
-                                  <p:stCondLst>
-                                    <p:cond delay="0"/>
-                                  </p:stCondLst>
-                                  <p:childTnLst>
-                                    <p:set>
-                                      <p:cBhvr>
-                                        <p:cTn id="51" dur="1" fill="hold">
-                                          <p:stCondLst>
-                                            <p:cond delay="0"/>
-                                          </p:stCondLst>
-                                        </p:cTn>
-                                        <p:tgtEl>
-                                          <p:spTgt spid="31"/>
-                                        </p:tgtEl>
-                                        <p:attrNameLst>
-                                          <p:attrName>style.visibility</p:attrName>
-                                        </p:attrNameLst>
-                                      </p:cBhvr>
-                                      <p:to>
-                                        <p:strVal val="visible"/>
-                                      </p:to>
-                                    </p:set>
-                                    <p:animEffect transition="in" filter="fade">
-                                      <p:cBhvr>
-                                        <p:cTn id="52" dur="1000"/>
-                                        <p:tgtEl>
-                                          <p:spTgt spid="31"/>
-                                        </p:tgtEl>
-                                      </p:cBhvr>
-                                    </p:animEffect>
-                                    <p:anim calcmode="lin" valueType="num">
-                                      <p:cBhvr>
-                                        <p:cTn id="53" dur="1000" fill="hold"/>
-                                        <p:tgtEl>
-                                          <p:spTgt spid="31"/>
-                                        </p:tgtEl>
-                                        <p:attrNameLst>
-                                          <p:attrName>ppt_x</p:attrName>
-                                        </p:attrNameLst>
-                                      </p:cBhvr>
-                                      <p:tavLst>
-                                        <p:tav tm="0">
-                                          <p:val>
-                                            <p:strVal val="#ppt_x"/>
-                                          </p:val>
-                                        </p:tav>
-                                        <p:tav tm="100000">
-                                          <p:val>
-                                            <p:strVal val="#ppt_x"/>
-                                          </p:val>
-                                        </p:tav>
-                                      </p:tavLst>
-                                    </p:anim>
-                                    <p:anim calcmode="lin" valueType="num">
-                                      <p:cBhvr>
-                                        <p:cTn id="54" dur="1000" fill="hold"/>
-                                        <p:tgtEl>
-                                          <p:spTgt spid="31"/>
-                                        </p:tgtEl>
-                                        <p:attrNameLst>
-                                          <p:attrName>ppt_y</p:attrName>
-                                        </p:attrNameLst>
-                                      </p:cBhvr>
-                                      <p:tavLst>
-                                        <p:tav tm="0">
-                                          <p:val>
-                                            <p:strVal val="#ppt_y+.1"/>
-                                          </p:val>
-                                        </p:tav>
-                                        <p:tav tm="100000">
-                                          <p:val>
-                                            <p:strVal val="#ppt_y"/>
-                                          </p:val>
-                                        </p:tav>
-                                      </p:tavLst>
-                                    </p:anim>
-                                  </p:childTnLst>
-                                </p:cTn>
-                              </p:par>
-                              <p:par>
-                                <p:cTn id="55" presetID="42" presetClass="entr" presetSubtype="0" fill="hold" grpId="0" nodeType="withEffect">
-                                  <p:stCondLst>
-                                    <p:cond delay="0"/>
-                                  </p:stCondLst>
-                                  <p:childTnLst>
-                                    <p:set>
-                                      <p:cBhvr>
-                                        <p:cTn id="56" dur="1" fill="hold">
-                                          <p:stCondLst>
-                                            <p:cond delay="0"/>
-                                          </p:stCondLst>
-                                        </p:cTn>
-                                        <p:tgtEl>
-                                          <p:spTgt spid="35"/>
-                                        </p:tgtEl>
-                                        <p:attrNameLst>
-                                          <p:attrName>style.visibility</p:attrName>
-                                        </p:attrNameLst>
-                                      </p:cBhvr>
-                                      <p:to>
-                                        <p:strVal val="visible"/>
-                                      </p:to>
-                                    </p:set>
-                                    <p:animEffect transition="in" filter="fade">
-                                      <p:cBhvr>
-                                        <p:cTn id="57" dur="1000"/>
-                                        <p:tgtEl>
-                                          <p:spTgt spid="35"/>
-                                        </p:tgtEl>
-                                      </p:cBhvr>
-                                    </p:animEffect>
-                                    <p:anim calcmode="lin" valueType="num">
-                                      <p:cBhvr>
-                                        <p:cTn id="58" dur="1000" fill="hold"/>
-                                        <p:tgtEl>
-                                          <p:spTgt spid="35"/>
-                                        </p:tgtEl>
-                                        <p:attrNameLst>
-                                          <p:attrName>ppt_x</p:attrName>
-                                        </p:attrNameLst>
-                                      </p:cBhvr>
-                                      <p:tavLst>
-                                        <p:tav tm="0">
-                                          <p:val>
-                                            <p:strVal val="#ppt_x"/>
-                                          </p:val>
-                                        </p:tav>
-                                        <p:tav tm="100000">
-                                          <p:val>
-                                            <p:strVal val="#ppt_x"/>
-                                          </p:val>
-                                        </p:tav>
-                                      </p:tavLst>
-                                    </p:anim>
-                                    <p:anim calcmode="lin" valueType="num">
-                                      <p:cBhvr>
-                                        <p:cTn id="59" dur="1000" fill="hold"/>
-                                        <p:tgtEl>
-                                          <p:spTgt spid="35"/>
-                                        </p:tgtEl>
-                                        <p:attrNameLst>
-                                          <p:attrName>ppt_y</p:attrName>
-                                        </p:attrNameLst>
-                                      </p:cBhvr>
-                                      <p:tavLst>
-                                        <p:tav tm="0">
-                                          <p:val>
-                                            <p:strVal val="#ppt_y+.1"/>
-                                          </p:val>
-                                        </p:tav>
-                                        <p:tav tm="100000">
-                                          <p:val>
-                                            <p:strVal val="#ppt_y"/>
-                                          </p:val>
-                                        </p:tav>
-                                      </p:tavLst>
-                                    </p:anim>
-                                  </p:childTnLst>
-                                </p:cTn>
-                              </p:par>
-                            </p:childTnLst>
-                          </p:cTn>
-                        </p:par>
-                      </p:childTnLst>
-                    </p:cTn>
-                  </p:par>
-                </p:childTnLst>
-              </p:cTn>
-              <p:prevCondLst>
-                <p:cond evt="onPrev" delay="0">
-                  <p:tgtEl>
-                    <p:sldTgt/>
-                  </p:tgtEl>
-                </p:cond>
-              </p:prevCondLst>
-              <p:nextCondLst>
-                <p:cond evt="onNext" delay="0">
-                  <p:tgtEl>
-                    <p:sldTgt/>
-                  </p:tgtEl>
-                </p:cond>
-              </p:nextCondLst>
-            </p:seq>
-          </p:childTnLst>
-        </p:cTn>
+        <p:cTn id="1" dur="indefinite" restart="never" nodeType="tmRoot"/>
       </p:par>
     </p:tnLst>
-    <p:bldLst>
-      <p:bldP spid="16" grpId="0" bldLvl="0" animBg="1"/>
-      <p:bldP spid="27" grpId="0" animBg="1"/>
-      <p:bldP spid="28" grpId="0" animBg="1"/>
-      <p:bldP spid="29" grpId="0" animBg="1"/>
-      <p:bldP spid="30" grpId="0" animBg="1"/>
-      <p:bldP spid="31" grpId="0" animBg="1"/>
-      <p:bldP spid="32" grpId="0" animBg="1"/>
-      <p:bldP spid="33" grpId="0" animBg="1"/>
-      <p:bldP spid="34" grpId="0" animBg="1"/>
-      <p:bldP spid="35" grpId="0" animBg="1"/>
-      <p:bldP spid="36" grpId="0" animBg="1"/>
-    </p:bldLst>
   </p:timing>
 </p:sld>
 </file>
@@ -7502,6 +6001,1788 @@
 </p:sld>
 </file>
 
+<file path=ppt/slides/slide20.xml><?xml version="1.0" encoding="utf-8"?>
+<p:sld xmlns:a="http://schemas.openxmlformats.org/drawingml/2006/main" xmlns:r="http://schemas.openxmlformats.org/officeDocument/2006/relationships" xmlns:p="http://schemas.openxmlformats.org/presentationml/2006/main">
+  <p:cSld>
+    <p:spTree>
+      <p:nvGrpSpPr>
+        <p:cNvPr id="1" name=""/>
+        <p:cNvGrpSpPr/>
+        <p:nvPr/>
+      </p:nvGrpSpPr>
+      <p:grpSpPr>
+        <a:xfrm>
+          <a:off x="0" y="0"/>
+          <a:ext cx="0" cy="0"/>
+          <a:chOff x="0" y="0"/>
+          <a:chExt cx="0" cy="0"/>
+        </a:xfrm>
+      </p:grpSpPr>
+      <p:sp>
+        <p:nvSpPr>
+          <p:cNvPr id="16" name="文本框 15"/>
+          <p:cNvSpPr txBox="1"/>
+          <p:nvPr/>
+        </p:nvSpPr>
+        <p:spPr>
+          <a:xfrm>
+            <a:off x="3951824" y="2521036"/>
+            <a:ext cx="4754880" cy="1310640"/>
+          </a:xfrm>
+          <a:prstGeom prst="rect">
+            <a:avLst/>
+          </a:prstGeom>
+          <a:noFill/>
+          <a:effectLst>
+            <a:outerShdw blurRad="114300" dist="38100" dir="5460000" algn="tr" rotWithShape="0">
+              <a:prstClr val="black">
+                <a:alpha val="16000"/>
+              </a:prstClr>
+            </a:outerShdw>
+          </a:effectLst>
+        </p:spPr>
+        <p:txBody>
+          <a:bodyPr wrap="none" rtlCol="0">
+            <a:spAutoFit/>
+          </a:bodyPr>
+          <a:lstStyle/>
+          <a:p>
+            <a:r>
+              <a:rPr lang="zh-CN" altLang="en-US" sz="8000" dirty="0" smtClean="0">
+                <a:solidFill>
+                  <a:schemeClr val="bg1"/>
+                </a:solidFill>
+                <a:latin typeface="方正正纤黑简体" panose="02000000000000000000" pitchFamily="2" charset="-122"/>
+                <a:ea typeface="方正正纤黑简体" panose="02000000000000000000" pitchFamily="2" charset="-122"/>
+              </a:rPr>
+              <a:t>谢谢大家</a:t>
+            </a:r>
+            <a:r>
+              <a:rPr lang="en-US" altLang="zh-CN" sz="8000" dirty="0" smtClean="0">
+                <a:solidFill>
+                  <a:schemeClr val="bg1"/>
+                </a:solidFill>
+                <a:latin typeface="方正正纤黑简体" panose="02000000000000000000" pitchFamily="2" charset="-122"/>
+                <a:ea typeface="方正正纤黑简体" panose="02000000000000000000" pitchFamily="2" charset="-122"/>
+              </a:rPr>
+              <a:t>!</a:t>
+            </a:r>
+          </a:p>
+        </p:txBody>
+      </p:sp>
+      <p:sp>
+        <p:nvSpPr>
+          <p:cNvPr id="27" name="六边形 26"/>
+          <p:cNvSpPr/>
+          <p:nvPr/>
+        </p:nvSpPr>
+        <p:spPr>
+          <a:xfrm rot="5400000">
+            <a:off x="3977317" y="5593935"/>
+            <a:ext cx="4237367" cy="3616159"/>
+          </a:xfrm>
+          <a:prstGeom prst="hexagon">
+            <a:avLst>
+              <a:gd name="adj" fmla="val 27952"/>
+              <a:gd name="vf" fmla="val 115470"/>
+            </a:avLst>
+          </a:prstGeom>
+          <a:gradFill flip="none" rotWithShape="1">
+            <a:gsLst>
+              <a:gs pos="0">
+                <a:srgbClr val="FBFBFB"/>
+              </a:gs>
+              <a:gs pos="100000">
+                <a:srgbClr val="E1E1E1"/>
+              </a:gs>
+            </a:gsLst>
+            <a:lin ang="18900000" scaled="1"/>
+            <a:tileRect/>
+          </a:gradFill>
+          <a:ln w="38100">
+            <a:gradFill>
+              <a:gsLst>
+                <a:gs pos="0">
+                  <a:srgbClr val="FCFCFC"/>
+                </a:gs>
+                <a:gs pos="100000">
+                  <a:srgbClr val="E1E1E1"/>
+                </a:gs>
+              </a:gsLst>
+              <a:lin ang="5400000" scaled="1"/>
+            </a:gradFill>
+          </a:ln>
+          <a:effectLst>
+            <a:outerShdw blurRad="901700" dist="927100" dir="11040000" sx="91000" sy="91000" algn="tr" rotWithShape="0">
+              <a:prstClr val="black">
+                <a:alpha val="5000"/>
+              </a:prstClr>
+            </a:outerShdw>
+          </a:effectLst>
+        </p:spPr>
+        <p:style>
+          <a:lnRef idx="2">
+            <a:schemeClr val="accent1">
+              <a:shade val="50000"/>
+            </a:schemeClr>
+          </a:lnRef>
+          <a:fillRef idx="1">
+            <a:schemeClr val="accent1"/>
+          </a:fillRef>
+          <a:effectRef idx="0">
+            <a:schemeClr val="accent1"/>
+          </a:effectRef>
+          <a:fontRef idx="minor">
+            <a:schemeClr val="lt1"/>
+          </a:fontRef>
+        </p:style>
+        <p:txBody>
+          <a:bodyPr rtlCol="0" anchor="ctr"/>
+          <a:lstStyle/>
+          <a:p>
+            <a:pPr algn="ctr"/>
+            <a:endParaRPr lang="zh-CN" altLang="en-US"/>
+          </a:p>
+        </p:txBody>
+      </p:sp>
+      <p:sp>
+        <p:nvSpPr>
+          <p:cNvPr id="28" name="六边形 27"/>
+          <p:cNvSpPr/>
+          <p:nvPr/>
+        </p:nvSpPr>
+        <p:spPr>
+          <a:xfrm rot="5400000" flipH="1">
+            <a:off x="2583546" y="7014855"/>
+            <a:ext cx="3207864" cy="2737582"/>
+          </a:xfrm>
+          <a:prstGeom prst="hexagon">
+            <a:avLst>
+              <a:gd name="adj" fmla="val 27952"/>
+              <a:gd name="vf" fmla="val 115470"/>
+            </a:avLst>
+          </a:prstGeom>
+          <a:gradFill flip="none" rotWithShape="1">
+            <a:gsLst>
+              <a:gs pos="0">
+                <a:srgbClr val="FBFBFB"/>
+              </a:gs>
+              <a:gs pos="100000">
+                <a:srgbClr val="E1E1E1"/>
+              </a:gs>
+            </a:gsLst>
+            <a:lin ang="18900000" scaled="1"/>
+            <a:tileRect/>
+          </a:gradFill>
+          <a:ln w="38100">
+            <a:gradFill>
+              <a:gsLst>
+                <a:gs pos="0">
+                  <a:srgbClr val="FCFCFC"/>
+                </a:gs>
+                <a:gs pos="100000">
+                  <a:srgbClr val="E1E1E1"/>
+                </a:gs>
+              </a:gsLst>
+              <a:lin ang="5400000" scaled="1"/>
+            </a:gradFill>
+          </a:ln>
+          <a:effectLst>
+            <a:outerShdw blurRad="901700" dist="927100" dir="11040000" sx="91000" sy="91000" algn="tr" rotWithShape="0">
+              <a:prstClr val="black">
+                <a:alpha val="5000"/>
+              </a:prstClr>
+            </a:outerShdw>
+          </a:effectLst>
+        </p:spPr>
+        <p:style>
+          <a:lnRef idx="2">
+            <a:schemeClr val="accent1">
+              <a:shade val="50000"/>
+            </a:schemeClr>
+          </a:lnRef>
+          <a:fillRef idx="1">
+            <a:schemeClr val="accent1"/>
+          </a:fillRef>
+          <a:effectRef idx="0">
+            <a:schemeClr val="accent1"/>
+          </a:effectRef>
+          <a:fontRef idx="minor">
+            <a:schemeClr val="lt1"/>
+          </a:fontRef>
+        </p:style>
+        <p:txBody>
+          <a:bodyPr rtlCol="0" anchor="ctr"/>
+          <a:lstStyle/>
+          <a:p>
+            <a:pPr algn="ctr"/>
+            <a:endParaRPr lang="zh-CN" altLang="en-US"/>
+          </a:p>
+        </p:txBody>
+      </p:sp>
+      <p:sp>
+        <p:nvSpPr>
+          <p:cNvPr id="29" name="六边形 28"/>
+          <p:cNvSpPr/>
+          <p:nvPr/>
+        </p:nvSpPr>
+        <p:spPr>
+          <a:xfrm rot="5400000" flipH="1">
+            <a:off x="3405372" y="5833227"/>
+            <a:ext cx="1188193" cy="1014000"/>
+          </a:xfrm>
+          <a:prstGeom prst="hexagon">
+            <a:avLst>
+              <a:gd name="adj" fmla="val 27952"/>
+              <a:gd name="vf" fmla="val 115470"/>
+            </a:avLst>
+          </a:prstGeom>
+          <a:gradFill flip="none" rotWithShape="1">
+            <a:gsLst>
+              <a:gs pos="0">
+                <a:srgbClr val="FBFBFB"/>
+              </a:gs>
+              <a:gs pos="100000">
+                <a:srgbClr val="E1E1E1"/>
+              </a:gs>
+            </a:gsLst>
+            <a:lin ang="18900000" scaled="1"/>
+            <a:tileRect/>
+          </a:gradFill>
+          <a:ln w="38100">
+            <a:gradFill>
+              <a:gsLst>
+                <a:gs pos="0">
+                  <a:srgbClr val="FCFCFC"/>
+                </a:gs>
+                <a:gs pos="100000">
+                  <a:srgbClr val="E1E1E1"/>
+                </a:gs>
+              </a:gsLst>
+              <a:lin ang="5400000" scaled="1"/>
+            </a:gradFill>
+          </a:ln>
+          <a:effectLst>
+            <a:outerShdw blurRad="901700" dist="927100" dir="11040000" sx="91000" sy="91000" algn="tr" rotWithShape="0">
+              <a:prstClr val="black">
+                <a:alpha val="5000"/>
+              </a:prstClr>
+            </a:outerShdw>
+          </a:effectLst>
+        </p:spPr>
+        <p:style>
+          <a:lnRef idx="2">
+            <a:schemeClr val="accent1">
+              <a:shade val="50000"/>
+            </a:schemeClr>
+          </a:lnRef>
+          <a:fillRef idx="1">
+            <a:schemeClr val="accent1"/>
+          </a:fillRef>
+          <a:effectRef idx="0">
+            <a:schemeClr val="accent1"/>
+          </a:effectRef>
+          <a:fontRef idx="minor">
+            <a:schemeClr val="lt1"/>
+          </a:fontRef>
+        </p:style>
+        <p:txBody>
+          <a:bodyPr rtlCol="0" anchor="ctr"/>
+          <a:lstStyle/>
+          <a:p>
+            <a:pPr algn="ctr"/>
+            <a:endParaRPr lang="zh-CN" altLang="en-US"/>
+          </a:p>
+        </p:txBody>
+      </p:sp>
+      <p:sp>
+        <p:nvSpPr>
+          <p:cNvPr id="30" name="六边形 29"/>
+          <p:cNvSpPr/>
+          <p:nvPr/>
+        </p:nvSpPr>
+        <p:spPr>
+          <a:xfrm rot="5400000" flipH="1">
+            <a:off x="8280493" y="5239130"/>
+            <a:ext cx="1188193" cy="1014000"/>
+          </a:xfrm>
+          <a:prstGeom prst="hexagon">
+            <a:avLst>
+              <a:gd name="adj" fmla="val 27952"/>
+              <a:gd name="vf" fmla="val 115470"/>
+            </a:avLst>
+          </a:prstGeom>
+          <a:gradFill flip="none" rotWithShape="1">
+            <a:gsLst>
+              <a:gs pos="0">
+                <a:srgbClr val="FBFBFB"/>
+              </a:gs>
+              <a:gs pos="100000">
+                <a:srgbClr val="E1E1E1"/>
+              </a:gs>
+            </a:gsLst>
+            <a:lin ang="18900000" scaled="1"/>
+            <a:tileRect/>
+          </a:gradFill>
+          <a:ln w="38100">
+            <a:gradFill>
+              <a:gsLst>
+                <a:gs pos="0">
+                  <a:srgbClr val="FCFCFC"/>
+                </a:gs>
+                <a:gs pos="100000">
+                  <a:srgbClr val="E1E1E1"/>
+                </a:gs>
+              </a:gsLst>
+              <a:lin ang="5400000" scaled="1"/>
+            </a:gradFill>
+          </a:ln>
+          <a:effectLst>
+            <a:outerShdw blurRad="901700" dist="927100" dir="11040000" sx="91000" sy="91000" algn="tr" rotWithShape="0">
+              <a:prstClr val="black">
+                <a:alpha val="5000"/>
+              </a:prstClr>
+            </a:outerShdw>
+          </a:effectLst>
+        </p:spPr>
+        <p:style>
+          <a:lnRef idx="2">
+            <a:schemeClr val="accent1">
+              <a:shade val="50000"/>
+            </a:schemeClr>
+          </a:lnRef>
+          <a:fillRef idx="1">
+            <a:schemeClr val="accent1"/>
+          </a:fillRef>
+          <a:effectRef idx="0">
+            <a:schemeClr val="accent1"/>
+          </a:effectRef>
+          <a:fontRef idx="minor">
+            <a:schemeClr val="lt1"/>
+          </a:fontRef>
+        </p:style>
+        <p:txBody>
+          <a:bodyPr rtlCol="0" anchor="ctr"/>
+          <a:lstStyle/>
+          <a:p>
+            <a:pPr algn="ctr"/>
+            <a:endParaRPr lang="zh-CN" altLang="en-US"/>
+          </a:p>
+        </p:txBody>
+      </p:sp>
+      <p:sp>
+        <p:nvSpPr>
+          <p:cNvPr id="31" name="六边形 30"/>
+          <p:cNvSpPr/>
+          <p:nvPr/>
+        </p:nvSpPr>
+        <p:spPr>
+          <a:xfrm rot="5400000" flipH="1">
+            <a:off x="8812784" y="6406577"/>
+            <a:ext cx="1689837" cy="1442102"/>
+          </a:xfrm>
+          <a:prstGeom prst="hexagon">
+            <a:avLst>
+              <a:gd name="adj" fmla="val 27952"/>
+              <a:gd name="vf" fmla="val 115470"/>
+            </a:avLst>
+          </a:prstGeom>
+          <a:gradFill flip="none" rotWithShape="1">
+            <a:gsLst>
+              <a:gs pos="0">
+                <a:srgbClr val="FBFBFB"/>
+              </a:gs>
+              <a:gs pos="100000">
+                <a:srgbClr val="E1E1E1"/>
+              </a:gs>
+            </a:gsLst>
+            <a:lin ang="18900000" scaled="1"/>
+            <a:tileRect/>
+          </a:gradFill>
+          <a:ln w="38100">
+            <a:gradFill>
+              <a:gsLst>
+                <a:gs pos="0">
+                  <a:srgbClr val="FCFCFC"/>
+                </a:gs>
+                <a:gs pos="100000">
+                  <a:srgbClr val="E1E1E1"/>
+                </a:gs>
+              </a:gsLst>
+              <a:lin ang="5400000" scaled="1"/>
+            </a:gradFill>
+          </a:ln>
+          <a:effectLst>
+            <a:outerShdw blurRad="901700" dist="927100" dir="11040000" sx="91000" sy="91000" algn="tr" rotWithShape="0">
+              <a:prstClr val="black">
+                <a:alpha val="5000"/>
+              </a:prstClr>
+            </a:outerShdw>
+          </a:effectLst>
+        </p:spPr>
+        <p:style>
+          <a:lnRef idx="2">
+            <a:schemeClr val="accent1">
+              <a:shade val="50000"/>
+            </a:schemeClr>
+          </a:lnRef>
+          <a:fillRef idx="1">
+            <a:schemeClr val="accent1"/>
+          </a:fillRef>
+          <a:effectRef idx="0">
+            <a:schemeClr val="accent1"/>
+          </a:effectRef>
+          <a:fontRef idx="minor">
+            <a:schemeClr val="lt1"/>
+          </a:fontRef>
+        </p:style>
+        <p:txBody>
+          <a:bodyPr rtlCol="0" anchor="ctr"/>
+          <a:lstStyle/>
+          <a:p>
+            <a:pPr algn="ctr"/>
+            <a:endParaRPr lang="zh-CN" altLang="en-US"/>
+          </a:p>
+        </p:txBody>
+      </p:sp>
+      <p:sp>
+        <p:nvSpPr>
+          <p:cNvPr id="32" name="六边形 31"/>
+          <p:cNvSpPr/>
+          <p:nvPr/>
+        </p:nvSpPr>
+        <p:spPr>
+          <a:xfrm rot="5400000" flipH="1">
+            <a:off x="9827152" y="6349133"/>
+            <a:ext cx="2635986" cy="2249543"/>
+          </a:xfrm>
+          <a:prstGeom prst="hexagon">
+            <a:avLst>
+              <a:gd name="adj" fmla="val 27952"/>
+              <a:gd name="vf" fmla="val 115470"/>
+            </a:avLst>
+          </a:prstGeom>
+          <a:gradFill flip="none" rotWithShape="1">
+            <a:gsLst>
+              <a:gs pos="0">
+                <a:srgbClr val="FBFBFB"/>
+              </a:gs>
+              <a:gs pos="100000">
+                <a:srgbClr val="E1E1E1"/>
+              </a:gs>
+            </a:gsLst>
+            <a:lin ang="18900000" scaled="1"/>
+            <a:tileRect/>
+          </a:gradFill>
+          <a:ln w="38100">
+            <a:gradFill>
+              <a:gsLst>
+                <a:gs pos="0">
+                  <a:srgbClr val="FCFCFC"/>
+                </a:gs>
+                <a:gs pos="100000">
+                  <a:srgbClr val="E1E1E1"/>
+                </a:gs>
+              </a:gsLst>
+              <a:lin ang="5400000" scaled="1"/>
+            </a:gradFill>
+          </a:ln>
+          <a:effectLst>
+            <a:outerShdw blurRad="901700" dist="927100" dir="11040000" sx="91000" sy="91000" algn="tr" rotWithShape="0">
+              <a:prstClr val="black">
+                <a:alpha val="5000"/>
+              </a:prstClr>
+            </a:outerShdw>
+          </a:effectLst>
+        </p:spPr>
+        <p:style>
+          <a:lnRef idx="2">
+            <a:schemeClr val="accent1">
+              <a:shade val="50000"/>
+            </a:schemeClr>
+          </a:lnRef>
+          <a:fillRef idx="1">
+            <a:schemeClr val="accent1"/>
+          </a:fillRef>
+          <a:effectRef idx="0">
+            <a:schemeClr val="accent1"/>
+          </a:effectRef>
+          <a:fontRef idx="minor">
+            <a:schemeClr val="lt1"/>
+          </a:fontRef>
+        </p:style>
+        <p:txBody>
+          <a:bodyPr rtlCol="0" anchor="ctr"/>
+          <a:lstStyle/>
+          <a:p>
+            <a:pPr algn="ctr"/>
+            <a:endParaRPr lang="zh-CN" altLang="en-US"/>
+          </a:p>
+        </p:txBody>
+      </p:sp>
+      <p:sp>
+        <p:nvSpPr>
+          <p:cNvPr id="33" name="六边形 32"/>
+          <p:cNvSpPr/>
+          <p:nvPr/>
+        </p:nvSpPr>
+        <p:spPr>
+          <a:xfrm rot="5400000" flipH="1">
+            <a:off x="1957338" y="6647237"/>
+            <a:ext cx="1833900" cy="1565045"/>
+          </a:xfrm>
+          <a:prstGeom prst="hexagon">
+            <a:avLst>
+              <a:gd name="adj" fmla="val 27952"/>
+              <a:gd name="vf" fmla="val 115470"/>
+            </a:avLst>
+          </a:prstGeom>
+          <a:gradFill flip="none" rotWithShape="1">
+            <a:gsLst>
+              <a:gs pos="0">
+                <a:srgbClr val="FBFBFB"/>
+              </a:gs>
+              <a:gs pos="100000">
+                <a:srgbClr val="E1E1E1"/>
+              </a:gs>
+            </a:gsLst>
+            <a:lin ang="18900000" scaled="1"/>
+            <a:tileRect/>
+          </a:gradFill>
+          <a:ln w="38100">
+            <a:gradFill>
+              <a:gsLst>
+                <a:gs pos="0">
+                  <a:srgbClr val="FCFCFC"/>
+                </a:gs>
+                <a:gs pos="100000">
+                  <a:srgbClr val="E1E1E1"/>
+                </a:gs>
+              </a:gsLst>
+              <a:lin ang="5400000" scaled="1"/>
+            </a:gradFill>
+          </a:ln>
+          <a:effectLst>
+            <a:outerShdw blurRad="901700" dist="927100" dir="11040000" sx="91000" sy="91000" algn="tr" rotWithShape="0">
+              <a:prstClr val="black">
+                <a:alpha val="5000"/>
+              </a:prstClr>
+            </a:outerShdw>
+          </a:effectLst>
+        </p:spPr>
+        <p:style>
+          <a:lnRef idx="2">
+            <a:schemeClr val="accent1">
+              <a:shade val="50000"/>
+            </a:schemeClr>
+          </a:lnRef>
+          <a:fillRef idx="1">
+            <a:schemeClr val="accent1"/>
+          </a:fillRef>
+          <a:effectRef idx="0">
+            <a:schemeClr val="accent1"/>
+          </a:effectRef>
+          <a:fontRef idx="minor">
+            <a:schemeClr val="lt1"/>
+          </a:fontRef>
+        </p:style>
+        <p:txBody>
+          <a:bodyPr rtlCol="0" anchor="ctr"/>
+          <a:lstStyle/>
+          <a:p>
+            <a:pPr algn="ctr"/>
+            <a:endParaRPr lang="zh-CN" altLang="en-US"/>
+          </a:p>
+        </p:txBody>
+      </p:sp>
+      <p:sp>
+        <p:nvSpPr>
+          <p:cNvPr id="34" name="六边形 33"/>
+          <p:cNvSpPr/>
+          <p:nvPr/>
+        </p:nvSpPr>
+        <p:spPr>
+          <a:xfrm rot="5400000" flipH="1">
+            <a:off x="-300354" y="5341249"/>
+            <a:ext cx="2581335" cy="2202903"/>
+          </a:xfrm>
+          <a:prstGeom prst="hexagon">
+            <a:avLst>
+              <a:gd name="adj" fmla="val 27952"/>
+              <a:gd name="vf" fmla="val 115470"/>
+            </a:avLst>
+          </a:prstGeom>
+          <a:gradFill flip="none" rotWithShape="1">
+            <a:gsLst>
+              <a:gs pos="0">
+                <a:srgbClr val="FBFBFB"/>
+              </a:gs>
+              <a:gs pos="100000">
+                <a:srgbClr val="E1E1E1"/>
+              </a:gs>
+            </a:gsLst>
+            <a:lin ang="18900000" scaled="1"/>
+            <a:tileRect/>
+          </a:gradFill>
+          <a:ln w="38100">
+            <a:gradFill>
+              <a:gsLst>
+                <a:gs pos="0">
+                  <a:srgbClr val="FCFCFC"/>
+                </a:gs>
+                <a:gs pos="100000">
+                  <a:srgbClr val="E1E1E1"/>
+                </a:gs>
+              </a:gsLst>
+              <a:lin ang="5400000" scaled="1"/>
+            </a:gradFill>
+          </a:ln>
+          <a:effectLst>
+            <a:outerShdw blurRad="901700" dist="927100" dir="11040000" sx="91000" sy="91000" algn="tr" rotWithShape="0">
+              <a:prstClr val="black">
+                <a:alpha val="5000"/>
+              </a:prstClr>
+            </a:outerShdw>
+          </a:effectLst>
+        </p:spPr>
+        <p:style>
+          <a:lnRef idx="2">
+            <a:schemeClr val="accent1">
+              <a:shade val="50000"/>
+            </a:schemeClr>
+          </a:lnRef>
+          <a:fillRef idx="1">
+            <a:schemeClr val="accent1"/>
+          </a:fillRef>
+          <a:effectRef idx="0">
+            <a:schemeClr val="accent1"/>
+          </a:effectRef>
+          <a:fontRef idx="minor">
+            <a:schemeClr val="lt1"/>
+          </a:fontRef>
+        </p:style>
+        <p:txBody>
+          <a:bodyPr rtlCol="0" anchor="ctr"/>
+          <a:lstStyle/>
+          <a:p>
+            <a:pPr algn="ctr"/>
+            <a:endParaRPr lang="zh-CN" altLang="en-US"/>
+          </a:p>
+        </p:txBody>
+      </p:sp>
+      <p:sp>
+        <p:nvSpPr>
+          <p:cNvPr id="35" name="六边形 34"/>
+          <p:cNvSpPr/>
+          <p:nvPr/>
+        </p:nvSpPr>
+        <p:spPr>
+          <a:xfrm rot="5400000" flipH="1">
+            <a:off x="8480954" y="6906027"/>
+            <a:ext cx="519340" cy="443204"/>
+          </a:xfrm>
+          <a:prstGeom prst="hexagon">
+            <a:avLst>
+              <a:gd name="adj" fmla="val 27952"/>
+              <a:gd name="vf" fmla="val 115470"/>
+            </a:avLst>
+          </a:prstGeom>
+          <a:gradFill flip="none" rotWithShape="1">
+            <a:gsLst>
+              <a:gs pos="0">
+                <a:srgbClr val="FBFBFB"/>
+              </a:gs>
+              <a:gs pos="100000">
+                <a:srgbClr val="E1E1E1"/>
+              </a:gs>
+            </a:gsLst>
+            <a:lin ang="18900000" scaled="1"/>
+            <a:tileRect/>
+          </a:gradFill>
+          <a:ln w="38100">
+            <a:gradFill>
+              <a:gsLst>
+                <a:gs pos="0">
+                  <a:srgbClr val="FCFCFC"/>
+                </a:gs>
+                <a:gs pos="100000">
+                  <a:srgbClr val="E1E1E1"/>
+                </a:gs>
+              </a:gsLst>
+              <a:lin ang="5400000" scaled="1"/>
+            </a:gradFill>
+          </a:ln>
+          <a:effectLst>
+            <a:outerShdw blurRad="901700" dist="927100" dir="11040000" sx="91000" sy="91000" algn="tr" rotWithShape="0">
+              <a:prstClr val="black">
+                <a:alpha val="5000"/>
+              </a:prstClr>
+            </a:outerShdw>
+          </a:effectLst>
+        </p:spPr>
+        <p:style>
+          <a:lnRef idx="2">
+            <a:schemeClr val="accent1">
+              <a:shade val="50000"/>
+            </a:schemeClr>
+          </a:lnRef>
+          <a:fillRef idx="1">
+            <a:schemeClr val="accent1"/>
+          </a:fillRef>
+          <a:effectRef idx="0">
+            <a:schemeClr val="accent1"/>
+          </a:effectRef>
+          <a:fontRef idx="minor">
+            <a:schemeClr val="lt1"/>
+          </a:fontRef>
+        </p:style>
+        <p:txBody>
+          <a:bodyPr rtlCol="0" anchor="ctr"/>
+          <a:lstStyle/>
+          <a:p>
+            <a:pPr algn="ctr"/>
+            <a:endParaRPr lang="zh-CN" altLang="en-US"/>
+          </a:p>
+        </p:txBody>
+      </p:sp>
+      <p:sp>
+        <p:nvSpPr>
+          <p:cNvPr id="36" name="六边形 35"/>
+          <p:cNvSpPr/>
+          <p:nvPr/>
+        </p:nvSpPr>
+        <p:spPr>
+          <a:xfrm rot="5400000" flipH="1">
+            <a:off x="7644409" y="5524526"/>
+            <a:ext cx="519344" cy="443208"/>
+          </a:xfrm>
+          <a:prstGeom prst="hexagon">
+            <a:avLst>
+              <a:gd name="adj" fmla="val 27952"/>
+              <a:gd name="vf" fmla="val 115470"/>
+            </a:avLst>
+          </a:prstGeom>
+          <a:gradFill flip="none" rotWithShape="1">
+            <a:gsLst>
+              <a:gs pos="0">
+                <a:srgbClr val="FBFBFB"/>
+              </a:gs>
+              <a:gs pos="100000">
+                <a:srgbClr val="E1E1E1"/>
+              </a:gs>
+            </a:gsLst>
+            <a:lin ang="18900000" scaled="1"/>
+            <a:tileRect/>
+          </a:gradFill>
+          <a:ln w="38100">
+            <a:gradFill>
+              <a:gsLst>
+                <a:gs pos="0">
+                  <a:srgbClr val="FCFCFC"/>
+                </a:gs>
+                <a:gs pos="100000">
+                  <a:srgbClr val="E1E1E1"/>
+                </a:gs>
+              </a:gsLst>
+              <a:lin ang="5400000" scaled="1"/>
+            </a:gradFill>
+          </a:ln>
+          <a:effectLst>
+            <a:outerShdw blurRad="901700" dist="927100" dir="11040000" sx="91000" sy="91000" algn="tr" rotWithShape="0">
+              <a:prstClr val="black">
+                <a:alpha val="5000"/>
+              </a:prstClr>
+            </a:outerShdw>
+          </a:effectLst>
+        </p:spPr>
+        <p:style>
+          <a:lnRef idx="2">
+            <a:schemeClr val="accent1">
+              <a:shade val="50000"/>
+            </a:schemeClr>
+          </a:lnRef>
+          <a:fillRef idx="1">
+            <a:schemeClr val="accent1"/>
+          </a:fillRef>
+          <a:effectRef idx="0">
+            <a:schemeClr val="accent1"/>
+          </a:effectRef>
+          <a:fontRef idx="minor">
+            <a:schemeClr val="lt1"/>
+          </a:fontRef>
+        </p:style>
+        <p:txBody>
+          <a:bodyPr rtlCol="0" anchor="ctr"/>
+          <a:lstStyle/>
+          <a:p>
+            <a:pPr algn="ctr"/>
+            <a:endParaRPr lang="zh-CN" altLang="en-US"/>
+          </a:p>
+        </p:txBody>
+      </p:sp>
+    </p:spTree>
+  </p:cSld>
+  <p:clrMapOvr>
+    <a:masterClrMapping/>
+  </p:clrMapOvr>
+  <p:timing>
+    <p:tnLst>
+      <p:par>
+        <p:cTn id="1" dur="indefinite" restart="never" nodeType="tmRoot">
+          <p:childTnLst>
+            <p:seq concurrent="1" nextAc="seek">
+              <p:cTn id="2" dur="indefinite" nodeType="mainSeq">
+                <p:childTnLst>
+                  <p:par>
+                    <p:cTn id="3" fill="hold">
+                      <p:stCondLst>
+                        <p:cond delay="indefinite"/>
+                        <p:cond evt="onBegin" delay="0">
+                          <p:tn val="2"/>
+                        </p:cond>
+                      </p:stCondLst>
+                      <p:childTnLst>
+                        <p:par>
+                          <p:cTn id="4" fill="hold">
+                            <p:stCondLst>
+                              <p:cond delay="0"/>
+                            </p:stCondLst>
+                            <p:childTnLst>
+                              <p:par>
+                                <p:cTn id="5" presetID="53" presetClass="entr" presetSubtype="16" fill="hold" grpId="0" nodeType="withEffect">
+                                  <p:stCondLst>
+                                    <p:cond delay="0"/>
+                                  </p:stCondLst>
+                                  <p:childTnLst>
+                                    <p:set>
+                                      <p:cBhvr>
+                                        <p:cTn id="6" dur="1" fill="hold">
+                                          <p:stCondLst>
+                                            <p:cond delay="0"/>
+                                          </p:stCondLst>
+                                        </p:cTn>
+                                        <p:tgtEl>
+                                          <p:spTgt spid="16"/>
+                                        </p:tgtEl>
+                                        <p:attrNameLst>
+                                          <p:attrName>style.visibility</p:attrName>
+                                        </p:attrNameLst>
+                                      </p:cBhvr>
+                                      <p:to>
+                                        <p:strVal val="visible"/>
+                                      </p:to>
+                                    </p:set>
+                                    <p:anim calcmode="lin" valueType="num">
+                                      <p:cBhvr>
+                                        <p:cTn id="7" dur="500" fill="hold"/>
+                                        <p:tgtEl>
+                                          <p:spTgt spid="16"/>
+                                        </p:tgtEl>
+                                        <p:attrNameLst>
+                                          <p:attrName>ppt_w</p:attrName>
+                                        </p:attrNameLst>
+                                      </p:cBhvr>
+                                      <p:tavLst>
+                                        <p:tav tm="0">
+                                          <p:val>
+                                            <p:fltVal val="0"/>
+                                          </p:val>
+                                        </p:tav>
+                                        <p:tav tm="100000">
+                                          <p:val>
+                                            <p:strVal val="#ppt_w"/>
+                                          </p:val>
+                                        </p:tav>
+                                      </p:tavLst>
+                                    </p:anim>
+                                    <p:anim calcmode="lin" valueType="num">
+                                      <p:cBhvr>
+                                        <p:cTn id="8" dur="500" fill="hold"/>
+                                        <p:tgtEl>
+                                          <p:spTgt spid="16"/>
+                                        </p:tgtEl>
+                                        <p:attrNameLst>
+                                          <p:attrName>ppt_h</p:attrName>
+                                        </p:attrNameLst>
+                                      </p:cBhvr>
+                                      <p:tavLst>
+                                        <p:tav tm="0">
+                                          <p:val>
+                                            <p:fltVal val="0"/>
+                                          </p:val>
+                                        </p:tav>
+                                        <p:tav tm="100000">
+                                          <p:val>
+                                            <p:strVal val="#ppt_h"/>
+                                          </p:val>
+                                        </p:tav>
+                                      </p:tavLst>
+                                    </p:anim>
+                                    <p:animEffect transition="in" filter="fade">
+                                      <p:cBhvr>
+                                        <p:cTn id="9" dur="500"/>
+                                        <p:tgtEl>
+                                          <p:spTgt spid="16"/>
+                                        </p:tgtEl>
+                                      </p:cBhvr>
+                                    </p:animEffect>
+                                  </p:childTnLst>
+                                </p:cTn>
+                              </p:par>
+                              <p:par>
+                                <p:cTn id="10" presetID="42" presetClass="entr" presetSubtype="0" fill="hold" grpId="0" nodeType="withEffect">
+                                  <p:stCondLst>
+                                    <p:cond delay="0"/>
+                                  </p:stCondLst>
+                                  <p:childTnLst>
+                                    <p:set>
+                                      <p:cBhvr>
+                                        <p:cTn id="11" dur="1" fill="hold">
+                                          <p:stCondLst>
+                                            <p:cond delay="0"/>
+                                          </p:stCondLst>
+                                        </p:cTn>
+                                        <p:tgtEl>
+                                          <p:spTgt spid="34"/>
+                                        </p:tgtEl>
+                                        <p:attrNameLst>
+                                          <p:attrName>style.visibility</p:attrName>
+                                        </p:attrNameLst>
+                                      </p:cBhvr>
+                                      <p:to>
+                                        <p:strVal val="visible"/>
+                                      </p:to>
+                                    </p:set>
+                                    <p:animEffect transition="in" filter="fade">
+                                      <p:cBhvr>
+                                        <p:cTn id="12" dur="1000"/>
+                                        <p:tgtEl>
+                                          <p:spTgt spid="34"/>
+                                        </p:tgtEl>
+                                      </p:cBhvr>
+                                    </p:animEffect>
+                                    <p:anim calcmode="lin" valueType="num">
+                                      <p:cBhvr>
+                                        <p:cTn id="13" dur="1000" fill="hold"/>
+                                        <p:tgtEl>
+                                          <p:spTgt spid="34"/>
+                                        </p:tgtEl>
+                                        <p:attrNameLst>
+                                          <p:attrName>ppt_x</p:attrName>
+                                        </p:attrNameLst>
+                                      </p:cBhvr>
+                                      <p:tavLst>
+                                        <p:tav tm="0">
+                                          <p:val>
+                                            <p:strVal val="#ppt_x"/>
+                                          </p:val>
+                                        </p:tav>
+                                        <p:tav tm="100000">
+                                          <p:val>
+                                            <p:strVal val="#ppt_x"/>
+                                          </p:val>
+                                        </p:tav>
+                                      </p:tavLst>
+                                    </p:anim>
+                                    <p:anim calcmode="lin" valueType="num">
+                                      <p:cBhvr>
+                                        <p:cTn id="14" dur="1000" fill="hold"/>
+                                        <p:tgtEl>
+                                          <p:spTgt spid="34"/>
+                                        </p:tgtEl>
+                                        <p:attrNameLst>
+                                          <p:attrName>ppt_y</p:attrName>
+                                        </p:attrNameLst>
+                                      </p:cBhvr>
+                                      <p:tavLst>
+                                        <p:tav tm="0">
+                                          <p:val>
+                                            <p:strVal val="#ppt_y+.1"/>
+                                          </p:val>
+                                        </p:tav>
+                                        <p:tav tm="100000">
+                                          <p:val>
+                                            <p:strVal val="#ppt_y"/>
+                                          </p:val>
+                                        </p:tav>
+                                      </p:tavLst>
+                                    </p:anim>
+                                  </p:childTnLst>
+                                </p:cTn>
+                              </p:par>
+                              <p:par>
+                                <p:cTn id="15" presetID="42" presetClass="entr" presetSubtype="0" fill="hold" grpId="0" nodeType="withEffect">
+                                  <p:stCondLst>
+                                    <p:cond delay="0"/>
+                                  </p:stCondLst>
+                                  <p:childTnLst>
+                                    <p:set>
+                                      <p:cBhvr>
+                                        <p:cTn id="16" dur="1" fill="hold">
+                                          <p:stCondLst>
+                                            <p:cond delay="0"/>
+                                          </p:stCondLst>
+                                        </p:cTn>
+                                        <p:tgtEl>
+                                          <p:spTgt spid="29"/>
+                                        </p:tgtEl>
+                                        <p:attrNameLst>
+                                          <p:attrName>style.visibility</p:attrName>
+                                        </p:attrNameLst>
+                                      </p:cBhvr>
+                                      <p:to>
+                                        <p:strVal val="visible"/>
+                                      </p:to>
+                                    </p:set>
+                                    <p:animEffect transition="in" filter="fade">
+                                      <p:cBhvr>
+                                        <p:cTn id="17" dur="1000"/>
+                                        <p:tgtEl>
+                                          <p:spTgt spid="29"/>
+                                        </p:tgtEl>
+                                      </p:cBhvr>
+                                    </p:animEffect>
+                                    <p:anim calcmode="lin" valueType="num">
+                                      <p:cBhvr>
+                                        <p:cTn id="18" dur="1000" fill="hold"/>
+                                        <p:tgtEl>
+                                          <p:spTgt spid="29"/>
+                                        </p:tgtEl>
+                                        <p:attrNameLst>
+                                          <p:attrName>ppt_x</p:attrName>
+                                        </p:attrNameLst>
+                                      </p:cBhvr>
+                                      <p:tavLst>
+                                        <p:tav tm="0">
+                                          <p:val>
+                                            <p:strVal val="#ppt_x"/>
+                                          </p:val>
+                                        </p:tav>
+                                        <p:tav tm="100000">
+                                          <p:val>
+                                            <p:strVal val="#ppt_x"/>
+                                          </p:val>
+                                        </p:tav>
+                                      </p:tavLst>
+                                    </p:anim>
+                                    <p:anim calcmode="lin" valueType="num">
+                                      <p:cBhvr>
+                                        <p:cTn id="19" dur="1000" fill="hold"/>
+                                        <p:tgtEl>
+                                          <p:spTgt spid="29"/>
+                                        </p:tgtEl>
+                                        <p:attrNameLst>
+                                          <p:attrName>ppt_y</p:attrName>
+                                        </p:attrNameLst>
+                                      </p:cBhvr>
+                                      <p:tavLst>
+                                        <p:tav tm="0">
+                                          <p:val>
+                                            <p:strVal val="#ppt_y+.1"/>
+                                          </p:val>
+                                        </p:tav>
+                                        <p:tav tm="100000">
+                                          <p:val>
+                                            <p:strVal val="#ppt_y"/>
+                                          </p:val>
+                                        </p:tav>
+                                      </p:tavLst>
+                                    </p:anim>
+                                  </p:childTnLst>
+                                </p:cTn>
+                              </p:par>
+                              <p:par>
+                                <p:cTn id="20" presetID="42" presetClass="entr" presetSubtype="0" fill="hold" grpId="0" nodeType="withEffect">
+                                  <p:stCondLst>
+                                    <p:cond delay="0"/>
+                                  </p:stCondLst>
+                                  <p:childTnLst>
+                                    <p:set>
+                                      <p:cBhvr>
+                                        <p:cTn id="21" dur="1" fill="hold">
+                                          <p:stCondLst>
+                                            <p:cond delay="0"/>
+                                          </p:stCondLst>
+                                        </p:cTn>
+                                        <p:tgtEl>
+                                          <p:spTgt spid="33"/>
+                                        </p:tgtEl>
+                                        <p:attrNameLst>
+                                          <p:attrName>style.visibility</p:attrName>
+                                        </p:attrNameLst>
+                                      </p:cBhvr>
+                                      <p:to>
+                                        <p:strVal val="visible"/>
+                                      </p:to>
+                                    </p:set>
+                                    <p:animEffect transition="in" filter="fade">
+                                      <p:cBhvr>
+                                        <p:cTn id="22" dur="1000"/>
+                                        <p:tgtEl>
+                                          <p:spTgt spid="33"/>
+                                        </p:tgtEl>
+                                      </p:cBhvr>
+                                    </p:animEffect>
+                                    <p:anim calcmode="lin" valueType="num">
+                                      <p:cBhvr>
+                                        <p:cTn id="23" dur="1000" fill="hold"/>
+                                        <p:tgtEl>
+                                          <p:spTgt spid="33"/>
+                                        </p:tgtEl>
+                                        <p:attrNameLst>
+                                          <p:attrName>ppt_x</p:attrName>
+                                        </p:attrNameLst>
+                                      </p:cBhvr>
+                                      <p:tavLst>
+                                        <p:tav tm="0">
+                                          <p:val>
+                                            <p:strVal val="#ppt_x"/>
+                                          </p:val>
+                                        </p:tav>
+                                        <p:tav tm="100000">
+                                          <p:val>
+                                            <p:strVal val="#ppt_x"/>
+                                          </p:val>
+                                        </p:tav>
+                                      </p:tavLst>
+                                    </p:anim>
+                                    <p:anim calcmode="lin" valueType="num">
+                                      <p:cBhvr>
+                                        <p:cTn id="24" dur="1000" fill="hold"/>
+                                        <p:tgtEl>
+                                          <p:spTgt spid="33"/>
+                                        </p:tgtEl>
+                                        <p:attrNameLst>
+                                          <p:attrName>ppt_y</p:attrName>
+                                        </p:attrNameLst>
+                                      </p:cBhvr>
+                                      <p:tavLst>
+                                        <p:tav tm="0">
+                                          <p:val>
+                                            <p:strVal val="#ppt_y+.1"/>
+                                          </p:val>
+                                        </p:tav>
+                                        <p:tav tm="100000">
+                                          <p:val>
+                                            <p:strVal val="#ppt_y"/>
+                                          </p:val>
+                                        </p:tav>
+                                      </p:tavLst>
+                                    </p:anim>
+                                  </p:childTnLst>
+                                </p:cTn>
+                              </p:par>
+                              <p:par>
+                                <p:cTn id="25" presetID="42" presetClass="entr" presetSubtype="0" fill="hold" grpId="0" nodeType="withEffect">
+                                  <p:stCondLst>
+                                    <p:cond delay="0"/>
+                                  </p:stCondLst>
+                                  <p:childTnLst>
+                                    <p:set>
+                                      <p:cBhvr>
+                                        <p:cTn id="26" dur="1" fill="hold">
+                                          <p:stCondLst>
+                                            <p:cond delay="0"/>
+                                          </p:stCondLst>
+                                        </p:cTn>
+                                        <p:tgtEl>
+                                          <p:spTgt spid="28"/>
+                                        </p:tgtEl>
+                                        <p:attrNameLst>
+                                          <p:attrName>style.visibility</p:attrName>
+                                        </p:attrNameLst>
+                                      </p:cBhvr>
+                                      <p:to>
+                                        <p:strVal val="visible"/>
+                                      </p:to>
+                                    </p:set>
+                                    <p:animEffect transition="in" filter="fade">
+                                      <p:cBhvr>
+                                        <p:cTn id="27" dur="1000"/>
+                                        <p:tgtEl>
+                                          <p:spTgt spid="28"/>
+                                        </p:tgtEl>
+                                      </p:cBhvr>
+                                    </p:animEffect>
+                                    <p:anim calcmode="lin" valueType="num">
+                                      <p:cBhvr>
+                                        <p:cTn id="28" dur="1000" fill="hold"/>
+                                        <p:tgtEl>
+                                          <p:spTgt spid="28"/>
+                                        </p:tgtEl>
+                                        <p:attrNameLst>
+                                          <p:attrName>ppt_x</p:attrName>
+                                        </p:attrNameLst>
+                                      </p:cBhvr>
+                                      <p:tavLst>
+                                        <p:tav tm="0">
+                                          <p:val>
+                                            <p:strVal val="#ppt_x"/>
+                                          </p:val>
+                                        </p:tav>
+                                        <p:tav tm="100000">
+                                          <p:val>
+                                            <p:strVal val="#ppt_x"/>
+                                          </p:val>
+                                        </p:tav>
+                                      </p:tavLst>
+                                    </p:anim>
+                                    <p:anim calcmode="lin" valueType="num">
+                                      <p:cBhvr>
+                                        <p:cTn id="29" dur="1000" fill="hold"/>
+                                        <p:tgtEl>
+                                          <p:spTgt spid="28"/>
+                                        </p:tgtEl>
+                                        <p:attrNameLst>
+                                          <p:attrName>ppt_y</p:attrName>
+                                        </p:attrNameLst>
+                                      </p:cBhvr>
+                                      <p:tavLst>
+                                        <p:tav tm="0">
+                                          <p:val>
+                                            <p:strVal val="#ppt_y+.1"/>
+                                          </p:val>
+                                        </p:tav>
+                                        <p:tav tm="100000">
+                                          <p:val>
+                                            <p:strVal val="#ppt_y"/>
+                                          </p:val>
+                                        </p:tav>
+                                      </p:tavLst>
+                                    </p:anim>
+                                  </p:childTnLst>
+                                </p:cTn>
+                              </p:par>
+                              <p:par>
+                                <p:cTn id="30" presetID="42" presetClass="entr" presetSubtype="0" fill="hold" grpId="0" nodeType="withEffect">
+                                  <p:stCondLst>
+                                    <p:cond delay="0"/>
+                                  </p:stCondLst>
+                                  <p:childTnLst>
+                                    <p:set>
+                                      <p:cBhvr>
+                                        <p:cTn id="31" dur="1" fill="hold">
+                                          <p:stCondLst>
+                                            <p:cond delay="0"/>
+                                          </p:stCondLst>
+                                        </p:cTn>
+                                        <p:tgtEl>
+                                          <p:spTgt spid="27"/>
+                                        </p:tgtEl>
+                                        <p:attrNameLst>
+                                          <p:attrName>style.visibility</p:attrName>
+                                        </p:attrNameLst>
+                                      </p:cBhvr>
+                                      <p:to>
+                                        <p:strVal val="visible"/>
+                                      </p:to>
+                                    </p:set>
+                                    <p:animEffect transition="in" filter="fade">
+                                      <p:cBhvr>
+                                        <p:cTn id="32" dur="1000"/>
+                                        <p:tgtEl>
+                                          <p:spTgt spid="27"/>
+                                        </p:tgtEl>
+                                      </p:cBhvr>
+                                    </p:animEffect>
+                                    <p:anim calcmode="lin" valueType="num">
+                                      <p:cBhvr>
+                                        <p:cTn id="33" dur="1000" fill="hold"/>
+                                        <p:tgtEl>
+                                          <p:spTgt spid="27"/>
+                                        </p:tgtEl>
+                                        <p:attrNameLst>
+                                          <p:attrName>ppt_x</p:attrName>
+                                        </p:attrNameLst>
+                                      </p:cBhvr>
+                                      <p:tavLst>
+                                        <p:tav tm="0">
+                                          <p:val>
+                                            <p:strVal val="#ppt_x"/>
+                                          </p:val>
+                                        </p:tav>
+                                        <p:tav tm="100000">
+                                          <p:val>
+                                            <p:strVal val="#ppt_x"/>
+                                          </p:val>
+                                        </p:tav>
+                                      </p:tavLst>
+                                    </p:anim>
+                                    <p:anim calcmode="lin" valueType="num">
+                                      <p:cBhvr>
+                                        <p:cTn id="34" dur="1000" fill="hold"/>
+                                        <p:tgtEl>
+                                          <p:spTgt spid="27"/>
+                                        </p:tgtEl>
+                                        <p:attrNameLst>
+                                          <p:attrName>ppt_y</p:attrName>
+                                        </p:attrNameLst>
+                                      </p:cBhvr>
+                                      <p:tavLst>
+                                        <p:tav tm="0">
+                                          <p:val>
+                                            <p:strVal val="#ppt_y+.1"/>
+                                          </p:val>
+                                        </p:tav>
+                                        <p:tav tm="100000">
+                                          <p:val>
+                                            <p:strVal val="#ppt_y"/>
+                                          </p:val>
+                                        </p:tav>
+                                      </p:tavLst>
+                                    </p:anim>
+                                  </p:childTnLst>
+                                </p:cTn>
+                              </p:par>
+                              <p:par>
+                                <p:cTn id="35" presetID="42" presetClass="entr" presetSubtype="0" fill="hold" grpId="0" nodeType="withEffect">
+                                  <p:stCondLst>
+                                    <p:cond delay="0"/>
+                                  </p:stCondLst>
+                                  <p:childTnLst>
+                                    <p:set>
+                                      <p:cBhvr>
+                                        <p:cTn id="36" dur="1" fill="hold">
+                                          <p:stCondLst>
+                                            <p:cond delay="0"/>
+                                          </p:stCondLst>
+                                        </p:cTn>
+                                        <p:tgtEl>
+                                          <p:spTgt spid="36"/>
+                                        </p:tgtEl>
+                                        <p:attrNameLst>
+                                          <p:attrName>style.visibility</p:attrName>
+                                        </p:attrNameLst>
+                                      </p:cBhvr>
+                                      <p:to>
+                                        <p:strVal val="visible"/>
+                                      </p:to>
+                                    </p:set>
+                                    <p:animEffect transition="in" filter="fade">
+                                      <p:cBhvr>
+                                        <p:cTn id="37" dur="1000"/>
+                                        <p:tgtEl>
+                                          <p:spTgt spid="36"/>
+                                        </p:tgtEl>
+                                      </p:cBhvr>
+                                    </p:animEffect>
+                                    <p:anim calcmode="lin" valueType="num">
+                                      <p:cBhvr>
+                                        <p:cTn id="38" dur="1000" fill="hold"/>
+                                        <p:tgtEl>
+                                          <p:spTgt spid="36"/>
+                                        </p:tgtEl>
+                                        <p:attrNameLst>
+                                          <p:attrName>ppt_x</p:attrName>
+                                        </p:attrNameLst>
+                                      </p:cBhvr>
+                                      <p:tavLst>
+                                        <p:tav tm="0">
+                                          <p:val>
+                                            <p:strVal val="#ppt_x"/>
+                                          </p:val>
+                                        </p:tav>
+                                        <p:tav tm="100000">
+                                          <p:val>
+                                            <p:strVal val="#ppt_x"/>
+                                          </p:val>
+                                        </p:tav>
+                                      </p:tavLst>
+                                    </p:anim>
+                                    <p:anim calcmode="lin" valueType="num">
+                                      <p:cBhvr>
+                                        <p:cTn id="39" dur="1000" fill="hold"/>
+                                        <p:tgtEl>
+                                          <p:spTgt spid="36"/>
+                                        </p:tgtEl>
+                                        <p:attrNameLst>
+                                          <p:attrName>ppt_y</p:attrName>
+                                        </p:attrNameLst>
+                                      </p:cBhvr>
+                                      <p:tavLst>
+                                        <p:tav tm="0">
+                                          <p:val>
+                                            <p:strVal val="#ppt_y+.1"/>
+                                          </p:val>
+                                        </p:tav>
+                                        <p:tav tm="100000">
+                                          <p:val>
+                                            <p:strVal val="#ppt_y"/>
+                                          </p:val>
+                                        </p:tav>
+                                      </p:tavLst>
+                                    </p:anim>
+                                  </p:childTnLst>
+                                </p:cTn>
+                              </p:par>
+                              <p:par>
+                                <p:cTn id="40" presetID="42" presetClass="entr" presetSubtype="0" fill="hold" grpId="0" nodeType="withEffect">
+                                  <p:stCondLst>
+                                    <p:cond delay="0"/>
+                                  </p:stCondLst>
+                                  <p:childTnLst>
+                                    <p:set>
+                                      <p:cBhvr>
+                                        <p:cTn id="41" dur="1" fill="hold">
+                                          <p:stCondLst>
+                                            <p:cond delay="0"/>
+                                          </p:stCondLst>
+                                        </p:cTn>
+                                        <p:tgtEl>
+                                          <p:spTgt spid="30"/>
+                                        </p:tgtEl>
+                                        <p:attrNameLst>
+                                          <p:attrName>style.visibility</p:attrName>
+                                        </p:attrNameLst>
+                                      </p:cBhvr>
+                                      <p:to>
+                                        <p:strVal val="visible"/>
+                                      </p:to>
+                                    </p:set>
+                                    <p:animEffect transition="in" filter="fade">
+                                      <p:cBhvr>
+                                        <p:cTn id="42" dur="1000"/>
+                                        <p:tgtEl>
+                                          <p:spTgt spid="30"/>
+                                        </p:tgtEl>
+                                      </p:cBhvr>
+                                    </p:animEffect>
+                                    <p:anim calcmode="lin" valueType="num">
+                                      <p:cBhvr>
+                                        <p:cTn id="43" dur="1000" fill="hold"/>
+                                        <p:tgtEl>
+                                          <p:spTgt spid="30"/>
+                                        </p:tgtEl>
+                                        <p:attrNameLst>
+                                          <p:attrName>ppt_x</p:attrName>
+                                        </p:attrNameLst>
+                                      </p:cBhvr>
+                                      <p:tavLst>
+                                        <p:tav tm="0">
+                                          <p:val>
+                                            <p:strVal val="#ppt_x"/>
+                                          </p:val>
+                                        </p:tav>
+                                        <p:tav tm="100000">
+                                          <p:val>
+                                            <p:strVal val="#ppt_x"/>
+                                          </p:val>
+                                        </p:tav>
+                                      </p:tavLst>
+                                    </p:anim>
+                                    <p:anim calcmode="lin" valueType="num">
+                                      <p:cBhvr>
+                                        <p:cTn id="44" dur="1000" fill="hold"/>
+                                        <p:tgtEl>
+                                          <p:spTgt spid="30"/>
+                                        </p:tgtEl>
+                                        <p:attrNameLst>
+                                          <p:attrName>ppt_y</p:attrName>
+                                        </p:attrNameLst>
+                                      </p:cBhvr>
+                                      <p:tavLst>
+                                        <p:tav tm="0">
+                                          <p:val>
+                                            <p:strVal val="#ppt_y+.1"/>
+                                          </p:val>
+                                        </p:tav>
+                                        <p:tav tm="100000">
+                                          <p:val>
+                                            <p:strVal val="#ppt_y"/>
+                                          </p:val>
+                                        </p:tav>
+                                      </p:tavLst>
+                                    </p:anim>
+                                  </p:childTnLst>
+                                </p:cTn>
+                              </p:par>
+                              <p:par>
+                                <p:cTn id="45" presetID="42" presetClass="entr" presetSubtype="0" fill="hold" grpId="0" nodeType="withEffect">
+                                  <p:stCondLst>
+                                    <p:cond delay="0"/>
+                                  </p:stCondLst>
+                                  <p:childTnLst>
+                                    <p:set>
+                                      <p:cBhvr>
+                                        <p:cTn id="46" dur="1" fill="hold">
+                                          <p:stCondLst>
+                                            <p:cond delay="0"/>
+                                          </p:stCondLst>
+                                        </p:cTn>
+                                        <p:tgtEl>
+                                          <p:spTgt spid="32"/>
+                                        </p:tgtEl>
+                                        <p:attrNameLst>
+                                          <p:attrName>style.visibility</p:attrName>
+                                        </p:attrNameLst>
+                                      </p:cBhvr>
+                                      <p:to>
+                                        <p:strVal val="visible"/>
+                                      </p:to>
+                                    </p:set>
+                                    <p:animEffect transition="in" filter="fade">
+                                      <p:cBhvr>
+                                        <p:cTn id="47" dur="1000"/>
+                                        <p:tgtEl>
+                                          <p:spTgt spid="32"/>
+                                        </p:tgtEl>
+                                      </p:cBhvr>
+                                    </p:animEffect>
+                                    <p:anim calcmode="lin" valueType="num">
+                                      <p:cBhvr>
+                                        <p:cTn id="48" dur="1000" fill="hold"/>
+                                        <p:tgtEl>
+                                          <p:spTgt spid="32"/>
+                                        </p:tgtEl>
+                                        <p:attrNameLst>
+                                          <p:attrName>ppt_x</p:attrName>
+                                        </p:attrNameLst>
+                                      </p:cBhvr>
+                                      <p:tavLst>
+                                        <p:tav tm="0">
+                                          <p:val>
+                                            <p:strVal val="#ppt_x"/>
+                                          </p:val>
+                                        </p:tav>
+                                        <p:tav tm="100000">
+                                          <p:val>
+                                            <p:strVal val="#ppt_x"/>
+                                          </p:val>
+                                        </p:tav>
+                                      </p:tavLst>
+                                    </p:anim>
+                                    <p:anim calcmode="lin" valueType="num">
+                                      <p:cBhvr>
+                                        <p:cTn id="49" dur="1000" fill="hold"/>
+                                        <p:tgtEl>
+                                          <p:spTgt spid="32"/>
+                                        </p:tgtEl>
+                                        <p:attrNameLst>
+                                          <p:attrName>ppt_y</p:attrName>
+                                        </p:attrNameLst>
+                                      </p:cBhvr>
+                                      <p:tavLst>
+                                        <p:tav tm="0">
+                                          <p:val>
+                                            <p:strVal val="#ppt_y+.1"/>
+                                          </p:val>
+                                        </p:tav>
+                                        <p:tav tm="100000">
+                                          <p:val>
+                                            <p:strVal val="#ppt_y"/>
+                                          </p:val>
+                                        </p:tav>
+                                      </p:tavLst>
+                                    </p:anim>
+                                  </p:childTnLst>
+                                </p:cTn>
+                              </p:par>
+                              <p:par>
+                                <p:cTn id="50" presetID="42" presetClass="entr" presetSubtype="0" fill="hold" grpId="0" nodeType="withEffect">
+                                  <p:stCondLst>
+                                    <p:cond delay="0"/>
+                                  </p:stCondLst>
+                                  <p:childTnLst>
+                                    <p:set>
+                                      <p:cBhvr>
+                                        <p:cTn id="51" dur="1" fill="hold">
+                                          <p:stCondLst>
+                                            <p:cond delay="0"/>
+                                          </p:stCondLst>
+                                        </p:cTn>
+                                        <p:tgtEl>
+                                          <p:spTgt spid="31"/>
+                                        </p:tgtEl>
+                                        <p:attrNameLst>
+                                          <p:attrName>style.visibility</p:attrName>
+                                        </p:attrNameLst>
+                                      </p:cBhvr>
+                                      <p:to>
+                                        <p:strVal val="visible"/>
+                                      </p:to>
+                                    </p:set>
+                                    <p:animEffect transition="in" filter="fade">
+                                      <p:cBhvr>
+                                        <p:cTn id="52" dur="1000"/>
+                                        <p:tgtEl>
+                                          <p:spTgt spid="31"/>
+                                        </p:tgtEl>
+                                      </p:cBhvr>
+                                    </p:animEffect>
+                                    <p:anim calcmode="lin" valueType="num">
+                                      <p:cBhvr>
+                                        <p:cTn id="53" dur="1000" fill="hold"/>
+                                        <p:tgtEl>
+                                          <p:spTgt spid="31"/>
+                                        </p:tgtEl>
+                                        <p:attrNameLst>
+                                          <p:attrName>ppt_x</p:attrName>
+                                        </p:attrNameLst>
+                                      </p:cBhvr>
+                                      <p:tavLst>
+                                        <p:tav tm="0">
+                                          <p:val>
+                                            <p:strVal val="#ppt_x"/>
+                                          </p:val>
+                                        </p:tav>
+                                        <p:tav tm="100000">
+                                          <p:val>
+                                            <p:strVal val="#ppt_x"/>
+                                          </p:val>
+                                        </p:tav>
+                                      </p:tavLst>
+                                    </p:anim>
+                                    <p:anim calcmode="lin" valueType="num">
+                                      <p:cBhvr>
+                                        <p:cTn id="54" dur="1000" fill="hold"/>
+                                        <p:tgtEl>
+                                          <p:spTgt spid="31"/>
+                                        </p:tgtEl>
+                                        <p:attrNameLst>
+                                          <p:attrName>ppt_y</p:attrName>
+                                        </p:attrNameLst>
+                                      </p:cBhvr>
+                                      <p:tavLst>
+                                        <p:tav tm="0">
+                                          <p:val>
+                                            <p:strVal val="#ppt_y+.1"/>
+                                          </p:val>
+                                        </p:tav>
+                                        <p:tav tm="100000">
+                                          <p:val>
+                                            <p:strVal val="#ppt_y"/>
+                                          </p:val>
+                                        </p:tav>
+                                      </p:tavLst>
+                                    </p:anim>
+                                  </p:childTnLst>
+                                </p:cTn>
+                              </p:par>
+                              <p:par>
+                                <p:cTn id="55" presetID="42" presetClass="entr" presetSubtype="0" fill="hold" grpId="0" nodeType="withEffect">
+                                  <p:stCondLst>
+                                    <p:cond delay="0"/>
+                                  </p:stCondLst>
+                                  <p:childTnLst>
+                                    <p:set>
+                                      <p:cBhvr>
+                                        <p:cTn id="56" dur="1" fill="hold">
+                                          <p:stCondLst>
+                                            <p:cond delay="0"/>
+                                          </p:stCondLst>
+                                        </p:cTn>
+                                        <p:tgtEl>
+                                          <p:spTgt spid="35"/>
+                                        </p:tgtEl>
+                                        <p:attrNameLst>
+                                          <p:attrName>style.visibility</p:attrName>
+                                        </p:attrNameLst>
+                                      </p:cBhvr>
+                                      <p:to>
+                                        <p:strVal val="visible"/>
+                                      </p:to>
+                                    </p:set>
+                                    <p:animEffect transition="in" filter="fade">
+                                      <p:cBhvr>
+                                        <p:cTn id="57" dur="1000"/>
+                                        <p:tgtEl>
+                                          <p:spTgt spid="35"/>
+                                        </p:tgtEl>
+                                      </p:cBhvr>
+                                    </p:animEffect>
+                                    <p:anim calcmode="lin" valueType="num">
+                                      <p:cBhvr>
+                                        <p:cTn id="58" dur="1000" fill="hold"/>
+                                        <p:tgtEl>
+                                          <p:spTgt spid="35"/>
+                                        </p:tgtEl>
+                                        <p:attrNameLst>
+                                          <p:attrName>ppt_x</p:attrName>
+                                        </p:attrNameLst>
+                                      </p:cBhvr>
+                                      <p:tavLst>
+                                        <p:tav tm="0">
+                                          <p:val>
+                                            <p:strVal val="#ppt_x"/>
+                                          </p:val>
+                                        </p:tav>
+                                        <p:tav tm="100000">
+                                          <p:val>
+                                            <p:strVal val="#ppt_x"/>
+                                          </p:val>
+                                        </p:tav>
+                                      </p:tavLst>
+                                    </p:anim>
+                                    <p:anim calcmode="lin" valueType="num">
+                                      <p:cBhvr>
+                                        <p:cTn id="59" dur="1000" fill="hold"/>
+                                        <p:tgtEl>
+                                          <p:spTgt spid="35"/>
+                                        </p:tgtEl>
+                                        <p:attrNameLst>
+                                          <p:attrName>ppt_y</p:attrName>
+                                        </p:attrNameLst>
+                                      </p:cBhvr>
+                                      <p:tavLst>
+                                        <p:tav tm="0">
+                                          <p:val>
+                                            <p:strVal val="#ppt_y+.1"/>
+                                          </p:val>
+                                        </p:tav>
+                                        <p:tav tm="100000">
+                                          <p:val>
+                                            <p:strVal val="#ppt_y"/>
+                                          </p:val>
+                                        </p:tav>
+                                      </p:tavLst>
+                                    </p:anim>
+                                  </p:childTnLst>
+                                </p:cTn>
+                              </p:par>
+                            </p:childTnLst>
+                          </p:cTn>
+                        </p:par>
+                      </p:childTnLst>
+                    </p:cTn>
+                  </p:par>
+                </p:childTnLst>
+              </p:cTn>
+              <p:prevCondLst>
+                <p:cond evt="onPrev" delay="0">
+                  <p:tgtEl>
+                    <p:sldTgt/>
+                  </p:tgtEl>
+                </p:cond>
+              </p:prevCondLst>
+              <p:nextCondLst>
+                <p:cond evt="onNext" delay="0">
+                  <p:tgtEl>
+                    <p:sldTgt/>
+                  </p:tgtEl>
+                </p:cond>
+              </p:nextCondLst>
+            </p:seq>
+          </p:childTnLst>
+        </p:cTn>
+      </p:par>
+    </p:tnLst>
+    <p:bldLst>
+      <p:bldP spid="16" grpId="0" bldLvl="0" animBg="1"/>
+      <p:bldP spid="27" grpId="0" animBg="1"/>
+      <p:bldP spid="28" grpId="0" animBg="1"/>
+      <p:bldP spid="29" grpId="0" animBg="1"/>
+      <p:bldP spid="30" grpId="0" animBg="1"/>
+      <p:bldP spid="31" grpId="0" animBg="1"/>
+      <p:bldP spid="32" grpId="0" animBg="1"/>
+      <p:bldP spid="33" grpId="0" animBg="1"/>
+      <p:bldP spid="34" grpId="0" animBg="1"/>
+      <p:bldP spid="35" grpId="0" animBg="1"/>
+      <p:bldP spid="36" grpId="0" animBg="1"/>
+    </p:bldLst>
+  </p:timing>
+</p:sld>
+</file>
+
 <file path=ppt/slides/slide3.xml><?xml version="1.0" encoding="utf-8"?>
 <p:sld xmlns:a="http://schemas.openxmlformats.org/drawingml/2006/main" xmlns:r="http://schemas.openxmlformats.org/officeDocument/2006/relationships" xmlns:p="http://schemas.openxmlformats.org/presentationml/2006/main">
   <p:cSld>
@@ -7560,7 +7841,7 @@
               </a:rPr>
               <a:t>？</a:t>
             </a:r>
-            <a:endParaRPr lang="zh-CN" altLang="en-US">
+            <a:endParaRPr lang="zh-CN" altLang="en-US" dirty="0">
               <a:latin typeface="微软雅黑" panose="020B0503020204020204" pitchFamily="34" charset="-122"/>
               <a:ea typeface="微软雅黑" panose="020B0503020204020204" pitchFamily="34" charset="-122"/>
             </a:endParaRPr>
@@ -7590,7 +7871,7 @@
               </a:lnSpc>
             </a:pPr>
             <a:r>
-              <a:rPr lang="zh-CN" altLang="en-US" sz="3600">
+              <a:rPr lang="zh-CN" altLang="en-US" sz="3600" dirty="0">
                 <a:latin typeface="微软雅黑" panose="020B0503020204020204" pitchFamily="34" charset="-122"/>
                 <a:ea typeface="微软雅黑" panose="020B0503020204020204" pitchFamily="34" charset="-122"/>
               </a:rPr>
@@ -7604,11 +7885,25 @@
               </a:lnSpc>
             </a:pPr>
             <a:r>
-              <a:rPr lang="zh-CN" altLang="en-US" sz="3600">
+              <a:rPr lang="zh-CN" altLang="en-US" sz="3600" dirty="0">
                 <a:latin typeface="微软雅黑" panose="020B0503020204020204" pitchFamily="34" charset="-122"/>
                 <a:ea typeface="微软雅黑" panose="020B0503020204020204" pitchFamily="34" charset="-122"/>
               </a:rPr>
-              <a:t>HTML不是一种编程语言，而是一种标记语言</a:t>
+              <a:t>HTML不是一</a:t>
+            </a:r>
+            <a:r>
+              <a:rPr lang="zh-CN" altLang="en-US" sz="3600" dirty="0" smtClean="0">
+                <a:latin typeface="微软雅黑" panose="020B0503020204020204" pitchFamily="34" charset="-122"/>
+                <a:ea typeface="微软雅黑" panose="020B0503020204020204" pitchFamily="34" charset="-122"/>
+              </a:rPr>
+              <a:t>种编程语言，</a:t>
+            </a:r>
+            <a:r>
+              <a:rPr lang="zh-CN" altLang="en-US" sz="3600" dirty="0">
+                <a:latin typeface="微软雅黑" panose="020B0503020204020204" pitchFamily="34" charset="-122"/>
+                <a:ea typeface="微软雅黑" panose="020B0503020204020204" pitchFamily="34" charset="-122"/>
+              </a:rPr>
+              <a:t>而是一种标记语言</a:t>
             </a:r>
           </a:p>
           <a:p>
@@ -7618,11 +7913,25 @@
               </a:lnSpc>
             </a:pPr>
             <a:r>
-              <a:rPr lang="zh-CN" altLang="en-US" sz="3600">
+              <a:rPr lang="zh-CN" altLang="en-US" sz="3600" dirty="0">
                 <a:latin typeface="微软雅黑" panose="020B0503020204020204" pitchFamily="34" charset="-122"/>
                 <a:ea typeface="微软雅黑" panose="020B0503020204020204" pitchFamily="34" charset="-122"/>
               </a:rPr>
-              <a:t>Web 浏览器的作用是读取 HTML 文档，并以网页的形式显示出它们</a:t>
+              <a:t>Web 浏览器的</a:t>
+            </a:r>
+            <a:r>
+              <a:rPr lang="zh-CN" altLang="en-US" sz="3600" dirty="0" smtClean="0">
+                <a:latin typeface="微软雅黑" panose="020B0503020204020204" pitchFamily="34" charset="-122"/>
+                <a:ea typeface="微软雅黑" panose="020B0503020204020204" pitchFamily="34" charset="-122"/>
+              </a:rPr>
+              <a:t>作用</a:t>
+            </a:r>
+            <a:r>
+              <a:rPr lang="zh-CN" altLang="en-US" sz="3600" dirty="0">
+                <a:latin typeface="微软雅黑" panose="020B0503020204020204" pitchFamily="34" charset="-122"/>
+                <a:ea typeface="微软雅黑" panose="020B0503020204020204" pitchFamily="34" charset="-122"/>
+              </a:rPr>
+              <a:t>是读取 HTML 文档，并以网页的形式显示出它们</a:t>
             </a:r>
           </a:p>
         </p:txBody>
@@ -7635,6 +7944,13 @@
   <p:transition>
     <p:wipe dir="r"/>
   </p:transition>
+  <p:timing>
+    <p:tnLst>
+      <p:par>
+        <p:cTn id="1" dur="indefinite" restart="never" nodeType="tmRoot"/>
+      </p:par>
+    </p:tnLst>
+  </p:timing>
 </p:sld>
 </file>
 
@@ -7710,7 +8026,7 @@
               </a:lnSpc>
             </a:pPr>
             <a:r>
-              <a:rPr lang="zh-CN" altLang="en-US" sz="3600">
+              <a:rPr lang="zh-CN" altLang="en-US" sz="3600" dirty="0">
                 <a:latin typeface="微软雅黑" panose="020B0503020204020204" pitchFamily="34" charset="-122"/>
                 <a:ea typeface="微软雅黑" panose="020B0503020204020204" pitchFamily="34" charset="-122"/>
               </a:rPr>
@@ -7724,26 +8040,23 @@
               </a:lnSpc>
             </a:pPr>
             <a:r>
-              <a:rPr lang="zh-CN" altLang="en-US" sz="3600">
+              <a:rPr lang="zh-CN" altLang="en-US" sz="3600" dirty="0">
                 <a:latin typeface="微软雅黑" panose="020B0503020204020204" pitchFamily="34" charset="-122"/>
                 <a:ea typeface="微软雅黑" panose="020B0503020204020204" pitchFamily="34" charset="-122"/>
               </a:rPr>
-              <a:t>HTML 标签是由尖括号包围的关键词，比如 &lt;html&gt;</a:t>
-            </a:r>
-          </a:p>
-          <a:p>
-            <a:pPr>
-              <a:lnSpc>
-                <a:spcPct val="130000"/>
-              </a:lnSpc>
-            </a:pPr>
-            <a:r>
-              <a:rPr lang="zh-CN" altLang="en-US" sz="3600">
+              <a:t>HTML 标签是由尖括号包围的关键词，比如 &lt;html</a:t>
+            </a:r>
+            <a:r>
+              <a:rPr lang="zh-CN" altLang="en-US" sz="3600" dirty="0" smtClean="0">
                 <a:latin typeface="微软雅黑" panose="020B0503020204020204" pitchFamily="34" charset="-122"/>
                 <a:ea typeface="微软雅黑" panose="020B0503020204020204" pitchFamily="34" charset="-122"/>
               </a:rPr>
-              <a:t>HTML 标签通常是成对出现的，比如 &lt;b&gt; 和 &lt;/b&gt;，第一个标签是开始标签，第二个标签是结束标签。</a:t>
-            </a:r>
+              <a:t>&gt;</a:t>
+            </a:r>
+            <a:endParaRPr lang="zh-CN" altLang="en-US" sz="3600" dirty="0">
+              <a:latin typeface="微软雅黑" panose="020B0503020204020204" pitchFamily="34" charset="-122"/>
+              <a:ea typeface="微软雅黑" panose="020B0503020204020204" pitchFamily="34" charset="-122"/>
+            </a:endParaRPr>
           </a:p>
         </p:txBody>
       </p:sp>
@@ -7755,6 +8068,13 @@
   <p:transition>
     <p:wipe dir="r"/>
   </p:transition>
+  <p:timing>
+    <p:tnLst>
+      <p:par>
+        <p:cTn id="1" dur="indefinite" restart="never" nodeType="tmRoot"/>
+      </p:par>
+    </p:tnLst>
+  </p:timing>
 </p:sld>
 </file>
 
@@ -7846,7 +8166,7 @@
               </a:lnSpc>
             </a:pPr>
             <a:r>
-              <a:rPr lang="zh-CN" altLang="en-US" sz="3600">
+              <a:rPr lang="zh-CN" altLang="en-US" sz="3600" dirty="0">
                 <a:latin typeface="微软雅黑" panose="020B0503020204020204" pitchFamily="34" charset="-122"/>
                 <a:ea typeface="微软雅黑" panose="020B0503020204020204" pitchFamily="34" charset="-122"/>
               </a:rPr>
@@ -7860,7 +8180,7 @@
               </a:lnSpc>
             </a:pPr>
             <a:r>
-              <a:rPr lang="zh-CN" altLang="en-US" sz="3600">
+              <a:rPr lang="zh-CN" altLang="en-US" sz="3600" dirty="0">
                 <a:latin typeface="微软雅黑" panose="020B0503020204020204" pitchFamily="34" charset="-122"/>
                 <a:ea typeface="微软雅黑" panose="020B0503020204020204" pitchFamily="34" charset="-122"/>
               </a:rPr>
@@ -7874,12 +8194,23 @@
               </a:lnSpc>
             </a:pPr>
             <a:r>
-              <a:rPr lang="zh-CN" altLang="en-US" sz="3600">
+              <a:rPr lang="zh-CN" altLang="en-US" sz="3600" dirty="0">
                 <a:latin typeface="微软雅黑" panose="020B0503020204020204" pitchFamily="34" charset="-122"/>
                 <a:ea typeface="微软雅黑" panose="020B0503020204020204" pitchFamily="34" charset="-122"/>
               </a:rPr>
-              <a:t>外部样式表通常存储在 CSS 文件中，可以极大提高工作效率</a:t>
-            </a:r>
+              <a:t>外部样式表通常存储在 CSS 文件中，可以极大提高</a:t>
+            </a:r>
+            <a:r>
+              <a:rPr lang="zh-CN" altLang="en-US" sz="3600" dirty="0" smtClean="0">
+                <a:latin typeface="微软雅黑" panose="020B0503020204020204" pitchFamily="34" charset="-122"/>
+                <a:ea typeface="微软雅黑" panose="020B0503020204020204" pitchFamily="34" charset="-122"/>
+              </a:rPr>
+              <a:t>工作效率，例如网页字体样式、颜色无需每次定义</a:t>
+            </a:r>
+            <a:endParaRPr lang="zh-CN" altLang="en-US" sz="3600" dirty="0">
+              <a:latin typeface="微软雅黑" panose="020B0503020204020204" pitchFamily="34" charset="-122"/>
+              <a:ea typeface="微软雅黑" panose="020B0503020204020204" pitchFamily="34" charset="-122"/>
+            </a:endParaRPr>
           </a:p>
         </p:txBody>
       </p:sp>
@@ -7891,6 +8222,13 @@
   <p:transition>
     <p:wipe dir="r"/>
   </p:transition>
+  <p:timing>
+    <p:tnLst>
+      <p:par>
+        <p:cTn id="1" dur="indefinite" restart="never" nodeType="tmRoot"/>
+      </p:par>
+    </p:tnLst>
+  </p:timing>
 </p:sld>
 </file>
 
@@ -8061,7 +8399,21 @@
                 <a:latin typeface="微软雅黑" panose="020B0503020204020204" pitchFamily="34" charset="-122"/>
                 <a:ea typeface="微软雅黑" panose="020B0503020204020204" pitchFamily="34" charset="-122"/>
               </a:rPr>
-              <a:t>就像是一个毛坯房，只是一间空的房子；</a:t>
+              <a:t>就像是一个</a:t>
+            </a:r>
+            <a:r>
+              <a:rPr lang="zh-CN" altLang="en-US" sz="3600" dirty="0" smtClean="0">
+                <a:latin typeface="微软雅黑" panose="020B0503020204020204" pitchFamily="34" charset="-122"/>
+                <a:ea typeface="微软雅黑" panose="020B0503020204020204" pitchFamily="34" charset="-122"/>
+              </a:rPr>
+              <a:t>毛坯房</a:t>
+            </a:r>
+            <a:r>
+              <a:rPr lang="zh-CN" altLang="en-US" sz="3600" dirty="0">
+                <a:latin typeface="微软雅黑" panose="020B0503020204020204" pitchFamily="34" charset="-122"/>
+                <a:ea typeface="微软雅黑" panose="020B0503020204020204" pitchFamily="34" charset="-122"/>
+              </a:rPr>
+              <a:t>，只是一间空的房子；</a:t>
             </a:r>
             <a:r>
               <a:rPr lang="en-US" altLang="zh-CN" sz="3600" dirty="0">
@@ -8099,6 +8451,13 @@
   <p:transition>
     <p:wipe dir="r"/>
   </p:transition>
+  <p:timing>
+    <p:tnLst>
+      <p:par>
+        <p:cTn id="1" dur="indefinite" restart="never" nodeType="tmRoot"/>
+      </p:par>
+    </p:tnLst>
+  </p:timing>
 </p:sld>
 </file>
 
@@ -9525,7 +9884,19 @@
               <a:rPr lang="en-US" altLang="zh-CN" sz="3600" b="1" dirty="0">
                 <a:sym typeface="+mn-ea"/>
               </a:rPr>
-              <a:t>    &lt;title&gt;第一个HTML页面&lt;/title&gt;</a:t>
+              <a:t>    &lt;</a:t>
+            </a:r>
+            <a:r>
+              <a:rPr lang="en-US" altLang="zh-CN" sz="3600" b="1" dirty="0" smtClean="0">
+                <a:sym typeface="+mn-ea"/>
+              </a:rPr>
+              <a:t>title&gt;Index&lt;/</a:t>
+            </a:r>
+            <a:r>
+              <a:rPr lang="en-US" altLang="zh-CN" sz="3600" b="1" dirty="0">
+                <a:sym typeface="+mn-ea"/>
+              </a:rPr>
+              <a:t>title&gt;</a:t>
             </a:r>
           </a:p>
           <a:p>
@@ -9596,6 +9967,13 @@
   <p:transition>
     <p:wipe dir="r"/>
   </p:transition>
+  <p:timing>
+    <p:tnLst>
+      <p:par>
+        <p:cTn id="1" dur="indefinite" restart="never" nodeType="tmRoot"/>
+      </p:par>
+    </p:tnLst>
+  </p:timing>
 </p:sld>
 </file>
 
@@ -9632,13 +10010,22 @@
           <a:lstStyle/>
           <a:p>
             <a:r>
-              <a:rPr lang="en-US" altLang="zh-CN"/>
-              <a:t>CSS</a:t>
-            </a:r>
-            <a:r>
-              <a:rPr lang="zh-CN" altLang="en-US"/>
-              <a:t>选择器</a:t>
-            </a:r>
+              <a:rPr lang="zh-CN" altLang="en-US" dirty="0" smtClean="0"/>
+              <a:t>分析</a:t>
+            </a:r>
+            <a:r>
+              <a:rPr lang="en-US" altLang="zh-CN" dirty="0"/>
+              <a:t>H</a:t>
+            </a:r>
+            <a:r>
+              <a:rPr lang="en-US" altLang="zh-CN" dirty="0" smtClean="0"/>
+              <a:t>ello World</a:t>
+            </a:r>
+            <a:r>
+              <a:rPr lang="zh-CN" altLang="en-US" dirty="0" smtClean="0"/>
+              <a:t>页面</a:t>
+            </a:r>
+            <a:endParaRPr lang="zh-CN" altLang="en-US" dirty="0"/>
           </a:p>
         </p:txBody>
       </p:sp>
@@ -9655,138 +10042,180 @@
         <p:spPr/>
         <p:txBody>
           <a:bodyPr>
-            <a:normAutofit fontScale="90000" lnSpcReduction="20000"/>
+            <a:normAutofit/>
           </a:bodyPr>
           <a:lstStyle/>
           <a:p>
             <a:r>
-              <a:rPr lang="zh-CN" altLang="en-US" dirty="0" smtClean="0">
-                <a:sym typeface="+mn-ea"/>
-              </a:rPr>
-              <a:t>.</a:t>
-            </a:r>
-            <a:r>
-              <a:rPr lang="en-US" altLang="zh-CN" dirty="0" smtClean="0">
-                <a:sym typeface="+mn-ea"/>
-              </a:rPr>
-              <a:t>xxx</a:t>
-            </a:r>
-            <a:r>
-              <a:rPr lang="en-US" altLang="zh-CN" dirty="0">
-                <a:sym typeface="+mn-ea"/>
-              </a:rPr>
-              <a:t>	 选择 class="xxx" 的所有元素</a:t>
-            </a:r>
-          </a:p>
-          <a:p>
-            <a:r>
-              <a:rPr lang="zh-CN" altLang="en-US" dirty="0" smtClean="0">
-                <a:sym typeface="+mn-ea"/>
-              </a:rPr>
-              <a:t>#</a:t>
-            </a:r>
-            <a:r>
-              <a:rPr lang="en-US" altLang="zh-CN" dirty="0" smtClean="0">
-                <a:sym typeface="+mn-ea"/>
-              </a:rPr>
-              <a:t>xxx</a:t>
-            </a:r>
-            <a:r>
-              <a:rPr lang="en-US" altLang="zh-CN" dirty="0">
-                <a:sym typeface="+mn-ea"/>
-              </a:rPr>
-              <a:t>	选择 id="XXX" 的所有元素</a:t>
-            </a:r>
-          </a:p>
-          <a:p>
-            <a:r>
-              <a:rPr lang="zh-CN" altLang="en-US" dirty="0">
-                <a:sym typeface="+mn-ea"/>
-              </a:rPr>
-              <a:t>*</a:t>
-            </a:r>
-            <a:r>
-              <a:rPr lang="en-US" altLang="zh-CN" dirty="0">
-                <a:sym typeface="+mn-ea"/>
-              </a:rPr>
-              <a:t>	选择所有元素</a:t>
-            </a:r>
-          </a:p>
-          <a:p>
-            <a:r>
-              <a:rPr lang="en-US" altLang="zh-CN" dirty="0">
-                <a:sym typeface="+mn-ea"/>
-              </a:rPr>
-              <a:t>element	选择所有X 元素</a:t>
-            </a:r>
-          </a:p>
-          <a:p>
-            <a:r>
-              <a:rPr lang="zh-CN" altLang="en-US" dirty="0"/>
-              <a:t>element</a:t>
-            </a:r>
-            <a:r>
-              <a:rPr lang="en-US" altLang="zh-CN" dirty="0"/>
-              <a:t>1</a:t>
-            </a:r>
-            <a:r>
-              <a:rPr lang="zh-CN" altLang="en-US" dirty="0"/>
-              <a:t>,element</a:t>
-            </a:r>
-            <a:r>
-              <a:rPr lang="en-US" altLang="zh-CN" dirty="0"/>
-              <a:t>2 </a:t>
-            </a:r>
-            <a:r>
-              <a:rPr lang="en-US" altLang="zh-CN" dirty="0">
-                <a:sym typeface="+mn-ea"/>
-              </a:rPr>
-              <a:t>选择所有X1</a:t>
-            </a:r>
-            <a:r>
-              <a:rPr lang="zh-CN" altLang="en-US" dirty="0">
-                <a:sym typeface="+mn-ea"/>
-              </a:rPr>
-              <a:t>、</a:t>
-            </a:r>
-            <a:r>
-              <a:rPr lang="en-US" altLang="zh-CN" dirty="0">
-                <a:sym typeface="+mn-ea"/>
-              </a:rPr>
-              <a:t>X2 元素</a:t>
-            </a:r>
-          </a:p>
-          <a:p>
-            <a:r>
-              <a:rPr lang="en-US" altLang="zh-CN" dirty="0">
-                <a:sym typeface="+mn-ea"/>
-              </a:rPr>
-              <a:t>element1 element2 选择X1</a:t>
-            </a:r>
-            <a:r>
-              <a:rPr lang="zh-CN" altLang="en-US" dirty="0">
-                <a:sym typeface="+mn-ea"/>
-              </a:rPr>
-              <a:t>下所有</a:t>
-            </a:r>
-            <a:r>
-              <a:rPr lang="en-US" altLang="zh-CN" dirty="0">
-                <a:sym typeface="+mn-ea"/>
-              </a:rPr>
-              <a:t>X2 元素</a:t>
-            </a:r>
-          </a:p>
-          <a:p>
-            <a:r>
-              <a:rPr lang="zh-CN" altLang="en-US" dirty="0">
-                <a:sym typeface="+mn-ea"/>
-              </a:rPr>
-              <a:t>:hover 伪类，鼠标移动到容器的样式</a:t>
-            </a:r>
+              <a:rPr lang="en-US" altLang="zh-CN" sz="3200" dirty="0">
+                <a:sym typeface="+mn-ea"/>
+              </a:rPr>
+              <a:t>&lt;!DOCTYPE html</a:t>
+            </a:r>
+            <a:r>
+              <a:rPr lang="en-US" altLang="zh-CN" sz="3200" dirty="0" smtClean="0">
+                <a:sym typeface="+mn-ea"/>
+              </a:rPr>
+              <a:t>&gt;  </a:t>
+            </a:r>
+            <a:r>
+              <a:rPr lang="zh-CN" altLang="en-US" sz="3200" dirty="0" smtClean="0">
+                <a:sym typeface="+mn-ea"/>
+              </a:rPr>
+              <a:t>声明文档类型为</a:t>
+            </a:r>
+            <a:r>
+              <a:rPr lang="en-US" altLang="zh-CN" sz="3200" dirty="0" smtClean="0">
+                <a:sym typeface="+mn-ea"/>
+              </a:rPr>
+              <a:t>html5</a:t>
+            </a:r>
+            <a:r>
+              <a:rPr lang="zh-CN" altLang="en-US" sz="3200" dirty="0" smtClean="0">
+                <a:sym typeface="+mn-ea"/>
+              </a:rPr>
+              <a:t>，通知浏览器使用何种方式解析</a:t>
+            </a:r>
+            <a:endParaRPr lang="en-US" altLang="zh-CN" sz="3200" dirty="0">
+              <a:sym typeface="+mn-ea"/>
+            </a:endParaRPr>
+          </a:p>
+          <a:p>
+            <a:r>
+              <a:rPr lang="en-US" altLang="zh-CN" sz="3200" dirty="0">
+                <a:sym typeface="+mn-ea"/>
+              </a:rPr>
+              <a:t>&lt;meta charset="UTF-8</a:t>
+            </a:r>
+            <a:r>
+              <a:rPr lang="en-US" altLang="zh-CN" sz="3200" dirty="0" smtClean="0">
+                <a:sym typeface="+mn-ea"/>
+              </a:rPr>
+              <a:t>"&gt;  </a:t>
+            </a:r>
+            <a:r>
+              <a:rPr lang="zh-CN" altLang="en-US" sz="3200" dirty="0" smtClean="0">
+                <a:sym typeface="+mn-ea"/>
+              </a:rPr>
+              <a:t>指定编码类型</a:t>
+            </a:r>
+            <a:endParaRPr lang="en-US" altLang="zh-CN" sz="3200" dirty="0" smtClean="0">
+              <a:sym typeface="+mn-ea"/>
+            </a:endParaRPr>
+          </a:p>
+          <a:p>
+            <a:r>
+              <a:rPr lang="en-US" altLang="zh-CN" sz="3200" dirty="0" smtClean="0">
+                <a:sym typeface="+mn-ea"/>
+              </a:rPr>
+              <a:t>head</a:t>
+            </a:r>
+            <a:r>
+              <a:rPr lang="zh-CN" altLang="en-US" sz="3200" dirty="0" smtClean="0">
+                <a:sym typeface="+mn-ea"/>
+              </a:rPr>
+              <a:t>标签用于</a:t>
+            </a:r>
+            <a:r>
+              <a:rPr lang="zh-CN" altLang="en-US" sz="3200" dirty="0"/>
+              <a:t>定义文档的</a:t>
+            </a:r>
+            <a:r>
+              <a:rPr lang="zh-CN" altLang="en-US" sz="3200" dirty="0" smtClean="0"/>
+              <a:t>头部</a:t>
+            </a:r>
+            <a:r>
+              <a:rPr lang="en-US" altLang="zh-CN" sz="3200" dirty="0" smtClean="0"/>
+              <a:t>(</a:t>
+            </a:r>
+            <a:r>
+              <a:rPr lang="zh-CN" altLang="en-US" sz="3200" dirty="0" smtClean="0"/>
+              <a:t>标题、资源文件引用</a:t>
+            </a:r>
+            <a:r>
+              <a:rPr lang="en-US" altLang="zh-CN" sz="3200" dirty="0" smtClean="0"/>
+              <a:t>)</a:t>
+            </a:r>
+            <a:endParaRPr lang="en-US" altLang="zh-CN" sz="3200" dirty="0">
+              <a:sym typeface="+mn-ea"/>
+            </a:endParaRPr>
+          </a:p>
+          <a:p>
+            <a:r>
+              <a:rPr lang="en-US" altLang="zh-CN" sz="3200" dirty="0" smtClean="0">
+                <a:sym typeface="+mn-ea"/>
+              </a:rPr>
+              <a:t>body</a:t>
+            </a:r>
+            <a:r>
+              <a:rPr lang="zh-CN" altLang="en-US" sz="3200" dirty="0">
+                <a:sym typeface="+mn-ea"/>
+              </a:rPr>
+              <a:t>标签用于</a:t>
+            </a:r>
+            <a:r>
+              <a:rPr lang="zh-CN" altLang="en-US" sz="3200" dirty="0" smtClean="0">
+                <a:sym typeface="+mn-ea"/>
+              </a:rPr>
+              <a:t>定义</a:t>
+            </a:r>
+            <a:r>
+              <a:rPr lang="zh-CN" altLang="en-US" sz="3200" dirty="0">
+                <a:sym typeface="+mn-ea"/>
+              </a:rPr>
+              <a:t>文档的</a:t>
+            </a:r>
+            <a:r>
+              <a:rPr lang="zh-CN" altLang="en-US" sz="3200" dirty="0" smtClean="0">
+                <a:sym typeface="+mn-ea"/>
+              </a:rPr>
+              <a:t>主体</a:t>
+            </a:r>
+            <a:r>
+              <a:rPr lang="en-US" altLang="zh-CN" sz="3200" dirty="0" smtClean="0">
+                <a:sym typeface="+mn-ea"/>
+              </a:rPr>
+              <a:t>(</a:t>
+            </a:r>
+            <a:r>
+              <a:rPr lang="zh-CN" altLang="en-US" sz="3200" dirty="0" smtClean="0">
+                <a:sym typeface="+mn-ea"/>
+              </a:rPr>
+              <a:t>比如</a:t>
+            </a:r>
+            <a:r>
+              <a:rPr lang="zh-CN" altLang="en-US" sz="3200" dirty="0">
+                <a:sym typeface="+mn-ea"/>
+              </a:rPr>
+              <a:t>文本、超链接、图像、表格和列表等等</a:t>
+            </a:r>
+            <a:r>
+              <a:rPr lang="zh-CN" altLang="en-US" sz="3200" dirty="0" smtClean="0">
+                <a:sym typeface="+mn-ea"/>
+              </a:rPr>
+              <a:t>。</a:t>
+            </a:r>
+            <a:r>
+              <a:rPr lang="en-US" altLang="zh-CN" sz="3200" dirty="0" smtClean="0">
+                <a:sym typeface="+mn-ea"/>
+              </a:rPr>
+              <a:t>)</a:t>
+            </a:r>
+            <a:endParaRPr lang="en-US" altLang="zh-CN" sz="3200" dirty="0">
+              <a:sym typeface="+mn-ea"/>
+            </a:endParaRPr>
+          </a:p>
+          <a:p>
+            <a:endParaRPr lang="zh-CN" altLang="en-US" dirty="0"/>
           </a:p>
         </p:txBody>
       </p:sp>
     </p:spTree>
+    <p:extLst>
+      <p:ext uri="{BB962C8B-B14F-4D97-AF65-F5344CB8AC3E}">
+        <p14:creationId xmlns:p14="http://schemas.microsoft.com/office/powerpoint/2010/main" val="3660574939"/>
+      </p:ext>
+    </p:extLst>
   </p:cSld>
   <p:clrMapOvr>
     <a:masterClrMapping/>

--- a/HTML_CSS/Html&CSS.pptx
+++ b/HTML_CSS/Html&CSS.pptx
@@ -5,7 +5,7 @@
     <p:sldMasterId id="2147483648" r:id="rId1"/>
   </p:sldMasterIdLst>
   <p:notesMasterIdLst>
-    <p:notesMasterId r:id="rId22"/>
+    <p:notesMasterId r:id="rId20"/>
   </p:notesMasterIdLst>
   <p:sldIdLst>
     <p:sldId id="256" r:id="rId2"/>
@@ -17,17 +17,15 @@
     <p:sldId id="299" r:id="rId8"/>
     <p:sldId id="304" r:id="rId9"/>
     <p:sldId id="327" r:id="rId10"/>
-    <p:sldId id="322" r:id="rId11"/>
-    <p:sldId id="323" r:id="rId12"/>
-    <p:sldId id="309" r:id="rId13"/>
-    <p:sldId id="320" r:id="rId14"/>
-    <p:sldId id="326" r:id="rId15"/>
-    <p:sldId id="321" r:id="rId16"/>
-    <p:sldId id="306" r:id="rId17"/>
-    <p:sldId id="308" r:id="rId18"/>
-    <p:sldId id="324" r:id="rId19"/>
-    <p:sldId id="325" r:id="rId20"/>
-    <p:sldId id="280" r:id="rId21"/>
+    <p:sldId id="309" r:id="rId11"/>
+    <p:sldId id="320" r:id="rId12"/>
+    <p:sldId id="326" r:id="rId13"/>
+    <p:sldId id="321" r:id="rId14"/>
+    <p:sldId id="306" r:id="rId15"/>
+    <p:sldId id="308" r:id="rId16"/>
+    <p:sldId id="324" r:id="rId17"/>
+    <p:sldId id="325" r:id="rId18"/>
+    <p:sldId id="280" r:id="rId19"/>
   </p:sldIdLst>
   <p:sldSz cx="12192000" cy="6858000"/>
   <p:notesSz cx="6858000" cy="9144000"/>
@@ -216,7 +214,7 @@
           <a:p>
             <a:fld id="{94EA9A77-0CE4-4E25-84E3-55E75407559E}" type="datetimeFigureOut">
               <a:rPr lang="zh-CN" altLang="en-US" smtClean="0"/>
-              <a:t>2018/4/4</a:t>
+              <a:t>2018/4/9</a:t>
             </a:fld>
             <a:endParaRPr lang="zh-CN" altLang="en-US"/>
           </a:p>
@@ -872,7 +870,7 @@
           <a:p>
             <a:fld id="{A94A5677-1990-4DEF-94A6-269AB3DAB6C5}" type="datetimeFigureOut">
               <a:rPr lang="zh-CN" altLang="en-US" smtClean="0"/>
-              <a:t>2018/4/4</a:t>
+              <a:t>2018/4/9</a:t>
             </a:fld>
             <a:endParaRPr lang="zh-CN" altLang="en-US"/>
           </a:p>
@@ -3239,12 +3237,8 @@
           <a:lstStyle/>
           <a:p>
             <a:r>
-              <a:rPr lang="en-US" altLang="zh-CN"/>
-              <a:t>CSS</a:t>
-            </a:r>
-            <a:r>
               <a:rPr lang="zh-CN" altLang="en-US"/>
-              <a:t>选择器</a:t>
+              <a:t>块级元素</a:t>
             </a:r>
           </a:p>
         </p:txBody>
@@ -3262,134 +3256,43 @@
         <p:spPr/>
         <p:txBody>
           <a:bodyPr>
-            <a:normAutofit fontScale="90000" lnSpcReduction="20000"/>
+            <a:normAutofit/>
           </a:bodyPr>
           <a:lstStyle/>
           <a:p>
             <a:r>
-              <a:rPr lang="zh-CN" altLang="en-US" dirty="0" smtClean="0">
+              <a:rPr lang="zh-CN" altLang="en-US" dirty="0">
                 <a:sym typeface="+mn-ea"/>
               </a:rPr>
-              <a:t>.</a:t>
-            </a:r>
-            <a:r>
-              <a:rPr lang="en-US" altLang="zh-CN" dirty="0" smtClean="0">
+              <a:t>块级元素会独占一行，其宽度自动填满其父元素宽度</a:t>
+            </a:r>
+          </a:p>
+          <a:p>
+            <a:r>
+              <a:rPr lang="zh-CN" altLang="en-US" dirty="0">
                 <a:sym typeface="+mn-ea"/>
               </a:rPr>
-              <a:t>xxx</a:t>
-            </a:r>
+              <a:t>块级元素可以设置 width, height属性，块级元素即使设置了宽度，仍然是独占一行的</a:t>
+            </a:r>
+          </a:p>
+          <a:p>
+            <a:r>
+              <a:rPr lang="zh-CN" altLang="en-US" dirty="0">
+                <a:sym typeface="+mn-ea"/>
+              </a:rPr>
+              <a:t>块级元素可以设置margin 和 padding</a:t>
+            </a:r>
+          </a:p>
+          <a:p>
             <a:r>
               <a:rPr lang="en-US" altLang="zh-CN" dirty="0">
                 <a:sym typeface="+mn-ea"/>
               </a:rPr>
-              <a:t>	 选择 class="xxx" 的所有元素</a:t>
-            </a:r>
-          </a:p>
-          <a:p>
-            <a:r>
-              <a:rPr lang="zh-CN" altLang="en-US" dirty="0" smtClean="0">
-                <a:sym typeface="+mn-ea"/>
-              </a:rPr>
-              <a:t>#</a:t>
-            </a:r>
-            <a:r>
-              <a:rPr lang="en-US" altLang="zh-CN" dirty="0" smtClean="0">
-                <a:sym typeface="+mn-ea"/>
-              </a:rPr>
-              <a:t>xxx</a:t>
-            </a:r>
-            <a:r>
-              <a:rPr lang="en-US" altLang="zh-CN" dirty="0">
-                <a:sym typeface="+mn-ea"/>
-              </a:rPr>
-              <a:t>	选择 id="XXX" 的所有元素</a:t>
-            </a:r>
-          </a:p>
-          <a:p>
-            <a:r>
-              <a:rPr lang="zh-CN" altLang="en-US" dirty="0">
-                <a:sym typeface="+mn-ea"/>
-              </a:rPr>
-              <a:t>*</a:t>
-            </a:r>
-            <a:r>
-              <a:rPr lang="en-US" altLang="zh-CN" dirty="0">
-                <a:sym typeface="+mn-ea"/>
-              </a:rPr>
-              <a:t>	选择所有元素</a:t>
-            </a:r>
-          </a:p>
-          <a:p>
-            <a:r>
-              <a:rPr lang="en-US" altLang="zh-CN" dirty="0">
-                <a:sym typeface="+mn-ea"/>
-              </a:rPr>
-              <a:t>element	选择所有X 元素</a:t>
-            </a:r>
-          </a:p>
-          <a:p>
-            <a:r>
-              <a:rPr lang="zh-CN" altLang="en-US" dirty="0"/>
-              <a:t>element</a:t>
-            </a:r>
-            <a:r>
-              <a:rPr lang="en-US" altLang="zh-CN" dirty="0"/>
-              <a:t>1</a:t>
-            </a:r>
-            <a:r>
-              <a:rPr lang="zh-CN" altLang="en-US" dirty="0"/>
-              <a:t>,element</a:t>
-            </a:r>
-            <a:r>
-              <a:rPr lang="en-US" altLang="zh-CN" dirty="0"/>
-              <a:t>2 </a:t>
-            </a:r>
-            <a:r>
-              <a:rPr lang="en-US" altLang="zh-CN" dirty="0">
-                <a:sym typeface="+mn-ea"/>
-              </a:rPr>
-              <a:t>选择所有X1</a:t>
-            </a:r>
-            <a:r>
-              <a:rPr lang="zh-CN" altLang="en-US" dirty="0">
-                <a:sym typeface="+mn-ea"/>
-              </a:rPr>
-              <a:t>、</a:t>
-            </a:r>
-            <a:r>
-              <a:rPr lang="en-US" altLang="zh-CN" dirty="0">
-                <a:sym typeface="+mn-ea"/>
-              </a:rPr>
-              <a:t>X2 元素</a:t>
-            </a:r>
-          </a:p>
-          <a:p>
-            <a:r>
-              <a:rPr lang="en-US" altLang="zh-CN" dirty="0">
-                <a:sym typeface="+mn-ea"/>
-              </a:rPr>
-              <a:t>element1 element2 选择X1</a:t>
-            </a:r>
-            <a:r>
-              <a:rPr lang="zh-CN" altLang="en-US" dirty="0">
-                <a:sym typeface="+mn-ea"/>
-              </a:rPr>
-              <a:t>下所有</a:t>
-            </a:r>
-            <a:r>
-              <a:rPr lang="en-US" altLang="zh-CN" dirty="0">
-                <a:sym typeface="+mn-ea"/>
-              </a:rPr>
-              <a:t>X2 元素</a:t>
-            </a:r>
-          </a:p>
-          <a:p>
-            <a:r>
-              <a:rPr lang="zh-CN" altLang="en-US" dirty="0">
-                <a:sym typeface="+mn-ea"/>
-              </a:rPr>
-              <a:t>:hover 伪类，鼠标移动到容器的样式</a:t>
-            </a:r>
+              <a:t>div,h1~h6,p,table...</a:t>
+            </a:r>
+          </a:p>
+          <a:p>
+            <a:endParaRPr lang="zh-CN" altLang="en-US" dirty="0"/>
           </a:p>
         </p:txBody>
       </p:sp>
@@ -3444,12 +3347,8 @@
           <a:lstStyle/>
           <a:p>
             <a:r>
-              <a:rPr lang="en-US" altLang="zh-CN"/>
-              <a:t>CSS</a:t>
-            </a:r>
-            <a:r>
               <a:rPr lang="zh-CN" altLang="en-US"/>
-              <a:t>选择器优先级</a:t>
+              <a:t>行内元素</a:t>
             </a:r>
           </a:p>
         </p:txBody>
@@ -3467,7 +3366,7 @@
         <p:spPr/>
         <p:txBody>
           <a:bodyPr>
-            <a:normAutofit fontScale="90000" lnSpcReduction="20000"/>
+            <a:normAutofit fontScale="90000" lnSpcReduction="10000"/>
           </a:bodyPr>
           <a:lstStyle/>
           <a:p>
@@ -3475,110 +3374,35 @@
               <a:rPr lang="zh-CN" altLang="en-US" dirty="0">
                 <a:sym typeface="+mn-ea"/>
               </a:rPr>
-              <a:t>!important的权值为</a:t>
-            </a:r>
+              <a:t>行内元素（内联元素）不会独占一行，相邻的行内元素会排列在同一行里，直到一行排不下，才会换行，其宽度随元素的内容而变化</a:t>
+            </a:r>
+          </a:p>
+          <a:p>
+            <a:r>
+              <a:rPr lang="zh-CN" altLang="en-US" dirty="0">
+                <a:sym typeface="+mn-ea"/>
+              </a:rPr>
+              <a:t>行内元素设置width,  height无效</a:t>
+            </a:r>
+          </a:p>
+          <a:p>
+            <a:r>
+              <a:rPr lang="zh-CN" altLang="en-US" dirty="0">
+                <a:sym typeface="+mn-ea"/>
+              </a:rPr>
+              <a:t>行内元素的padding、margin水平方向会产生边距效果，但是竖直方向的不会产生边距效果</a:t>
+            </a:r>
+          </a:p>
+          <a:p>
             <a:r>
               <a:rPr lang="en-US" altLang="zh-CN" dirty="0">
                 <a:sym typeface="+mn-ea"/>
               </a:rPr>
-              <a:t>			10000</a:t>
-            </a:r>
-          </a:p>
-          <a:p>
-            <a:r>
-              <a:rPr lang="zh-CN" altLang="en-US" dirty="0">
-                <a:sym typeface="+mn-ea"/>
-              </a:rPr>
-              <a:t>内联样式表的权值为 </a:t>
-            </a:r>
-            <a:r>
-              <a:rPr lang="en-US" altLang="zh-CN" dirty="0">
-                <a:sym typeface="+mn-ea"/>
-              </a:rPr>
-              <a:t>		</a:t>
-            </a:r>
-            <a:r>
-              <a:rPr lang="zh-CN" altLang="en-US" dirty="0">
-                <a:sym typeface="+mn-ea"/>
-              </a:rPr>
-              <a:t>1000</a:t>
-            </a:r>
-          </a:p>
-          <a:p>
-            <a:r>
-              <a:rPr lang="zh-CN" altLang="en-US" dirty="0">
-                <a:sym typeface="+mn-ea"/>
-              </a:rPr>
-              <a:t>ID 选择器的权值为 </a:t>
-            </a:r>
-            <a:r>
-              <a:rPr lang="en-US" altLang="zh-CN" dirty="0">
-                <a:sym typeface="+mn-ea"/>
-              </a:rPr>
-              <a:t>			</a:t>
-            </a:r>
-            <a:r>
-              <a:rPr lang="zh-CN" altLang="en-US" dirty="0">
-                <a:sym typeface="+mn-ea"/>
-              </a:rPr>
-              <a:t>100</a:t>
-            </a:r>
-          </a:p>
-          <a:p>
-            <a:r>
-              <a:rPr lang="zh-CN" altLang="en-US" dirty="0">
-                <a:sym typeface="+mn-ea"/>
-              </a:rPr>
-              <a:t>Class 类选择器的权值为 </a:t>
-            </a:r>
-            <a:r>
-              <a:rPr lang="en-US" altLang="zh-CN" dirty="0">
-                <a:sym typeface="+mn-ea"/>
-              </a:rPr>
-              <a:t>		</a:t>
-            </a:r>
-            <a:r>
-              <a:rPr lang="zh-CN" altLang="en-US" dirty="0">
-                <a:sym typeface="+mn-ea"/>
-              </a:rPr>
-              <a:t>10</a:t>
-            </a:r>
-          </a:p>
-          <a:p>
-            <a:r>
-              <a:rPr lang="zh-CN" altLang="en-US" dirty="0">
-                <a:sym typeface="+mn-ea"/>
-              </a:rPr>
-              <a:t>HTML 标签选择器的权值为 </a:t>
-            </a:r>
-            <a:r>
-              <a:rPr lang="en-US" altLang="zh-CN" dirty="0">
-                <a:sym typeface="+mn-ea"/>
-              </a:rPr>
-              <a:t>	</a:t>
-            </a:r>
-            <a:r>
-              <a:rPr lang="zh-CN" altLang="en-US" dirty="0">
-                <a:sym typeface="+mn-ea"/>
-              </a:rPr>
-              <a:t>1</a:t>
-            </a:r>
-          </a:p>
-          <a:p>
-            <a:r>
-              <a:rPr lang="zh-CN" altLang="en-US" dirty="0">
-                <a:sym typeface="+mn-ea"/>
-              </a:rPr>
-              <a:t>简单记为限制越大，优先级越大</a:t>
-            </a:r>
-          </a:p>
-          <a:p>
-            <a:r>
-              <a:rPr lang="zh-CN" altLang="en-US" dirty="0">
-                <a:sym typeface="+mn-ea"/>
-              </a:rPr>
-              <a:t>就近原则：同一级别后写的会覆盖先写的样式</a:t>
-            </a:r>
+              <a:t>a,img,span......</a:t>
+            </a:r>
+          </a:p>
+          <a:p>
+            <a:endParaRPr lang="zh-CN" altLang="en-US" dirty="0"/>
           </a:p>
         </p:txBody>
       </p:sp>
@@ -3633,9 +3457,10 @@
           <a:lstStyle/>
           <a:p>
             <a:r>
-              <a:rPr lang="zh-CN" altLang="en-US"/>
-              <a:t>块级元素</a:t>
-            </a:r>
+              <a:rPr lang="zh-CN" altLang="en-US" dirty="0" smtClean="0"/>
+              <a:t>元素居中</a:t>
+            </a:r>
+            <a:endParaRPr lang="zh-CN" altLang="en-US" dirty="0"/>
           </a:p>
         </p:txBody>
       </p:sp>
@@ -3652,47 +3477,90 @@
         <p:spPr/>
         <p:txBody>
           <a:bodyPr>
-            <a:normAutofit/>
+            <a:normAutofit fontScale="97500"/>
           </a:bodyPr>
           <a:lstStyle/>
           <a:p>
             <a:r>
+              <a:rPr lang="zh-CN" altLang="en-US" dirty="0" smtClean="0">
+                <a:sym typeface="+mn-ea"/>
+              </a:rPr>
+              <a:t>固定宽度块级元素设置</a:t>
+            </a:r>
+            <a:endParaRPr lang="en-US" altLang="zh-CN" dirty="0" smtClean="0">
+              <a:sym typeface="+mn-ea"/>
+            </a:endParaRPr>
+          </a:p>
+          <a:p>
+            <a:pPr marL="0" indent="0">
+              <a:buNone/>
+            </a:pPr>
+            <a:r>
+              <a:rPr lang="en-US" altLang="zh-CN" dirty="0">
+                <a:sym typeface="+mn-ea"/>
+              </a:rPr>
+              <a:t> </a:t>
+            </a:r>
+            <a:r>
+              <a:rPr lang="en-US" altLang="zh-CN" dirty="0" smtClean="0">
+                <a:sym typeface="+mn-ea"/>
+              </a:rPr>
+              <a:t>	</a:t>
+            </a:r>
+            <a:r>
+              <a:rPr lang="en-US" altLang="zh-CN" dirty="0" err="1" smtClean="0">
+                <a:sym typeface="+mn-ea"/>
+              </a:rPr>
+              <a:t>margin-left:auto;margin-right:auto</a:t>
+            </a:r>
+            <a:r>
+              <a:rPr lang="en-US" altLang="zh-CN" dirty="0" smtClean="0">
+                <a:sym typeface="+mn-ea"/>
+              </a:rPr>
+              <a:t>;</a:t>
+            </a:r>
+          </a:p>
+          <a:p>
+            <a:r>
+              <a:rPr lang="zh-CN" altLang="en-US" dirty="0" smtClean="0">
+                <a:sym typeface="+mn-ea"/>
+              </a:rPr>
+              <a:t> 行</a:t>
+            </a:r>
+            <a:r>
               <a:rPr lang="zh-CN" altLang="en-US" dirty="0">
                 <a:sym typeface="+mn-ea"/>
               </a:rPr>
-              <a:t>块级元素会独占一行，其宽度自动填满其父元素宽度</a:t>
-            </a:r>
-          </a:p>
-          <a:p>
-            <a:r>
-              <a:rPr lang="zh-CN" altLang="en-US" dirty="0">
+              <a:t>内</a:t>
+            </a:r>
+            <a:r>
+              <a:rPr lang="zh-CN" altLang="en-US" dirty="0" smtClean="0">
                 <a:sym typeface="+mn-ea"/>
               </a:rPr>
-              <a:t>块级元素可以设置 width, height属性，块级元素即使设置了宽度，仍然是独占一行的</a:t>
-            </a:r>
-          </a:p>
-          <a:p>
-            <a:r>
-              <a:rPr lang="zh-CN" altLang="en-US" dirty="0">
+              <a:t>元素设置父级元素</a:t>
+            </a:r>
+            <a:r>
+              <a:rPr lang="en-US" altLang="zh-CN" dirty="0" err="1" smtClean="0">
                 <a:sym typeface="+mn-ea"/>
               </a:rPr>
-              <a:t>块级元素可以设置margin 和 padding</a:t>
-            </a:r>
-          </a:p>
-          <a:p>
-            <a:r>
-              <a:rPr lang="en-US" altLang="zh-CN" dirty="0">
+              <a:t>text-align:center</a:t>
+            </a:r>
+            <a:r>
+              <a:rPr lang="en-US" altLang="zh-CN" dirty="0" smtClean="0">
                 <a:sym typeface="+mn-ea"/>
               </a:rPr>
-              <a:t>div,h1~h6,p,table...</a:t>
-            </a:r>
-          </a:p>
-          <a:p>
+              <a:t>;</a:t>
+            </a:r>
             <a:endParaRPr lang="zh-CN" altLang="en-US" dirty="0"/>
           </a:p>
         </p:txBody>
       </p:sp>
     </p:spTree>
+    <p:extLst>
+      <p:ext uri="{BB962C8B-B14F-4D97-AF65-F5344CB8AC3E}">
+        <p14:creationId xmlns:p14="http://schemas.microsoft.com/office/powerpoint/2010/main" val="1798522408"/>
+      </p:ext>
+    </p:extLst>
   </p:cSld>
   <p:clrMapOvr>
     <a:masterClrMapping/>
@@ -3744,7 +3612,7 @@
           <a:p>
             <a:r>
               <a:rPr lang="zh-CN" altLang="en-US"/>
-              <a:t>行内元素</a:t>
+              <a:t>绝对定位</a:t>
             </a:r>
           </a:p>
         </p:txBody>
@@ -3762,7 +3630,7 @@
         <p:spPr/>
         <p:txBody>
           <a:bodyPr>
-            <a:normAutofit fontScale="90000" lnSpcReduction="10000"/>
+            <a:normAutofit/>
           </a:bodyPr>
           <a:lstStyle/>
           <a:p>
@@ -3770,7 +3638,7 @@
               <a:rPr lang="zh-CN" altLang="en-US" dirty="0">
                 <a:sym typeface="+mn-ea"/>
               </a:rPr>
-              <a:t>行内元素（内联元素）不会独占一行，相邻的行内元素会排列在同一行里，直到一行排不下，才会换行，其宽度随元素的内容而变化</a:t>
+              <a:t>position: absolute;</a:t>
             </a:r>
           </a:p>
           <a:p>
@@ -3778,15 +3646,7 @@
               <a:rPr lang="zh-CN" altLang="en-US" dirty="0">
                 <a:sym typeface="+mn-ea"/>
               </a:rPr>
-              <a:t>行内元素设置width,  height无效</a:t>
-            </a:r>
-          </a:p>
-          <a:p>
-            <a:r>
-              <a:rPr lang="zh-CN" altLang="en-US" dirty="0">
-                <a:sym typeface="+mn-ea"/>
-              </a:rPr>
-              <a:t>行内元素的padding、margin水平方向会产生边距效果，但是竖直方向的不会产生边距效果</a:t>
+              <a:t>绝对定位的元素的位置相对于最近的已定位祖先元素，若没有则为界面左上方</a:t>
             </a:r>
           </a:p>
           <a:p>
@@ -3794,7 +3654,39 @@
               <a:rPr lang="en-US" altLang="zh-CN" dirty="0">
                 <a:sym typeface="+mn-ea"/>
               </a:rPr>
-              <a:t>a,img,span......</a:t>
+              <a:t>元素的位置通过 "left", "top", "right" 以及 "bottom" 属性进行规定</a:t>
+            </a:r>
+          </a:p>
+          <a:p>
+            <a:r>
+              <a:rPr lang="en-US" altLang="zh-CN" dirty="0" err="1" smtClean="0">
+                <a:sym typeface="+mn-ea"/>
+              </a:rPr>
+              <a:t>脱离了文</a:t>
+            </a:r>
+            <a:r>
+              <a:rPr lang="zh-CN" altLang="en-US" dirty="0" smtClean="0">
+                <a:sym typeface="+mn-ea"/>
+              </a:rPr>
+              <a:t>档</a:t>
+            </a:r>
+            <a:r>
+              <a:rPr lang="en-US" altLang="zh-CN" dirty="0" err="1" smtClean="0">
+                <a:sym typeface="+mn-ea"/>
+              </a:rPr>
+              <a:t>流</a:t>
+            </a:r>
+            <a:r>
+              <a:rPr lang="en-US" altLang="zh-CN" dirty="0" err="1">
+                <a:sym typeface="+mn-ea"/>
+              </a:rPr>
+              <a:t>（即在文档中已经不占据位置</a:t>
+            </a:r>
+            <a:r>
+              <a:rPr lang="en-US" altLang="zh-CN" dirty="0">
+                <a:sym typeface="+mn-ea"/>
+              </a:rPr>
+              <a:t>）</a:t>
             </a:r>
           </a:p>
           <a:p>
@@ -3853,10 +3745,9 @@
           <a:lstStyle/>
           <a:p>
             <a:r>
-              <a:rPr lang="zh-CN" altLang="en-US" dirty="0" smtClean="0"/>
-              <a:t>元素居中</a:t>
-            </a:r>
-            <a:endParaRPr lang="zh-CN" altLang="en-US" dirty="0"/>
+              <a:rPr lang="zh-CN" altLang="en-US" dirty="0"/>
+              <a:t>一个简单的页面布局</a:t>
+            </a:r>
           </a:p>
         </p:txBody>
       </p:sp>
@@ -3877,92 +3768,62 @@
           </a:bodyPr>
           <a:lstStyle/>
           <a:p>
-            <a:r>
-              <a:rPr lang="zh-CN" altLang="en-US" dirty="0" smtClean="0">
-                <a:sym typeface="+mn-ea"/>
-              </a:rPr>
-              <a:t>固定宽度块级</a:t>
-            </a:r>
-            <a:r>
-              <a:rPr lang="zh-CN" altLang="en-US" dirty="0" smtClean="0">
-                <a:sym typeface="+mn-ea"/>
-              </a:rPr>
-              <a:t>元素设置</a:t>
-            </a:r>
-            <a:endParaRPr lang="en-US" altLang="zh-CN" dirty="0" smtClean="0">
-              <a:sym typeface="+mn-ea"/>
-            </a:endParaRPr>
-          </a:p>
-          <a:p>
             <a:pPr marL="0" indent="0">
               <a:buNone/>
             </a:pPr>
             <a:r>
-              <a:rPr lang="en-US" altLang="zh-CN" dirty="0">
-                <a:sym typeface="+mn-ea"/>
-              </a:rPr>
-              <a:t> </a:t>
-            </a:r>
-            <a:r>
-              <a:rPr lang="en-US" altLang="zh-CN" dirty="0" smtClean="0">
-                <a:sym typeface="+mn-ea"/>
-              </a:rPr>
-              <a:t>	</a:t>
-            </a:r>
-            <a:r>
-              <a:rPr lang="en-US" altLang="zh-CN" dirty="0" err="1" smtClean="0">
-                <a:sym typeface="+mn-ea"/>
-              </a:rPr>
-              <a:t>margin-left:auto;margin-right:auto</a:t>
-            </a:r>
-            <a:r>
-              <a:rPr lang="en-US" altLang="zh-CN" dirty="0" smtClean="0">
-                <a:sym typeface="+mn-ea"/>
-              </a:rPr>
-              <a:t>;</a:t>
-            </a:r>
-          </a:p>
-          <a:p>
-            <a:r>
-              <a:rPr lang="zh-CN" altLang="en-US" dirty="0" smtClean="0">
-                <a:sym typeface="+mn-ea"/>
-              </a:rPr>
-              <a:t> 行</a:t>
-            </a:r>
-            <a:r>
-              <a:rPr lang="zh-CN" altLang="en-US" dirty="0">
-                <a:sym typeface="+mn-ea"/>
-              </a:rPr>
-              <a:t>内</a:t>
-            </a:r>
-            <a:r>
-              <a:rPr lang="zh-CN" altLang="en-US" dirty="0" smtClean="0">
-                <a:sym typeface="+mn-ea"/>
-              </a:rPr>
-              <a:t>元素设置父级元素</a:t>
-            </a:r>
-            <a:r>
-              <a:rPr lang="en-US" altLang="zh-CN" dirty="0" err="1" smtClean="0">
-                <a:sym typeface="+mn-ea"/>
-              </a:rPr>
-              <a:t>text-align:center</a:t>
-            </a:r>
-            <a:r>
-              <a:rPr lang="en-US" altLang="zh-CN" dirty="0" smtClean="0">
-                <a:sym typeface="+mn-ea"/>
-              </a:rPr>
-              <a:t>;</a:t>
-            </a:r>
-            <a:endParaRPr lang="zh-CN" altLang="en-US" dirty="0"/>
+              <a:rPr lang="zh-CN" altLang="en-US" dirty="0"/>
+              <a:t>    &lt;div class="header"&gt;&lt;/div&gt;</a:t>
+            </a:r>
+          </a:p>
+          <a:p>
+            <a:pPr marL="0" indent="0">
+              <a:buNone/>
+            </a:pPr>
+            <a:r>
+              <a:rPr lang="zh-CN" altLang="en-US" dirty="0"/>
+              <a:t>    &lt;div class="center"&gt;</a:t>
+            </a:r>
+          </a:p>
+          <a:p>
+            <a:pPr marL="0" indent="0">
+              <a:buNone/>
+            </a:pPr>
+            <a:r>
+              <a:rPr lang="zh-CN" altLang="en-US" dirty="0"/>
+              <a:t>        &lt;div class="menu"&gt;&lt;/div&gt;</a:t>
+            </a:r>
+          </a:p>
+          <a:p>
+            <a:pPr marL="0" indent="0">
+              <a:buNone/>
+            </a:pPr>
+            <a:r>
+              <a:rPr lang="zh-CN" altLang="en-US" dirty="0"/>
+              <a:t>        &lt;div class="main"&gt;&lt;/div&gt;</a:t>
+            </a:r>
+          </a:p>
+          <a:p>
+            <a:pPr marL="0" indent="0">
+              <a:buNone/>
+            </a:pPr>
+            <a:r>
+              <a:rPr lang="zh-CN" altLang="en-US" dirty="0"/>
+              <a:t>    &lt;/div&gt;</a:t>
+            </a:r>
+          </a:p>
+          <a:p>
+            <a:pPr marL="0" indent="0">
+              <a:buNone/>
+            </a:pPr>
+            <a:r>
+              <a:rPr lang="zh-CN" altLang="en-US" dirty="0"/>
+              <a:t>    &lt;div class="footer"&gt;&lt;/div&gt;</a:t>
+            </a:r>
           </a:p>
         </p:txBody>
       </p:sp>
     </p:spTree>
-    <p:extLst>
-      <p:ext uri="{BB962C8B-B14F-4D97-AF65-F5344CB8AC3E}">
-        <p14:creationId xmlns:p14="http://schemas.microsoft.com/office/powerpoint/2010/main" val="1798522408"/>
-      </p:ext>
-    </p:extLst>
   </p:cSld>
   <p:clrMapOvr>
     <a:masterClrMapping/>
@@ -4014,7 +3875,7 @@
           <a:p>
             <a:r>
               <a:rPr lang="zh-CN" altLang="en-US"/>
-              <a:t>绝对定位</a:t>
+              <a:t>学习建议</a:t>
             </a:r>
           </a:p>
         </p:txBody>
@@ -4040,58 +3901,63 @@
               <a:rPr lang="zh-CN" altLang="en-US" dirty="0">
                 <a:sym typeface="+mn-ea"/>
               </a:rPr>
-              <a:t>position: absolute;</a:t>
-            </a:r>
-          </a:p>
-          <a:p>
-            <a:r>
-              <a:rPr lang="zh-CN" altLang="en-US" dirty="0">
-                <a:sym typeface="+mn-ea"/>
-              </a:rPr>
-              <a:t>绝对定位的元素的位置相对于最近的已定位祖先元素，若没有则为界面左上方</a:t>
-            </a:r>
-          </a:p>
-          <a:p>
-            <a:r>
-              <a:rPr lang="en-US" altLang="zh-CN" dirty="0">
-                <a:sym typeface="+mn-ea"/>
-              </a:rPr>
-              <a:t>元素的位置通过 "left", "top", "right" 以及 "bottom" 属性进行规定</a:t>
-            </a:r>
-          </a:p>
-          <a:p>
-            <a:r>
-              <a:rPr lang="en-US" altLang="zh-CN" dirty="0" err="1" smtClean="0">
-                <a:sym typeface="+mn-ea"/>
-              </a:rPr>
-              <a:t>脱离了文</a:t>
+              <a:t>菜</a:t>
             </a:r>
             <a:r>
               <a:rPr lang="zh-CN" altLang="en-US" dirty="0" smtClean="0">
                 <a:sym typeface="+mn-ea"/>
               </a:rPr>
-              <a:t>档</a:t>
-            </a:r>
-            <a:r>
-              <a:rPr lang="en-US" altLang="zh-CN" dirty="0" err="1" smtClean="0">
+              <a:t>鸟驿站（</a:t>
+            </a:r>
+            <a:r>
+              <a:rPr lang="zh-CN" altLang="en-US" smtClean="0">
                 <a:sym typeface="+mn-ea"/>
               </a:rPr>
-              <a:t>流</a:t>
-            </a:r>
-            <a:r>
-              <a:rPr lang="en-US" altLang="zh-CN" dirty="0" err="1">
+              <a:t>入门</a:t>
+            </a:r>
+            <a:r>
+              <a:rPr lang="zh-CN" altLang="en-US" smtClean="0">
                 <a:sym typeface="+mn-ea"/>
               </a:rPr>
-              <a:t>（即在文档中已经不占据位置</a:t>
-            </a:r>
-            <a:r>
-              <a:rPr lang="en-US" altLang="zh-CN" dirty="0">
+              <a:t>级，适用于零基础人群）</a:t>
+            </a:r>
+            <a:r>
+              <a:rPr lang="en-US" altLang="zh-CN" dirty="0" smtClean="0">
                 <a:sym typeface="+mn-ea"/>
               </a:rPr>
-              <a:t>）</a:t>
-            </a:r>
-          </a:p>
-          <a:p>
+              <a:t>	</a:t>
+            </a:r>
+            <a:r>
+              <a:rPr lang="en-US" altLang="zh-CN" dirty="0" smtClean="0">
+                <a:sym typeface="+mn-ea"/>
+                <a:hlinkClick r:id="rId2"/>
+              </a:rPr>
+              <a:t>http://www.runoob.com/</a:t>
+            </a:r>
+            <a:endParaRPr lang="en-US" altLang="zh-CN" dirty="0" smtClean="0">
+              <a:sym typeface="+mn-ea"/>
+            </a:endParaRPr>
+          </a:p>
+          <a:p>
+            <a:r>
+              <a:rPr lang="zh-CN" altLang="en-US" dirty="0" smtClean="0"/>
+              <a:t>慕课网，上面有一些免费的视频资源</a:t>
+            </a:r>
+            <a:endParaRPr lang="en-US" altLang="zh-CN" dirty="0" smtClean="0"/>
+          </a:p>
+          <a:p>
+            <a:r>
+              <a:rPr lang="zh-CN" altLang="en-US" dirty="0" smtClean="0"/>
+              <a:t>读书</a:t>
+            </a:r>
+            <a:r>
+              <a:rPr lang="zh-CN" altLang="en-US" dirty="0"/>
+              <a:t>好，多读书，读</a:t>
+            </a:r>
+            <a:r>
+              <a:rPr lang="zh-CN" altLang="en-US" dirty="0" smtClean="0"/>
+              <a:t>好书</a:t>
+            </a:r>
             <a:endParaRPr lang="zh-CN" altLang="en-US" dirty="0"/>
           </a:p>
         </p:txBody>
@@ -4147,306 +4013,6 @@
           <a:lstStyle/>
           <a:p>
             <a:r>
-              <a:rPr lang="zh-CN" altLang="en-US" dirty="0"/>
-              <a:t>一个简单的页面布局</a:t>
-            </a:r>
-          </a:p>
-        </p:txBody>
-      </p:sp>
-      <p:sp>
-        <p:nvSpPr>
-          <p:cNvPr id="3" name="副标题 2"/>
-          <p:cNvSpPr>
-            <a:spLocks noGrp="1"/>
-          </p:cNvSpPr>
-          <p:nvPr>
-            <p:ph type="subTitle" idx="1"/>
-          </p:nvPr>
-        </p:nvSpPr>
-        <p:spPr/>
-        <p:txBody>
-          <a:bodyPr>
-            <a:normAutofit fontScale="97500"/>
-          </a:bodyPr>
-          <a:lstStyle/>
-          <a:p>
-            <a:pPr marL="0" indent="0">
-              <a:buNone/>
-            </a:pPr>
-            <a:r>
-              <a:rPr lang="zh-CN" altLang="en-US" dirty="0"/>
-              <a:t>    &lt;div class="header"&gt;&lt;/div&gt;</a:t>
-            </a:r>
-          </a:p>
-          <a:p>
-            <a:pPr marL="0" indent="0">
-              <a:buNone/>
-            </a:pPr>
-            <a:r>
-              <a:rPr lang="zh-CN" altLang="en-US" dirty="0"/>
-              <a:t>    &lt;div class="center"&gt;</a:t>
-            </a:r>
-          </a:p>
-          <a:p>
-            <a:pPr marL="0" indent="0">
-              <a:buNone/>
-            </a:pPr>
-            <a:r>
-              <a:rPr lang="zh-CN" altLang="en-US" dirty="0"/>
-              <a:t>        &lt;div class="menu"&gt;&lt;/div&gt;</a:t>
-            </a:r>
-          </a:p>
-          <a:p>
-            <a:pPr marL="0" indent="0">
-              <a:buNone/>
-            </a:pPr>
-            <a:r>
-              <a:rPr lang="zh-CN" altLang="en-US" dirty="0"/>
-              <a:t>        &lt;div class="main"&gt;&lt;/div&gt;</a:t>
-            </a:r>
-          </a:p>
-          <a:p>
-            <a:pPr marL="0" indent="0">
-              <a:buNone/>
-            </a:pPr>
-            <a:r>
-              <a:rPr lang="zh-CN" altLang="en-US" dirty="0"/>
-              <a:t>    &lt;/div&gt;</a:t>
-            </a:r>
-          </a:p>
-          <a:p>
-            <a:pPr marL="0" indent="0">
-              <a:buNone/>
-            </a:pPr>
-            <a:r>
-              <a:rPr lang="zh-CN" altLang="en-US" dirty="0"/>
-              <a:t>    &lt;div class="footer"&gt;&lt;/div&gt;</a:t>
-            </a:r>
-          </a:p>
-        </p:txBody>
-      </p:sp>
-    </p:spTree>
-  </p:cSld>
-  <p:clrMapOvr>
-    <a:masterClrMapping/>
-  </p:clrMapOvr>
-  <p:transition>
-    <p:wipe dir="r"/>
-  </p:transition>
-  <p:timing>
-    <p:tnLst>
-      <p:par>
-        <p:cTn id="1" dur="indefinite" restart="never" nodeType="tmRoot"/>
-      </p:par>
-    </p:tnLst>
-  </p:timing>
-</p:sld>
-</file>
-
-<file path=ppt/slides/slide17.xml><?xml version="1.0" encoding="utf-8"?>
-<p:sld xmlns:a="http://schemas.openxmlformats.org/drawingml/2006/main" xmlns:r="http://schemas.openxmlformats.org/officeDocument/2006/relationships" xmlns:p="http://schemas.openxmlformats.org/presentationml/2006/main">
-  <p:cSld>
-    <p:spTree>
-      <p:nvGrpSpPr>
-        <p:cNvPr id="1" name=""/>
-        <p:cNvGrpSpPr/>
-        <p:nvPr/>
-      </p:nvGrpSpPr>
-      <p:grpSpPr>
-        <a:xfrm>
-          <a:off x="0" y="0"/>
-          <a:ext cx="0" cy="0"/>
-          <a:chOff x="0" y="0"/>
-          <a:chExt cx="0" cy="0"/>
-        </a:xfrm>
-      </p:grpSpPr>
-      <p:sp>
-        <p:nvSpPr>
-          <p:cNvPr id="2" name="标题 1"/>
-          <p:cNvSpPr>
-            <a:spLocks noGrp="1"/>
-          </p:cNvSpPr>
-          <p:nvPr>
-            <p:ph type="ctrTitle"/>
-          </p:nvPr>
-        </p:nvSpPr>
-        <p:spPr/>
-        <p:txBody>
-          <a:bodyPr/>
-          <a:lstStyle/>
-          <a:p>
-            <a:r>
-              <a:rPr lang="zh-CN" altLang="en-US"/>
-              <a:t>学习建议</a:t>
-            </a:r>
-          </a:p>
-        </p:txBody>
-      </p:sp>
-      <p:sp>
-        <p:nvSpPr>
-          <p:cNvPr id="3" name="副标题 2"/>
-          <p:cNvSpPr>
-            <a:spLocks noGrp="1"/>
-          </p:cNvSpPr>
-          <p:nvPr>
-            <p:ph type="subTitle" idx="1"/>
-          </p:nvPr>
-        </p:nvSpPr>
-        <p:spPr/>
-        <p:txBody>
-          <a:bodyPr>
-            <a:normAutofit/>
-          </a:bodyPr>
-          <a:lstStyle/>
-          <a:p>
-            <a:r>
-              <a:rPr lang="zh-CN" altLang="en-US" dirty="0">
-                <a:sym typeface="+mn-ea"/>
-              </a:rPr>
-              <a:t>菜</a:t>
-            </a:r>
-            <a:r>
-              <a:rPr lang="zh-CN" altLang="en-US" dirty="0" smtClean="0">
-                <a:sym typeface="+mn-ea"/>
-              </a:rPr>
-              <a:t>鸟驿站（入门级）</a:t>
-            </a:r>
-            <a:endParaRPr lang="en-US" altLang="zh-CN" dirty="0" smtClean="0">
-              <a:sym typeface="+mn-ea"/>
-            </a:endParaRPr>
-          </a:p>
-          <a:p>
-            <a:pPr marL="0" indent="0">
-              <a:buNone/>
-            </a:pPr>
-            <a:r>
-              <a:rPr lang="en-US" altLang="zh-CN" dirty="0" smtClean="0">
-                <a:sym typeface="+mn-ea"/>
-              </a:rPr>
-              <a:t>	</a:t>
-            </a:r>
-            <a:r>
-              <a:rPr lang="en-US" altLang="zh-CN" dirty="0" smtClean="0">
-                <a:sym typeface="+mn-ea"/>
-                <a:hlinkClick r:id="rId2"/>
-              </a:rPr>
-              <a:t>http://www.runoob.com/</a:t>
-            </a:r>
-            <a:endParaRPr lang="en-US" altLang="zh-CN" dirty="0" smtClean="0">
-              <a:sym typeface="+mn-ea"/>
-            </a:endParaRPr>
-          </a:p>
-          <a:p>
-            <a:r>
-              <a:rPr lang="en-US" altLang="zh-CN" dirty="0"/>
-              <a:t>《CSS</a:t>
-            </a:r>
-            <a:r>
-              <a:rPr lang="zh-CN" altLang="en-US" dirty="0"/>
-              <a:t>权威指南</a:t>
-            </a:r>
-            <a:r>
-              <a:rPr lang="en-US" altLang="zh-CN" dirty="0" smtClean="0"/>
-              <a:t>》(</a:t>
-            </a:r>
-            <a:r>
-              <a:rPr lang="zh-CN" altLang="en-US" dirty="0" smtClean="0"/>
-              <a:t>工具书</a:t>
-            </a:r>
-            <a:r>
-              <a:rPr lang="en-US" altLang="zh-CN" dirty="0"/>
-              <a:t>)</a:t>
-            </a:r>
-            <a:r>
-              <a:rPr lang="zh-CN" altLang="en-US" dirty="0" smtClean="0"/>
-              <a:t>，有选择的去看</a:t>
-            </a:r>
-            <a:endParaRPr lang="en-US" altLang="zh-CN" dirty="0" smtClean="0">
-              <a:sym typeface="+mn-ea"/>
-            </a:endParaRPr>
-          </a:p>
-          <a:p>
-            <a:pPr latinLnBrk="1"/>
-            <a:r>
-              <a:rPr lang="zh-CN" altLang="en-US" dirty="0"/>
-              <a:t>读书好，多读书，读</a:t>
-            </a:r>
-            <a:r>
-              <a:rPr lang="zh-CN" altLang="en-US" dirty="0" smtClean="0"/>
-              <a:t>好书</a:t>
-            </a:r>
-            <a:r>
-              <a:rPr lang="en-US" altLang="zh-CN" b="1" dirty="0"/>
-              <a:t>	</a:t>
-            </a:r>
-            <a:r>
-              <a:rPr lang="en-US" altLang="zh-CN" b="1" dirty="0" smtClean="0"/>
-              <a:t>		——</a:t>
-            </a:r>
-            <a:r>
-              <a:rPr lang="zh-CN" altLang="en-US" b="1" dirty="0" smtClean="0"/>
-              <a:t>冰心</a:t>
-            </a:r>
-            <a:endParaRPr lang="zh-CN" altLang="en-US" dirty="0">
-              <a:sym typeface="+mn-ea"/>
-            </a:endParaRPr>
-          </a:p>
-          <a:p>
-            <a:endParaRPr lang="zh-CN" altLang="en-US" dirty="0"/>
-          </a:p>
-        </p:txBody>
-      </p:sp>
-    </p:spTree>
-  </p:cSld>
-  <p:clrMapOvr>
-    <a:masterClrMapping/>
-  </p:clrMapOvr>
-  <p:transition>
-    <p:wipe dir="r"/>
-  </p:transition>
-  <p:timing>
-    <p:tnLst>
-      <p:par>
-        <p:cTn id="1" dur="indefinite" restart="never" nodeType="tmRoot"/>
-      </p:par>
-    </p:tnLst>
-  </p:timing>
-</p:sld>
-</file>
-
-<file path=ppt/slides/slide18.xml><?xml version="1.0" encoding="utf-8"?>
-<p:sld xmlns:a="http://schemas.openxmlformats.org/drawingml/2006/main" xmlns:r="http://schemas.openxmlformats.org/officeDocument/2006/relationships" xmlns:p="http://schemas.openxmlformats.org/presentationml/2006/main">
-  <p:cSld>
-    <p:spTree>
-      <p:nvGrpSpPr>
-        <p:cNvPr id="1" name=""/>
-        <p:cNvGrpSpPr/>
-        <p:nvPr/>
-      </p:nvGrpSpPr>
-      <p:grpSpPr>
-        <a:xfrm>
-          <a:off x="0" y="0"/>
-          <a:ext cx="0" cy="0"/>
-          <a:chOff x="0" y="0"/>
-          <a:chExt cx="0" cy="0"/>
-        </a:xfrm>
-      </p:grpSpPr>
-      <p:sp>
-        <p:nvSpPr>
-          <p:cNvPr id="2" name="标题 1"/>
-          <p:cNvSpPr>
-            <a:spLocks noGrp="1"/>
-          </p:cNvSpPr>
-          <p:nvPr>
-            <p:ph type="ctrTitle"/>
-          </p:nvPr>
-        </p:nvSpPr>
-        <p:spPr/>
-        <p:txBody>
-          <a:bodyPr/>
-          <a:lstStyle/>
-          <a:p>
-            <a:r>
               <a:rPr lang="zh-CN" altLang="en-US" dirty="0" smtClean="0"/>
               <a:t>作业</a:t>
             </a:r>
@@ -4608,7 +4174,7 @@
 </p:sld>
 </file>
 
-<file path=ppt/slides/slide19.xml><?xml version="1.0" encoding="utf-8"?>
+<file path=ppt/slides/slide17.xml><?xml version="1.0" encoding="utf-8"?>
 <p:sld xmlns:a="http://schemas.openxmlformats.org/drawingml/2006/main" xmlns:r="http://schemas.openxmlformats.org/officeDocument/2006/relationships" xmlns:p="http://schemas.openxmlformats.org/presentationml/2006/main">
   <p:cSld>
     <p:bg>
@@ -4682,6 +4248,1788 @@
         <p:cTn id="1" dur="indefinite" restart="never" nodeType="tmRoot"/>
       </p:par>
     </p:tnLst>
+  </p:timing>
+</p:sld>
+</file>
+
+<file path=ppt/slides/slide18.xml><?xml version="1.0" encoding="utf-8"?>
+<p:sld xmlns:a="http://schemas.openxmlformats.org/drawingml/2006/main" xmlns:r="http://schemas.openxmlformats.org/officeDocument/2006/relationships" xmlns:p="http://schemas.openxmlformats.org/presentationml/2006/main">
+  <p:cSld>
+    <p:spTree>
+      <p:nvGrpSpPr>
+        <p:cNvPr id="1" name=""/>
+        <p:cNvGrpSpPr/>
+        <p:nvPr/>
+      </p:nvGrpSpPr>
+      <p:grpSpPr>
+        <a:xfrm>
+          <a:off x="0" y="0"/>
+          <a:ext cx="0" cy="0"/>
+          <a:chOff x="0" y="0"/>
+          <a:chExt cx="0" cy="0"/>
+        </a:xfrm>
+      </p:grpSpPr>
+      <p:sp>
+        <p:nvSpPr>
+          <p:cNvPr id="16" name="文本框 15"/>
+          <p:cNvSpPr txBox="1"/>
+          <p:nvPr/>
+        </p:nvSpPr>
+        <p:spPr>
+          <a:xfrm>
+            <a:off x="3951824" y="2521036"/>
+            <a:ext cx="4754880" cy="1310640"/>
+          </a:xfrm>
+          <a:prstGeom prst="rect">
+            <a:avLst/>
+          </a:prstGeom>
+          <a:noFill/>
+          <a:effectLst>
+            <a:outerShdw blurRad="114300" dist="38100" dir="5460000" algn="tr" rotWithShape="0">
+              <a:prstClr val="black">
+                <a:alpha val="16000"/>
+              </a:prstClr>
+            </a:outerShdw>
+          </a:effectLst>
+        </p:spPr>
+        <p:txBody>
+          <a:bodyPr wrap="none" rtlCol="0">
+            <a:spAutoFit/>
+          </a:bodyPr>
+          <a:lstStyle/>
+          <a:p>
+            <a:r>
+              <a:rPr lang="zh-CN" altLang="en-US" sz="8000" dirty="0" smtClean="0">
+                <a:solidFill>
+                  <a:schemeClr val="bg1"/>
+                </a:solidFill>
+                <a:latin typeface="方正正纤黑简体" panose="02000000000000000000" pitchFamily="2" charset="-122"/>
+                <a:ea typeface="方正正纤黑简体" panose="02000000000000000000" pitchFamily="2" charset="-122"/>
+              </a:rPr>
+              <a:t>谢谢大家</a:t>
+            </a:r>
+            <a:r>
+              <a:rPr lang="en-US" altLang="zh-CN" sz="8000" dirty="0" smtClean="0">
+                <a:solidFill>
+                  <a:schemeClr val="bg1"/>
+                </a:solidFill>
+                <a:latin typeface="方正正纤黑简体" panose="02000000000000000000" pitchFamily="2" charset="-122"/>
+                <a:ea typeface="方正正纤黑简体" panose="02000000000000000000" pitchFamily="2" charset="-122"/>
+              </a:rPr>
+              <a:t>!</a:t>
+            </a:r>
+          </a:p>
+        </p:txBody>
+      </p:sp>
+      <p:sp>
+        <p:nvSpPr>
+          <p:cNvPr id="27" name="六边形 26"/>
+          <p:cNvSpPr/>
+          <p:nvPr/>
+        </p:nvSpPr>
+        <p:spPr>
+          <a:xfrm rot="5400000">
+            <a:off x="3977317" y="5593935"/>
+            <a:ext cx="4237367" cy="3616159"/>
+          </a:xfrm>
+          <a:prstGeom prst="hexagon">
+            <a:avLst>
+              <a:gd name="adj" fmla="val 27952"/>
+              <a:gd name="vf" fmla="val 115470"/>
+            </a:avLst>
+          </a:prstGeom>
+          <a:gradFill flip="none" rotWithShape="1">
+            <a:gsLst>
+              <a:gs pos="0">
+                <a:srgbClr val="FBFBFB"/>
+              </a:gs>
+              <a:gs pos="100000">
+                <a:srgbClr val="E1E1E1"/>
+              </a:gs>
+            </a:gsLst>
+            <a:lin ang="18900000" scaled="1"/>
+            <a:tileRect/>
+          </a:gradFill>
+          <a:ln w="38100">
+            <a:gradFill>
+              <a:gsLst>
+                <a:gs pos="0">
+                  <a:srgbClr val="FCFCFC"/>
+                </a:gs>
+                <a:gs pos="100000">
+                  <a:srgbClr val="E1E1E1"/>
+                </a:gs>
+              </a:gsLst>
+              <a:lin ang="5400000" scaled="1"/>
+            </a:gradFill>
+          </a:ln>
+          <a:effectLst>
+            <a:outerShdw blurRad="901700" dist="927100" dir="11040000" sx="91000" sy="91000" algn="tr" rotWithShape="0">
+              <a:prstClr val="black">
+                <a:alpha val="5000"/>
+              </a:prstClr>
+            </a:outerShdw>
+          </a:effectLst>
+        </p:spPr>
+        <p:style>
+          <a:lnRef idx="2">
+            <a:schemeClr val="accent1">
+              <a:shade val="50000"/>
+            </a:schemeClr>
+          </a:lnRef>
+          <a:fillRef idx="1">
+            <a:schemeClr val="accent1"/>
+          </a:fillRef>
+          <a:effectRef idx="0">
+            <a:schemeClr val="accent1"/>
+          </a:effectRef>
+          <a:fontRef idx="minor">
+            <a:schemeClr val="lt1"/>
+          </a:fontRef>
+        </p:style>
+        <p:txBody>
+          <a:bodyPr rtlCol="0" anchor="ctr"/>
+          <a:lstStyle/>
+          <a:p>
+            <a:pPr algn="ctr"/>
+            <a:endParaRPr lang="zh-CN" altLang="en-US"/>
+          </a:p>
+        </p:txBody>
+      </p:sp>
+      <p:sp>
+        <p:nvSpPr>
+          <p:cNvPr id="28" name="六边形 27"/>
+          <p:cNvSpPr/>
+          <p:nvPr/>
+        </p:nvSpPr>
+        <p:spPr>
+          <a:xfrm rot="5400000" flipH="1">
+            <a:off x="2583546" y="7014855"/>
+            <a:ext cx="3207864" cy="2737582"/>
+          </a:xfrm>
+          <a:prstGeom prst="hexagon">
+            <a:avLst>
+              <a:gd name="adj" fmla="val 27952"/>
+              <a:gd name="vf" fmla="val 115470"/>
+            </a:avLst>
+          </a:prstGeom>
+          <a:gradFill flip="none" rotWithShape="1">
+            <a:gsLst>
+              <a:gs pos="0">
+                <a:srgbClr val="FBFBFB"/>
+              </a:gs>
+              <a:gs pos="100000">
+                <a:srgbClr val="E1E1E1"/>
+              </a:gs>
+            </a:gsLst>
+            <a:lin ang="18900000" scaled="1"/>
+            <a:tileRect/>
+          </a:gradFill>
+          <a:ln w="38100">
+            <a:gradFill>
+              <a:gsLst>
+                <a:gs pos="0">
+                  <a:srgbClr val="FCFCFC"/>
+                </a:gs>
+                <a:gs pos="100000">
+                  <a:srgbClr val="E1E1E1"/>
+                </a:gs>
+              </a:gsLst>
+              <a:lin ang="5400000" scaled="1"/>
+            </a:gradFill>
+          </a:ln>
+          <a:effectLst>
+            <a:outerShdw blurRad="901700" dist="927100" dir="11040000" sx="91000" sy="91000" algn="tr" rotWithShape="0">
+              <a:prstClr val="black">
+                <a:alpha val="5000"/>
+              </a:prstClr>
+            </a:outerShdw>
+          </a:effectLst>
+        </p:spPr>
+        <p:style>
+          <a:lnRef idx="2">
+            <a:schemeClr val="accent1">
+              <a:shade val="50000"/>
+            </a:schemeClr>
+          </a:lnRef>
+          <a:fillRef idx="1">
+            <a:schemeClr val="accent1"/>
+          </a:fillRef>
+          <a:effectRef idx="0">
+            <a:schemeClr val="accent1"/>
+          </a:effectRef>
+          <a:fontRef idx="minor">
+            <a:schemeClr val="lt1"/>
+          </a:fontRef>
+        </p:style>
+        <p:txBody>
+          <a:bodyPr rtlCol="0" anchor="ctr"/>
+          <a:lstStyle/>
+          <a:p>
+            <a:pPr algn="ctr"/>
+            <a:endParaRPr lang="zh-CN" altLang="en-US"/>
+          </a:p>
+        </p:txBody>
+      </p:sp>
+      <p:sp>
+        <p:nvSpPr>
+          <p:cNvPr id="29" name="六边形 28"/>
+          <p:cNvSpPr/>
+          <p:nvPr/>
+        </p:nvSpPr>
+        <p:spPr>
+          <a:xfrm rot="5400000" flipH="1">
+            <a:off x="3405372" y="5833227"/>
+            <a:ext cx="1188193" cy="1014000"/>
+          </a:xfrm>
+          <a:prstGeom prst="hexagon">
+            <a:avLst>
+              <a:gd name="adj" fmla="val 27952"/>
+              <a:gd name="vf" fmla="val 115470"/>
+            </a:avLst>
+          </a:prstGeom>
+          <a:gradFill flip="none" rotWithShape="1">
+            <a:gsLst>
+              <a:gs pos="0">
+                <a:srgbClr val="FBFBFB"/>
+              </a:gs>
+              <a:gs pos="100000">
+                <a:srgbClr val="E1E1E1"/>
+              </a:gs>
+            </a:gsLst>
+            <a:lin ang="18900000" scaled="1"/>
+            <a:tileRect/>
+          </a:gradFill>
+          <a:ln w="38100">
+            <a:gradFill>
+              <a:gsLst>
+                <a:gs pos="0">
+                  <a:srgbClr val="FCFCFC"/>
+                </a:gs>
+                <a:gs pos="100000">
+                  <a:srgbClr val="E1E1E1"/>
+                </a:gs>
+              </a:gsLst>
+              <a:lin ang="5400000" scaled="1"/>
+            </a:gradFill>
+          </a:ln>
+          <a:effectLst>
+            <a:outerShdw blurRad="901700" dist="927100" dir="11040000" sx="91000" sy="91000" algn="tr" rotWithShape="0">
+              <a:prstClr val="black">
+                <a:alpha val="5000"/>
+              </a:prstClr>
+            </a:outerShdw>
+          </a:effectLst>
+        </p:spPr>
+        <p:style>
+          <a:lnRef idx="2">
+            <a:schemeClr val="accent1">
+              <a:shade val="50000"/>
+            </a:schemeClr>
+          </a:lnRef>
+          <a:fillRef idx="1">
+            <a:schemeClr val="accent1"/>
+          </a:fillRef>
+          <a:effectRef idx="0">
+            <a:schemeClr val="accent1"/>
+          </a:effectRef>
+          <a:fontRef idx="minor">
+            <a:schemeClr val="lt1"/>
+          </a:fontRef>
+        </p:style>
+        <p:txBody>
+          <a:bodyPr rtlCol="0" anchor="ctr"/>
+          <a:lstStyle/>
+          <a:p>
+            <a:pPr algn="ctr"/>
+            <a:endParaRPr lang="zh-CN" altLang="en-US"/>
+          </a:p>
+        </p:txBody>
+      </p:sp>
+      <p:sp>
+        <p:nvSpPr>
+          <p:cNvPr id="30" name="六边形 29"/>
+          <p:cNvSpPr/>
+          <p:nvPr/>
+        </p:nvSpPr>
+        <p:spPr>
+          <a:xfrm rot="5400000" flipH="1">
+            <a:off x="8280493" y="5239130"/>
+            <a:ext cx="1188193" cy="1014000"/>
+          </a:xfrm>
+          <a:prstGeom prst="hexagon">
+            <a:avLst>
+              <a:gd name="adj" fmla="val 27952"/>
+              <a:gd name="vf" fmla="val 115470"/>
+            </a:avLst>
+          </a:prstGeom>
+          <a:gradFill flip="none" rotWithShape="1">
+            <a:gsLst>
+              <a:gs pos="0">
+                <a:srgbClr val="FBFBFB"/>
+              </a:gs>
+              <a:gs pos="100000">
+                <a:srgbClr val="E1E1E1"/>
+              </a:gs>
+            </a:gsLst>
+            <a:lin ang="18900000" scaled="1"/>
+            <a:tileRect/>
+          </a:gradFill>
+          <a:ln w="38100">
+            <a:gradFill>
+              <a:gsLst>
+                <a:gs pos="0">
+                  <a:srgbClr val="FCFCFC"/>
+                </a:gs>
+                <a:gs pos="100000">
+                  <a:srgbClr val="E1E1E1"/>
+                </a:gs>
+              </a:gsLst>
+              <a:lin ang="5400000" scaled="1"/>
+            </a:gradFill>
+          </a:ln>
+          <a:effectLst>
+            <a:outerShdw blurRad="901700" dist="927100" dir="11040000" sx="91000" sy="91000" algn="tr" rotWithShape="0">
+              <a:prstClr val="black">
+                <a:alpha val="5000"/>
+              </a:prstClr>
+            </a:outerShdw>
+          </a:effectLst>
+        </p:spPr>
+        <p:style>
+          <a:lnRef idx="2">
+            <a:schemeClr val="accent1">
+              <a:shade val="50000"/>
+            </a:schemeClr>
+          </a:lnRef>
+          <a:fillRef idx="1">
+            <a:schemeClr val="accent1"/>
+          </a:fillRef>
+          <a:effectRef idx="0">
+            <a:schemeClr val="accent1"/>
+          </a:effectRef>
+          <a:fontRef idx="minor">
+            <a:schemeClr val="lt1"/>
+          </a:fontRef>
+        </p:style>
+        <p:txBody>
+          <a:bodyPr rtlCol="0" anchor="ctr"/>
+          <a:lstStyle/>
+          <a:p>
+            <a:pPr algn="ctr"/>
+            <a:endParaRPr lang="zh-CN" altLang="en-US"/>
+          </a:p>
+        </p:txBody>
+      </p:sp>
+      <p:sp>
+        <p:nvSpPr>
+          <p:cNvPr id="31" name="六边形 30"/>
+          <p:cNvSpPr/>
+          <p:nvPr/>
+        </p:nvSpPr>
+        <p:spPr>
+          <a:xfrm rot="5400000" flipH="1">
+            <a:off x="8812784" y="6406577"/>
+            <a:ext cx="1689837" cy="1442102"/>
+          </a:xfrm>
+          <a:prstGeom prst="hexagon">
+            <a:avLst>
+              <a:gd name="adj" fmla="val 27952"/>
+              <a:gd name="vf" fmla="val 115470"/>
+            </a:avLst>
+          </a:prstGeom>
+          <a:gradFill flip="none" rotWithShape="1">
+            <a:gsLst>
+              <a:gs pos="0">
+                <a:srgbClr val="FBFBFB"/>
+              </a:gs>
+              <a:gs pos="100000">
+                <a:srgbClr val="E1E1E1"/>
+              </a:gs>
+            </a:gsLst>
+            <a:lin ang="18900000" scaled="1"/>
+            <a:tileRect/>
+          </a:gradFill>
+          <a:ln w="38100">
+            <a:gradFill>
+              <a:gsLst>
+                <a:gs pos="0">
+                  <a:srgbClr val="FCFCFC"/>
+                </a:gs>
+                <a:gs pos="100000">
+                  <a:srgbClr val="E1E1E1"/>
+                </a:gs>
+              </a:gsLst>
+              <a:lin ang="5400000" scaled="1"/>
+            </a:gradFill>
+          </a:ln>
+          <a:effectLst>
+            <a:outerShdw blurRad="901700" dist="927100" dir="11040000" sx="91000" sy="91000" algn="tr" rotWithShape="0">
+              <a:prstClr val="black">
+                <a:alpha val="5000"/>
+              </a:prstClr>
+            </a:outerShdw>
+          </a:effectLst>
+        </p:spPr>
+        <p:style>
+          <a:lnRef idx="2">
+            <a:schemeClr val="accent1">
+              <a:shade val="50000"/>
+            </a:schemeClr>
+          </a:lnRef>
+          <a:fillRef idx="1">
+            <a:schemeClr val="accent1"/>
+          </a:fillRef>
+          <a:effectRef idx="0">
+            <a:schemeClr val="accent1"/>
+          </a:effectRef>
+          <a:fontRef idx="minor">
+            <a:schemeClr val="lt1"/>
+          </a:fontRef>
+        </p:style>
+        <p:txBody>
+          <a:bodyPr rtlCol="0" anchor="ctr"/>
+          <a:lstStyle/>
+          <a:p>
+            <a:pPr algn="ctr"/>
+            <a:endParaRPr lang="zh-CN" altLang="en-US"/>
+          </a:p>
+        </p:txBody>
+      </p:sp>
+      <p:sp>
+        <p:nvSpPr>
+          <p:cNvPr id="32" name="六边形 31"/>
+          <p:cNvSpPr/>
+          <p:nvPr/>
+        </p:nvSpPr>
+        <p:spPr>
+          <a:xfrm rot="5400000" flipH="1">
+            <a:off x="9827152" y="6349133"/>
+            <a:ext cx="2635986" cy="2249543"/>
+          </a:xfrm>
+          <a:prstGeom prst="hexagon">
+            <a:avLst>
+              <a:gd name="adj" fmla="val 27952"/>
+              <a:gd name="vf" fmla="val 115470"/>
+            </a:avLst>
+          </a:prstGeom>
+          <a:gradFill flip="none" rotWithShape="1">
+            <a:gsLst>
+              <a:gs pos="0">
+                <a:srgbClr val="FBFBFB"/>
+              </a:gs>
+              <a:gs pos="100000">
+                <a:srgbClr val="E1E1E1"/>
+              </a:gs>
+            </a:gsLst>
+            <a:lin ang="18900000" scaled="1"/>
+            <a:tileRect/>
+          </a:gradFill>
+          <a:ln w="38100">
+            <a:gradFill>
+              <a:gsLst>
+                <a:gs pos="0">
+                  <a:srgbClr val="FCFCFC"/>
+                </a:gs>
+                <a:gs pos="100000">
+                  <a:srgbClr val="E1E1E1"/>
+                </a:gs>
+              </a:gsLst>
+              <a:lin ang="5400000" scaled="1"/>
+            </a:gradFill>
+          </a:ln>
+          <a:effectLst>
+            <a:outerShdw blurRad="901700" dist="927100" dir="11040000" sx="91000" sy="91000" algn="tr" rotWithShape="0">
+              <a:prstClr val="black">
+                <a:alpha val="5000"/>
+              </a:prstClr>
+            </a:outerShdw>
+          </a:effectLst>
+        </p:spPr>
+        <p:style>
+          <a:lnRef idx="2">
+            <a:schemeClr val="accent1">
+              <a:shade val="50000"/>
+            </a:schemeClr>
+          </a:lnRef>
+          <a:fillRef idx="1">
+            <a:schemeClr val="accent1"/>
+          </a:fillRef>
+          <a:effectRef idx="0">
+            <a:schemeClr val="accent1"/>
+          </a:effectRef>
+          <a:fontRef idx="minor">
+            <a:schemeClr val="lt1"/>
+          </a:fontRef>
+        </p:style>
+        <p:txBody>
+          <a:bodyPr rtlCol="0" anchor="ctr"/>
+          <a:lstStyle/>
+          <a:p>
+            <a:pPr algn="ctr"/>
+            <a:endParaRPr lang="zh-CN" altLang="en-US"/>
+          </a:p>
+        </p:txBody>
+      </p:sp>
+      <p:sp>
+        <p:nvSpPr>
+          <p:cNvPr id="33" name="六边形 32"/>
+          <p:cNvSpPr/>
+          <p:nvPr/>
+        </p:nvSpPr>
+        <p:spPr>
+          <a:xfrm rot="5400000" flipH="1">
+            <a:off x="1957338" y="6647237"/>
+            <a:ext cx="1833900" cy="1565045"/>
+          </a:xfrm>
+          <a:prstGeom prst="hexagon">
+            <a:avLst>
+              <a:gd name="adj" fmla="val 27952"/>
+              <a:gd name="vf" fmla="val 115470"/>
+            </a:avLst>
+          </a:prstGeom>
+          <a:gradFill flip="none" rotWithShape="1">
+            <a:gsLst>
+              <a:gs pos="0">
+                <a:srgbClr val="FBFBFB"/>
+              </a:gs>
+              <a:gs pos="100000">
+                <a:srgbClr val="E1E1E1"/>
+              </a:gs>
+            </a:gsLst>
+            <a:lin ang="18900000" scaled="1"/>
+            <a:tileRect/>
+          </a:gradFill>
+          <a:ln w="38100">
+            <a:gradFill>
+              <a:gsLst>
+                <a:gs pos="0">
+                  <a:srgbClr val="FCFCFC"/>
+                </a:gs>
+                <a:gs pos="100000">
+                  <a:srgbClr val="E1E1E1"/>
+                </a:gs>
+              </a:gsLst>
+              <a:lin ang="5400000" scaled="1"/>
+            </a:gradFill>
+          </a:ln>
+          <a:effectLst>
+            <a:outerShdw blurRad="901700" dist="927100" dir="11040000" sx="91000" sy="91000" algn="tr" rotWithShape="0">
+              <a:prstClr val="black">
+                <a:alpha val="5000"/>
+              </a:prstClr>
+            </a:outerShdw>
+          </a:effectLst>
+        </p:spPr>
+        <p:style>
+          <a:lnRef idx="2">
+            <a:schemeClr val="accent1">
+              <a:shade val="50000"/>
+            </a:schemeClr>
+          </a:lnRef>
+          <a:fillRef idx="1">
+            <a:schemeClr val="accent1"/>
+          </a:fillRef>
+          <a:effectRef idx="0">
+            <a:schemeClr val="accent1"/>
+          </a:effectRef>
+          <a:fontRef idx="minor">
+            <a:schemeClr val="lt1"/>
+          </a:fontRef>
+        </p:style>
+        <p:txBody>
+          <a:bodyPr rtlCol="0" anchor="ctr"/>
+          <a:lstStyle/>
+          <a:p>
+            <a:pPr algn="ctr"/>
+            <a:endParaRPr lang="zh-CN" altLang="en-US"/>
+          </a:p>
+        </p:txBody>
+      </p:sp>
+      <p:sp>
+        <p:nvSpPr>
+          <p:cNvPr id="34" name="六边形 33"/>
+          <p:cNvSpPr/>
+          <p:nvPr/>
+        </p:nvSpPr>
+        <p:spPr>
+          <a:xfrm rot="5400000" flipH="1">
+            <a:off x="-300354" y="5341249"/>
+            <a:ext cx="2581335" cy="2202903"/>
+          </a:xfrm>
+          <a:prstGeom prst="hexagon">
+            <a:avLst>
+              <a:gd name="adj" fmla="val 27952"/>
+              <a:gd name="vf" fmla="val 115470"/>
+            </a:avLst>
+          </a:prstGeom>
+          <a:gradFill flip="none" rotWithShape="1">
+            <a:gsLst>
+              <a:gs pos="0">
+                <a:srgbClr val="FBFBFB"/>
+              </a:gs>
+              <a:gs pos="100000">
+                <a:srgbClr val="E1E1E1"/>
+              </a:gs>
+            </a:gsLst>
+            <a:lin ang="18900000" scaled="1"/>
+            <a:tileRect/>
+          </a:gradFill>
+          <a:ln w="38100">
+            <a:gradFill>
+              <a:gsLst>
+                <a:gs pos="0">
+                  <a:srgbClr val="FCFCFC"/>
+                </a:gs>
+                <a:gs pos="100000">
+                  <a:srgbClr val="E1E1E1"/>
+                </a:gs>
+              </a:gsLst>
+              <a:lin ang="5400000" scaled="1"/>
+            </a:gradFill>
+          </a:ln>
+          <a:effectLst>
+            <a:outerShdw blurRad="901700" dist="927100" dir="11040000" sx="91000" sy="91000" algn="tr" rotWithShape="0">
+              <a:prstClr val="black">
+                <a:alpha val="5000"/>
+              </a:prstClr>
+            </a:outerShdw>
+          </a:effectLst>
+        </p:spPr>
+        <p:style>
+          <a:lnRef idx="2">
+            <a:schemeClr val="accent1">
+              <a:shade val="50000"/>
+            </a:schemeClr>
+          </a:lnRef>
+          <a:fillRef idx="1">
+            <a:schemeClr val="accent1"/>
+          </a:fillRef>
+          <a:effectRef idx="0">
+            <a:schemeClr val="accent1"/>
+          </a:effectRef>
+          <a:fontRef idx="minor">
+            <a:schemeClr val="lt1"/>
+          </a:fontRef>
+        </p:style>
+        <p:txBody>
+          <a:bodyPr rtlCol="0" anchor="ctr"/>
+          <a:lstStyle/>
+          <a:p>
+            <a:pPr algn="ctr"/>
+            <a:endParaRPr lang="zh-CN" altLang="en-US"/>
+          </a:p>
+        </p:txBody>
+      </p:sp>
+      <p:sp>
+        <p:nvSpPr>
+          <p:cNvPr id="35" name="六边形 34"/>
+          <p:cNvSpPr/>
+          <p:nvPr/>
+        </p:nvSpPr>
+        <p:spPr>
+          <a:xfrm rot="5400000" flipH="1">
+            <a:off x="8480954" y="6906027"/>
+            <a:ext cx="519340" cy="443204"/>
+          </a:xfrm>
+          <a:prstGeom prst="hexagon">
+            <a:avLst>
+              <a:gd name="adj" fmla="val 27952"/>
+              <a:gd name="vf" fmla="val 115470"/>
+            </a:avLst>
+          </a:prstGeom>
+          <a:gradFill flip="none" rotWithShape="1">
+            <a:gsLst>
+              <a:gs pos="0">
+                <a:srgbClr val="FBFBFB"/>
+              </a:gs>
+              <a:gs pos="100000">
+                <a:srgbClr val="E1E1E1"/>
+              </a:gs>
+            </a:gsLst>
+            <a:lin ang="18900000" scaled="1"/>
+            <a:tileRect/>
+          </a:gradFill>
+          <a:ln w="38100">
+            <a:gradFill>
+              <a:gsLst>
+                <a:gs pos="0">
+                  <a:srgbClr val="FCFCFC"/>
+                </a:gs>
+                <a:gs pos="100000">
+                  <a:srgbClr val="E1E1E1"/>
+                </a:gs>
+              </a:gsLst>
+              <a:lin ang="5400000" scaled="1"/>
+            </a:gradFill>
+          </a:ln>
+          <a:effectLst>
+            <a:outerShdw blurRad="901700" dist="927100" dir="11040000" sx="91000" sy="91000" algn="tr" rotWithShape="0">
+              <a:prstClr val="black">
+                <a:alpha val="5000"/>
+              </a:prstClr>
+            </a:outerShdw>
+          </a:effectLst>
+        </p:spPr>
+        <p:style>
+          <a:lnRef idx="2">
+            <a:schemeClr val="accent1">
+              <a:shade val="50000"/>
+            </a:schemeClr>
+          </a:lnRef>
+          <a:fillRef idx="1">
+            <a:schemeClr val="accent1"/>
+          </a:fillRef>
+          <a:effectRef idx="0">
+            <a:schemeClr val="accent1"/>
+          </a:effectRef>
+          <a:fontRef idx="minor">
+            <a:schemeClr val="lt1"/>
+          </a:fontRef>
+        </p:style>
+        <p:txBody>
+          <a:bodyPr rtlCol="0" anchor="ctr"/>
+          <a:lstStyle/>
+          <a:p>
+            <a:pPr algn="ctr"/>
+            <a:endParaRPr lang="zh-CN" altLang="en-US"/>
+          </a:p>
+        </p:txBody>
+      </p:sp>
+      <p:sp>
+        <p:nvSpPr>
+          <p:cNvPr id="36" name="六边形 35"/>
+          <p:cNvSpPr/>
+          <p:nvPr/>
+        </p:nvSpPr>
+        <p:spPr>
+          <a:xfrm rot="5400000" flipH="1">
+            <a:off x="7644409" y="5524526"/>
+            <a:ext cx="519344" cy="443208"/>
+          </a:xfrm>
+          <a:prstGeom prst="hexagon">
+            <a:avLst>
+              <a:gd name="adj" fmla="val 27952"/>
+              <a:gd name="vf" fmla="val 115470"/>
+            </a:avLst>
+          </a:prstGeom>
+          <a:gradFill flip="none" rotWithShape="1">
+            <a:gsLst>
+              <a:gs pos="0">
+                <a:srgbClr val="FBFBFB"/>
+              </a:gs>
+              <a:gs pos="100000">
+                <a:srgbClr val="E1E1E1"/>
+              </a:gs>
+            </a:gsLst>
+            <a:lin ang="18900000" scaled="1"/>
+            <a:tileRect/>
+          </a:gradFill>
+          <a:ln w="38100">
+            <a:gradFill>
+              <a:gsLst>
+                <a:gs pos="0">
+                  <a:srgbClr val="FCFCFC"/>
+                </a:gs>
+                <a:gs pos="100000">
+                  <a:srgbClr val="E1E1E1"/>
+                </a:gs>
+              </a:gsLst>
+              <a:lin ang="5400000" scaled="1"/>
+            </a:gradFill>
+          </a:ln>
+          <a:effectLst>
+            <a:outerShdw blurRad="901700" dist="927100" dir="11040000" sx="91000" sy="91000" algn="tr" rotWithShape="0">
+              <a:prstClr val="black">
+                <a:alpha val="5000"/>
+              </a:prstClr>
+            </a:outerShdw>
+          </a:effectLst>
+        </p:spPr>
+        <p:style>
+          <a:lnRef idx="2">
+            <a:schemeClr val="accent1">
+              <a:shade val="50000"/>
+            </a:schemeClr>
+          </a:lnRef>
+          <a:fillRef idx="1">
+            <a:schemeClr val="accent1"/>
+          </a:fillRef>
+          <a:effectRef idx="0">
+            <a:schemeClr val="accent1"/>
+          </a:effectRef>
+          <a:fontRef idx="minor">
+            <a:schemeClr val="lt1"/>
+          </a:fontRef>
+        </p:style>
+        <p:txBody>
+          <a:bodyPr rtlCol="0" anchor="ctr"/>
+          <a:lstStyle/>
+          <a:p>
+            <a:pPr algn="ctr"/>
+            <a:endParaRPr lang="zh-CN" altLang="en-US"/>
+          </a:p>
+        </p:txBody>
+      </p:sp>
+    </p:spTree>
+  </p:cSld>
+  <p:clrMapOvr>
+    <a:masterClrMapping/>
+  </p:clrMapOvr>
+  <p:timing>
+    <p:tnLst>
+      <p:par>
+        <p:cTn id="1" dur="indefinite" restart="never" nodeType="tmRoot">
+          <p:childTnLst>
+            <p:seq concurrent="1" nextAc="seek">
+              <p:cTn id="2" dur="indefinite" nodeType="mainSeq">
+                <p:childTnLst>
+                  <p:par>
+                    <p:cTn id="3" fill="hold">
+                      <p:stCondLst>
+                        <p:cond delay="indefinite"/>
+                        <p:cond evt="onBegin" delay="0">
+                          <p:tn val="2"/>
+                        </p:cond>
+                      </p:stCondLst>
+                      <p:childTnLst>
+                        <p:par>
+                          <p:cTn id="4" fill="hold">
+                            <p:stCondLst>
+                              <p:cond delay="0"/>
+                            </p:stCondLst>
+                            <p:childTnLst>
+                              <p:par>
+                                <p:cTn id="5" presetID="53" presetClass="entr" presetSubtype="16" fill="hold" grpId="0" nodeType="withEffect">
+                                  <p:stCondLst>
+                                    <p:cond delay="0"/>
+                                  </p:stCondLst>
+                                  <p:childTnLst>
+                                    <p:set>
+                                      <p:cBhvr>
+                                        <p:cTn id="6" dur="1" fill="hold">
+                                          <p:stCondLst>
+                                            <p:cond delay="0"/>
+                                          </p:stCondLst>
+                                        </p:cTn>
+                                        <p:tgtEl>
+                                          <p:spTgt spid="16"/>
+                                        </p:tgtEl>
+                                        <p:attrNameLst>
+                                          <p:attrName>style.visibility</p:attrName>
+                                        </p:attrNameLst>
+                                      </p:cBhvr>
+                                      <p:to>
+                                        <p:strVal val="visible"/>
+                                      </p:to>
+                                    </p:set>
+                                    <p:anim calcmode="lin" valueType="num">
+                                      <p:cBhvr>
+                                        <p:cTn id="7" dur="500" fill="hold"/>
+                                        <p:tgtEl>
+                                          <p:spTgt spid="16"/>
+                                        </p:tgtEl>
+                                        <p:attrNameLst>
+                                          <p:attrName>ppt_w</p:attrName>
+                                        </p:attrNameLst>
+                                      </p:cBhvr>
+                                      <p:tavLst>
+                                        <p:tav tm="0">
+                                          <p:val>
+                                            <p:fltVal val="0"/>
+                                          </p:val>
+                                        </p:tav>
+                                        <p:tav tm="100000">
+                                          <p:val>
+                                            <p:strVal val="#ppt_w"/>
+                                          </p:val>
+                                        </p:tav>
+                                      </p:tavLst>
+                                    </p:anim>
+                                    <p:anim calcmode="lin" valueType="num">
+                                      <p:cBhvr>
+                                        <p:cTn id="8" dur="500" fill="hold"/>
+                                        <p:tgtEl>
+                                          <p:spTgt spid="16"/>
+                                        </p:tgtEl>
+                                        <p:attrNameLst>
+                                          <p:attrName>ppt_h</p:attrName>
+                                        </p:attrNameLst>
+                                      </p:cBhvr>
+                                      <p:tavLst>
+                                        <p:tav tm="0">
+                                          <p:val>
+                                            <p:fltVal val="0"/>
+                                          </p:val>
+                                        </p:tav>
+                                        <p:tav tm="100000">
+                                          <p:val>
+                                            <p:strVal val="#ppt_h"/>
+                                          </p:val>
+                                        </p:tav>
+                                      </p:tavLst>
+                                    </p:anim>
+                                    <p:animEffect transition="in" filter="fade">
+                                      <p:cBhvr>
+                                        <p:cTn id="9" dur="500"/>
+                                        <p:tgtEl>
+                                          <p:spTgt spid="16"/>
+                                        </p:tgtEl>
+                                      </p:cBhvr>
+                                    </p:animEffect>
+                                  </p:childTnLst>
+                                </p:cTn>
+                              </p:par>
+                              <p:par>
+                                <p:cTn id="10" presetID="42" presetClass="entr" presetSubtype="0" fill="hold" grpId="0" nodeType="withEffect">
+                                  <p:stCondLst>
+                                    <p:cond delay="0"/>
+                                  </p:stCondLst>
+                                  <p:childTnLst>
+                                    <p:set>
+                                      <p:cBhvr>
+                                        <p:cTn id="11" dur="1" fill="hold">
+                                          <p:stCondLst>
+                                            <p:cond delay="0"/>
+                                          </p:stCondLst>
+                                        </p:cTn>
+                                        <p:tgtEl>
+                                          <p:spTgt spid="34"/>
+                                        </p:tgtEl>
+                                        <p:attrNameLst>
+                                          <p:attrName>style.visibility</p:attrName>
+                                        </p:attrNameLst>
+                                      </p:cBhvr>
+                                      <p:to>
+                                        <p:strVal val="visible"/>
+                                      </p:to>
+                                    </p:set>
+                                    <p:animEffect transition="in" filter="fade">
+                                      <p:cBhvr>
+                                        <p:cTn id="12" dur="1000"/>
+                                        <p:tgtEl>
+                                          <p:spTgt spid="34"/>
+                                        </p:tgtEl>
+                                      </p:cBhvr>
+                                    </p:animEffect>
+                                    <p:anim calcmode="lin" valueType="num">
+                                      <p:cBhvr>
+                                        <p:cTn id="13" dur="1000" fill="hold"/>
+                                        <p:tgtEl>
+                                          <p:spTgt spid="34"/>
+                                        </p:tgtEl>
+                                        <p:attrNameLst>
+                                          <p:attrName>ppt_x</p:attrName>
+                                        </p:attrNameLst>
+                                      </p:cBhvr>
+                                      <p:tavLst>
+                                        <p:tav tm="0">
+                                          <p:val>
+                                            <p:strVal val="#ppt_x"/>
+                                          </p:val>
+                                        </p:tav>
+                                        <p:tav tm="100000">
+                                          <p:val>
+                                            <p:strVal val="#ppt_x"/>
+                                          </p:val>
+                                        </p:tav>
+                                      </p:tavLst>
+                                    </p:anim>
+                                    <p:anim calcmode="lin" valueType="num">
+                                      <p:cBhvr>
+                                        <p:cTn id="14" dur="1000" fill="hold"/>
+                                        <p:tgtEl>
+                                          <p:spTgt spid="34"/>
+                                        </p:tgtEl>
+                                        <p:attrNameLst>
+                                          <p:attrName>ppt_y</p:attrName>
+                                        </p:attrNameLst>
+                                      </p:cBhvr>
+                                      <p:tavLst>
+                                        <p:tav tm="0">
+                                          <p:val>
+                                            <p:strVal val="#ppt_y+.1"/>
+                                          </p:val>
+                                        </p:tav>
+                                        <p:tav tm="100000">
+                                          <p:val>
+                                            <p:strVal val="#ppt_y"/>
+                                          </p:val>
+                                        </p:tav>
+                                      </p:tavLst>
+                                    </p:anim>
+                                  </p:childTnLst>
+                                </p:cTn>
+                              </p:par>
+                              <p:par>
+                                <p:cTn id="15" presetID="42" presetClass="entr" presetSubtype="0" fill="hold" grpId="0" nodeType="withEffect">
+                                  <p:stCondLst>
+                                    <p:cond delay="0"/>
+                                  </p:stCondLst>
+                                  <p:childTnLst>
+                                    <p:set>
+                                      <p:cBhvr>
+                                        <p:cTn id="16" dur="1" fill="hold">
+                                          <p:stCondLst>
+                                            <p:cond delay="0"/>
+                                          </p:stCondLst>
+                                        </p:cTn>
+                                        <p:tgtEl>
+                                          <p:spTgt spid="29"/>
+                                        </p:tgtEl>
+                                        <p:attrNameLst>
+                                          <p:attrName>style.visibility</p:attrName>
+                                        </p:attrNameLst>
+                                      </p:cBhvr>
+                                      <p:to>
+                                        <p:strVal val="visible"/>
+                                      </p:to>
+                                    </p:set>
+                                    <p:animEffect transition="in" filter="fade">
+                                      <p:cBhvr>
+                                        <p:cTn id="17" dur="1000"/>
+                                        <p:tgtEl>
+                                          <p:spTgt spid="29"/>
+                                        </p:tgtEl>
+                                      </p:cBhvr>
+                                    </p:animEffect>
+                                    <p:anim calcmode="lin" valueType="num">
+                                      <p:cBhvr>
+                                        <p:cTn id="18" dur="1000" fill="hold"/>
+                                        <p:tgtEl>
+                                          <p:spTgt spid="29"/>
+                                        </p:tgtEl>
+                                        <p:attrNameLst>
+                                          <p:attrName>ppt_x</p:attrName>
+                                        </p:attrNameLst>
+                                      </p:cBhvr>
+                                      <p:tavLst>
+                                        <p:tav tm="0">
+                                          <p:val>
+                                            <p:strVal val="#ppt_x"/>
+                                          </p:val>
+                                        </p:tav>
+                                        <p:tav tm="100000">
+                                          <p:val>
+                                            <p:strVal val="#ppt_x"/>
+                                          </p:val>
+                                        </p:tav>
+                                      </p:tavLst>
+                                    </p:anim>
+                                    <p:anim calcmode="lin" valueType="num">
+                                      <p:cBhvr>
+                                        <p:cTn id="19" dur="1000" fill="hold"/>
+                                        <p:tgtEl>
+                                          <p:spTgt spid="29"/>
+                                        </p:tgtEl>
+                                        <p:attrNameLst>
+                                          <p:attrName>ppt_y</p:attrName>
+                                        </p:attrNameLst>
+                                      </p:cBhvr>
+                                      <p:tavLst>
+                                        <p:tav tm="0">
+                                          <p:val>
+                                            <p:strVal val="#ppt_y+.1"/>
+                                          </p:val>
+                                        </p:tav>
+                                        <p:tav tm="100000">
+                                          <p:val>
+                                            <p:strVal val="#ppt_y"/>
+                                          </p:val>
+                                        </p:tav>
+                                      </p:tavLst>
+                                    </p:anim>
+                                  </p:childTnLst>
+                                </p:cTn>
+                              </p:par>
+                              <p:par>
+                                <p:cTn id="20" presetID="42" presetClass="entr" presetSubtype="0" fill="hold" grpId="0" nodeType="withEffect">
+                                  <p:stCondLst>
+                                    <p:cond delay="0"/>
+                                  </p:stCondLst>
+                                  <p:childTnLst>
+                                    <p:set>
+                                      <p:cBhvr>
+                                        <p:cTn id="21" dur="1" fill="hold">
+                                          <p:stCondLst>
+                                            <p:cond delay="0"/>
+                                          </p:stCondLst>
+                                        </p:cTn>
+                                        <p:tgtEl>
+                                          <p:spTgt spid="33"/>
+                                        </p:tgtEl>
+                                        <p:attrNameLst>
+                                          <p:attrName>style.visibility</p:attrName>
+                                        </p:attrNameLst>
+                                      </p:cBhvr>
+                                      <p:to>
+                                        <p:strVal val="visible"/>
+                                      </p:to>
+                                    </p:set>
+                                    <p:animEffect transition="in" filter="fade">
+                                      <p:cBhvr>
+                                        <p:cTn id="22" dur="1000"/>
+                                        <p:tgtEl>
+                                          <p:spTgt spid="33"/>
+                                        </p:tgtEl>
+                                      </p:cBhvr>
+                                    </p:animEffect>
+                                    <p:anim calcmode="lin" valueType="num">
+                                      <p:cBhvr>
+                                        <p:cTn id="23" dur="1000" fill="hold"/>
+                                        <p:tgtEl>
+                                          <p:spTgt spid="33"/>
+                                        </p:tgtEl>
+                                        <p:attrNameLst>
+                                          <p:attrName>ppt_x</p:attrName>
+                                        </p:attrNameLst>
+                                      </p:cBhvr>
+                                      <p:tavLst>
+                                        <p:tav tm="0">
+                                          <p:val>
+                                            <p:strVal val="#ppt_x"/>
+                                          </p:val>
+                                        </p:tav>
+                                        <p:tav tm="100000">
+                                          <p:val>
+                                            <p:strVal val="#ppt_x"/>
+                                          </p:val>
+                                        </p:tav>
+                                      </p:tavLst>
+                                    </p:anim>
+                                    <p:anim calcmode="lin" valueType="num">
+                                      <p:cBhvr>
+                                        <p:cTn id="24" dur="1000" fill="hold"/>
+                                        <p:tgtEl>
+                                          <p:spTgt spid="33"/>
+                                        </p:tgtEl>
+                                        <p:attrNameLst>
+                                          <p:attrName>ppt_y</p:attrName>
+                                        </p:attrNameLst>
+                                      </p:cBhvr>
+                                      <p:tavLst>
+                                        <p:tav tm="0">
+                                          <p:val>
+                                            <p:strVal val="#ppt_y+.1"/>
+                                          </p:val>
+                                        </p:tav>
+                                        <p:tav tm="100000">
+                                          <p:val>
+                                            <p:strVal val="#ppt_y"/>
+                                          </p:val>
+                                        </p:tav>
+                                      </p:tavLst>
+                                    </p:anim>
+                                  </p:childTnLst>
+                                </p:cTn>
+                              </p:par>
+                              <p:par>
+                                <p:cTn id="25" presetID="42" presetClass="entr" presetSubtype="0" fill="hold" grpId="0" nodeType="withEffect">
+                                  <p:stCondLst>
+                                    <p:cond delay="0"/>
+                                  </p:stCondLst>
+                                  <p:childTnLst>
+                                    <p:set>
+                                      <p:cBhvr>
+                                        <p:cTn id="26" dur="1" fill="hold">
+                                          <p:stCondLst>
+                                            <p:cond delay="0"/>
+                                          </p:stCondLst>
+                                        </p:cTn>
+                                        <p:tgtEl>
+                                          <p:spTgt spid="28"/>
+                                        </p:tgtEl>
+                                        <p:attrNameLst>
+                                          <p:attrName>style.visibility</p:attrName>
+                                        </p:attrNameLst>
+                                      </p:cBhvr>
+                                      <p:to>
+                                        <p:strVal val="visible"/>
+                                      </p:to>
+                                    </p:set>
+                                    <p:animEffect transition="in" filter="fade">
+                                      <p:cBhvr>
+                                        <p:cTn id="27" dur="1000"/>
+                                        <p:tgtEl>
+                                          <p:spTgt spid="28"/>
+                                        </p:tgtEl>
+                                      </p:cBhvr>
+                                    </p:animEffect>
+                                    <p:anim calcmode="lin" valueType="num">
+                                      <p:cBhvr>
+                                        <p:cTn id="28" dur="1000" fill="hold"/>
+                                        <p:tgtEl>
+                                          <p:spTgt spid="28"/>
+                                        </p:tgtEl>
+                                        <p:attrNameLst>
+                                          <p:attrName>ppt_x</p:attrName>
+                                        </p:attrNameLst>
+                                      </p:cBhvr>
+                                      <p:tavLst>
+                                        <p:tav tm="0">
+                                          <p:val>
+                                            <p:strVal val="#ppt_x"/>
+                                          </p:val>
+                                        </p:tav>
+                                        <p:tav tm="100000">
+                                          <p:val>
+                                            <p:strVal val="#ppt_x"/>
+                                          </p:val>
+                                        </p:tav>
+                                      </p:tavLst>
+                                    </p:anim>
+                                    <p:anim calcmode="lin" valueType="num">
+                                      <p:cBhvr>
+                                        <p:cTn id="29" dur="1000" fill="hold"/>
+                                        <p:tgtEl>
+                                          <p:spTgt spid="28"/>
+                                        </p:tgtEl>
+                                        <p:attrNameLst>
+                                          <p:attrName>ppt_y</p:attrName>
+                                        </p:attrNameLst>
+                                      </p:cBhvr>
+                                      <p:tavLst>
+                                        <p:tav tm="0">
+                                          <p:val>
+                                            <p:strVal val="#ppt_y+.1"/>
+                                          </p:val>
+                                        </p:tav>
+                                        <p:tav tm="100000">
+                                          <p:val>
+                                            <p:strVal val="#ppt_y"/>
+                                          </p:val>
+                                        </p:tav>
+                                      </p:tavLst>
+                                    </p:anim>
+                                  </p:childTnLst>
+                                </p:cTn>
+                              </p:par>
+                              <p:par>
+                                <p:cTn id="30" presetID="42" presetClass="entr" presetSubtype="0" fill="hold" grpId="0" nodeType="withEffect">
+                                  <p:stCondLst>
+                                    <p:cond delay="0"/>
+                                  </p:stCondLst>
+                                  <p:childTnLst>
+                                    <p:set>
+                                      <p:cBhvr>
+                                        <p:cTn id="31" dur="1" fill="hold">
+                                          <p:stCondLst>
+                                            <p:cond delay="0"/>
+                                          </p:stCondLst>
+                                        </p:cTn>
+                                        <p:tgtEl>
+                                          <p:spTgt spid="27"/>
+                                        </p:tgtEl>
+                                        <p:attrNameLst>
+                                          <p:attrName>style.visibility</p:attrName>
+                                        </p:attrNameLst>
+                                      </p:cBhvr>
+                                      <p:to>
+                                        <p:strVal val="visible"/>
+                                      </p:to>
+                                    </p:set>
+                                    <p:animEffect transition="in" filter="fade">
+                                      <p:cBhvr>
+                                        <p:cTn id="32" dur="1000"/>
+                                        <p:tgtEl>
+                                          <p:spTgt spid="27"/>
+                                        </p:tgtEl>
+                                      </p:cBhvr>
+                                    </p:animEffect>
+                                    <p:anim calcmode="lin" valueType="num">
+                                      <p:cBhvr>
+                                        <p:cTn id="33" dur="1000" fill="hold"/>
+                                        <p:tgtEl>
+                                          <p:spTgt spid="27"/>
+                                        </p:tgtEl>
+                                        <p:attrNameLst>
+                                          <p:attrName>ppt_x</p:attrName>
+                                        </p:attrNameLst>
+                                      </p:cBhvr>
+                                      <p:tavLst>
+                                        <p:tav tm="0">
+                                          <p:val>
+                                            <p:strVal val="#ppt_x"/>
+                                          </p:val>
+                                        </p:tav>
+                                        <p:tav tm="100000">
+                                          <p:val>
+                                            <p:strVal val="#ppt_x"/>
+                                          </p:val>
+                                        </p:tav>
+                                      </p:tavLst>
+                                    </p:anim>
+                                    <p:anim calcmode="lin" valueType="num">
+                                      <p:cBhvr>
+                                        <p:cTn id="34" dur="1000" fill="hold"/>
+                                        <p:tgtEl>
+                                          <p:spTgt spid="27"/>
+                                        </p:tgtEl>
+                                        <p:attrNameLst>
+                                          <p:attrName>ppt_y</p:attrName>
+                                        </p:attrNameLst>
+                                      </p:cBhvr>
+                                      <p:tavLst>
+                                        <p:tav tm="0">
+                                          <p:val>
+                                            <p:strVal val="#ppt_y+.1"/>
+                                          </p:val>
+                                        </p:tav>
+                                        <p:tav tm="100000">
+                                          <p:val>
+                                            <p:strVal val="#ppt_y"/>
+                                          </p:val>
+                                        </p:tav>
+                                      </p:tavLst>
+                                    </p:anim>
+                                  </p:childTnLst>
+                                </p:cTn>
+                              </p:par>
+                              <p:par>
+                                <p:cTn id="35" presetID="42" presetClass="entr" presetSubtype="0" fill="hold" grpId="0" nodeType="withEffect">
+                                  <p:stCondLst>
+                                    <p:cond delay="0"/>
+                                  </p:stCondLst>
+                                  <p:childTnLst>
+                                    <p:set>
+                                      <p:cBhvr>
+                                        <p:cTn id="36" dur="1" fill="hold">
+                                          <p:stCondLst>
+                                            <p:cond delay="0"/>
+                                          </p:stCondLst>
+                                        </p:cTn>
+                                        <p:tgtEl>
+                                          <p:spTgt spid="36"/>
+                                        </p:tgtEl>
+                                        <p:attrNameLst>
+                                          <p:attrName>style.visibility</p:attrName>
+                                        </p:attrNameLst>
+                                      </p:cBhvr>
+                                      <p:to>
+                                        <p:strVal val="visible"/>
+                                      </p:to>
+                                    </p:set>
+                                    <p:animEffect transition="in" filter="fade">
+                                      <p:cBhvr>
+                                        <p:cTn id="37" dur="1000"/>
+                                        <p:tgtEl>
+                                          <p:spTgt spid="36"/>
+                                        </p:tgtEl>
+                                      </p:cBhvr>
+                                    </p:animEffect>
+                                    <p:anim calcmode="lin" valueType="num">
+                                      <p:cBhvr>
+                                        <p:cTn id="38" dur="1000" fill="hold"/>
+                                        <p:tgtEl>
+                                          <p:spTgt spid="36"/>
+                                        </p:tgtEl>
+                                        <p:attrNameLst>
+                                          <p:attrName>ppt_x</p:attrName>
+                                        </p:attrNameLst>
+                                      </p:cBhvr>
+                                      <p:tavLst>
+                                        <p:tav tm="0">
+                                          <p:val>
+                                            <p:strVal val="#ppt_x"/>
+                                          </p:val>
+                                        </p:tav>
+                                        <p:tav tm="100000">
+                                          <p:val>
+                                            <p:strVal val="#ppt_x"/>
+                                          </p:val>
+                                        </p:tav>
+                                      </p:tavLst>
+                                    </p:anim>
+                                    <p:anim calcmode="lin" valueType="num">
+                                      <p:cBhvr>
+                                        <p:cTn id="39" dur="1000" fill="hold"/>
+                                        <p:tgtEl>
+                                          <p:spTgt spid="36"/>
+                                        </p:tgtEl>
+                                        <p:attrNameLst>
+                                          <p:attrName>ppt_y</p:attrName>
+                                        </p:attrNameLst>
+                                      </p:cBhvr>
+                                      <p:tavLst>
+                                        <p:tav tm="0">
+                                          <p:val>
+                                            <p:strVal val="#ppt_y+.1"/>
+                                          </p:val>
+                                        </p:tav>
+                                        <p:tav tm="100000">
+                                          <p:val>
+                                            <p:strVal val="#ppt_y"/>
+                                          </p:val>
+                                        </p:tav>
+                                      </p:tavLst>
+                                    </p:anim>
+                                  </p:childTnLst>
+                                </p:cTn>
+                              </p:par>
+                              <p:par>
+                                <p:cTn id="40" presetID="42" presetClass="entr" presetSubtype="0" fill="hold" grpId="0" nodeType="withEffect">
+                                  <p:stCondLst>
+                                    <p:cond delay="0"/>
+                                  </p:stCondLst>
+                                  <p:childTnLst>
+                                    <p:set>
+                                      <p:cBhvr>
+                                        <p:cTn id="41" dur="1" fill="hold">
+                                          <p:stCondLst>
+                                            <p:cond delay="0"/>
+                                          </p:stCondLst>
+                                        </p:cTn>
+                                        <p:tgtEl>
+                                          <p:spTgt spid="30"/>
+                                        </p:tgtEl>
+                                        <p:attrNameLst>
+                                          <p:attrName>style.visibility</p:attrName>
+                                        </p:attrNameLst>
+                                      </p:cBhvr>
+                                      <p:to>
+                                        <p:strVal val="visible"/>
+                                      </p:to>
+                                    </p:set>
+                                    <p:animEffect transition="in" filter="fade">
+                                      <p:cBhvr>
+                                        <p:cTn id="42" dur="1000"/>
+                                        <p:tgtEl>
+                                          <p:spTgt spid="30"/>
+                                        </p:tgtEl>
+                                      </p:cBhvr>
+                                    </p:animEffect>
+                                    <p:anim calcmode="lin" valueType="num">
+                                      <p:cBhvr>
+                                        <p:cTn id="43" dur="1000" fill="hold"/>
+                                        <p:tgtEl>
+                                          <p:spTgt spid="30"/>
+                                        </p:tgtEl>
+                                        <p:attrNameLst>
+                                          <p:attrName>ppt_x</p:attrName>
+                                        </p:attrNameLst>
+                                      </p:cBhvr>
+                                      <p:tavLst>
+                                        <p:tav tm="0">
+                                          <p:val>
+                                            <p:strVal val="#ppt_x"/>
+                                          </p:val>
+                                        </p:tav>
+                                        <p:tav tm="100000">
+                                          <p:val>
+                                            <p:strVal val="#ppt_x"/>
+                                          </p:val>
+                                        </p:tav>
+                                      </p:tavLst>
+                                    </p:anim>
+                                    <p:anim calcmode="lin" valueType="num">
+                                      <p:cBhvr>
+                                        <p:cTn id="44" dur="1000" fill="hold"/>
+                                        <p:tgtEl>
+                                          <p:spTgt spid="30"/>
+                                        </p:tgtEl>
+                                        <p:attrNameLst>
+                                          <p:attrName>ppt_y</p:attrName>
+                                        </p:attrNameLst>
+                                      </p:cBhvr>
+                                      <p:tavLst>
+                                        <p:tav tm="0">
+                                          <p:val>
+                                            <p:strVal val="#ppt_y+.1"/>
+                                          </p:val>
+                                        </p:tav>
+                                        <p:tav tm="100000">
+                                          <p:val>
+                                            <p:strVal val="#ppt_y"/>
+                                          </p:val>
+                                        </p:tav>
+                                      </p:tavLst>
+                                    </p:anim>
+                                  </p:childTnLst>
+                                </p:cTn>
+                              </p:par>
+                              <p:par>
+                                <p:cTn id="45" presetID="42" presetClass="entr" presetSubtype="0" fill="hold" grpId="0" nodeType="withEffect">
+                                  <p:stCondLst>
+                                    <p:cond delay="0"/>
+                                  </p:stCondLst>
+                                  <p:childTnLst>
+                                    <p:set>
+                                      <p:cBhvr>
+                                        <p:cTn id="46" dur="1" fill="hold">
+                                          <p:stCondLst>
+                                            <p:cond delay="0"/>
+                                          </p:stCondLst>
+                                        </p:cTn>
+                                        <p:tgtEl>
+                                          <p:spTgt spid="32"/>
+                                        </p:tgtEl>
+                                        <p:attrNameLst>
+                                          <p:attrName>style.visibility</p:attrName>
+                                        </p:attrNameLst>
+                                      </p:cBhvr>
+                                      <p:to>
+                                        <p:strVal val="visible"/>
+                                      </p:to>
+                                    </p:set>
+                                    <p:animEffect transition="in" filter="fade">
+                                      <p:cBhvr>
+                                        <p:cTn id="47" dur="1000"/>
+                                        <p:tgtEl>
+                                          <p:spTgt spid="32"/>
+                                        </p:tgtEl>
+                                      </p:cBhvr>
+                                    </p:animEffect>
+                                    <p:anim calcmode="lin" valueType="num">
+                                      <p:cBhvr>
+                                        <p:cTn id="48" dur="1000" fill="hold"/>
+                                        <p:tgtEl>
+                                          <p:spTgt spid="32"/>
+                                        </p:tgtEl>
+                                        <p:attrNameLst>
+                                          <p:attrName>ppt_x</p:attrName>
+                                        </p:attrNameLst>
+                                      </p:cBhvr>
+                                      <p:tavLst>
+                                        <p:tav tm="0">
+                                          <p:val>
+                                            <p:strVal val="#ppt_x"/>
+                                          </p:val>
+                                        </p:tav>
+                                        <p:tav tm="100000">
+                                          <p:val>
+                                            <p:strVal val="#ppt_x"/>
+                                          </p:val>
+                                        </p:tav>
+                                      </p:tavLst>
+                                    </p:anim>
+                                    <p:anim calcmode="lin" valueType="num">
+                                      <p:cBhvr>
+                                        <p:cTn id="49" dur="1000" fill="hold"/>
+                                        <p:tgtEl>
+                                          <p:spTgt spid="32"/>
+                                        </p:tgtEl>
+                                        <p:attrNameLst>
+                                          <p:attrName>ppt_y</p:attrName>
+                                        </p:attrNameLst>
+                                      </p:cBhvr>
+                                      <p:tavLst>
+                                        <p:tav tm="0">
+                                          <p:val>
+                                            <p:strVal val="#ppt_y+.1"/>
+                                          </p:val>
+                                        </p:tav>
+                                        <p:tav tm="100000">
+                                          <p:val>
+                                            <p:strVal val="#ppt_y"/>
+                                          </p:val>
+                                        </p:tav>
+                                      </p:tavLst>
+                                    </p:anim>
+                                  </p:childTnLst>
+                                </p:cTn>
+                              </p:par>
+                              <p:par>
+                                <p:cTn id="50" presetID="42" presetClass="entr" presetSubtype="0" fill="hold" grpId="0" nodeType="withEffect">
+                                  <p:stCondLst>
+                                    <p:cond delay="0"/>
+                                  </p:stCondLst>
+                                  <p:childTnLst>
+                                    <p:set>
+                                      <p:cBhvr>
+                                        <p:cTn id="51" dur="1" fill="hold">
+                                          <p:stCondLst>
+                                            <p:cond delay="0"/>
+                                          </p:stCondLst>
+                                        </p:cTn>
+                                        <p:tgtEl>
+                                          <p:spTgt spid="31"/>
+                                        </p:tgtEl>
+                                        <p:attrNameLst>
+                                          <p:attrName>style.visibility</p:attrName>
+                                        </p:attrNameLst>
+                                      </p:cBhvr>
+                                      <p:to>
+                                        <p:strVal val="visible"/>
+                                      </p:to>
+                                    </p:set>
+                                    <p:animEffect transition="in" filter="fade">
+                                      <p:cBhvr>
+                                        <p:cTn id="52" dur="1000"/>
+                                        <p:tgtEl>
+                                          <p:spTgt spid="31"/>
+                                        </p:tgtEl>
+                                      </p:cBhvr>
+                                    </p:animEffect>
+                                    <p:anim calcmode="lin" valueType="num">
+                                      <p:cBhvr>
+                                        <p:cTn id="53" dur="1000" fill="hold"/>
+                                        <p:tgtEl>
+                                          <p:spTgt spid="31"/>
+                                        </p:tgtEl>
+                                        <p:attrNameLst>
+                                          <p:attrName>ppt_x</p:attrName>
+                                        </p:attrNameLst>
+                                      </p:cBhvr>
+                                      <p:tavLst>
+                                        <p:tav tm="0">
+                                          <p:val>
+                                            <p:strVal val="#ppt_x"/>
+                                          </p:val>
+                                        </p:tav>
+                                        <p:tav tm="100000">
+                                          <p:val>
+                                            <p:strVal val="#ppt_x"/>
+                                          </p:val>
+                                        </p:tav>
+                                      </p:tavLst>
+                                    </p:anim>
+                                    <p:anim calcmode="lin" valueType="num">
+                                      <p:cBhvr>
+                                        <p:cTn id="54" dur="1000" fill="hold"/>
+                                        <p:tgtEl>
+                                          <p:spTgt spid="31"/>
+                                        </p:tgtEl>
+                                        <p:attrNameLst>
+                                          <p:attrName>ppt_y</p:attrName>
+                                        </p:attrNameLst>
+                                      </p:cBhvr>
+                                      <p:tavLst>
+                                        <p:tav tm="0">
+                                          <p:val>
+                                            <p:strVal val="#ppt_y+.1"/>
+                                          </p:val>
+                                        </p:tav>
+                                        <p:tav tm="100000">
+                                          <p:val>
+                                            <p:strVal val="#ppt_y"/>
+                                          </p:val>
+                                        </p:tav>
+                                      </p:tavLst>
+                                    </p:anim>
+                                  </p:childTnLst>
+                                </p:cTn>
+                              </p:par>
+                              <p:par>
+                                <p:cTn id="55" presetID="42" presetClass="entr" presetSubtype="0" fill="hold" grpId="0" nodeType="withEffect">
+                                  <p:stCondLst>
+                                    <p:cond delay="0"/>
+                                  </p:stCondLst>
+                                  <p:childTnLst>
+                                    <p:set>
+                                      <p:cBhvr>
+                                        <p:cTn id="56" dur="1" fill="hold">
+                                          <p:stCondLst>
+                                            <p:cond delay="0"/>
+                                          </p:stCondLst>
+                                        </p:cTn>
+                                        <p:tgtEl>
+                                          <p:spTgt spid="35"/>
+                                        </p:tgtEl>
+                                        <p:attrNameLst>
+                                          <p:attrName>style.visibility</p:attrName>
+                                        </p:attrNameLst>
+                                      </p:cBhvr>
+                                      <p:to>
+                                        <p:strVal val="visible"/>
+                                      </p:to>
+                                    </p:set>
+                                    <p:animEffect transition="in" filter="fade">
+                                      <p:cBhvr>
+                                        <p:cTn id="57" dur="1000"/>
+                                        <p:tgtEl>
+                                          <p:spTgt spid="35"/>
+                                        </p:tgtEl>
+                                      </p:cBhvr>
+                                    </p:animEffect>
+                                    <p:anim calcmode="lin" valueType="num">
+                                      <p:cBhvr>
+                                        <p:cTn id="58" dur="1000" fill="hold"/>
+                                        <p:tgtEl>
+                                          <p:spTgt spid="35"/>
+                                        </p:tgtEl>
+                                        <p:attrNameLst>
+                                          <p:attrName>ppt_x</p:attrName>
+                                        </p:attrNameLst>
+                                      </p:cBhvr>
+                                      <p:tavLst>
+                                        <p:tav tm="0">
+                                          <p:val>
+                                            <p:strVal val="#ppt_x"/>
+                                          </p:val>
+                                        </p:tav>
+                                        <p:tav tm="100000">
+                                          <p:val>
+                                            <p:strVal val="#ppt_x"/>
+                                          </p:val>
+                                        </p:tav>
+                                      </p:tavLst>
+                                    </p:anim>
+                                    <p:anim calcmode="lin" valueType="num">
+                                      <p:cBhvr>
+                                        <p:cTn id="59" dur="1000" fill="hold"/>
+                                        <p:tgtEl>
+                                          <p:spTgt spid="35"/>
+                                        </p:tgtEl>
+                                        <p:attrNameLst>
+                                          <p:attrName>ppt_y</p:attrName>
+                                        </p:attrNameLst>
+                                      </p:cBhvr>
+                                      <p:tavLst>
+                                        <p:tav tm="0">
+                                          <p:val>
+                                            <p:strVal val="#ppt_y+.1"/>
+                                          </p:val>
+                                        </p:tav>
+                                        <p:tav tm="100000">
+                                          <p:val>
+                                            <p:strVal val="#ppt_y"/>
+                                          </p:val>
+                                        </p:tav>
+                                      </p:tavLst>
+                                    </p:anim>
+                                  </p:childTnLst>
+                                </p:cTn>
+                              </p:par>
+                            </p:childTnLst>
+                          </p:cTn>
+                        </p:par>
+                      </p:childTnLst>
+                    </p:cTn>
+                  </p:par>
+                </p:childTnLst>
+              </p:cTn>
+              <p:prevCondLst>
+                <p:cond evt="onPrev" delay="0">
+                  <p:tgtEl>
+                    <p:sldTgt/>
+                  </p:tgtEl>
+                </p:cond>
+              </p:prevCondLst>
+              <p:nextCondLst>
+                <p:cond evt="onNext" delay="0">
+                  <p:tgtEl>
+                    <p:sldTgt/>
+                  </p:tgtEl>
+                </p:cond>
+              </p:nextCondLst>
+            </p:seq>
+          </p:childTnLst>
+        </p:cTn>
+      </p:par>
+    </p:tnLst>
+    <p:bldLst>
+      <p:bldP spid="16" grpId="0" bldLvl="0" animBg="1"/>
+      <p:bldP spid="27" grpId="0" animBg="1"/>
+      <p:bldP spid="28" grpId="0" animBg="1"/>
+      <p:bldP spid="29" grpId="0" animBg="1"/>
+      <p:bldP spid="30" grpId="0" animBg="1"/>
+      <p:bldP spid="31" grpId="0" animBg="1"/>
+      <p:bldP spid="32" grpId="0" animBg="1"/>
+      <p:bldP spid="33" grpId="0" animBg="1"/>
+      <p:bldP spid="34" grpId="0" animBg="1"/>
+      <p:bldP spid="35" grpId="0" animBg="1"/>
+      <p:bldP spid="36" grpId="0" animBg="1"/>
+    </p:bldLst>
   </p:timing>
 </p:sld>
 </file>
@@ -6001,1788 +7349,6 @@
 </p:sld>
 </file>
 
-<file path=ppt/slides/slide20.xml><?xml version="1.0" encoding="utf-8"?>
-<p:sld xmlns:a="http://schemas.openxmlformats.org/drawingml/2006/main" xmlns:r="http://schemas.openxmlformats.org/officeDocument/2006/relationships" xmlns:p="http://schemas.openxmlformats.org/presentationml/2006/main">
-  <p:cSld>
-    <p:spTree>
-      <p:nvGrpSpPr>
-        <p:cNvPr id="1" name=""/>
-        <p:cNvGrpSpPr/>
-        <p:nvPr/>
-      </p:nvGrpSpPr>
-      <p:grpSpPr>
-        <a:xfrm>
-          <a:off x="0" y="0"/>
-          <a:ext cx="0" cy="0"/>
-          <a:chOff x="0" y="0"/>
-          <a:chExt cx="0" cy="0"/>
-        </a:xfrm>
-      </p:grpSpPr>
-      <p:sp>
-        <p:nvSpPr>
-          <p:cNvPr id="16" name="文本框 15"/>
-          <p:cNvSpPr txBox="1"/>
-          <p:nvPr/>
-        </p:nvSpPr>
-        <p:spPr>
-          <a:xfrm>
-            <a:off x="3951824" y="2521036"/>
-            <a:ext cx="4754880" cy="1310640"/>
-          </a:xfrm>
-          <a:prstGeom prst="rect">
-            <a:avLst/>
-          </a:prstGeom>
-          <a:noFill/>
-          <a:effectLst>
-            <a:outerShdw blurRad="114300" dist="38100" dir="5460000" algn="tr" rotWithShape="0">
-              <a:prstClr val="black">
-                <a:alpha val="16000"/>
-              </a:prstClr>
-            </a:outerShdw>
-          </a:effectLst>
-        </p:spPr>
-        <p:txBody>
-          <a:bodyPr wrap="none" rtlCol="0">
-            <a:spAutoFit/>
-          </a:bodyPr>
-          <a:lstStyle/>
-          <a:p>
-            <a:r>
-              <a:rPr lang="zh-CN" altLang="en-US" sz="8000" dirty="0" smtClean="0">
-                <a:solidFill>
-                  <a:schemeClr val="bg1"/>
-                </a:solidFill>
-                <a:latin typeface="方正正纤黑简体" panose="02000000000000000000" pitchFamily="2" charset="-122"/>
-                <a:ea typeface="方正正纤黑简体" panose="02000000000000000000" pitchFamily="2" charset="-122"/>
-              </a:rPr>
-              <a:t>谢谢大家</a:t>
-            </a:r>
-            <a:r>
-              <a:rPr lang="en-US" altLang="zh-CN" sz="8000" dirty="0" smtClean="0">
-                <a:solidFill>
-                  <a:schemeClr val="bg1"/>
-                </a:solidFill>
-                <a:latin typeface="方正正纤黑简体" panose="02000000000000000000" pitchFamily="2" charset="-122"/>
-                <a:ea typeface="方正正纤黑简体" panose="02000000000000000000" pitchFamily="2" charset="-122"/>
-              </a:rPr>
-              <a:t>!</a:t>
-            </a:r>
-          </a:p>
-        </p:txBody>
-      </p:sp>
-      <p:sp>
-        <p:nvSpPr>
-          <p:cNvPr id="27" name="六边形 26"/>
-          <p:cNvSpPr/>
-          <p:nvPr/>
-        </p:nvSpPr>
-        <p:spPr>
-          <a:xfrm rot="5400000">
-            <a:off x="3977317" y="5593935"/>
-            <a:ext cx="4237367" cy="3616159"/>
-          </a:xfrm>
-          <a:prstGeom prst="hexagon">
-            <a:avLst>
-              <a:gd name="adj" fmla="val 27952"/>
-              <a:gd name="vf" fmla="val 115470"/>
-            </a:avLst>
-          </a:prstGeom>
-          <a:gradFill flip="none" rotWithShape="1">
-            <a:gsLst>
-              <a:gs pos="0">
-                <a:srgbClr val="FBFBFB"/>
-              </a:gs>
-              <a:gs pos="100000">
-                <a:srgbClr val="E1E1E1"/>
-              </a:gs>
-            </a:gsLst>
-            <a:lin ang="18900000" scaled="1"/>
-            <a:tileRect/>
-          </a:gradFill>
-          <a:ln w="38100">
-            <a:gradFill>
-              <a:gsLst>
-                <a:gs pos="0">
-                  <a:srgbClr val="FCFCFC"/>
-                </a:gs>
-                <a:gs pos="100000">
-                  <a:srgbClr val="E1E1E1"/>
-                </a:gs>
-              </a:gsLst>
-              <a:lin ang="5400000" scaled="1"/>
-            </a:gradFill>
-          </a:ln>
-          <a:effectLst>
-            <a:outerShdw blurRad="901700" dist="927100" dir="11040000" sx="91000" sy="91000" algn="tr" rotWithShape="0">
-              <a:prstClr val="black">
-                <a:alpha val="5000"/>
-              </a:prstClr>
-            </a:outerShdw>
-          </a:effectLst>
-        </p:spPr>
-        <p:style>
-          <a:lnRef idx="2">
-            <a:schemeClr val="accent1">
-              <a:shade val="50000"/>
-            </a:schemeClr>
-          </a:lnRef>
-          <a:fillRef idx="1">
-            <a:schemeClr val="accent1"/>
-          </a:fillRef>
-          <a:effectRef idx="0">
-            <a:schemeClr val="accent1"/>
-          </a:effectRef>
-          <a:fontRef idx="minor">
-            <a:schemeClr val="lt1"/>
-          </a:fontRef>
-        </p:style>
-        <p:txBody>
-          <a:bodyPr rtlCol="0" anchor="ctr"/>
-          <a:lstStyle/>
-          <a:p>
-            <a:pPr algn="ctr"/>
-            <a:endParaRPr lang="zh-CN" altLang="en-US"/>
-          </a:p>
-        </p:txBody>
-      </p:sp>
-      <p:sp>
-        <p:nvSpPr>
-          <p:cNvPr id="28" name="六边形 27"/>
-          <p:cNvSpPr/>
-          <p:nvPr/>
-        </p:nvSpPr>
-        <p:spPr>
-          <a:xfrm rot="5400000" flipH="1">
-            <a:off x="2583546" y="7014855"/>
-            <a:ext cx="3207864" cy="2737582"/>
-          </a:xfrm>
-          <a:prstGeom prst="hexagon">
-            <a:avLst>
-              <a:gd name="adj" fmla="val 27952"/>
-              <a:gd name="vf" fmla="val 115470"/>
-            </a:avLst>
-          </a:prstGeom>
-          <a:gradFill flip="none" rotWithShape="1">
-            <a:gsLst>
-              <a:gs pos="0">
-                <a:srgbClr val="FBFBFB"/>
-              </a:gs>
-              <a:gs pos="100000">
-                <a:srgbClr val="E1E1E1"/>
-              </a:gs>
-            </a:gsLst>
-            <a:lin ang="18900000" scaled="1"/>
-            <a:tileRect/>
-          </a:gradFill>
-          <a:ln w="38100">
-            <a:gradFill>
-              <a:gsLst>
-                <a:gs pos="0">
-                  <a:srgbClr val="FCFCFC"/>
-                </a:gs>
-                <a:gs pos="100000">
-                  <a:srgbClr val="E1E1E1"/>
-                </a:gs>
-              </a:gsLst>
-              <a:lin ang="5400000" scaled="1"/>
-            </a:gradFill>
-          </a:ln>
-          <a:effectLst>
-            <a:outerShdw blurRad="901700" dist="927100" dir="11040000" sx="91000" sy="91000" algn="tr" rotWithShape="0">
-              <a:prstClr val="black">
-                <a:alpha val="5000"/>
-              </a:prstClr>
-            </a:outerShdw>
-          </a:effectLst>
-        </p:spPr>
-        <p:style>
-          <a:lnRef idx="2">
-            <a:schemeClr val="accent1">
-              <a:shade val="50000"/>
-            </a:schemeClr>
-          </a:lnRef>
-          <a:fillRef idx="1">
-            <a:schemeClr val="accent1"/>
-          </a:fillRef>
-          <a:effectRef idx="0">
-            <a:schemeClr val="accent1"/>
-          </a:effectRef>
-          <a:fontRef idx="minor">
-            <a:schemeClr val="lt1"/>
-          </a:fontRef>
-        </p:style>
-        <p:txBody>
-          <a:bodyPr rtlCol="0" anchor="ctr"/>
-          <a:lstStyle/>
-          <a:p>
-            <a:pPr algn="ctr"/>
-            <a:endParaRPr lang="zh-CN" altLang="en-US"/>
-          </a:p>
-        </p:txBody>
-      </p:sp>
-      <p:sp>
-        <p:nvSpPr>
-          <p:cNvPr id="29" name="六边形 28"/>
-          <p:cNvSpPr/>
-          <p:nvPr/>
-        </p:nvSpPr>
-        <p:spPr>
-          <a:xfrm rot="5400000" flipH="1">
-            <a:off x="3405372" y="5833227"/>
-            <a:ext cx="1188193" cy="1014000"/>
-          </a:xfrm>
-          <a:prstGeom prst="hexagon">
-            <a:avLst>
-              <a:gd name="adj" fmla="val 27952"/>
-              <a:gd name="vf" fmla="val 115470"/>
-            </a:avLst>
-          </a:prstGeom>
-          <a:gradFill flip="none" rotWithShape="1">
-            <a:gsLst>
-              <a:gs pos="0">
-                <a:srgbClr val="FBFBFB"/>
-              </a:gs>
-              <a:gs pos="100000">
-                <a:srgbClr val="E1E1E1"/>
-              </a:gs>
-            </a:gsLst>
-            <a:lin ang="18900000" scaled="1"/>
-            <a:tileRect/>
-          </a:gradFill>
-          <a:ln w="38100">
-            <a:gradFill>
-              <a:gsLst>
-                <a:gs pos="0">
-                  <a:srgbClr val="FCFCFC"/>
-                </a:gs>
-                <a:gs pos="100000">
-                  <a:srgbClr val="E1E1E1"/>
-                </a:gs>
-              </a:gsLst>
-              <a:lin ang="5400000" scaled="1"/>
-            </a:gradFill>
-          </a:ln>
-          <a:effectLst>
-            <a:outerShdw blurRad="901700" dist="927100" dir="11040000" sx="91000" sy="91000" algn="tr" rotWithShape="0">
-              <a:prstClr val="black">
-                <a:alpha val="5000"/>
-              </a:prstClr>
-            </a:outerShdw>
-          </a:effectLst>
-        </p:spPr>
-        <p:style>
-          <a:lnRef idx="2">
-            <a:schemeClr val="accent1">
-              <a:shade val="50000"/>
-            </a:schemeClr>
-          </a:lnRef>
-          <a:fillRef idx="1">
-            <a:schemeClr val="accent1"/>
-          </a:fillRef>
-          <a:effectRef idx="0">
-            <a:schemeClr val="accent1"/>
-          </a:effectRef>
-          <a:fontRef idx="minor">
-            <a:schemeClr val="lt1"/>
-          </a:fontRef>
-        </p:style>
-        <p:txBody>
-          <a:bodyPr rtlCol="0" anchor="ctr"/>
-          <a:lstStyle/>
-          <a:p>
-            <a:pPr algn="ctr"/>
-            <a:endParaRPr lang="zh-CN" altLang="en-US"/>
-          </a:p>
-        </p:txBody>
-      </p:sp>
-      <p:sp>
-        <p:nvSpPr>
-          <p:cNvPr id="30" name="六边形 29"/>
-          <p:cNvSpPr/>
-          <p:nvPr/>
-        </p:nvSpPr>
-        <p:spPr>
-          <a:xfrm rot="5400000" flipH="1">
-            <a:off x="8280493" y="5239130"/>
-            <a:ext cx="1188193" cy="1014000"/>
-          </a:xfrm>
-          <a:prstGeom prst="hexagon">
-            <a:avLst>
-              <a:gd name="adj" fmla="val 27952"/>
-              <a:gd name="vf" fmla="val 115470"/>
-            </a:avLst>
-          </a:prstGeom>
-          <a:gradFill flip="none" rotWithShape="1">
-            <a:gsLst>
-              <a:gs pos="0">
-                <a:srgbClr val="FBFBFB"/>
-              </a:gs>
-              <a:gs pos="100000">
-                <a:srgbClr val="E1E1E1"/>
-              </a:gs>
-            </a:gsLst>
-            <a:lin ang="18900000" scaled="1"/>
-            <a:tileRect/>
-          </a:gradFill>
-          <a:ln w="38100">
-            <a:gradFill>
-              <a:gsLst>
-                <a:gs pos="0">
-                  <a:srgbClr val="FCFCFC"/>
-                </a:gs>
-                <a:gs pos="100000">
-                  <a:srgbClr val="E1E1E1"/>
-                </a:gs>
-              </a:gsLst>
-              <a:lin ang="5400000" scaled="1"/>
-            </a:gradFill>
-          </a:ln>
-          <a:effectLst>
-            <a:outerShdw blurRad="901700" dist="927100" dir="11040000" sx="91000" sy="91000" algn="tr" rotWithShape="0">
-              <a:prstClr val="black">
-                <a:alpha val="5000"/>
-              </a:prstClr>
-            </a:outerShdw>
-          </a:effectLst>
-        </p:spPr>
-        <p:style>
-          <a:lnRef idx="2">
-            <a:schemeClr val="accent1">
-              <a:shade val="50000"/>
-            </a:schemeClr>
-          </a:lnRef>
-          <a:fillRef idx="1">
-            <a:schemeClr val="accent1"/>
-          </a:fillRef>
-          <a:effectRef idx="0">
-            <a:schemeClr val="accent1"/>
-          </a:effectRef>
-          <a:fontRef idx="minor">
-            <a:schemeClr val="lt1"/>
-          </a:fontRef>
-        </p:style>
-        <p:txBody>
-          <a:bodyPr rtlCol="0" anchor="ctr"/>
-          <a:lstStyle/>
-          <a:p>
-            <a:pPr algn="ctr"/>
-            <a:endParaRPr lang="zh-CN" altLang="en-US"/>
-          </a:p>
-        </p:txBody>
-      </p:sp>
-      <p:sp>
-        <p:nvSpPr>
-          <p:cNvPr id="31" name="六边形 30"/>
-          <p:cNvSpPr/>
-          <p:nvPr/>
-        </p:nvSpPr>
-        <p:spPr>
-          <a:xfrm rot="5400000" flipH="1">
-            <a:off x="8812784" y="6406577"/>
-            <a:ext cx="1689837" cy="1442102"/>
-          </a:xfrm>
-          <a:prstGeom prst="hexagon">
-            <a:avLst>
-              <a:gd name="adj" fmla="val 27952"/>
-              <a:gd name="vf" fmla="val 115470"/>
-            </a:avLst>
-          </a:prstGeom>
-          <a:gradFill flip="none" rotWithShape="1">
-            <a:gsLst>
-              <a:gs pos="0">
-                <a:srgbClr val="FBFBFB"/>
-              </a:gs>
-              <a:gs pos="100000">
-                <a:srgbClr val="E1E1E1"/>
-              </a:gs>
-            </a:gsLst>
-            <a:lin ang="18900000" scaled="1"/>
-            <a:tileRect/>
-          </a:gradFill>
-          <a:ln w="38100">
-            <a:gradFill>
-              <a:gsLst>
-                <a:gs pos="0">
-                  <a:srgbClr val="FCFCFC"/>
-                </a:gs>
-                <a:gs pos="100000">
-                  <a:srgbClr val="E1E1E1"/>
-                </a:gs>
-              </a:gsLst>
-              <a:lin ang="5400000" scaled="1"/>
-            </a:gradFill>
-          </a:ln>
-          <a:effectLst>
-            <a:outerShdw blurRad="901700" dist="927100" dir="11040000" sx="91000" sy="91000" algn="tr" rotWithShape="0">
-              <a:prstClr val="black">
-                <a:alpha val="5000"/>
-              </a:prstClr>
-            </a:outerShdw>
-          </a:effectLst>
-        </p:spPr>
-        <p:style>
-          <a:lnRef idx="2">
-            <a:schemeClr val="accent1">
-              <a:shade val="50000"/>
-            </a:schemeClr>
-          </a:lnRef>
-          <a:fillRef idx="1">
-            <a:schemeClr val="accent1"/>
-          </a:fillRef>
-          <a:effectRef idx="0">
-            <a:schemeClr val="accent1"/>
-          </a:effectRef>
-          <a:fontRef idx="minor">
-            <a:schemeClr val="lt1"/>
-          </a:fontRef>
-        </p:style>
-        <p:txBody>
-          <a:bodyPr rtlCol="0" anchor="ctr"/>
-          <a:lstStyle/>
-          <a:p>
-            <a:pPr algn="ctr"/>
-            <a:endParaRPr lang="zh-CN" altLang="en-US"/>
-          </a:p>
-        </p:txBody>
-      </p:sp>
-      <p:sp>
-        <p:nvSpPr>
-          <p:cNvPr id="32" name="六边形 31"/>
-          <p:cNvSpPr/>
-          <p:nvPr/>
-        </p:nvSpPr>
-        <p:spPr>
-          <a:xfrm rot="5400000" flipH="1">
-            <a:off x="9827152" y="6349133"/>
-            <a:ext cx="2635986" cy="2249543"/>
-          </a:xfrm>
-          <a:prstGeom prst="hexagon">
-            <a:avLst>
-              <a:gd name="adj" fmla="val 27952"/>
-              <a:gd name="vf" fmla="val 115470"/>
-            </a:avLst>
-          </a:prstGeom>
-          <a:gradFill flip="none" rotWithShape="1">
-            <a:gsLst>
-              <a:gs pos="0">
-                <a:srgbClr val="FBFBFB"/>
-              </a:gs>
-              <a:gs pos="100000">
-                <a:srgbClr val="E1E1E1"/>
-              </a:gs>
-            </a:gsLst>
-            <a:lin ang="18900000" scaled="1"/>
-            <a:tileRect/>
-          </a:gradFill>
-          <a:ln w="38100">
-            <a:gradFill>
-              <a:gsLst>
-                <a:gs pos="0">
-                  <a:srgbClr val="FCFCFC"/>
-                </a:gs>
-                <a:gs pos="100000">
-                  <a:srgbClr val="E1E1E1"/>
-                </a:gs>
-              </a:gsLst>
-              <a:lin ang="5400000" scaled="1"/>
-            </a:gradFill>
-          </a:ln>
-          <a:effectLst>
-            <a:outerShdw blurRad="901700" dist="927100" dir="11040000" sx="91000" sy="91000" algn="tr" rotWithShape="0">
-              <a:prstClr val="black">
-                <a:alpha val="5000"/>
-              </a:prstClr>
-            </a:outerShdw>
-          </a:effectLst>
-        </p:spPr>
-        <p:style>
-          <a:lnRef idx="2">
-            <a:schemeClr val="accent1">
-              <a:shade val="50000"/>
-            </a:schemeClr>
-          </a:lnRef>
-          <a:fillRef idx="1">
-            <a:schemeClr val="accent1"/>
-          </a:fillRef>
-          <a:effectRef idx="0">
-            <a:schemeClr val="accent1"/>
-          </a:effectRef>
-          <a:fontRef idx="minor">
-            <a:schemeClr val="lt1"/>
-          </a:fontRef>
-        </p:style>
-        <p:txBody>
-          <a:bodyPr rtlCol="0" anchor="ctr"/>
-          <a:lstStyle/>
-          <a:p>
-            <a:pPr algn="ctr"/>
-            <a:endParaRPr lang="zh-CN" altLang="en-US"/>
-          </a:p>
-        </p:txBody>
-      </p:sp>
-      <p:sp>
-        <p:nvSpPr>
-          <p:cNvPr id="33" name="六边形 32"/>
-          <p:cNvSpPr/>
-          <p:nvPr/>
-        </p:nvSpPr>
-        <p:spPr>
-          <a:xfrm rot="5400000" flipH="1">
-            <a:off x="1957338" y="6647237"/>
-            <a:ext cx="1833900" cy="1565045"/>
-          </a:xfrm>
-          <a:prstGeom prst="hexagon">
-            <a:avLst>
-              <a:gd name="adj" fmla="val 27952"/>
-              <a:gd name="vf" fmla="val 115470"/>
-            </a:avLst>
-          </a:prstGeom>
-          <a:gradFill flip="none" rotWithShape="1">
-            <a:gsLst>
-              <a:gs pos="0">
-                <a:srgbClr val="FBFBFB"/>
-              </a:gs>
-              <a:gs pos="100000">
-                <a:srgbClr val="E1E1E1"/>
-              </a:gs>
-            </a:gsLst>
-            <a:lin ang="18900000" scaled="1"/>
-            <a:tileRect/>
-          </a:gradFill>
-          <a:ln w="38100">
-            <a:gradFill>
-              <a:gsLst>
-                <a:gs pos="0">
-                  <a:srgbClr val="FCFCFC"/>
-                </a:gs>
-                <a:gs pos="100000">
-                  <a:srgbClr val="E1E1E1"/>
-                </a:gs>
-              </a:gsLst>
-              <a:lin ang="5400000" scaled="1"/>
-            </a:gradFill>
-          </a:ln>
-          <a:effectLst>
-            <a:outerShdw blurRad="901700" dist="927100" dir="11040000" sx="91000" sy="91000" algn="tr" rotWithShape="0">
-              <a:prstClr val="black">
-                <a:alpha val="5000"/>
-              </a:prstClr>
-            </a:outerShdw>
-          </a:effectLst>
-        </p:spPr>
-        <p:style>
-          <a:lnRef idx="2">
-            <a:schemeClr val="accent1">
-              <a:shade val="50000"/>
-            </a:schemeClr>
-          </a:lnRef>
-          <a:fillRef idx="1">
-            <a:schemeClr val="accent1"/>
-          </a:fillRef>
-          <a:effectRef idx="0">
-            <a:schemeClr val="accent1"/>
-          </a:effectRef>
-          <a:fontRef idx="minor">
-            <a:schemeClr val="lt1"/>
-          </a:fontRef>
-        </p:style>
-        <p:txBody>
-          <a:bodyPr rtlCol="0" anchor="ctr"/>
-          <a:lstStyle/>
-          <a:p>
-            <a:pPr algn="ctr"/>
-            <a:endParaRPr lang="zh-CN" altLang="en-US"/>
-          </a:p>
-        </p:txBody>
-      </p:sp>
-      <p:sp>
-        <p:nvSpPr>
-          <p:cNvPr id="34" name="六边形 33"/>
-          <p:cNvSpPr/>
-          <p:nvPr/>
-        </p:nvSpPr>
-        <p:spPr>
-          <a:xfrm rot="5400000" flipH="1">
-            <a:off x="-300354" y="5341249"/>
-            <a:ext cx="2581335" cy="2202903"/>
-          </a:xfrm>
-          <a:prstGeom prst="hexagon">
-            <a:avLst>
-              <a:gd name="adj" fmla="val 27952"/>
-              <a:gd name="vf" fmla="val 115470"/>
-            </a:avLst>
-          </a:prstGeom>
-          <a:gradFill flip="none" rotWithShape="1">
-            <a:gsLst>
-              <a:gs pos="0">
-                <a:srgbClr val="FBFBFB"/>
-              </a:gs>
-              <a:gs pos="100000">
-                <a:srgbClr val="E1E1E1"/>
-              </a:gs>
-            </a:gsLst>
-            <a:lin ang="18900000" scaled="1"/>
-            <a:tileRect/>
-          </a:gradFill>
-          <a:ln w="38100">
-            <a:gradFill>
-              <a:gsLst>
-                <a:gs pos="0">
-                  <a:srgbClr val="FCFCFC"/>
-                </a:gs>
-                <a:gs pos="100000">
-                  <a:srgbClr val="E1E1E1"/>
-                </a:gs>
-              </a:gsLst>
-              <a:lin ang="5400000" scaled="1"/>
-            </a:gradFill>
-          </a:ln>
-          <a:effectLst>
-            <a:outerShdw blurRad="901700" dist="927100" dir="11040000" sx="91000" sy="91000" algn="tr" rotWithShape="0">
-              <a:prstClr val="black">
-                <a:alpha val="5000"/>
-              </a:prstClr>
-            </a:outerShdw>
-          </a:effectLst>
-        </p:spPr>
-        <p:style>
-          <a:lnRef idx="2">
-            <a:schemeClr val="accent1">
-              <a:shade val="50000"/>
-            </a:schemeClr>
-          </a:lnRef>
-          <a:fillRef idx="1">
-            <a:schemeClr val="accent1"/>
-          </a:fillRef>
-          <a:effectRef idx="0">
-            <a:schemeClr val="accent1"/>
-          </a:effectRef>
-          <a:fontRef idx="minor">
-            <a:schemeClr val="lt1"/>
-          </a:fontRef>
-        </p:style>
-        <p:txBody>
-          <a:bodyPr rtlCol="0" anchor="ctr"/>
-          <a:lstStyle/>
-          <a:p>
-            <a:pPr algn="ctr"/>
-            <a:endParaRPr lang="zh-CN" altLang="en-US"/>
-          </a:p>
-        </p:txBody>
-      </p:sp>
-      <p:sp>
-        <p:nvSpPr>
-          <p:cNvPr id="35" name="六边形 34"/>
-          <p:cNvSpPr/>
-          <p:nvPr/>
-        </p:nvSpPr>
-        <p:spPr>
-          <a:xfrm rot="5400000" flipH="1">
-            <a:off x="8480954" y="6906027"/>
-            <a:ext cx="519340" cy="443204"/>
-          </a:xfrm>
-          <a:prstGeom prst="hexagon">
-            <a:avLst>
-              <a:gd name="adj" fmla="val 27952"/>
-              <a:gd name="vf" fmla="val 115470"/>
-            </a:avLst>
-          </a:prstGeom>
-          <a:gradFill flip="none" rotWithShape="1">
-            <a:gsLst>
-              <a:gs pos="0">
-                <a:srgbClr val="FBFBFB"/>
-              </a:gs>
-              <a:gs pos="100000">
-                <a:srgbClr val="E1E1E1"/>
-              </a:gs>
-            </a:gsLst>
-            <a:lin ang="18900000" scaled="1"/>
-            <a:tileRect/>
-          </a:gradFill>
-          <a:ln w="38100">
-            <a:gradFill>
-              <a:gsLst>
-                <a:gs pos="0">
-                  <a:srgbClr val="FCFCFC"/>
-                </a:gs>
-                <a:gs pos="100000">
-                  <a:srgbClr val="E1E1E1"/>
-                </a:gs>
-              </a:gsLst>
-              <a:lin ang="5400000" scaled="1"/>
-            </a:gradFill>
-          </a:ln>
-          <a:effectLst>
-            <a:outerShdw blurRad="901700" dist="927100" dir="11040000" sx="91000" sy="91000" algn="tr" rotWithShape="0">
-              <a:prstClr val="black">
-                <a:alpha val="5000"/>
-              </a:prstClr>
-            </a:outerShdw>
-          </a:effectLst>
-        </p:spPr>
-        <p:style>
-          <a:lnRef idx="2">
-            <a:schemeClr val="accent1">
-              <a:shade val="50000"/>
-            </a:schemeClr>
-          </a:lnRef>
-          <a:fillRef idx="1">
-            <a:schemeClr val="accent1"/>
-          </a:fillRef>
-          <a:effectRef idx="0">
-            <a:schemeClr val="accent1"/>
-          </a:effectRef>
-          <a:fontRef idx="minor">
-            <a:schemeClr val="lt1"/>
-          </a:fontRef>
-        </p:style>
-        <p:txBody>
-          <a:bodyPr rtlCol="0" anchor="ctr"/>
-          <a:lstStyle/>
-          <a:p>
-            <a:pPr algn="ctr"/>
-            <a:endParaRPr lang="zh-CN" altLang="en-US"/>
-          </a:p>
-        </p:txBody>
-      </p:sp>
-      <p:sp>
-        <p:nvSpPr>
-          <p:cNvPr id="36" name="六边形 35"/>
-          <p:cNvSpPr/>
-          <p:nvPr/>
-        </p:nvSpPr>
-        <p:spPr>
-          <a:xfrm rot="5400000" flipH="1">
-            <a:off x="7644409" y="5524526"/>
-            <a:ext cx="519344" cy="443208"/>
-          </a:xfrm>
-          <a:prstGeom prst="hexagon">
-            <a:avLst>
-              <a:gd name="adj" fmla="val 27952"/>
-              <a:gd name="vf" fmla="val 115470"/>
-            </a:avLst>
-          </a:prstGeom>
-          <a:gradFill flip="none" rotWithShape="1">
-            <a:gsLst>
-              <a:gs pos="0">
-                <a:srgbClr val="FBFBFB"/>
-              </a:gs>
-              <a:gs pos="100000">
-                <a:srgbClr val="E1E1E1"/>
-              </a:gs>
-            </a:gsLst>
-            <a:lin ang="18900000" scaled="1"/>
-            <a:tileRect/>
-          </a:gradFill>
-          <a:ln w="38100">
-            <a:gradFill>
-              <a:gsLst>
-                <a:gs pos="0">
-                  <a:srgbClr val="FCFCFC"/>
-                </a:gs>
-                <a:gs pos="100000">
-                  <a:srgbClr val="E1E1E1"/>
-                </a:gs>
-              </a:gsLst>
-              <a:lin ang="5400000" scaled="1"/>
-            </a:gradFill>
-          </a:ln>
-          <a:effectLst>
-            <a:outerShdw blurRad="901700" dist="927100" dir="11040000" sx="91000" sy="91000" algn="tr" rotWithShape="0">
-              <a:prstClr val="black">
-                <a:alpha val="5000"/>
-              </a:prstClr>
-            </a:outerShdw>
-          </a:effectLst>
-        </p:spPr>
-        <p:style>
-          <a:lnRef idx="2">
-            <a:schemeClr val="accent1">
-              <a:shade val="50000"/>
-            </a:schemeClr>
-          </a:lnRef>
-          <a:fillRef idx="1">
-            <a:schemeClr val="accent1"/>
-          </a:fillRef>
-          <a:effectRef idx="0">
-            <a:schemeClr val="accent1"/>
-          </a:effectRef>
-          <a:fontRef idx="minor">
-            <a:schemeClr val="lt1"/>
-          </a:fontRef>
-        </p:style>
-        <p:txBody>
-          <a:bodyPr rtlCol="0" anchor="ctr"/>
-          <a:lstStyle/>
-          <a:p>
-            <a:pPr algn="ctr"/>
-            <a:endParaRPr lang="zh-CN" altLang="en-US"/>
-          </a:p>
-        </p:txBody>
-      </p:sp>
-    </p:spTree>
-  </p:cSld>
-  <p:clrMapOvr>
-    <a:masterClrMapping/>
-  </p:clrMapOvr>
-  <p:timing>
-    <p:tnLst>
-      <p:par>
-        <p:cTn id="1" dur="indefinite" restart="never" nodeType="tmRoot">
-          <p:childTnLst>
-            <p:seq concurrent="1" nextAc="seek">
-              <p:cTn id="2" dur="indefinite" nodeType="mainSeq">
-                <p:childTnLst>
-                  <p:par>
-                    <p:cTn id="3" fill="hold">
-                      <p:stCondLst>
-                        <p:cond delay="indefinite"/>
-                        <p:cond evt="onBegin" delay="0">
-                          <p:tn val="2"/>
-                        </p:cond>
-                      </p:stCondLst>
-                      <p:childTnLst>
-                        <p:par>
-                          <p:cTn id="4" fill="hold">
-                            <p:stCondLst>
-                              <p:cond delay="0"/>
-                            </p:stCondLst>
-                            <p:childTnLst>
-                              <p:par>
-                                <p:cTn id="5" presetID="53" presetClass="entr" presetSubtype="16" fill="hold" grpId="0" nodeType="withEffect">
-                                  <p:stCondLst>
-                                    <p:cond delay="0"/>
-                                  </p:stCondLst>
-                                  <p:childTnLst>
-                                    <p:set>
-                                      <p:cBhvr>
-                                        <p:cTn id="6" dur="1" fill="hold">
-                                          <p:stCondLst>
-                                            <p:cond delay="0"/>
-                                          </p:stCondLst>
-                                        </p:cTn>
-                                        <p:tgtEl>
-                                          <p:spTgt spid="16"/>
-                                        </p:tgtEl>
-                                        <p:attrNameLst>
-                                          <p:attrName>style.visibility</p:attrName>
-                                        </p:attrNameLst>
-                                      </p:cBhvr>
-                                      <p:to>
-                                        <p:strVal val="visible"/>
-                                      </p:to>
-                                    </p:set>
-                                    <p:anim calcmode="lin" valueType="num">
-                                      <p:cBhvr>
-                                        <p:cTn id="7" dur="500" fill="hold"/>
-                                        <p:tgtEl>
-                                          <p:spTgt spid="16"/>
-                                        </p:tgtEl>
-                                        <p:attrNameLst>
-                                          <p:attrName>ppt_w</p:attrName>
-                                        </p:attrNameLst>
-                                      </p:cBhvr>
-                                      <p:tavLst>
-                                        <p:tav tm="0">
-                                          <p:val>
-                                            <p:fltVal val="0"/>
-                                          </p:val>
-                                        </p:tav>
-                                        <p:tav tm="100000">
-                                          <p:val>
-                                            <p:strVal val="#ppt_w"/>
-                                          </p:val>
-                                        </p:tav>
-                                      </p:tavLst>
-                                    </p:anim>
-                                    <p:anim calcmode="lin" valueType="num">
-                                      <p:cBhvr>
-                                        <p:cTn id="8" dur="500" fill="hold"/>
-                                        <p:tgtEl>
-                                          <p:spTgt spid="16"/>
-                                        </p:tgtEl>
-                                        <p:attrNameLst>
-                                          <p:attrName>ppt_h</p:attrName>
-                                        </p:attrNameLst>
-                                      </p:cBhvr>
-                                      <p:tavLst>
-                                        <p:tav tm="0">
-                                          <p:val>
-                                            <p:fltVal val="0"/>
-                                          </p:val>
-                                        </p:tav>
-                                        <p:tav tm="100000">
-                                          <p:val>
-                                            <p:strVal val="#ppt_h"/>
-                                          </p:val>
-                                        </p:tav>
-                                      </p:tavLst>
-                                    </p:anim>
-                                    <p:animEffect transition="in" filter="fade">
-                                      <p:cBhvr>
-                                        <p:cTn id="9" dur="500"/>
-                                        <p:tgtEl>
-                                          <p:spTgt spid="16"/>
-                                        </p:tgtEl>
-                                      </p:cBhvr>
-                                    </p:animEffect>
-                                  </p:childTnLst>
-                                </p:cTn>
-                              </p:par>
-                              <p:par>
-                                <p:cTn id="10" presetID="42" presetClass="entr" presetSubtype="0" fill="hold" grpId="0" nodeType="withEffect">
-                                  <p:stCondLst>
-                                    <p:cond delay="0"/>
-                                  </p:stCondLst>
-                                  <p:childTnLst>
-                                    <p:set>
-                                      <p:cBhvr>
-                                        <p:cTn id="11" dur="1" fill="hold">
-                                          <p:stCondLst>
-                                            <p:cond delay="0"/>
-                                          </p:stCondLst>
-                                        </p:cTn>
-                                        <p:tgtEl>
-                                          <p:spTgt spid="34"/>
-                                        </p:tgtEl>
-                                        <p:attrNameLst>
-                                          <p:attrName>style.visibility</p:attrName>
-                                        </p:attrNameLst>
-                                      </p:cBhvr>
-                                      <p:to>
-                                        <p:strVal val="visible"/>
-                                      </p:to>
-                                    </p:set>
-                                    <p:animEffect transition="in" filter="fade">
-                                      <p:cBhvr>
-                                        <p:cTn id="12" dur="1000"/>
-                                        <p:tgtEl>
-                                          <p:spTgt spid="34"/>
-                                        </p:tgtEl>
-                                      </p:cBhvr>
-                                    </p:animEffect>
-                                    <p:anim calcmode="lin" valueType="num">
-                                      <p:cBhvr>
-                                        <p:cTn id="13" dur="1000" fill="hold"/>
-                                        <p:tgtEl>
-                                          <p:spTgt spid="34"/>
-                                        </p:tgtEl>
-                                        <p:attrNameLst>
-                                          <p:attrName>ppt_x</p:attrName>
-                                        </p:attrNameLst>
-                                      </p:cBhvr>
-                                      <p:tavLst>
-                                        <p:tav tm="0">
-                                          <p:val>
-                                            <p:strVal val="#ppt_x"/>
-                                          </p:val>
-                                        </p:tav>
-                                        <p:tav tm="100000">
-                                          <p:val>
-                                            <p:strVal val="#ppt_x"/>
-                                          </p:val>
-                                        </p:tav>
-                                      </p:tavLst>
-                                    </p:anim>
-                                    <p:anim calcmode="lin" valueType="num">
-                                      <p:cBhvr>
-                                        <p:cTn id="14" dur="1000" fill="hold"/>
-                                        <p:tgtEl>
-                                          <p:spTgt spid="34"/>
-                                        </p:tgtEl>
-                                        <p:attrNameLst>
-                                          <p:attrName>ppt_y</p:attrName>
-                                        </p:attrNameLst>
-                                      </p:cBhvr>
-                                      <p:tavLst>
-                                        <p:tav tm="0">
-                                          <p:val>
-                                            <p:strVal val="#ppt_y+.1"/>
-                                          </p:val>
-                                        </p:tav>
-                                        <p:tav tm="100000">
-                                          <p:val>
-                                            <p:strVal val="#ppt_y"/>
-                                          </p:val>
-                                        </p:tav>
-                                      </p:tavLst>
-                                    </p:anim>
-                                  </p:childTnLst>
-                                </p:cTn>
-                              </p:par>
-                              <p:par>
-                                <p:cTn id="15" presetID="42" presetClass="entr" presetSubtype="0" fill="hold" grpId="0" nodeType="withEffect">
-                                  <p:stCondLst>
-                                    <p:cond delay="0"/>
-                                  </p:stCondLst>
-                                  <p:childTnLst>
-                                    <p:set>
-                                      <p:cBhvr>
-                                        <p:cTn id="16" dur="1" fill="hold">
-                                          <p:stCondLst>
-                                            <p:cond delay="0"/>
-                                          </p:stCondLst>
-                                        </p:cTn>
-                                        <p:tgtEl>
-                                          <p:spTgt spid="29"/>
-                                        </p:tgtEl>
-                                        <p:attrNameLst>
-                                          <p:attrName>style.visibility</p:attrName>
-                                        </p:attrNameLst>
-                                      </p:cBhvr>
-                                      <p:to>
-                                        <p:strVal val="visible"/>
-                                      </p:to>
-                                    </p:set>
-                                    <p:animEffect transition="in" filter="fade">
-                                      <p:cBhvr>
-                                        <p:cTn id="17" dur="1000"/>
-                                        <p:tgtEl>
-                                          <p:spTgt spid="29"/>
-                                        </p:tgtEl>
-                                      </p:cBhvr>
-                                    </p:animEffect>
-                                    <p:anim calcmode="lin" valueType="num">
-                                      <p:cBhvr>
-                                        <p:cTn id="18" dur="1000" fill="hold"/>
-                                        <p:tgtEl>
-                                          <p:spTgt spid="29"/>
-                                        </p:tgtEl>
-                                        <p:attrNameLst>
-                                          <p:attrName>ppt_x</p:attrName>
-                                        </p:attrNameLst>
-                                      </p:cBhvr>
-                                      <p:tavLst>
-                                        <p:tav tm="0">
-                                          <p:val>
-                                            <p:strVal val="#ppt_x"/>
-                                          </p:val>
-                                        </p:tav>
-                                        <p:tav tm="100000">
-                                          <p:val>
-                                            <p:strVal val="#ppt_x"/>
-                                          </p:val>
-                                        </p:tav>
-                                      </p:tavLst>
-                                    </p:anim>
-                                    <p:anim calcmode="lin" valueType="num">
-                                      <p:cBhvr>
-                                        <p:cTn id="19" dur="1000" fill="hold"/>
-                                        <p:tgtEl>
-                                          <p:spTgt spid="29"/>
-                                        </p:tgtEl>
-                                        <p:attrNameLst>
-                                          <p:attrName>ppt_y</p:attrName>
-                                        </p:attrNameLst>
-                                      </p:cBhvr>
-                                      <p:tavLst>
-                                        <p:tav tm="0">
-                                          <p:val>
-                                            <p:strVal val="#ppt_y+.1"/>
-                                          </p:val>
-                                        </p:tav>
-                                        <p:tav tm="100000">
-                                          <p:val>
-                                            <p:strVal val="#ppt_y"/>
-                                          </p:val>
-                                        </p:tav>
-                                      </p:tavLst>
-                                    </p:anim>
-                                  </p:childTnLst>
-                                </p:cTn>
-                              </p:par>
-                              <p:par>
-                                <p:cTn id="20" presetID="42" presetClass="entr" presetSubtype="0" fill="hold" grpId="0" nodeType="withEffect">
-                                  <p:stCondLst>
-                                    <p:cond delay="0"/>
-                                  </p:stCondLst>
-                                  <p:childTnLst>
-                                    <p:set>
-                                      <p:cBhvr>
-                                        <p:cTn id="21" dur="1" fill="hold">
-                                          <p:stCondLst>
-                                            <p:cond delay="0"/>
-                                          </p:stCondLst>
-                                        </p:cTn>
-                                        <p:tgtEl>
-                                          <p:spTgt spid="33"/>
-                                        </p:tgtEl>
-                                        <p:attrNameLst>
-                                          <p:attrName>style.visibility</p:attrName>
-                                        </p:attrNameLst>
-                                      </p:cBhvr>
-                                      <p:to>
-                                        <p:strVal val="visible"/>
-                                      </p:to>
-                                    </p:set>
-                                    <p:animEffect transition="in" filter="fade">
-                                      <p:cBhvr>
-                                        <p:cTn id="22" dur="1000"/>
-                                        <p:tgtEl>
-                                          <p:spTgt spid="33"/>
-                                        </p:tgtEl>
-                                      </p:cBhvr>
-                                    </p:animEffect>
-                                    <p:anim calcmode="lin" valueType="num">
-                                      <p:cBhvr>
-                                        <p:cTn id="23" dur="1000" fill="hold"/>
-                                        <p:tgtEl>
-                                          <p:spTgt spid="33"/>
-                                        </p:tgtEl>
-                                        <p:attrNameLst>
-                                          <p:attrName>ppt_x</p:attrName>
-                                        </p:attrNameLst>
-                                      </p:cBhvr>
-                                      <p:tavLst>
-                                        <p:tav tm="0">
-                                          <p:val>
-                                            <p:strVal val="#ppt_x"/>
-                                          </p:val>
-                                        </p:tav>
-                                        <p:tav tm="100000">
-                                          <p:val>
-                                            <p:strVal val="#ppt_x"/>
-                                          </p:val>
-                                        </p:tav>
-                                      </p:tavLst>
-                                    </p:anim>
-                                    <p:anim calcmode="lin" valueType="num">
-                                      <p:cBhvr>
-                                        <p:cTn id="24" dur="1000" fill="hold"/>
-                                        <p:tgtEl>
-                                          <p:spTgt spid="33"/>
-                                        </p:tgtEl>
-                                        <p:attrNameLst>
-                                          <p:attrName>ppt_y</p:attrName>
-                                        </p:attrNameLst>
-                                      </p:cBhvr>
-                                      <p:tavLst>
-                                        <p:tav tm="0">
-                                          <p:val>
-                                            <p:strVal val="#ppt_y+.1"/>
-                                          </p:val>
-                                        </p:tav>
-                                        <p:tav tm="100000">
-                                          <p:val>
-                                            <p:strVal val="#ppt_y"/>
-                                          </p:val>
-                                        </p:tav>
-                                      </p:tavLst>
-                                    </p:anim>
-                                  </p:childTnLst>
-                                </p:cTn>
-                              </p:par>
-                              <p:par>
-                                <p:cTn id="25" presetID="42" presetClass="entr" presetSubtype="0" fill="hold" grpId="0" nodeType="withEffect">
-                                  <p:stCondLst>
-                                    <p:cond delay="0"/>
-                                  </p:stCondLst>
-                                  <p:childTnLst>
-                                    <p:set>
-                                      <p:cBhvr>
-                                        <p:cTn id="26" dur="1" fill="hold">
-                                          <p:stCondLst>
-                                            <p:cond delay="0"/>
-                                          </p:stCondLst>
-                                        </p:cTn>
-                                        <p:tgtEl>
-                                          <p:spTgt spid="28"/>
-                                        </p:tgtEl>
-                                        <p:attrNameLst>
-                                          <p:attrName>style.visibility</p:attrName>
-                                        </p:attrNameLst>
-                                      </p:cBhvr>
-                                      <p:to>
-                                        <p:strVal val="visible"/>
-                                      </p:to>
-                                    </p:set>
-                                    <p:animEffect transition="in" filter="fade">
-                                      <p:cBhvr>
-                                        <p:cTn id="27" dur="1000"/>
-                                        <p:tgtEl>
-                                          <p:spTgt spid="28"/>
-                                        </p:tgtEl>
-                                      </p:cBhvr>
-                                    </p:animEffect>
-                                    <p:anim calcmode="lin" valueType="num">
-                                      <p:cBhvr>
-                                        <p:cTn id="28" dur="1000" fill="hold"/>
-                                        <p:tgtEl>
-                                          <p:spTgt spid="28"/>
-                                        </p:tgtEl>
-                                        <p:attrNameLst>
-                                          <p:attrName>ppt_x</p:attrName>
-                                        </p:attrNameLst>
-                                      </p:cBhvr>
-                                      <p:tavLst>
-                                        <p:tav tm="0">
-                                          <p:val>
-                                            <p:strVal val="#ppt_x"/>
-                                          </p:val>
-                                        </p:tav>
-                                        <p:tav tm="100000">
-                                          <p:val>
-                                            <p:strVal val="#ppt_x"/>
-                                          </p:val>
-                                        </p:tav>
-                                      </p:tavLst>
-                                    </p:anim>
-                                    <p:anim calcmode="lin" valueType="num">
-                                      <p:cBhvr>
-                                        <p:cTn id="29" dur="1000" fill="hold"/>
-                                        <p:tgtEl>
-                                          <p:spTgt spid="28"/>
-                                        </p:tgtEl>
-                                        <p:attrNameLst>
-                                          <p:attrName>ppt_y</p:attrName>
-                                        </p:attrNameLst>
-                                      </p:cBhvr>
-                                      <p:tavLst>
-                                        <p:tav tm="0">
-                                          <p:val>
-                                            <p:strVal val="#ppt_y+.1"/>
-                                          </p:val>
-                                        </p:tav>
-                                        <p:tav tm="100000">
-                                          <p:val>
-                                            <p:strVal val="#ppt_y"/>
-                                          </p:val>
-                                        </p:tav>
-                                      </p:tavLst>
-                                    </p:anim>
-                                  </p:childTnLst>
-                                </p:cTn>
-                              </p:par>
-                              <p:par>
-                                <p:cTn id="30" presetID="42" presetClass="entr" presetSubtype="0" fill="hold" grpId="0" nodeType="withEffect">
-                                  <p:stCondLst>
-                                    <p:cond delay="0"/>
-                                  </p:stCondLst>
-                                  <p:childTnLst>
-                                    <p:set>
-                                      <p:cBhvr>
-                                        <p:cTn id="31" dur="1" fill="hold">
-                                          <p:stCondLst>
-                                            <p:cond delay="0"/>
-                                          </p:stCondLst>
-                                        </p:cTn>
-                                        <p:tgtEl>
-                                          <p:spTgt spid="27"/>
-                                        </p:tgtEl>
-                                        <p:attrNameLst>
-                                          <p:attrName>style.visibility</p:attrName>
-                                        </p:attrNameLst>
-                                      </p:cBhvr>
-                                      <p:to>
-                                        <p:strVal val="visible"/>
-                                      </p:to>
-                                    </p:set>
-                                    <p:animEffect transition="in" filter="fade">
-                                      <p:cBhvr>
-                                        <p:cTn id="32" dur="1000"/>
-                                        <p:tgtEl>
-                                          <p:spTgt spid="27"/>
-                                        </p:tgtEl>
-                                      </p:cBhvr>
-                                    </p:animEffect>
-                                    <p:anim calcmode="lin" valueType="num">
-                                      <p:cBhvr>
-                                        <p:cTn id="33" dur="1000" fill="hold"/>
-                                        <p:tgtEl>
-                                          <p:spTgt spid="27"/>
-                                        </p:tgtEl>
-                                        <p:attrNameLst>
-                                          <p:attrName>ppt_x</p:attrName>
-                                        </p:attrNameLst>
-                                      </p:cBhvr>
-                                      <p:tavLst>
-                                        <p:tav tm="0">
-                                          <p:val>
-                                            <p:strVal val="#ppt_x"/>
-                                          </p:val>
-                                        </p:tav>
-                                        <p:tav tm="100000">
-                                          <p:val>
-                                            <p:strVal val="#ppt_x"/>
-                                          </p:val>
-                                        </p:tav>
-                                      </p:tavLst>
-                                    </p:anim>
-                                    <p:anim calcmode="lin" valueType="num">
-                                      <p:cBhvr>
-                                        <p:cTn id="34" dur="1000" fill="hold"/>
-                                        <p:tgtEl>
-                                          <p:spTgt spid="27"/>
-                                        </p:tgtEl>
-                                        <p:attrNameLst>
-                                          <p:attrName>ppt_y</p:attrName>
-                                        </p:attrNameLst>
-                                      </p:cBhvr>
-                                      <p:tavLst>
-                                        <p:tav tm="0">
-                                          <p:val>
-                                            <p:strVal val="#ppt_y+.1"/>
-                                          </p:val>
-                                        </p:tav>
-                                        <p:tav tm="100000">
-                                          <p:val>
-                                            <p:strVal val="#ppt_y"/>
-                                          </p:val>
-                                        </p:tav>
-                                      </p:tavLst>
-                                    </p:anim>
-                                  </p:childTnLst>
-                                </p:cTn>
-                              </p:par>
-                              <p:par>
-                                <p:cTn id="35" presetID="42" presetClass="entr" presetSubtype="0" fill="hold" grpId="0" nodeType="withEffect">
-                                  <p:stCondLst>
-                                    <p:cond delay="0"/>
-                                  </p:stCondLst>
-                                  <p:childTnLst>
-                                    <p:set>
-                                      <p:cBhvr>
-                                        <p:cTn id="36" dur="1" fill="hold">
-                                          <p:stCondLst>
-                                            <p:cond delay="0"/>
-                                          </p:stCondLst>
-                                        </p:cTn>
-                                        <p:tgtEl>
-                                          <p:spTgt spid="36"/>
-                                        </p:tgtEl>
-                                        <p:attrNameLst>
-                                          <p:attrName>style.visibility</p:attrName>
-                                        </p:attrNameLst>
-                                      </p:cBhvr>
-                                      <p:to>
-                                        <p:strVal val="visible"/>
-                                      </p:to>
-                                    </p:set>
-                                    <p:animEffect transition="in" filter="fade">
-                                      <p:cBhvr>
-                                        <p:cTn id="37" dur="1000"/>
-                                        <p:tgtEl>
-                                          <p:spTgt spid="36"/>
-                                        </p:tgtEl>
-                                      </p:cBhvr>
-                                    </p:animEffect>
-                                    <p:anim calcmode="lin" valueType="num">
-                                      <p:cBhvr>
-                                        <p:cTn id="38" dur="1000" fill="hold"/>
-                                        <p:tgtEl>
-                                          <p:spTgt spid="36"/>
-                                        </p:tgtEl>
-                                        <p:attrNameLst>
-                                          <p:attrName>ppt_x</p:attrName>
-                                        </p:attrNameLst>
-                                      </p:cBhvr>
-                                      <p:tavLst>
-                                        <p:tav tm="0">
-                                          <p:val>
-                                            <p:strVal val="#ppt_x"/>
-                                          </p:val>
-                                        </p:tav>
-                                        <p:tav tm="100000">
-                                          <p:val>
-                                            <p:strVal val="#ppt_x"/>
-                                          </p:val>
-                                        </p:tav>
-                                      </p:tavLst>
-                                    </p:anim>
-                                    <p:anim calcmode="lin" valueType="num">
-                                      <p:cBhvr>
-                                        <p:cTn id="39" dur="1000" fill="hold"/>
-                                        <p:tgtEl>
-                                          <p:spTgt spid="36"/>
-                                        </p:tgtEl>
-                                        <p:attrNameLst>
-                                          <p:attrName>ppt_y</p:attrName>
-                                        </p:attrNameLst>
-                                      </p:cBhvr>
-                                      <p:tavLst>
-                                        <p:tav tm="0">
-                                          <p:val>
-                                            <p:strVal val="#ppt_y+.1"/>
-                                          </p:val>
-                                        </p:tav>
-                                        <p:tav tm="100000">
-                                          <p:val>
-                                            <p:strVal val="#ppt_y"/>
-                                          </p:val>
-                                        </p:tav>
-                                      </p:tavLst>
-                                    </p:anim>
-                                  </p:childTnLst>
-                                </p:cTn>
-                              </p:par>
-                              <p:par>
-                                <p:cTn id="40" presetID="42" presetClass="entr" presetSubtype="0" fill="hold" grpId="0" nodeType="withEffect">
-                                  <p:stCondLst>
-                                    <p:cond delay="0"/>
-                                  </p:stCondLst>
-                                  <p:childTnLst>
-                                    <p:set>
-                                      <p:cBhvr>
-                                        <p:cTn id="41" dur="1" fill="hold">
-                                          <p:stCondLst>
-                                            <p:cond delay="0"/>
-                                          </p:stCondLst>
-                                        </p:cTn>
-                                        <p:tgtEl>
-                                          <p:spTgt spid="30"/>
-                                        </p:tgtEl>
-                                        <p:attrNameLst>
-                                          <p:attrName>style.visibility</p:attrName>
-                                        </p:attrNameLst>
-                                      </p:cBhvr>
-                                      <p:to>
-                                        <p:strVal val="visible"/>
-                                      </p:to>
-                                    </p:set>
-                                    <p:animEffect transition="in" filter="fade">
-                                      <p:cBhvr>
-                                        <p:cTn id="42" dur="1000"/>
-                                        <p:tgtEl>
-                                          <p:spTgt spid="30"/>
-                                        </p:tgtEl>
-                                      </p:cBhvr>
-                                    </p:animEffect>
-                                    <p:anim calcmode="lin" valueType="num">
-                                      <p:cBhvr>
-                                        <p:cTn id="43" dur="1000" fill="hold"/>
-                                        <p:tgtEl>
-                                          <p:spTgt spid="30"/>
-                                        </p:tgtEl>
-                                        <p:attrNameLst>
-                                          <p:attrName>ppt_x</p:attrName>
-                                        </p:attrNameLst>
-                                      </p:cBhvr>
-                                      <p:tavLst>
-                                        <p:tav tm="0">
-                                          <p:val>
-                                            <p:strVal val="#ppt_x"/>
-                                          </p:val>
-                                        </p:tav>
-                                        <p:tav tm="100000">
-                                          <p:val>
-                                            <p:strVal val="#ppt_x"/>
-                                          </p:val>
-                                        </p:tav>
-                                      </p:tavLst>
-                                    </p:anim>
-                                    <p:anim calcmode="lin" valueType="num">
-                                      <p:cBhvr>
-                                        <p:cTn id="44" dur="1000" fill="hold"/>
-                                        <p:tgtEl>
-                                          <p:spTgt spid="30"/>
-                                        </p:tgtEl>
-                                        <p:attrNameLst>
-                                          <p:attrName>ppt_y</p:attrName>
-                                        </p:attrNameLst>
-                                      </p:cBhvr>
-                                      <p:tavLst>
-                                        <p:tav tm="0">
-                                          <p:val>
-                                            <p:strVal val="#ppt_y+.1"/>
-                                          </p:val>
-                                        </p:tav>
-                                        <p:tav tm="100000">
-                                          <p:val>
-                                            <p:strVal val="#ppt_y"/>
-                                          </p:val>
-                                        </p:tav>
-                                      </p:tavLst>
-                                    </p:anim>
-                                  </p:childTnLst>
-                                </p:cTn>
-                              </p:par>
-                              <p:par>
-                                <p:cTn id="45" presetID="42" presetClass="entr" presetSubtype="0" fill="hold" grpId="0" nodeType="withEffect">
-                                  <p:stCondLst>
-                                    <p:cond delay="0"/>
-                                  </p:stCondLst>
-                                  <p:childTnLst>
-                                    <p:set>
-                                      <p:cBhvr>
-                                        <p:cTn id="46" dur="1" fill="hold">
-                                          <p:stCondLst>
-                                            <p:cond delay="0"/>
-                                          </p:stCondLst>
-                                        </p:cTn>
-                                        <p:tgtEl>
-                                          <p:spTgt spid="32"/>
-                                        </p:tgtEl>
-                                        <p:attrNameLst>
-                                          <p:attrName>style.visibility</p:attrName>
-                                        </p:attrNameLst>
-                                      </p:cBhvr>
-                                      <p:to>
-                                        <p:strVal val="visible"/>
-                                      </p:to>
-                                    </p:set>
-                                    <p:animEffect transition="in" filter="fade">
-                                      <p:cBhvr>
-                                        <p:cTn id="47" dur="1000"/>
-                                        <p:tgtEl>
-                                          <p:spTgt spid="32"/>
-                                        </p:tgtEl>
-                                      </p:cBhvr>
-                                    </p:animEffect>
-                                    <p:anim calcmode="lin" valueType="num">
-                                      <p:cBhvr>
-                                        <p:cTn id="48" dur="1000" fill="hold"/>
-                                        <p:tgtEl>
-                                          <p:spTgt spid="32"/>
-                                        </p:tgtEl>
-                                        <p:attrNameLst>
-                                          <p:attrName>ppt_x</p:attrName>
-                                        </p:attrNameLst>
-                                      </p:cBhvr>
-                                      <p:tavLst>
-                                        <p:tav tm="0">
-                                          <p:val>
-                                            <p:strVal val="#ppt_x"/>
-                                          </p:val>
-                                        </p:tav>
-                                        <p:tav tm="100000">
-                                          <p:val>
-                                            <p:strVal val="#ppt_x"/>
-                                          </p:val>
-                                        </p:tav>
-                                      </p:tavLst>
-                                    </p:anim>
-                                    <p:anim calcmode="lin" valueType="num">
-                                      <p:cBhvr>
-                                        <p:cTn id="49" dur="1000" fill="hold"/>
-                                        <p:tgtEl>
-                                          <p:spTgt spid="32"/>
-                                        </p:tgtEl>
-                                        <p:attrNameLst>
-                                          <p:attrName>ppt_y</p:attrName>
-                                        </p:attrNameLst>
-                                      </p:cBhvr>
-                                      <p:tavLst>
-                                        <p:tav tm="0">
-                                          <p:val>
-                                            <p:strVal val="#ppt_y+.1"/>
-                                          </p:val>
-                                        </p:tav>
-                                        <p:tav tm="100000">
-                                          <p:val>
-                                            <p:strVal val="#ppt_y"/>
-                                          </p:val>
-                                        </p:tav>
-                                      </p:tavLst>
-                                    </p:anim>
-                                  </p:childTnLst>
-                                </p:cTn>
-                              </p:par>
-                              <p:par>
-                                <p:cTn id="50" presetID="42" presetClass="entr" presetSubtype="0" fill="hold" grpId="0" nodeType="withEffect">
-                                  <p:stCondLst>
-                                    <p:cond delay="0"/>
-                                  </p:stCondLst>
-                                  <p:childTnLst>
-                                    <p:set>
-                                      <p:cBhvr>
-                                        <p:cTn id="51" dur="1" fill="hold">
-                                          <p:stCondLst>
-                                            <p:cond delay="0"/>
-                                          </p:stCondLst>
-                                        </p:cTn>
-                                        <p:tgtEl>
-                                          <p:spTgt spid="31"/>
-                                        </p:tgtEl>
-                                        <p:attrNameLst>
-                                          <p:attrName>style.visibility</p:attrName>
-                                        </p:attrNameLst>
-                                      </p:cBhvr>
-                                      <p:to>
-                                        <p:strVal val="visible"/>
-                                      </p:to>
-                                    </p:set>
-                                    <p:animEffect transition="in" filter="fade">
-                                      <p:cBhvr>
-                                        <p:cTn id="52" dur="1000"/>
-                                        <p:tgtEl>
-                                          <p:spTgt spid="31"/>
-                                        </p:tgtEl>
-                                      </p:cBhvr>
-                                    </p:animEffect>
-                                    <p:anim calcmode="lin" valueType="num">
-                                      <p:cBhvr>
-                                        <p:cTn id="53" dur="1000" fill="hold"/>
-                                        <p:tgtEl>
-                                          <p:spTgt spid="31"/>
-                                        </p:tgtEl>
-                                        <p:attrNameLst>
-                                          <p:attrName>ppt_x</p:attrName>
-                                        </p:attrNameLst>
-                                      </p:cBhvr>
-                                      <p:tavLst>
-                                        <p:tav tm="0">
-                                          <p:val>
-                                            <p:strVal val="#ppt_x"/>
-                                          </p:val>
-                                        </p:tav>
-                                        <p:tav tm="100000">
-                                          <p:val>
-                                            <p:strVal val="#ppt_x"/>
-                                          </p:val>
-                                        </p:tav>
-                                      </p:tavLst>
-                                    </p:anim>
-                                    <p:anim calcmode="lin" valueType="num">
-                                      <p:cBhvr>
-                                        <p:cTn id="54" dur="1000" fill="hold"/>
-                                        <p:tgtEl>
-                                          <p:spTgt spid="31"/>
-                                        </p:tgtEl>
-                                        <p:attrNameLst>
-                                          <p:attrName>ppt_y</p:attrName>
-                                        </p:attrNameLst>
-                                      </p:cBhvr>
-                                      <p:tavLst>
-                                        <p:tav tm="0">
-                                          <p:val>
-                                            <p:strVal val="#ppt_y+.1"/>
-                                          </p:val>
-                                        </p:tav>
-                                        <p:tav tm="100000">
-                                          <p:val>
-                                            <p:strVal val="#ppt_y"/>
-                                          </p:val>
-                                        </p:tav>
-                                      </p:tavLst>
-                                    </p:anim>
-                                  </p:childTnLst>
-                                </p:cTn>
-                              </p:par>
-                              <p:par>
-                                <p:cTn id="55" presetID="42" presetClass="entr" presetSubtype="0" fill="hold" grpId="0" nodeType="withEffect">
-                                  <p:stCondLst>
-                                    <p:cond delay="0"/>
-                                  </p:stCondLst>
-                                  <p:childTnLst>
-                                    <p:set>
-                                      <p:cBhvr>
-                                        <p:cTn id="56" dur="1" fill="hold">
-                                          <p:stCondLst>
-                                            <p:cond delay="0"/>
-                                          </p:stCondLst>
-                                        </p:cTn>
-                                        <p:tgtEl>
-                                          <p:spTgt spid="35"/>
-                                        </p:tgtEl>
-                                        <p:attrNameLst>
-                                          <p:attrName>style.visibility</p:attrName>
-                                        </p:attrNameLst>
-                                      </p:cBhvr>
-                                      <p:to>
-                                        <p:strVal val="visible"/>
-                                      </p:to>
-                                    </p:set>
-                                    <p:animEffect transition="in" filter="fade">
-                                      <p:cBhvr>
-                                        <p:cTn id="57" dur="1000"/>
-                                        <p:tgtEl>
-                                          <p:spTgt spid="35"/>
-                                        </p:tgtEl>
-                                      </p:cBhvr>
-                                    </p:animEffect>
-                                    <p:anim calcmode="lin" valueType="num">
-                                      <p:cBhvr>
-                                        <p:cTn id="58" dur="1000" fill="hold"/>
-                                        <p:tgtEl>
-                                          <p:spTgt spid="35"/>
-                                        </p:tgtEl>
-                                        <p:attrNameLst>
-                                          <p:attrName>ppt_x</p:attrName>
-                                        </p:attrNameLst>
-                                      </p:cBhvr>
-                                      <p:tavLst>
-                                        <p:tav tm="0">
-                                          <p:val>
-                                            <p:strVal val="#ppt_x"/>
-                                          </p:val>
-                                        </p:tav>
-                                        <p:tav tm="100000">
-                                          <p:val>
-                                            <p:strVal val="#ppt_x"/>
-                                          </p:val>
-                                        </p:tav>
-                                      </p:tavLst>
-                                    </p:anim>
-                                    <p:anim calcmode="lin" valueType="num">
-                                      <p:cBhvr>
-                                        <p:cTn id="59" dur="1000" fill="hold"/>
-                                        <p:tgtEl>
-                                          <p:spTgt spid="35"/>
-                                        </p:tgtEl>
-                                        <p:attrNameLst>
-                                          <p:attrName>ppt_y</p:attrName>
-                                        </p:attrNameLst>
-                                      </p:cBhvr>
-                                      <p:tavLst>
-                                        <p:tav tm="0">
-                                          <p:val>
-                                            <p:strVal val="#ppt_y+.1"/>
-                                          </p:val>
-                                        </p:tav>
-                                        <p:tav tm="100000">
-                                          <p:val>
-                                            <p:strVal val="#ppt_y"/>
-                                          </p:val>
-                                        </p:tav>
-                                      </p:tavLst>
-                                    </p:anim>
-                                  </p:childTnLst>
-                                </p:cTn>
-                              </p:par>
-                            </p:childTnLst>
-                          </p:cTn>
-                        </p:par>
-                      </p:childTnLst>
-                    </p:cTn>
-                  </p:par>
-                </p:childTnLst>
-              </p:cTn>
-              <p:prevCondLst>
-                <p:cond evt="onPrev" delay="0">
-                  <p:tgtEl>
-                    <p:sldTgt/>
-                  </p:tgtEl>
-                </p:cond>
-              </p:prevCondLst>
-              <p:nextCondLst>
-                <p:cond evt="onNext" delay="0">
-                  <p:tgtEl>
-                    <p:sldTgt/>
-                  </p:tgtEl>
-                </p:cond>
-              </p:nextCondLst>
-            </p:seq>
-          </p:childTnLst>
-        </p:cTn>
-      </p:par>
-    </p:tnLst>
-    <p:bldLst>
-      <p:bldP spid="16" grpId="0" bldLvl="0" animBg="1"/>
-      <p:bldP spid="27" grpId="0" animBg="1"/>
-      <p:bldP spid="28" grpId="0" animBg="1"/>
-      <p:bldP spid="29" grpId="0" animBg="1"/>
-      <p:bldP spid="30" grpId="0" animBg="1"/>
-      <p:bldP spid="31" grpId="0" animBg="1"/>
-      <p:bldP spid="32" grpId="0" animBg="1"/>
-      <p:bldP spid="33" grpId="0" animBg="1"/>
-      <p:bldP spid="34" grpId="0" animBg="1"/>
-      <p:bldP spid="35" grpId="0" animBg="1"/>
-      <p:bldP spid="36" grpId="0" animBg="1"/>
-    </p:bldLst>
-  </p:timing>
-</p:sld>
-</file>
-
 <file path=ppt/slides/slide3.xml><?xml version="1.0" encoding="utf-8"?>
 <p:sld xmlns:a="http://schemas.openxmlformats.org/drawingml/2006/main" xmlns:r="http://schemas.openxmlformats.org/officeDocument/2006/relationships" xmlns:p="http://schemas.openxmlformats.org/presentationml/2006/main">
   <p:cSld>
@@ -10117,12 +9683,8 @@
               <a:t>标签用于</a:t>
             </a:r>
             <a:r>
-              <a:rPr lang="zh-CN" altLang="en-US" sz="3200" dirty="0"/>
-              <a:t>定义文档的</a:t>
-            </a:r>
-            <a:r>
               <a:rPr lang="zh-CN" altLang="en-US" sz="3200" dirty="0" smtClean="0"/>
-              <a:t>头部</a:t>
+              <a:t>定义文档的头部</a:t>
             </a:r>
             <a:r>
               <a:rPr lang="en-US" altLang="zh-CN" sz="3200" dirty="0" smtClean="0"/>
@@ -10136,7 +9698,7 @@
               <a:rPr lang="en-US" altLang="zh-CN" sz="3200" dirty="0" smtClean="0"/>
               <a:t>)</a:t>
             </a:r>
-            <a:endParaRPr lang="en-US" altLang="zh-CN" sz="3200" dirty="0">
+            <a:endParaRPr lang="en-US" altLang="zh-CN" sz="3200" dirty="0" smtClean="0">
               <a:sym typeface="+mn-ea"/>
             </a:endParaRPr>
           </a:p>
@@ -10148,62 +9710,29 @@
               <a:t>body</a:t>
             </a:r>
             <a:r>
-              <a:rPr lang="zh-CN" altLang="en-US" sz="3200" dirty="0">
-                <a:sym typeface="+mn-ea"/>
-              </a:rPr>
-              <a:t>标签用于</a:t>
-            </a:r>
-            <a:r>
               <a:rPr lang="zh-CN" altLang="en-US" sz="3200" dirty="0" smtClean="0">
                 <a:sym typeface="+mn-ea"/>
               </a:rPr>
-              <a:t>定义</a:t>
-            </a:r>
-            <a:r>
-              <a:rPr lang="zh-CN" altLang="en-US" sz="3200" dirty="0">
+              <a:t>标签用于定义文档的主体</a:t>
+            </a:r>
+            <a:r>
+              <a:rPr lang="en-US" altLang="zh-CN" sz="3200" dirty="0" smtClean="0">
                 <a:sym typeface="+mn-ea"/>
               </a:rPr>
-              <a:t>文档的</a:t>
+              <a:t>(</a:t>
             </a:r>
             <a:r>
               <a:rPr lang="zh-CN" altLang="en-US" sz="3200" dirty="0" smtClean="0">
                 <a:sym typeface="+mn-ea"/>
               </a:rPr>
-              <a:t>主体</a:t>
+              <a:t>比如文本、超链接、图像、表格和列表等等。</a:t>
             </a:r>
             <a:r>
               <a:rPr lang="en-US" altLang="zh-CN" sz="3200" dirty="0" smtClean="0">
                 <a:sym typeface="+mn-ea"/>
               </a:rPr>
-              <a:t>(</a:t>
-            </a:r>
-            <a:r>
-              <a:rPr lang="zh-CN" altLang="en-US" sz="3200" dirty="0" smtClean="0">
-                <a:sym typeface="+mn-ea"/>
-              </a:rPr>
-              <a:t>比如</a:t>
-            </a:r>
-            <a:r>
-              <a:rPr lang="zh-CN" altLang="en-US" sz="3200" dirty="0">
-                <a:sym typeface="+mn-ea"/>
-              </a:rPr>
-              <a:t>文本、超链接、图像、表格和列表等等</a:t>
-            </a:r>
-            <a:r>
-              <a:rPr lang="zh-CN" altLang="en-US" sz="3200" dirty="0" smtClean="0">
-                <a:sym typeface="+mn-ea"/>
-              </a:rPr>
-              <a:t>。</a:t>
-            </a:r>
-            <a:r>
-              <a:rPr lang="en-US" altLang="zh-CN" sz="3200" dirty="0" smtClean="0">
-                <a:sym typeface="+mn-ea"/>
-              </a:rPr>
               <a:t>)</a:t>
             </a:r>
-            <a:endParaRPr lang="en-US" altLang="zh-CN" sz="3200" dirty="0">
-              <a:sym typeface="+mn-ea"/>
-            </a:endParaRPr>
           </a:p>
           <a:p>
             <a:endParaRPr lang="zh-CN" altLang="en-US" dirty="0"/>

--- a/HTML_CSS/Html&CSS.pptx
+++ b/HTML_CSS/Html&CSS.pptx
@@ -5,7 +5,7 @@
     <p:sldMasterId id="2147483648" r:id="rId1"/>
   </p:sldMasterIdLst>
   <p:notesMasterIdLst>
-    <p:notesMasterId r:id="rId20"/>
+    <p:notesMasterId r:id="rId23"/>
   </p:notesMasterIdLst>
   <p:sldIdLst>
     <p:sldId id="256" r:id="rId2"/>
@@ -17,15 +17,18 @@
     <p:sldId id="299" r:id="rId8"/>
     <p:sldId id="304" r:id="rId9"/>
     <p:sldId id="327" r:id="rId10"/>
-    <p:sldId id="309" r:id="rId11"/>
+    <p:sldId id="328" r:id="rId11"/>
     <p:sldId id="320" r:id="rId12"/>
     <p:sldId id="326" r:id="rId13"/>
-    <p:sldId id="321" r:id="rId14"/>
-    <p:sldId id="306" r:id="rId15"/>
-    <p:sldId id="308" r:id="rId16"/>
-    <p:sldId id="324" r:id="rId17"/>
-    <p:sldId id="325" r:id="rId18"/>
-    <p:sldId id="280" r:id="rId19"/>
+    <p:sldId id="309" r:id="rId14"/>
+    <p:sldId id="321" r:id="rId15"/>
+    <p:sldId id="330" r:id="rId16"/>
+    <p:sldId id="329" r:id="rId17"/>
+    <p:sldId id="306" r:id="rId18"/>
+    <p:sldId id="308" r:id="rId19"/>
+    <p:sldId id="324" r:id="rId20"/>
+    <p:sldId id="325" r:id="rId21"/>
+    <p:sldId id="280" r:id="rId22"/>
   </p:sldIdLst>
   <p:sldSz cx="12192000" cy="6858000"/>
   <p:notesSz cx="6858000" cy="9144000"/>
@@ -214,7 +217,7 @@
           <a:p>
             <a:fld id="{94EA9A77-0CE4-4E25-84E3-55E75407559E}" type="datetimeFigureOut">
               <a:rPr lang="zh-CN" altLang="en-US" smtClean="0"/>
-              <a:t>2018/4/9</a:t>
+              <a:t>2018/4/11</a:t>
             </a:fld>
             <a:endParaRPr lang="zh-CN" altLang="en-US"/>
           </a:p>
@@ -870,7 +873,7 @@
           <a:p>
             <a:fld id="{A94A5677-1990-4DEF-94A6-269AB3DAB6C5}" type="datetimeFigureOut">
               <a:rPr lang="zh-CN" altLang="en-US" smtClean="0"/>
-              <a:t>2018/4/9</a:t>
+              <a:t>2018/4/11</a:t>
             </a:fld>
             <a:endParaRPr lang="zh-CN" altLang="en-US"/>
           </a:p>
@@ -3237,7 +3240,7 @@
           <a:lstStyle/>
           <a:p>
             <a:r>
-              <a:rPr lang="zh-CN" altLang="en-US"/>
+              <a:rPr lang="zh-CN" altLang="en-US" dirty="0"/>
               <a:t>块级元素</a:t>
             </a:r>
           </a:p>
@@ -3297,6 +3300,11 @@
         </p:txBody>
       </p:sp>
     </p:spTree>
+    <p:extLst>
+      <p:ext uri="{BB962C8B-B14F-4D97-AF65-F5344CB8AC3E}">
+        <p14:creationId xmlns:p14="http://schemas.microsoft.com/office/powerpoint/2010/main" val="468392013"/>
+      </p:ext>
+    </p:extLst>
   </p:cSld>
   <p:clrMapOvr>
     <a:masterClrMapping/>
@@ -3611,9 +3619,10 @@
           <a:lstStyle/>
           <a:p>
             <a:r>
-              <a:rPr lang="zh-CN" altLang="en-US"/>
-              <a:t>绝对定位</a:t>
-            </a:r>
+              <a:rPr lang="zh-CN" altLang="en-US" dirty="0" smtClean="0"/>
+              <a:t>盒子模型</a:t>
+            </a:r>
+            <a:endParaRPr lang="zh-CN" altLang="en-US" dirty="0"/>
           </a:p>
         </p:txBody>
       </p:sp>
@@ -3627,66 +3636,148 @@
             <p:ph type="subTitle" idx="1"/>
           </p:nvPr>
         </p:nvSpPr>
-        <p:spPr/>
+        <p:spPr>
+          <a:xfrm>
+            <a:off x="881946" y="4335145"/>
+            <a:ext cx="10389618" cy="2418740"/>
+          </a:xfrm>
+        </p:spPr>
         <p:txBody>
           <a:bodyPr>
-            <a:normAutofit/>
+            <a:normAutofit fontScale="55000" lnSpcReduction="20000"/>
           </a:bodyPr>
           <a:lstStyle/>
           <a:p>
-            <a:r>
-              <a:rPr lang="zh-CN" altLang="en-US" dirty="0">
-                <a:sym typeface="+mn-ea"/>
-              </a:rPr>
-              <a:t>position: absolute;</a:t>
-            </a:r>
-          </a:p>
-          <a:p>
-            <a:r>
-              <a:rPr lang="zh-CN" altLang="en-US" dirty="0">
-                <a:sym typeface="+mn-ea"/>
-              </a:rPr>
-              <a:t>绝对定位的元素的位置相对于最近的已定位祖先元素，若没有则为界面左上方</a:t>
-            </a:r>
-          </a:p>
-          <a:p>
-            <a:r>
-              <a:rPr lang="en-US" altLang="zh-CN" dirty="0">
-                <a:sym typeface="+mn-ea"/>
-              </a:rPr>
-              <a:t>元素的位置通过 "left", "top", "right" 以及 "bottom" 属性进行规定</a:t>
-            </a:r>
-          </a:p>
-          <a:p>
-            <a:r>
-              <a:rPr lang="en-US" altLang="zh-CN" dirty="0" err="1" smtClean="0">
-                <a:sym typeface="+mn-ea"/>
-              </a:rPr>
-              <a:t>脱离了文</a:t>
-            </a:r>
-            <a:r>
-              <a:rPr lang="zh-CN" altLang="en-US" dirty="0" smtClean="0">
-                <a:sym typeface="+mn-ea"/>
-              </a:rPr>
-              <a:t>档</a:t>
-            </a:r>
-            <a:r>
-              <a:rPr lang="en-US" altLang="zh-CN" dirty="0" err="1" smtClean="0">
-                <a:sym typeface="+mn-ea"/>
-              </a:rPr>
-              <a:t>流</a:t>
-            </a:r>
-            <a:r>
-              <a:rPr lang="en-US" altLang="zh-CN" dirty="0" err="1">
-                <a:sym typeface="+mn-ea"/>
-              </a:rPr>
-              <a:t>（即在文档中已经不占据位置</a:t>
-            </a:r>
-            <a:r>
-              <a:rPr lang="en-US" altLang="zh-CN" dirty="0">
-                <a:sym typeface="+mn-ea"/>
-              </a:rPr>
-              <a:t>）</a:t>
+            <a:pPr latinLnBrk="1"/>
+            <a:r>
+              <a:rPr lang="zh-CN" altLang="en-US" dirty="0"/>
+              <a:t>所有</a:t>
+            </a:r>
+            <a:r>
+              <a:rPr lang="en-US" altLang="zh-CN" dirty="0"/>
+              <a:t>HTML</a:t>
+            </a:r>
+            <a:r>
+              <a:rPr lang="zh-CN" altLang="en-US" dirty="0"/>
+              <a:t>元素可以看作盒子</a:t>
+            </a:r>
+            <a:endParaRPr lang="en-US" altLang="zh-CN" b="1" dirty="0" smtClean="0"/>
+          </a:p>
+          <a:p>
+            <a:pPr latinLnBrk="1"/>
+            <a:r>
+              <a:rPr lang="en-US" altLang="zh-CN" b="1" dirty="0" smtClean="0"/>
+              <a:t>Margin</a:t>
+            </a:r>
+            <a:r>
+              <a:rPr lang="en-US" altLang="zh-CN" b="1" dirty="0"/>
+              <a:t>(</a:t>
+            </a:r>
+            <a:r>
+              <a:rPr lang="zh-CN" altLang="en-US" b="1" dirty="0"/>
+              <a:t>外边距</a:t>
+            </a:r>
+            <a:r>
+              <a:rPr lang="en-US" altLang="zh-CN" b="1" dirty="0"/>
+              <a:t>)</a:t>
+            </a:r>
+            <a:r>
+              <a:rPr lang="zh-CN" altLang="en-US" dirty="0"/>
+              <a:t> </a:t>
+            </a:r>
+            <a:r>
+              <a:rPr lang="en-US" altLang="zh-CN" dirty="0"/>
+              <a:t>- </a:t>
+            </a:r>
+            <a:r>
+              <a:rPr lang="zh-CN" altLang="en-US" dirty="0"/>
+              <a:t>清除边框外的区域，外边距是透明的</a:t>
+            </a:r>
+            <a:r>
+              <a:rPr lang="zh-CN" altLang="en-US" dirty="0" smtClean="0"/>
+              <a:t>。</a:t>
+            </a:r>
+            <a:endParaRPr lang="zh-CN" altLang="en-US" dirty="0"/>
+          </a:p>
+          <a:p>
+            <a:pPr latinLnBrk="1"/>
+            <a:r>
+              <a:rPr lang="en-US" altLang="zh-CN" b="1" dirty="0"/>
+              <a:t>Border(</a:t>
+            </a:r>
+            <a:r>
+              <a:rPr lang="zh-CN" altLang="en-US" b="1" dirty="0"/>
+              <a:t>边框</a:t>
+            </a:r>
+            <a:r>
+              <a:rPr lang="en-US" altLang="zh-CN" b="1" dirty="0"/>
+              <a:t>)</a:t>
+            </a:r>
+            <a:r>
+              <a:rPr lang="zh-CN" altLang="en-US" dirty="0"/>
+              <a:t> </a:t>
+            </a:r>
+            <a:r>
+              <a:rPr lang="en-US" altLang="zh-CN" dirty="0"/>
+              <a:t>- </a:t>
+            </a:r>
+            <a:r>
+              <a:rPr lang="zh-CN" altLang="en-US" dirty="0"/>
+              <a:t>围绕在内边距和内容外的边框。</a:t>
+            </a:r>
+          </a:p>
+          <a:p>
+            <a:pPr latinLnBrk="1"/>
+            <a:r>
+              <a:rPr lang="en-US" altLang="zh-CN" b="1" dirty="0"/>
+              <a:t>Padding(</a:t>
+            </a:r>
+            <a:r>
+              <a:rPr lang="zh-CN" altLang="en-US" b="1" dirty="0"/>
+              <a:t>内边距</a:t>
+            </a:r>
+            <a:r>
+              <a:rPr lang="en-US" altLang="zh-CN" b="1" dirty="0"/>
+              <a:t>)</a:t>
+            </a:r>
+            <a:r>
+              <a:rPr lang="zh-CN" altLang="en-US" dirty="0"/>
+              <a:t> </a:t>
+            </a:r>
+            <a:r>
+              <a:rPr lang="en-US" altLang="zh-CN" dirty="0"/>
+              <a:t>- </a:t>
+            </a:r>
+            <a:r>
+              <a:rPr lang="zh-CN" altLang="en-US" dirty="0"/>
+              <a:t>清除内容周围的区域，内边距是透明的。</a:t>
+            </a:r>
+          </a:p>
+          <a:p>
+            <a:pPr latinLnBrk="1"/>
+            <a:r>
+              <a:rPr lang="en-US" altLang="zh-CN" b="1" dirty="0"/>
+              <a:t>Content(</a:t>
+            </a:r>
+            <a:r>
+              <a:rPr lang="zh-CN" altLang="en-US" b="1" dirty="0"/>
+              <a:t>内容</a:t>
+            </a:r>
+            <a:r>
+              <a:rPr lang="en-US" altLang="zh-CN" b="1" dirty="0"/>
+              <a:t>)</a:t>
+            </a:r>
+            <a:r>
+              <a:rPr lang="zh-CN" altLang="en-US" dirty="0"/>
+              <a:t> </a:t>
+            </a:r>
+            <a:r>
+              <a:rPr lang="en-US" altLang="zh-CN" dirty="0"/>
+              <a:t>- </a:t>
+            </a:r>
+            <a:r>
+              <a:rPr lang="zh-CN" altLang="en-US" dirty="0"/>
+              <a:t>盒子的内容，显示文本和图像。</a:t>
             </a:r>
           </a:p>
           <a:p>
@@ -3694,6 +3785,47 @@
           </a:p>
         </p:txBody>
       </p:sp>
+      <p:pic>
+        <p:nvPicPr>
+          <p:cNvPr id="1026" name="Picture 2" descr="CSS box-model"/>
+          <p:cNvPicPr>
+            <a:picLocks noChangeAspect="1" noChangeArrowheads="1"/>
+          </p:cNvPicPr>
+          <p:nvPr/>
+        </p:nvPicPr>
+        <p:blipFill>
+          <a:blip r:embed="rId2">
+            <a:extLst>
+              <a:ext uri="{28A0092B-C50C-407E-A947-70E740481C1C}">
+                <a14:useLocalDpi xmlns:a14="http://schemas.microsoft.com/office/drawing/2010/main" val="0"/>
+              </a:ext>
+            </a:extLst>
+          </a:blip>
+          <a:srcRect/>
+          <a:stretch>
+            <a:fillRect/>
+          </a:stretch>
+        </p:blipFill>
+        <p:spPr bwMode="auto">
+          <a:xfrm>
+            <a:off x="3260915" y="1334688"/>
+            <a:ext cx="5105400" cy="2752725"/>
+          </a:xfrm>
+          <a:prstGeom prst="rect">
+            <a:avLst/>
+          </a:prstGeom>
+          <a:noFill/>
+          <a:extLst>
+            <a:ext uri="{909E8E84-426E-40DD-AFC4-6F175D3DCCD1}">
+              <a14:hiddenFill xmlns:a14="http://schemas.microsoft.com/office/drawing/2010/main">
+                <a:solidFill>
+                  <a:srgbClr val="FFFFFF"/>
+                </a:solidFill>
+              </a14:hiddenFill>
+            </a:ext>
+          </a:extLst>
+        </p:spPr>
+      </p:pic>
     </p:spTree>
   </p:cSld>
   <p:clrMapOvr>
@@ -3745,9 +3877,14 @@
           <a:lstStyle/>
           <a:p>
             <a:r>
-              <a:rPr lang="zh-CN" altLang="en-US" dirty="0"/>
-              <a:t>一个简单的页面布局</a:t>
-            </a:r>
+              <a:rPr lang="en-US" altLang="zh-CN" dirty="0"/>
+              <a:t>CSS</a:t>
+            </a:r>
+            <a:r>
+              <a:rPr lang="zh-CN" altLang="en-US" dirty="0" smtClean="0"/>
+              <a:t>定位</a:t>
+            </a:r>
+            <a:endParaRPr lang="zh-CN" altLang="en-US" dirty="0"/>
           </a:p>
         </p:txBody>
       </p:sp>
@@ -3764,62 +3901,85 @@
         <p:spPr/>
         <p:txBody>
           <a:bodyPr>
-            <a:normAutofit fontScale="97500"/>
+            <a:normAutofit/>
           </a:bodyPr>
           <a:lstStyle/>
           <a:p>
-            <a:pPr marL="0" indent="0">
-              <a:buNone/>
+            <a:r>
+              <a:rPr lang="zh-CN" altLang="en-US" dirty="0">
+                <a:sym typeface="+mn-ea"/>
+              </a:rPr>
+              <a:t>定位</a:t>
+            </a:r>
+            <a:r>
+              <a:rPr lang="zh-CN" altLang="en-US" dirty="0" smtClean="0">
+                <a:sym typeface="+mn-ea"/>
+              </a:rPr>
+              <a:t>机制：</a:t>
+            </a:r>
+            <a:endParaRPr lang="en-US" altLang="zh-CN" dirty="0" smtClean="0">
+              <a:sym typeface="+mn-ea"/>
+            </a:endParaRPr>
+          </a:p>
+          <a:p>
+            <a:pPr marL="742950" indent="-742950">
+              <a:buFont typeface="+mj-lt"/>
+              <a:buAutoNum type="arabicPeriod"/>
             </a:pPr>
             <a:r>
-              <a:rPr lang="zh-CN" altLang="en-US" dirty="0"/>
-              <a:t>    &lt;div class="header"&gt;&lt;/div&gt;</a:t>
-            </a:r>
-          </a:p>
-          <a:p>
-            <a:pPr marL="0" indent="0">
-              <a:buNone/>
+              <a:rPr lang="zh-CN" altLang="en-US" dirty="0" smtClean="0">
+                <a:sym typeface="+mn-ea"/>
+              </a:rPr>
+              <a:t>普通</a:t>
+            </a:r>
+            <a:r>
+              <a:rPr lang="zh-CN" altLang="en-US" dirty="0">
+                <a:sym typeface="+mn-ea"/>
+              </a:rPr>
+              <a:t>流（一般情况下，所有框都在这里</a:t>
+            </a:r>
+            <a:r>
+              <a:rPr lang="zh-CN" altLang="en-US" dirty="0" smtClean="0">
+                <a:sym typeface="+mn-ea"/>
+              </a:rPr>
+              <a:t>）</a:t>
+            </a:r>
+            <a:endParaRPr lang="en-US" altLang="zh-CN" dirty="0" smtClean="0">
+              <a:sym typeface="+mn-ea"/>
+            </a:endParaRPr>
+          </a:p>
+          <a:p>
+            <a:pPr marL="742950" indent="-742950">
+              <a:buFont typeface="+mj-lt"/>
+              <a:buAutoNum type="arabicPeriod"/>
             </a:pPr>
             <a:r>
-              <a:rPr lang="zh-CN" altLang="en-US" dirty="0"/>
-              <a:t>    &lt;div class="center"&gt;</a:t>
-            </a:r>
-          </a:p>
-          <a:p>
-            <a:pPr marL="0" indent="0">
-              <a:buNone/>
+              <a:rPr lang="zh-CN" altLang="en-US" dirty="0" smtClean="0">
+                <a:sym typeface="+mn-ea"/>
+              </a:rPr>
+              <a:t>浮动</a:t>
+            </a:r>
+            <a:endParaRPr lang="en-US" altLang="zh-CN" dirty="0" smtClean="0">
+              <a:sym typeface="+mn-ea"/>
+            </a:endParaRPr>
+          </a:p>
+          <a:p>
+            <a:pPr marL="742950" indent="-742950">
+              <a:buFont typeface="+mj-lt"/>
+              <a:buAutoNum type="arabicPeriod"/>
             </a:pPr>
             <a:r>
-              <a:rPr lang="zh-CN" altLang="en-US" dirty="0"/>
-              <a:t>        &lt;div class="menu"&gt;&lt;/div&gt;</a:t>
-            </a:r>
-          </a:p>
-          <a:p>
-            <a:pPr marL="0" indent="0">
-              <a:buNone/>
-            </a:pPr>
-            <a:r>
-              <a:rPr lang="zh-CN" altLang="en-US" dirty="0"/>
-              <a:t>        &lt;div class="main"&gt;&lt;/div&gt;</a:t>
-            </a:r>
-          </a:p>
-          <a:p>
-            <a:pPr marL="0" indent="0">
-              <a:buNone/>
-            </a:pPr>
-            <a:r>
-              <a:rPr lang="zh-CN" altLang="en-US" dirty="0"/>
-              <a:t>    &lt;/div&gt;</a:t>
-            </a:r>
-          </a:p>
-          <a:p>
-            <a:pPr marL="0" indent="0">
-              <a:buNone/>
-            </a:pPr>
-            <a:r>
-              <a:rPr lang="zh-CN" altLang="en-US" dirty="0"/>
-              <a:t>    &lt;div class="footer"&gt;&lt;/div&gt;</a:t>
-            </a:r>
+              <a:rPr lang="zh-CN" altLang="en-US" dirty="0" smtClean="0">
+                <a:sym typeface="+mn-ea"/>
+              </a:rPr>
+              <a:t>绝对定位</a:t>
+            </a:r>
+            <a:endParaRPr lang="en-US" altLang="zh-CN" dirty="0">
+              <a:sym typeface="+mn-ea"/>
+            </a:endParaRPr>
+          </a:p>
+          <a:p>
+            <a:endParaRPr lang="zh-CN" altLang="en-US" dirty="0"/>
           </a:p>
         </p:txBody>
       </p:sp>
@@ -3874,9 +4034,10 @@
           <a:lstStyle/>
           <a:p>
             <a:r>
-              <a:rPr lang="zh-CN" altLang="en-US"/>
-              <a:t>学习建议</a:t>
-            </a:r>
+              <a:rPr lang="zh-CN" altLang="en-US" dirty="0" smtClean="0"/>
+              <a:t>清除浮动</a:t>
+            </a:r>
+            <a:endParaRPr lang="zh-CN" altLang="en-US" dirty="0"/>
           </a:p>
         </p:txBody>
       </p:sp>
@@ -3893,76 +4054,194 @@
         <p:spPr/>
         <p:txBody>
           <a:bodyPr>
-            <a:normAutofit/>
+            <a:normAutofit fontScale="55000" lnSpcReduction="20000"/>
           </a:bodyPr>
           <a:lstStyle/>
           <a:p>
             <a:r>
-              <a:rPr lang="zh-CN" altLang="en-US" dirty="0">
-                <a:sym typeface="+mn-ea"/>
-              </a:rPr>
-              <a:t>菜</a:t>
-            </a:r>
-            <a:r>
-              <a:rPr lang="zh-CN" altLang="en-US" dirty="0" smtClean="0">
-                <a:sym typeface="+mn-ea"/>
-              </a:rPr>
-              <a:t>鸟驿站（</a:t>
-            </a:r>
-            <a:r>
-              <a:rPr lang="zh-CN" altLang="en-US" smtClean="0">
-                <a:sym typeface="+mn-ea"/>
-              </a:rPr>
-              <a:t>入门</a:t>
-            </a:r>
-            <a:r>
-              <a:rPr lang="zh-CN" altLang="en-US" smtClean="0">
-                <a:sym typeface="+mn-ea"/>
-              </a:rPr>
-              <a:t>级，适用于零基础人群）</a:t>
-            </a:r>
-            <a:r>
-              <a:rPr lang="en-US" altLang="zh-CN" dirty="0" smtClean="0">
-                <a:sym typeface="+mn-ea"/>
-              </a:rPr>
-              <a:t>	</a:t>
-            </a:r>
-            <a:r>
-              <a:rPr lang="en-US" altLang="zh-CN" dirty="0" smtClean="0">
-                <a:sym typeface="+mn-ea"/>
-                <a:hlinkClick r:id="rId2"/>
-              </a:rPr>
-              <a:t>http://www.runoob.com/</a:t>
-            </a:r>
-            <a:endParaRPr lang="en-US" altLang="zh-CN" dirty="0" smtClean="0">
-              <a:sym typeface="+mn-ea"/>
-            </a:endParaRPr>
-          </a:p>
-          <a:p>
+              <a:rPr lang="zh-CN" altLang="en-US" b="1" dirty="0"/>
+              <a:t>当包含框的高度小于浮动框的时候，此时就会出现</a:t>
+            </a:r>
+            <a:r>
+              <a:rPr lang="zh-CN" altLang="en-US" b="1" dirty="0" smtClean="0"/>
+              <a:t>“高度塌陷”</a:t>
+            </a:r>
+            <a:endParaRPr lang="en-US" altLang="zh-CN" b="1" dirty="0" smtClean="0"/>
+          </a:p>
+          <a:p>
+            <a:r>
+              <a:rPr lang="zh-CN" altLang="en-US" b="1" dirty="0" smtClean="0"/>
+              <a:t>解决方案</a:t>
+            </a:r>
+            <a:endParaRPr lang="en-US" altLang="zh-CN" b="1" dirty="0" smtClean="0"/>
+          </a:p>
+          <a:p>
+            <a:pPr marL="0" indent="0">
+              <a:buNone/>
+            </a:pPr>
+            <a:r>
+              <a:rPr lang="en-US" altLang="zh-CN" dirty="0" smtClean="0"/>
+              <a:t>1</a:t>
+            </a:r>
             <a:r>
               <a:rPr lang="zh-CN" altLang="en-US" dirty="0" smtClean="0"/>
-              <a:t>慕课网，上面有一些免费的视频资源</a:t>
+              <a:t>、在浮动元素后面加上</a:t>
+            </a:r>
+            <a:r>
+              <a:rPr lang="en-US" altLang="zh-CN" dirty="0"/>
+              <a:t>&lt;div style="</a:t>
+            </a:r>
+            <a:r>
+              <a:rPr lang="en-US" altLang="zh-CN" dirty="0" err="1"/>
+              <a:t>clear:both</a:t>
+            </a:r>
+            <a:r>
+              <a:rPr lang="en-US" altLang="zh-CN" dirty="0"/>
+              <a:t>;"&gt;&lt;/div</a:t>
+            </a:r>
+            <a:r>
+              <a:rPr lang="en-US" altLang="zh-CN" dirty="0" smtClean="0"/>
+              <a:t>&gt;</a:t>
+            </a:r>
+          </a:p>
+          <a:p>
+            <a:pPr marL="0" indent="0">
+              <a:buNone/>
+            </a:pPr>
+            <a:r>
+              <a:rPr lang="en-US" altLang="zh-CN" dirty="0" smtClean="0"/>
+              <a:t>2</a:t>
+            </a:r>
+            <a:r>
+              <a:rPr lang="zh-CN" altLang="en-US" dirty="0" smtClean="0"/>
+              <a:t>、增加</a:t>
+            </a:r>
+            <a:r>
+              <a:rPr lang="en-US" altLang="zh-CN" dirty="0"/>
+              <a:t>class</a:t>
+            </a:r>
+            <a:r>
+              <a:rPr lang="en-US" altLang="zh-CN" dirty="0" smtClean="0"/>
+              <a:t>="</a:t>
+            </a:r>
+            <a:r>
+              <a:rPr lang="en-US" altLang="zh-CN" dirty="0" err="1" smtClean="0"/>
+              <a:t>clearfix</a:t>
+            </a:r>
+            <a:r>
+              <a:rPr lang="en-US" altLang="zh-CN" dirty="0" smtClean="0"/>
+              <a:t>"</a:t>
+            </a:r>
+            <a:r>
+              <a:rPr lang="zh-CN" altLang="en-US" dirty="0" smtClean="0"/>
+              <a:t>（推荐）</a:t>
             </a:r>
             <a:endParaRPr lang="en-US" altLang="zh-CN" dirty="0" smtClean="0"/>
           </a:p>
           <a:p>
-            <a:r>
-              <a:rPr lang="zh-CN" altLang="en-US" dirty="0" smtClean="0"/>
-              <a:t>读书</a:t>
-            </a:r>
-            <a:r>
-              <a:rPr lang="zh-CN" altLang="en-US" dirty="0"/>
-              <a:t>好，多读书，读</a:t>
-            </a:r>
-            <a:r>
-              <a:rPr lang="zh-CN" altLang="en-US" dirty="0" smtClean="0"/>
-              <a:t>好书</a:t>
-            </a:r>
-            <a:endParaRPr lang="zh-CN" altLang="en-US" dirty="0"/>
+            <a:pPr marL="0" indent="0">
+              <a:buNone/>
+            </a:pPr>
+            <a:r>
+              <a:rPr lang="en-US" altLang="zh-CN" sz="2500" dirty="0"/>
+              <a:t>.</a:t>
+            </a:r>
+            <a:r>
+              <a:rPr lang="en-US" altLang="zh-CN" sz="2500" dirty="0" err="1"/>
+              <a:t>clearfix:after</a:t>
+            </a:r>
+            <a:r>
+              <a:rPr lang="en-US" altLang="zh-CN" sz="2500" dirty="0"/>
+              <a:t> {</a:t>
+            </a:r>
+          </a:p>
+          <a:p>
+            <a:pPr marL="0" indent="0">
+              <a:buNone/>
+            </a:pPr>
+            <a:r>
+              <a:rPr lang="en-US" altLang="zh-CN" sz="2500" dirty="0"/>
+              <a:t>content: '';</a:t>
+            </a:r>
+          </a:p>
+          <a:p>
+            <a:pPr marL="0" indent="0">
+              <a:buNone/>
+            </a:pPr>
+            <a:r>
+              <a:rPr lang="en-US" altLang="zh-CN" sz="2500" dirty="0"/>
+              <a:t>display: table;</a:t>
+            </a:r>
+          </a:p>
+          <a:p>
+            <a:pPr marL="0" indent="0">
+              <a:buNone/>
+            </a:pPr>
+            <a:r>
+              <a:rPr lang="en-US" altLang="zh-CN" sz="2500" dirty="0"/>
+              <a:t>clear: both;</a:t>
+            </a:r>
+          </a:p>
+          <a:p>
+            <a:pPr marL="0" indent="0">
+              <a:buNone/>
+            </a:pPr>
+            <a:r>
+              <a:rPr lang="en-US" altLang="zh-CN" sz="2500" dirty="0"/>
+              <a:t>}</a:t>
+            </a:r>
+          </a:p>
+          <a:p>
+            <a:pPr marL="0" indent="0">
+              <a:buNone/>
+            </a:pPr>
+            <a:r>
+              <a:rPr lang="en-US" altLang="zh-CN" sz="2500" dirty="0"/>
+              <a:t/>
+            </a:r>
+            <a:br>
+              <a:rPr lang="en-US" altLang="zh-CN" sz="2500" dirty="0"/>
+            </a:br>
+            <a:r>
+              <a:rPr lang="en-US" altLang="zh-CN" sz="2500" dirty="0"/>
+              <a:t>.</a:t>
+            </a:r>
+            <a:r>
+              <a:rPr lang="en-US" altLang="zh-CN" sz="2500" dirty="0" err="1"/>
+              <a:t>clearfix</a:t>
+            </a:r>
+            <a:r>
+              <a:rPr lang="en-US" altLang="zh-CN" sz="2500" dirty="0"/>
+              <a:t> {</a:t>
+            </a:r>
+          </a:p>
+          <a:p>
+            <a:pPr marL="0" indent="0">
+              <a:buNone/>
+            </a:pPr>
+            <a:r>
+              <a:rPr lang="en-US" altLang="zh-CN" sz="2500" dirty="0"/>
+              <a:t>*zoom: 1;</a:t>
+            </a:r>
+          </a:p>
+          <a:p>
+            <a:pPr marL="0" indent="0">
+              <a:buNone/>
+            </a:pPr>
+            <a:r>
+              <a:rPr lang="en-US" altLang="zh-CN" sz="2500" dirty="0" smtClean="0"/>
+              <a:t>}</a:t>
+            </a:r>
+            <a:endParaRPr lang="en-US" altLang="zh-CN" sz="2500" dirty="0"/>
           </a:p>
         </p:txBody>
       </p:sp>
     </p:spTree>
+    <p:extLst>
+      <p:ext uri="{BB962C8B-B14F-4D97-AF65-F5344CB8AC3E}">
+        <p14:creationId xmlns:p14="http://schemas.microsoft.com/office/powerpoint/2010/main" val="3090240372"/>
+      </p:ext>
+    </p:extLst>
   </p:cSld>
   <p:clrMapOvr>
     <a:masterClrMapping/>
@@ -3970,13 +4249,6 @@
   <p:transition>
     <p:wipe dir="r"/>
   </p:transition>
-  <p:timing>
-    <p:tnLst>
-      <p:par>
-        <p:cTn id="1" dur="indefinite" restart="never" nodeType="tmRoot"/>
-      </p:par>
-    </p:tnLst>
-  </p:timing>
 </p:sld>
 </file>
 
@@ -4013,10 +4285,9 @@
           <a:lstStyle/>
           <a:p>
             <a:r>
-              <a:rPr lang="zh-CN" altLang="en-US" dirty="0" smtClean="0"/>
-              <a:t>作业</a:t>
-            </a:r>
-            <a:endParaRPr lang="zh-CN" altLang="en-US" dirty="0"/>
+              <a:rPr lang="zh-CN" altLang="en-US"/>
+              <a:t>绝对定位</a:t>
+            </a:r>
           </a:p>
         </p:txBody>
       </p:sp>
@@ -4041,110 +4312,56 @@
               <a:rPr lang="zh-CN" altLang="en-US" dirty="0">
                 <a:sym typeface="+mn-ea"/>
               </a:rPr>
-              <a:t>使</a:t>
+              <a:t>position: absolute;</a:t>
+            </a:r>
+          </a:p>
+          <a:p>
+            <a:r>
+              <a:rPr lang="zh-CN" altLang="en-US" dirty="0">
+                <a:sym typeface="+mn-ea"/>
+              </a:rPr>
+              <a:t>绝对定位的元素的位置相对于最近的已定位祖先元素，若没有则为界面左上方</a:t>
+            </a:r>
+          </a:p>
+          <a:p>
+            <a:r>
+              <a:rPr lang="en-US" altLang="zh-CN" dirty="0">
+                <a:sym typeface="+mn-ea"/>
+              </a:rPr>
+              <a:t>元素的位置通过 "left", "top", "right" 以及 "bottom" 属性进行规定</a:t>
+            </a:r>
+          </a:p>
+          <a:p>
+            <a:r>
+              <a:rPr lang="en-US" altLang="zh-CN" dirty="0" err="1" smtClean="0">
+                <a:sym typeface="+mn-ea"/>
+              </a:rPr>
+              <a:t>脱离了文</a:t>
             </a:r>
             <a:r>
               <a:rPr lang="zh-CN" altLang="en-US" dirty="0" smtClean="0">
                 <a:sym typeface="+mn-ea"/>
               </a:rPr>
-              <a:t>用</a:t>
-            </a:r>
-            <a:r>
-              <a:rPr lang="en-US" altLang="zh-CN" dirty="0" smtClean="0">
+              <a:t>档</a:t>
+            </a:r>
+            <a:r>
+              <a:rPr lang="en-US" altLang="zh-CN" dirty="0" err="1" smtClean="0">
                 <a:sym typeface="+mn-ea"/>
               </a:rPr>
-              <a:t>html5+css</a:t>
-            </a:r>
-            <a:r>
-              <a:rPr lang="zh-CN" altLang="en-US" dirty="0" smtClean="0">
+              <a:t>流</a:t>
+            </a:r>
+            <a:r>
+              <a:rPr lang="en-US" altLang="zh-CN" dirty="0" err="1">
                 <a:sym typeface="+mn-ea"/>
               </a:rPr>
-              <a:t>将页面分割成上中下三部分，中间分为左右两部分（考核点：样式与结构分离、命名规范、界面好看有加分）</a:t>
-            </a:r>
-            <a:endParaRPr lang="en-US" altLang="zh-CN" dirty="0" smtClean="0">
-              <a:sym typeface="+mn-ea"/>
-            </a:endParaRPr>
-          </a:p>
-          <a:p>
-            <a:r>
-              <a:rPr lang="zh-CN" altLang="en-US" dirty="0">
+              <a:t>（即在文档中已经不占据位置</a:t>
+            </a:r>
+            <a:r>
+              <a:rPr lang="en-US" altLang="zh-CN" dirty="0">
                 <a:sym typeface="+mn-ea"/>
               </a:rPr>
-              <a:t>提交</a:t>
-            </a:r>
-            <a:r>
-              <a:rPr lang="zh-CN" altLang="en-US" dirty="0" smtClean="0">
-                <a:sym typeface="+mn-ea"/>
-              </a:rPr>
-              <a:t>至</a:t>
-            </a:r>
-            <a:r>
-              <a:rPr lang="en-US" altLang="zh-CN" dirty="0" smtClean="0">
-                <a:sym typeface="+mn-ea"/>
-              </a:rPr>
-              <a:t>SVN</a:t>
-            </a:r>
-            <a:r>
-              <a:rPr lang="zh-CN" altLang="en-US" dirty="0" smtClean="0">
-                <a:sym typeface="+mn-ea"/>
-              </a:rPr>
-              <a:t>个人目录下</a:t>
-            </a:r>
-            <a:r>
-              <a:rPr lang="en-US" altLang="zh-CN" dirty="0" smtClean="0">
-                <a:sym typeface="+mn-ea"/>
-              </a:rPr>
-              <a:t>HTML</a:t>
-            </a:r>
-            <a:r>
-              <a:rPr lang="zh-CN" altLang="en-US" dirty="0" smtClean="0">
-                <a:sym typeface="+mn-ea"/>
-              </a:rPr>
-              <a:t>文件夹</a:t>
-            </a:r>
-            <a:endParaRPr lang="en-US" altLang="zh-CN" dirty="0" smtClean="0">
-              <a:sym typeface="+mn-ea"/>
-            </a:endParaRPr>
-          </a:p>
-          <a:p>
-            <a:r>
-              <a:rPr lang="zh-CN" altLang="en-US" dirty="0" smtClean="0">
-                <a:sym typeface="+mn-ea"/>
-              </a:rPr>
-              <a:t>星期五交作业（截止至</a:t>
-            </a:r>
-            <a:r>
-              <a:rPr lang="en-US" altLang="zh-CN" dirty="0" smtClean="0">
-                <a:sym typeface="+mn-ea"/>
-              </a:rPr>
-              <a:t>14</a:t>
-            </a:r>
-            <a:r>
-              <a:rPr lang="zh-CN" altLang="en-US" dirty="0" smtClean="0">
-                <a:sym typeface="+mn-ea"/>
-              </a:rPr>
-              <a:t>：</a:t>
-            </a:r>
-            <a:r>
-              <a:rPr lang="en-US" altLang="zh-CN" dirty="0" smtClean="0">
-                <a:sym typeface="+mn-ea"/>
-              </a:rPr>
-              <a:t>00</a:t>
-            </a:r>
-            <a:r>
-              <a:rPr lang="zh-CN" altLang="en-US" dirty="0" smtClean="0">
-                <a:sym typeface="+mn-ea"/>
-              </a:rPr>
               <a:t>）</a:t>
             </a:r>
-            <a:endParaRPr lang="en-US" altLang="zh-CN" dirty="0" smtClean="0">
-              <a:sym typeface="+mn-ea"/>
-            </a:endParaRPr>
-          </a:p>
-          <a:p>
-            <a:endParaRPr lang="zh-CN" altLang="en-US" dirty="0">
-              <a:sym typeface="+mn-ea"/>
-            </a:endParaRPr>
           </a:p>
           <a:p>
             <a:endParaRPr lang="zh-CN" altLang="en-US" dirty="0"/>
@@ -4154,7 +4371,7 @@
     </p:spTree>
     <p:extLst>
       <p:ext uri="{BB962C8B-B14F-4D97-AF65-F5344CB8AC3E}">
-        <p14:creationId xmlns:p14="http://schemas.microsoft.com/office/powerpoint/2010/main" val="2153077848"/>
+        <p14:creationId xmlns:p14="http://schemas.microsoft.com/office/powerpoint/2010/main" val="2503217824"/>
       </p:ext>
     </p:extLst>
   </p:cSld>
@@ -4177,14 +4394,6 @@
 <file path=ppt/slides/slide17.xml><?xml version="1.0" encoding="utf-8"?>
 <p:sld xmlns:a="http://schemas.openxmlformats.org/drawingml/2006/main" xmlns:r="http://schemas.openxmlformats.org/officeDocument/2006/relationships" xmlns:p="http://schemas.openxmlformats.org/presentationml/2006/main">
   <p:cSld>
-    <p:bg>
-      <p:bgPr>
-        <a:solidFill>
-          <a:srgbClr val="00B0F0"/>
-        </a:solidFill>
-        <a:effectLst/>
-      </p:bgPr>
-    </p:bg>
     <p:spTree>
       <p:nvGrpSpPr>
         <p:cNvPr id="1" name=""/>
@@ -4199,42 +4408,101 @@
           <a:chExt cx="0" cy="0"/>
         </a:xfrm>
       </p:grpSpPr>
-      <p:pic>
-        <p:nvPicPr>
-          <p:cNvPr id="2" name="图片 1"/>
-          <p:cNvPicPr>
-            <a:picLocks noChangeAspect="1"/>
-          </p:cNvPicPr>
-          <p:nvPr/>
-        </p:nvPicPr>
-        <p:blipFill>
-          <a:blip r:embed="rId2">
-            <a:extLst>
-              <a:ext uri="{28A0092B-C50C-407E-A947-70E740481C1C}">
-                <a14:useLocalDpi xmlns:a14="http://schemas.microsoft.com/office/drawing/2010/main" val="0"/>
-              </a:ext>
-            </a:extLst>
-          </a:blip>
-          <a:stretch>
-            <a:fillRect/>
-          </a:stretch>
-        </p:blipFill>
-        <p:spPr>
-          <a:xfrm>
-            <a:off x="1662112" y="942975"/>
-            <a:ext cx="8867775" cy="4972050"/>
-          </a:xfrm>
-          <a:prstGeom prst="rect">
-            <a:avLst/>
-          </a:prstGeom>
-        </p:spPr>
-      </p:pic>
+      <p:sp>
+        <p:nvSpPr>
+          <p:cNvPr id="2" name="标题 1"/>
+          <p:cNvSpPr>
+            <a:spLocks noGrp="1"/>
+          </p:cNvSpPr>
+          <p:nvPr>
+            <p:ph type="ctrTitle"/>
+          </p:nvPr>
+        </p:nvSpPr>
+        <p:spPr/>
+        <p:txBody>
+          <a:bodyPr/>
+          <a:lstStyle/>
+          <a:p>
+            <a:r>
+              <a:rPr lang="zh-CN" altLang="en-US" dirty="0"/>
+              <a:t>一个简单的页面布局</a:t>
+            </a:r>
+          </a:p>
+        </p:txBody>
+      </p:sp>
+      <p:sp>
+        <p:nvSpPr>
+          <p:cNvPr id="3" name="副标题 2"/>
+          <p:cNvSpPr>
+            <a:spLocks noGrp="1"/>
+          </p:cNvSpPr>
+          <p:nvPr>
+            <p:ph type="subTitle" idx="1"/>
+          </p:nvPr>
+        </p:nvSpPr>
+        <p:spPr/>
+        <p:txBody>
+          <a:bodyPr>
+            <a:normAutofit fontScale="97500"/>
+          </a:bodyPr>
+          <a:lstStyle/>
+          <a:p>
+            <a:pPr marL="0" indent="0">
+              <a:buNone/>
+            </a:pPr>
+            <a:r>
+              <a:rPr lang="zh-CN" altLang="en-US" dirty="0"/>
+              <a:t>    &lt;div class="header"&gt;&lt;/div&gt;</a:t>
+            </a:r>
+          </a:p>
+          <a:p>
+            <a:pPr marL="0" indent="0">
+              <a:buNone/>
+            </a:pPr>
+            <a:r>
+              <a:rPr lang="zh-CN" altLang="en-US" dirty="0"/>
+              <a:t>    &lt;div class="center"&gt;</a:t>
+            </a:r>
+          </a:p>
+          <a:p>
+            <a:pPr marL="0" indent="0">
+              <a:buNone/>
+            </a:pPr>
+            <a:r>
+              <a:rPr lang="zh-CN" altLang="en-US" dirty="0"/>
+              <a:t>        &lt;div class="menu"&gt;&lt;/div&gt;</a:t>
+            </a:r>
+          </a:p>
+          <a:p>
+            <a:pPr marL="0" indent="0">
+              <a:buNone/>
+            </a:pPr>
+            <a:r>
+              <a:rPr lang="zh-CN" altLang="en-US" dirty="0"/>
+              <a:t>        &lt;div class="main"&gt;&lt;/div&gt;</a:t>
+            </a:r>
+          </a:p>
+          <a:p>
+            <a:pPr marL="0" indent="0">
+              <a:buNone/>
+            </a:pPr>
+            <a:r>
+              <a:rPr lang="zh-CN" altLang="en-US" dirty="0"/>
+              <a:t>    &lt;/div&gt;</a:t>
+            </a:r>
+          </a:p>
+          <a:p>
+            <a:pPr marL="0" indent="0">
+              <a:buNone/>
+            </a:pPr>
+            <a:r>
+              <a:rPr lang="zh-CN" altLang="en-US" dirty="0"/>
+              <a:t>    &lt;div class="footer"&gt;&lt;/div&gt;</a:t>
+            </a:r>
+          </a:p>
+        </p:txBody>
+      </p:sp>
     </p:spTree>
-    <p:extLst>
-      <p:ext uri="{BB962C8B-B14F-4D97-AF65-F5344CB8AC3E}">
-        <p14:creationId xmlns:p14="http://schemas.microsoft.com/office/powerpoint/2010/main" val="3540348085"/>
-      </p:ext>
-    </p:extLst>
   </p:cSld>
   <p:clrMapOvr>
     <a:masterClrMapping/>
@@ -4271,803 +4539,93 @@
       </p:grpSpPr>
       <p:sp>
         <p:nvSpPr>
-          <p:cNvPr id="16" name="文本框 15"/>
-          <p:cNvSpPr txBox="1"/>
-          <p:nvPr/>
+          <p:cNvPr id="2" name="标题 1"/>
+          <p:cNvSpPr>
+            <a:spLocks noGrp="1"/>
+          </p:cNvSpPr>
+          <p:nvPr>
+            <p:ph type="ctrTitle"/>
+          </p:nvPr>
         </p:nvSpPr>
-        <p:spPr>
-          <a:xfrm>
-            <a:off x="3951824" y="2521036"/>
-            <a:ext cx="4754880" cy="1310640"/>
-          </a:xfrm>
-          <a:prstGeom prst="rect">
-            <a:avLst/>
-          </a:prstGeom>
-          <a:noFill/>
-          <a:effectLst>
-            <a:outerShdw blurRad="114300" dist="38100" dir="5460000" algn="tr" rotWithShape="0">
-              <a:prstClr val="black">
-                <a:alpha val="16000"/>
-              </a:prstClr>
-            </a:outerShdw>
-          </a:effectLst>
-        </p:spPr>
+        <p:spPr/>
         <p:txBody>
-          <a:bodyPr wrap="none" rtlCol="0">
-            <a:spAutoFit/>
-          </a:bodyPr>
+          <a:bodyPr/>
           <a:lstStyle/>
           <a:p>
             <a:r>
-              <a:rPr lang="zh-CN" altLang="en-US" sz="8000" dirty="0" smtClean="0">
-                <a:solidFill>
-                  <a:schemeClr val="bg1"/>
-                </a:solidFill>
-                <a:latin typeface="方正正纤黑简体" panose="02000000000000000000" pitchFamily="2" charset="-122"/>
-                <a:ea typeface="方正正纤黑简体" panose="02000000000000000000" pitchFamily="2" charset="-122"/>
-              </a:rPr>
-              <a:t>谢谢大家</a:t>
-            </a:r>
-            <a:r>
-              <a:rPr lang="en-US" altLang="zh-CN" sz="8000" dirty="0" smtClean="0">
-                <a:solidFill>
-                  <a:schemeClr val="bg1"/>
-                </a:solidFill>
-                <a:latin typeface="方正正纤黑简体" panose="02000000000000000000" pitchFamily="2" charset="-122"/>
-                <a:ea typeface="方正正纤黑简体" panose="02000000000000000000" pitchFamily="2" charset="-122"/>
-              </a:rPr>
-              <a:t>!</a:t>
+              <a:rPr lang="zh-CN" altLang="en-US"/>
+              <a:t>学习建议</a:t>
             </a:r>
           </a:p>
         </p:txBody>
       </p:sp>
       <p:sp>
         <p:nvSpPr>
-          <p:cNvPr id="27" name="六边形 26"/>
-          <p:cNvSpPr/>
-          <p:nvPr/>
+          <p:cNvPr id="3" name="副标题 2"/>
+          <p:cNvSpPr>
+            <a:spLocks noGrp="1"/>
+          </p:cNvSpPr>
+          <p:nvPr>
+            <p:ph type="subTitle" idx="1"/>
+          </p:nvPr>
         </p:nvSpPr>
-        <p:spPr>
-          <a:xfrm rot="5400000">
-            <a:off x="3977317" y="5593935"/>
-            <a:ext cx="4237367" cy="3616159"/>
-          </a:xfrm>
-          <a:prstGeom prst="hexagon">
-            <a:avLst>
-              <a:gd name="adj" fmla="val 27952"/>
-              <a:gd name="vf" fmla="val 115470"/>
-            </a:avLst>
-          </a:prstGeom>
-          <a:gradFill flip="none" rotWithShape="1">
-            <a:gsLst>
-              <a:gs pos="0">
-                <a:srgbClr val="FBFBFB"/>
-              </a:gs>
-              <a:gs pos="100000">
-                <a:srgbClr val="E1E1E1"/>
-              </a:gs>
-            </a:gsLst>
-            <a:lin ang="18900000" scaled="1"/>
-            <a:tileRect/>
-          </a:gradFill>
-          <a:ln w="38100">
-            <a:gradFill>
-              <a:gsLst>
-                <a:gs pos="0">
-                  <a:srgbClr val="FCFCFC"/>
-                </a:gs>
-                <a:gs pos="100000">
-                  <a:srgbClr val="E1E1E1"/>
-                </a:gs>
-              </a:gsLst>
-              <a:lin ang="5400000" scaled="1"/>
-            </a:gradFill>
-          </a:ln>
-          <a:effectLst>
-            <a:outerShdw blurRad="901700" dist="927100" dir="11040000" sx="91000" sy="91000" algn="tr" rotWithShape="0">
-              <a:prstClr val="black">
-                <a:alpha val="5000"/>
-              </a:prstClr>
-            </a:outerShdw>
-          </a:effectLst>
-        </p:spPr>
-        <p:style>
-          <a:lnRef idx="2">
-            <a:schemeClr val="accent1">
-              <a:shade val="50000"/>
-            </a:schemeClr>
-          </a:lnRef>
-          <a:fillRef idx="1">
-            <a:schemeClr val="accent1"/>
-          </a:fillRef>
-          <a:effectRef idx="0">
-            <a:schemeClr val="accent1"/>
-          </a:effectRef>
-          <a:fontRef idx="minor">
-            <a:schemeClr val="lt1"/>
-          </a:fontRef>
-        </p:style>
+        <p:spPr/>
         <p:txBody>
-          <a:bodyPr rtlCol="0" anchor="ctr"/>
+          <a:bodyPr>
+            <a:normAutofit/>
+          </a:bodyPr>
           <a:lstStyle/>
           <a:p>
-            <a:pPr algn="ctr"/>
-            <a:endParaRPr lang="zh-CN" altLang="en-US"/>
-          </a:p>
-        </p:txBody>
-      </p:sp>
-      <p:sp>
-        <p:nvSpPr>
-          <p:cNvPr id="28" name="六边形 27"/>
-          <p:cNvSpPr/>
-          <p:nvPr/>
-        </p:nvSpPr>
-        <p:spPr>
-          <a:xfrm rot="5400000" flipH="1">
-            <a:off x="2583546" y="7014855"/>
-            <a:ext cx="3207864" cy="2737582"/>
-          </a:xfrm>
-          <a:prstGeom prst="hexagon">
-            <a:avLst>
-              <a:gd name="adj" fmla="val 27952"/>
-              <a:gd name="vf" fmla="val 115470"/>
-            </a:avLst>
-          </a:prstGeom>
-          <a:gradFill flip="none" rotWithShape="1">
-            <a:gsLst>
-              <a:gs pos="0">
-                <a:srgbClr val="FBFBFB"/>
-              </a:gs>
-              <a:gs pos="100000">
-                <a:srgbClr val="E1E1E1"/>
-              </a:gs>
-            </a:gsLst>
-            <a:lin ang="18900000" scaled="1"/>
-            <a:tileRect/>
-          </a:gradFill>
-          <a:ln w="38100">
-            <a:gradFill>
-              <a:gsLst>
-                <a:gs pos="0">
-                  <a:srgbClr val="FCFCFC"/>
-                </a:gs>
-                <a:gs pos="100000">
-                  <a:srgbClr val="E1E1E1"/>
-                </a:gs>
-              </a:gsLst>
-              <a:lin ang="5400000" scaled="1"/>
-            </a:gradFill>
-          </a:ln>
-          <a:effectLst>
-            <a:outerShdw blurRad="901700" dist="927100" dir="11040000" sx="91000" sy="91000" algn="tr" rotWithShape="0">
-              <a:prstClr val="black">
-                <a:alpha val="5000"/>
-              </a:prstClr>
-            </a:outerShdw>
-          </a:effectLst>
-        </p:spPr>
-        <p:style>
-          <a:lnRef idx="2">
-            <a:schemeClr val="accent1">
-              <a:shade val="50000"/>
-            </a:schemeClr>
-          </a:lnRef>
-          <a:fillRef idx="1">
-            <a:schemeClr val="accent1"/>
-          </a:fillRef>
-          <a:effectRef idx="0">
-            <a:schemeClr val="accent1"/>
-          </a:effectRef>
-          <a:fontRef idx="minor">
-            <a:schemeClr val="lt1"/>
-          </a:fontRef>
-        </p:style>
-        <p:txBody>
-          <a:bodyPr rtlCol="0" anchor="ctr"/>
-          <a:lstStyle/>
-          <a:p>
-            <a:pPr algn="ctr"/>
-            <a:endParaRPr lang="zh-CN" altLang="en-US"/>
-          </a:p>
-        </p:txBody>
-      </p:sp>
-      <p:sp>
-        <p:nvSpPr>
-          <p:cNvPr id="29" name="六边形 28"/>
-          <p:cNvSpPr/>
-          <p:nvPr/>
-        </p:nvSpPr>
-        <p:spPr>
-          <a:xfrm rot="5400000" flipH="1">
-            <a:off x="3405372" y="5833227"/>
-            <a:ext cx="1188193" cy="1014000"/>
-          </a:xfrm>
-          <a:prstGeom prst="hexagon">
-            <a:avLst>
-              <a:gd name="adj" fmla="val 27952"/>
-              <a:gd name="vf" fmla="val 115470"/>
-            </a:avLst>
-          </a:prstGeom>
-          <a:gradFill flip="none" rotWithShape="1">
-            <a:gsLst>
-              <a:gs pos="0">
-                <a:srgbClr val="FBFBFB"/>
-              </a:gs>
-              <a:gs pos="100000">
-                <a:srgbClr val="E1E1E1"/>
-              </a:gs>
-            </a:gsLst>
-            <a:lin ang="18900000" scaled="1"/>
-            <a:tileRect/>
-          </a:gradFill>
-          <a:ln w="38100">
-            <a:gradFill>
-              <a:gsLst>
-                <a:gs pos="0">
-                  <a:srgbClr val="FCFCFC"/>
-                </a:gs>
-                <a:gs pos="100000">
-                  <a:srgbClr val="E1E1E1"/>
-                </a:gs>
-              </a:gsLst>
-              <a:lin ang="5400000" scaled="1"/>
-            </a:gradFill>
-          </a:ln>
-          <a:effectLst>
-            <a:outerShdw blurRad="901700" dist="927100" dir="11040000" sx="91000" sy="91000" algn="tr" rotWithShape="0">
-              <a:prstClr val="black">
-                <a:alpha val="5000"/>
-              </a:prstClr>
-            </a:outerShdw>
-          </a:effectLst>
-        </p:spPr>
-        <p:style>
-          <a:lnRef idx="2">
-            <a:schemeClr val="accent1">
-              <a:shade val="50000"/>
-            </a:schemeClr>
-          </a:lnRef>
-          <a:fillRef idx="1">
-            <a:schemeClr val="accent1"/>
-          </a:fillRef>
-          <a:effectRef idx="0">
-            <a:schemeClr val="accent1"/>
-          </a:effectRef>
-          <a:fontRef idx="minor">
-            <a:schemeClr val="lt1"/>
-          </a:fontRef>
-        </p:style>
-        <p:txBody>
-          <a:bodyPr rtlCol="0" anchor="ctr"/>
-          <a:lstStyle/>
-          <a:p>
-            <a:pPr algn="ctr"/>
-            <a:endParaRPr lang="zh-CN" altLang="en-US"/>
-          </a:p>
-        </p:txBody>
-      </p:sp>
-      <p:sp>
-        <p:nvSpPr>
-          <p:cNvPr id="30" name="六边形 29"/>
-          <p:cNvSpPr/>
-          <p:nvPr/>
-        </p:nvSpPr>
-        <p:spPr>
-          <a:xfrm rot="5400000" flipH="1">
-            <a:off x="8280493" y="5239130"/>
-            <a:ext cx="1188193" cy="1014000"/>
-          </a:xfrm>
-          <a:prstGeom prst="hexagon">
-            <a:avLst>
-              <a:gd name="adj" fmla="val 27952"/>
-              <a:gd name="vf" fmla="val 115470"/>
-            </a:avLst>
-          </a:prstGeom>
-          <a:gradFill flip="none" rotWithShape="1">
-            <a:gsLst>
-              <a:gs pos="0">
-                <a:srgbClr val="FBFBFB"/>
-              </a:gs>
-              <a:gs pos="100000">
-                <a:srgbClr val="E1E1E1"/>
-              </a:gs>
-            </a:gsLst>
-            <a:lin ang="18900000" scaled="1"/>
-            <a:tileRect/>
-          </a:gradFill>
-          <a:ln w="38100">
-            <a:gradFill>
-              <a:gsLst>
-                <a:gs pos="0">
-                  <a:srgbClr val="FCFCFC"/>
-                </a:gs>
-                <a:gs pos="100000">
-                  <a:srgbClr val="E1E1E1"/>
-                </a:gs>
-              </a:gsLst>
-              <a:lin ang="5400000" scaled="1"/>
-            </a:gradFill>
-          </a:ln>
-          <a:effectLst>
-            <a:outerShdw blurRad="901700" dist="927100" dir="11040000" sx="91000" sy="91000" algn="tr" rotWithShape="0">
-              <a:prstClr val="black">
-                <a:alpha val="5000"/>
-              </a:prstClr>
-            </a:outerShdw>
-          </a:effectLst>
-        </p:spPr>
-        <p:style>
-          <a:lnRef idx="2">
-            <a:schemeClr val="accent1">
-              <a:shade val="50000"/>
-            </a:schemeClr>
-          </a:lnRef>
-          <a:fillRef idx="1">
-            <a:schemeClr val="accent1"/>
-          </a:fillRef>
-          <a:effectRef idx="0">
-            <a:schemeClr val="accent1"/>
-          </a:effectRef>
-          <a:fontRef idx="minor">
-            <a:schemeClr val="lt1"/>
-          </a:fontRef>
-        </p:style>
-        <p:txBody>
-          <a:bodyPr rtlCol="0" anchor="ctr"/>
-          <a:lstStyle/>
-          <a:p>
-            <a:pPr algn="ctr"/>
-            <a:endParaRPr lang="zh-CN" altLang="en-US"/>
-          </a:p>
-        </p:txBody>
-      </p:sp>
-      <p:sp>
-        <p:nvSpPr>
-          <p:cNvPr id="31" name="六边形 30"/>
-          <p:cNvSpPr/>
-          <p:nvPr/>
-        </p:nvSpPr>
-        <p:spPr>
-          <a:xfrm rot="5400000" flipH="1">
-            <a:off x="8812784" y="6406577"/>
-            <a:ext cx="1689837" cy="1442102"/>
-          </a:xfrm>
-          <a:prstGeom prst="hexagon">
-            <a:avLst>
-              <a:gd name="adj" fmla="val 27952"/>
-              <a:gd name="vf" fmla="val 115470"/>
-            </a:avLst>
-          </a:prstGeom>
-          <a:gradFill flip="none" rotWithShape="1">
-            <a:gsLst>
-              <a:gs pos="0">
-                <a:srgbClr val="FBFBFB"/>
-              </a:gs>
-              <a:gs pos="100000">
-                <a:srgbClr val="E1E1E1"/>
-              </a:gs>
-            </a:gsLst>
-            <a:lin ang="18900000" scaled="1"/>
-            <a:tileRect/>
-          </a:gradFill>
-          <a:ln w="38100">
-            <a:gradFill>
-              <a:gsLst>
-                <a:gs pos="0">
-                  <a:srgbClr val="FCFCFC"/>
-                </a:gs>
-                <a:gs pos="100000">
-                  <a:srgbClr val="E1E1E1"/>
-                </a:gs>
-              </a:gsLst>
-              <a:lin ang="5400000" scaled="1"/>
-            </a:gradFill>
-          </a:ln>
-          <a:effectLst>
-            <a:outerShdw blurRad="901700" dist="927100" dir="11040000" sx="91000" sy="91000" algn="tr" rotWithShape="0">
-              <a:prstClr val="black">
-                <a:alpha val="5000"/>
-              </a:prstClr>
-            </a:outerShdw>
-          </a:effectLst>
-        </p:spPr>
-        <p:style>
-          <a:lnRef idx="2">
-            <a:schemeClr val="accent1">
-              <a:shade val="50000"/>
-            </a:schemeClr>
-          </a:lnRef>
-          <a:fillRef idx="1">
-            <a:schemeClr val="accent1"/>
-          </a:fillRef>
-          <a:effectRef idx="0">
-            <a:schemeClr val="accent1"/>
-          </a:effectRef>
-          <a:fontRef idx="minor">
-            <a:schemeClr val="lt1"/>
-          </a:fontRef>
-        </p:style>
-        <p:txBody>
-          <a:bodyPr rtlCol="0" anchor="ctr"/>
-          <a:lstStyle/>
-          <a:p>
-            <a:pPr algn="ctr"/>
-            <a:endParaRPr lang="zh-CN" altLang="en-US"/>
-          </a:p>
-        </p:txBody>
-      </p:sp>
-      <p:sp>
-        <p:nvSpPr>
-          <p:cNvPr id="32" name="六边形 31"/>
-          <p:cNvSpPr/>
-          <p:nvPr/>
-        </p:nvSpPr>
-        <p:spPr>
-          <a:xfrm rot="5400000" flipH="1">
-            <a:off x="9827152" y="6349133"/>
-            <a:ext cx="2635986" cy="2249543"/>
-          </a:xfrm>
-          <a:prstGeom prst="hexagon">
-            <a:avLst>
-              <a:gd name="adj" fmla="val 27952"/>
-              <a:gd name="vf" fmla="val 115470"/>
-            </a:avLst>
-          </a:prstGeom>
-          <a:gradFill flip="none" rotWithShape="1">
-            <a:gsLst>
-              <a:gs pos="0">
-                <a:srgbClr val="FBFBFB"/>
-              </a:gs>
-              <a:gs pos="100000">
-                <a:srgbClr val="E1E1E1"/>
-              </a:gs>
-            </a:gsLst>
-            <a:lin ang="18900000" scaled="1"/>
-            <a:tileRect/>
-          </a:gradFill>
-          <a:ln w="38100">
-            <a:gradFill>
-              <a:gsLst>
-                <a:gs pos="0">
-                  <a:srgbClr val="FCFCFC"/>
-                </a:gs>
-                <a:gs pos="100000">
-                  <a:srgbClr val="E1E1E1"/>
-                </a:gs>
-              </a:gsLst>
-              <a:lin ang="5400000" scaled="1"/>
-            </a:gradFill>
-          </a:ln>
-          <a:effectLst>
-            <a:outerShdw blurRad="901700" dist="927100" dir="11040000" sx="91000" sy="91000" algn="tr" rotWithShape="0">
-              <a:prstClr val="black">
-                <a:alpha val="5000"/>
-              </a:prstClr>
-            </a:outerShdw>
-          </a:effectLst>
-        </p:spPr>
-        <p:style>
-          <a:lnRef idx="2">
-            <a:schemeClr val="accent1">
-              <a:shade val="50000"/>
-            </a:schemeClr>
-          </a:lnRef>
-          <a:fillRef idx="1">
-            <a:schemeClr val="accent1"/>
-          </a:fillRef>
-          <a:effectRef idx="0">
-            <a:schemeClr val="accent1"/>
-          </a:effectRef>
-          <a:fontRef idx="minor">
-            <a:schemeClr val="lt1"/>
-          </a:fontRef>
-        </p:style>
-        <p:txBody>
-          <a:bodyPr rtlCol="0" anchor="ctr"/>
-          <a:lstStyle/>
-          <a:p>
-            <a:pPr algn="ctr"/>
-            <a:endParaRPr lang="zh-CN" altLang="en-US"/>
-          </a:p>
-        </p:txBody>
-      </p:sp>
-      <p:sp>
-        <p:nvSpPr>
-          <p:cNvPr id="33" name="六边形 32"/>
-          <p:cNvSpPr/>
-          <p:nvPr/>
-        </p:nvSpPr>
-        <p:spPr>
-          <a:xfrm rot="5400000" flipH="1">
-            <a:off x="1957338" y="6647237"/>
-            <a:ext cx="1833900" cy="1565045"/>
-          </a:xfrm>
-          <a:prstGeom prst="hexagon">
-            <a:avLst>
-              <a:gd name="adj" fmla="val 27952"/>
-              <a:gd name="vf" fmla="val 115470"/>
-            </a:avLst>
-          </a:prstGeom>
-          <a:gradFill flip="none" rotWithShape="1">
-            <a:gsLst>
-              <a:gs pos="0">
-                <a:srgbClr val="FBFBFB"/>
-              </a:gs>
-              <a:gs pos="100000">
-                <a:srgbClr val="E1E1E1"/>
-              </a:gs>
-            </a:gsLst>
-            <a:lin ang="18900000" scaled="1"/>
-            <a:tileRect/>
-          </a:gradFill>
-          <a:ln w="38100">
-            <a:gradFill>
-              <a:gsLst>
-                <a:gs pos="0">
-                  <a:srgbClr val="FCFCFC"/>
-                </a:gs>
-                <a:gs pos="100000">
-                  <a:srgbClr val="E1E1E1"/>
-                </a:gs>
-              </a:gsLst>
-              <a:lin ang="5400000" scaled="1"/>
-            </a:gradFill>
-          </a:ln>
-          <a:effectLst>
-            <a:outerShdw blurRad="901700" dist="927100" dir="11040000" sx="91000" sy="91000" algn="tr" rotWithShape="0">
-              <a:prstClr val="black">
-                <a:alpha val="5000"/>
-              </a:prstClr>
-            </a:outerShdw>
-          </a:effectLst>
-        </p:spPr>
-        <p:style>
-          <a:lnRef idx="2">
-            <a:schemeClr val="accent1">
-              <a:shade val="50000"/>
-            </a:schemeClr>
-          </a:lnRef>
-          <a:fillRef idx="1">
-            <a:schemeClr val="accent1"/>
-          </a:fillRef>
-          <a:effectRef idx="0">
-            <a:schemeClr val="accent1"/>
-          </a:effectRef>
-          <a:fontRef idx="minor">
-            <a:schemeClr val="lt1"/>
-          </a:fontRef>
-        </p:style>
-        <p:txBody>
-          <a:bodyPr rtlCol="0" anchor="ctr"/>
-          <a:lstStyle/>
-          <a:p>
-            <a:pPr algn="ctr"/>
-            <a:endParaRPr lang="zh-CN" altLang="en-US"/>
-          </a:p>
-        </p:txBody>
-      </p:sp>
-      <p:sp>
-        <p:nvSpPr>
-          <p:cNvPr id="34" name="六边形 33"/>
-          <p:cNvSpPr/>
-          <p:nvPr/>
-        </p:nvSpPr>
-        <p:spPr>
-          <a:xfrm rot="5400000" flipH="1">
-            <a:off x="-300354" y="5341249"/>
-            <a:ext cx="2581335" cy="2202903"/>
-          </a:xfrm>
-          <a:prstGeom prst="hexagon">
-            <a:avLst>
-              <a:gd name="adj" fmla="val 27952"/>
-              <a:gd name="vf" fmla="val 115470"/>
-            </a:avLst>
-          </a:prstGeom>
-          <a:gradFill flip="none" rotWithShape="1">
-            <a:gsLst>
-              <a:gs pos="0">
-                <a:srgbClr val="FBFBFB"/>
-              </a:gs>
-              <a:gs pos="100000">
-                <a:srgbClr val="E1E1E1"/>
-              </a:gs>
-            </a:gsLst>
-            <a:lin ang="18900000" scaled="1"/>
-            <a:tileRect/>
-          </a:gradFill>
-          <a:ln w="38100">
-            <a:gradFill>
-              <a:gsLst>
-                <a:gs pos="0">
-                  <a:srgbClr val="FCFCFC"/>
-                </a:gs>
-                <a:gs pos="100000">
-                  <a:srgbClr val="E1E1E1"/>
-                </a:gs>
-              </a:gsLst>
-              <a:lin ang="5400000" scaled="1"/>
-            </a:gradFill>
-          </a:ln>
-          <a:effectLst>
-            <a:outerShdw blurRad="901700" dist="927100" dir="11040000" sx="91000" sy="91000" algn="tr" rotWithShape="0">
-              <a:prstClr val="black">
-                <a:alpha val="5000"/>
-              </a:prstClr>
-            </a:outerShdw>
-          </a:effectLst>
-        </p:spPr>
-        <p:style>
-          <a:lnRef idx="2">
-            <a:schemeClr val="accent1">
-              <a:shade val="50000"/>
-            </a:schemeClr>
-          </a:lnRef>
-          <a:fillRef idx="1">
-            <a:schemeClr val="accent1"/>
-          </a:fillRef>
-          <a:effectRef idx="0">
-            <a:schemeClr val="accent1"/>
-          </a:effectRef>
-          <a:fontRef idx="minor">
-            <a:schemeClr val="lt1"/>
-          </a:fontRef>
-        </p:style>
-        <p:txBody>
-          <a:bodyPr rtlCol="0" anchor="ctr"/>
-          <a:lstStyle/>
-          <a:p>
-            <a:pPr algn="ctr"/>
-            <a:endParaRPr lang="zh-CN" altLang="en-US"/>
-          </a:p>
-        </p:txBody>
-      </p:sp>
-      <p:sp>
-        <p:nvSpPr>
-          <p:cNvPr id="35" name="六边形 34"/>
-          <p:cNvSpPr/>
-          <p:nvPr/>
-        </p:nvSpPr>
-        <p:spPr>
-          <a:xfrm rot="5400000" flipH="1">
-            <a:off x="8480954" y="6906027"/>
-            <a:ext cx="519340" cy="443204"/>
-          </a:xfrm>
-          <a:prstGeom prst="hexagon">
-            <a:avLst>
-              <a:gd name="adj" fmla="val 27952"/>
-              <a:gd name="vf" fmla="val 115470"/>
-            </a:avLst>
-          </a:prstGeom>
-          <a:gradFill flip="none" rotWithShape="1">
-            <a:gsLst>
-              <a:gs pos="0">
-                <a:srgbClr val="FBFBFB"/>
-              </a:gs>
-              <a:gs pos="100000">
-                <a:srgbClr val="E1E1E1"/>
-              </a:gs>
-            </a:gsLst>
-            <a:lin ang="18900000" scaled="1"/>
-            <a:tileRect/>
-          </a:gradFill>
-          <a:ln w="38100">
-            <a:gradFill>
-              <a:gsLst>
-                <a:gs pos="0">
-                  <a:srgbClr val="FCFCFC"/>
-                </a:gs>
-                <a:gs pos="100000">
-                  <a:srgbClr val="E1E1E1"/>
-                </a:gs>
-              </a:gsLst>
-              <a:lin ang="5400000" scaled="1"/>
-            </a:gradFill>
-          </a:ln>
-          <a:effectLst>
-            <a:outerShdw blurRad="901700" dist="927100" dir="11040000" sx="91000" sy="91000" algn="tr" rotWithShape="0">
-              <a:prstClr val="black">
-                <a:alpha val="5000"/>
-              </a:prstClr>
-            </a:outerShdw>
-          </a:effectLst>
-        </p:spPr>
-        <p:style>
-          <a:lnRef idx="2">
-            <a:schemeClr val="accent1">
-              <a:shade val="50000"/>
-            </a:schemeClr>
-          </a:lnRef>
-          <a:fillRef idx="1">
-            <a:schemeClr val="accent1"/>
-          </a:fillRef>
-          <a:effectRef idx="0">
-            <a:schemeClr val="accent1"/>
-          </a:effectRef>
-          <a:fontRef idx="minor">
-            <a:schemeClr val="lt1"/>
-          </a:fontRef>
-        </p:style>
-        <p:txBody>
-          <a:bodyPr rtlCol="0" anchor="ctr"/>
-          <a:lstStyle/>
-          <a:p>
-            <a:pPr algn="ctr"/>
-            <a:endParaRPr lang="zh-CN" altLang="en-US"/>
-          </a:p>
-        </p:txBody>
-      </p:sp>
-      <p:sp>
-        <p:nvSpPr>
-          <p:cNvPr id="36" name="六边形 35"/>
-          <p:cNvSpPr/>
-          <p:nvPr/>
-        </p:nvSpPr>
-        <p:spPr>
-          <a:xfrm rot="5400000" flipH="1">
-            <a:off x="7644409" y="5524526"/>
-            <a:ext cx="519344" cy="443208"/>
-          </a:xfrm>
-          <a:prstGeom prst="hexagon">
-            <a:avLst>
-              <a:gd name="adj" fmla="val 27952"/>
-              <a:gd name="vf" fmla="val 115470"/>
-            </a:avLst>
-          </a:prstGeom>
-          <a:gradFill flip="none" rotWithShape="1">
-            <a:gsLst>
-              <a:gs pos="0">
-                <a:srgbClr val="FBFBFB"/>
-              </a:gs>
-              <a:gs pos="100000">
-                <a:srgbClr val="E1E1E1"/>
-              </a:gs>
-            </a:gsLst>
-            <a:lin ang="18900000" scaled="1"/>
-            <a:tileRect/>
-          </a:gradFill>
-          <a:ln w="38100">
-            <a:gradFill>
-              <a:gsLst>
-                <a:gs pos="0">
-                  <a:srgbClr val="FCFCFC"/>
-                </a:gs>
-                <a:gs pos="100000">
-                  <a:srgbClr val="E1E1E1"/>
-                </a:gs>
-              </a:gsLst>
-              <a:lin ang="5400000" scaled="1"/>
-            </a:gradFill>
-          </a:ln>
-          <a:effectLst>
-            <a:outerShdw blurRad="901700" dist="927100" dir="11040000" sx="91000" sy="91000" algn="tr" rotWithShape="0">
-              <a:prstClr val="black">
-                <a:alpha val="5000"/>
-              </a:prstClr>
-            </a:outerShdw>
-          </a:effectLst>
-        </p:spPr>
-        <p:style>
-          <a:lnRef idx="2">
-            <a:schemeClr val="accent1">
-              <a:shade val="50000"/>
-            </a:schemeClr>
-          </a:lnRef>
-          <a:fillRef idx="1">
-            <a:schemeClr val="accent1"/>
-          </a:fillRef>
-          <a:effectRef idx="0">
-            <a:schemeClr val="accent1"/>
-          </a:effectRef>
-          <a:fontRef idx="minor">
-            <a:schemeClr val="lt1"/>
-          </a:fontRef>
-        </p:style>
-        <p:txBody>
-          <a:bodyPr rtlCol="0" anchor="ctr"/>
-          <a:lstStyle/>
-          <a:p>
-            <a:pPr algn="ctr"/>
-            <a:endParaRPr lang="zh-CN" altLang="en-US"/>
+            <a:r>
+              <a:rPr lang="zh-CN" altLang="en-US" dirty="0">
+                <a:sym typeface="+mn-ea"/>
+              </a:rPr>
+              <a:t>菜</a:t>
+            </a:r>
+            <a:r>
+              <a:rPr lang="zh-CN" altLang="en-US" dirty="0" smtClean="0">
+                <a:sym typeface="+mn-ea"/>
+              </a:rPr>
+              <a:t>鸟驿站（入门级，适用于零基础人群）</a:t>
+            </a:r>
+            <a:r>
+              <a:rPr lang="en-US" altLang="zh-CN" dirty="0" smtClean="0">
+                <a:sym typeface="+mn-ea"/>
+              </a:rPr>
+              <a:t>	</a:t>
+            </a:r>
+            <a:r>
+              <a:rPr lang="en-US" altLang="zh-CN" dirty="0" smtClean="0">
+                <a:sym typeface="+mn-ea"/>
+                <a:hlinkClick r:id="rId2"/>
+              </a:rPr>
+              <a:t>http://www.runoob.com/</a:t>
+            </a:r>
+            <a:endParaRPr lang="en-US" altLang="zh-CN" dirty="0" smtClean="0">
+              <a:sym typeface="+mn-ea"/>
+            </a:endParaRPr>
+          </a:p>
+          <a:p>
+            <a:r>
+              <a:rPr lang="zh-CN" altLang="en-US" dirty="0" smtClean="0"/>
+              <a:t>慕课网，上面有一些免费的视频资源</a:t>
+            </a:r>
+            <a:endParaRPr lang="en-US" altLang="zh-CN" dirty="0" smtClean="0"/>
+          </a:p>
+          <a:p>
+            <a:r>
+              <a:rPr lang="zh-CN" altLang="en-US" dirty="0" smtClean="0"/>
+              <a:t>读书</a:t>
+            </a:r>
+            <a:r>
+              <a:rPr lang="zh-CN" altLang="en-US" dirty="0"/>
+              <a:t>好，多读书，读</a:t>
+            </a:r>
+            <a:r>
+              <a:rPr lang="zh-CN" altLang="en-US" dirty="0" smtClean="0"/>
+              <a:t>好书</a:t>
+            </a:r>
+            <a:endParaRPr lang="zh-CN" altLang="en-US" dirty="0"/>
           </a:p>
         </p:txBody>
       </p:sp>
@@ -5076,960 +4634,233 @@
   <p:clrMapOvr>
     <a:masterClrMapping/>
   </p:clrMapOvr>
+  <p:transition>
+    <p:wipe dir="r"/>
+  </p:transition>
   <p:timing>
     <p:tnLst>
       <p:par>
-        <p:cTn id="1" dur="indefinite" restart="never" nodeType="tmRoot">
-          <p:childTnLst>
-            <p:seq concurrent="1" nextAc="seek">
-              <p:cTn id="2" dur="indefinite" nodeType="mainSeq">
-                <p:childTnLst>
-                  <p:par>
-                    <p:cTn id="3" fill="hold">
-                      <p:stCondLst>
-                        <p:cond delay="indefinite"/>
-                        <p:cond evt="onBegin" delay="0">
-                          <p:tn val="2"/>
-                        </p:cond>
-                      </p:stCondLst>
-                      <p:childTnLst>
-                        <p:par>
-                          <p:cTn id="4" fill="hold">
-                            <p:stCondLst>
-                              <p:cond delay="0"/>
-                            </p:stCondLst>
-                            <p:childTnLst>
-                              <p:par>
-                                <p:cTn id="5" presetID="53" presetClass="entr" presetSubtype="16" fill="hold" grpId="0" nodeType="withEffect">
-                                  <p:stCondLst>
-                                    <p:cond delay="0"/>
-                                  </p:stCondLst>
-                                  <p:childTnLst>
-                                    <p:set>
-                                      <p:cBhvr>
-                                        <p:cTn id="6" dur="1" fill="hold">
-                                          <p:stCondLst>
-                                            <p:cond delay="0"/>
-                                          </p:stCondLst>
-                                        </p:cTn>
-                                        <p:tgtEl>
-                                          <p:spTgt spid="16"/>
-                                        </p:tgtEl>
-                                        <p:attrNameLst>
-                                          <p:attrName>style.visibility</p:attrName>
-                                        </p:attrNameLst>
-                                      </p:cBhvr>
-                                      <p:to>
-                                        <p:strVal val="visible"/>
-                                      </p:to>
-                                    </p:set>
-                                    <p:anim calcmode="lin" valueType="num">
-                                      <p:cBhvr>
-                                        <p:cTn id="7" dur="500" fill="hold"/>
-                                        <p:tgtEl>
-                                          <p:spTgt spid="16"/>
-                                        </p:tgtEl>
-                                        <p:attrNameLst>
-                                          <p:attrName>ppt_w</p:attrName>
-                                        </p:attrNameLst>
-                                      </p:cBhvr>
-                                      <p:tavLst>
-                                        <p:tav tm="0">
-                                          <p:val>
-                                            <p:fltVal val="0"/>
-                                          </p:val>
-                                        </p:tav>
-                                        <p:tav tm="100000">
-                                          <p:val>
-                                            <p:strVal val="#ppt_w"/>
-                                          </p:val>
-                                        </p:tav>
-                                      </p:tavLst>
-                                    </p:anim>
-                                    <p:anim calcmode="lin" valueType="num">
-                                      <p:cBhvr>
-                                        <p:cTn id="8" dur="500" fill="hold"/>
-                                        <p:tgtEl>
-                                          <p:spTgt spid="16"/>
-                                        </p:tgtEl>
-                                        <p:attrNameLst>
-                                          <p:attrName>ppt_h</p:attrName>
-                                        </p:attrNameLst>
-                                      </p:cBhvr>
-                                      <p:tavLst>
-                                        <p:tav tm="0">
-                                          <p:val>
-                                            <p:fltVal val="0"/>
-                                          </p:val>
-                                        </p:tav>
-                                        <p:tav tm="100000">
-                                          <p:val>
-                                            <p:strVal val="#ppt_h"/>
-                                          </p:val>
-                                        </p:tav>
-                                      </p:tavLst>
-                                    </p:anim>
-                                    <p:animEffect transition="in" filter="fade">
-                                      <p:cBhvr>
-                                        <p:cTn id="9" dur="500"/>
-                                        <p:tgtEl>
-                                          <p:spTgt spid="16"/>
-                                        </p:tgtEl>
-                                      </p:cBhvr>
-                                    </p:animEffect>
-                                  </p:childTnLst>
-                                </p:cTn>
-                              </p:par>
-                              <p:par>
-                                <p:cTn id="10" presetID="42" presetClass="entr" presetSubtype="0" fill="hold" grpId="0" nodeType="withEffect">
-                                  <p:stCondLst>
-                                    <p:cond delay="0"/>
-                                  </p:stCondLst>
-                                  <p:childTnLst>
-                                    <p:set>
-                                      <p:cBhvr>
-                                        <p:cTn id="11" dur="1" fill="hold">
-                                          <p:stCondLst>
-                                            <p:cond delay="0"/>
-                                          </p:stCondLst>
-                                        </p:cTn>
-                                        <p:tgtEl>
-                                          <p:spTgt spid="34"/>
-                                        </p:tgtEl>
-                                        <p:attrNameLst>
-                                          <p:attrName>style.visibility</p:attrName>
-                                        </p:attrNameLst>
-                                      </p:cBhvr>
-                                      <p:to>
-                                        <p:strVal val="visible"/>
-                                      </p:to>
-                                    </p:set>
-                                    <p:animEffect transition="in" filter="fade">
-                                      <p:cBhvr>
-                                        <p:cTn id="12" dur="1000"/>
-                                        <p:tgtEl>
-                                          <p:spTgt spid="34"/>
-                                        </p:tgtEl>
-                                      </p:cBhvr>
-                                    </p:animEffect>
-                                    <p:anim calcmode="lin" valueType="num">
-                                      <p:cBhvr>
-                                        <p:cTn id="13" dur="1000" fill="hold"/>
-                                        <p:tgtEl>
-                                          <p:spTgt spid="34"/>
-                                        </p:tgtEl>
-                                        <p:attrNameLst>
-                                          <p:attrName>ppt_x</p:attrName>
-                                        </p:attrNameLst>
-                                      </p:cBhvr>
-                                      <p:tavLst>
-                                        <p:tav tm="0">
-                                          <p:val>
-                                            <p:strVal val="#ppt_x"/>
-                                          </p:val>
-                                        </p:tav>
-                                        <p:tav tm="100000">
-                                          <p:val>
-                                            <p:strVal val="#ppt_x"/>
-                                          </p:val>
-                                        </p:tav>
-                                      </p:tavLst>
-                                    </p:anim>
-                                    <p:anim calcmode="lin" valueType="num">
-                                      <p:cBhvr>
-                                        <p:cTn id="14" dur="1000" fill="hold"/>
-                                        <p:tgtEl>
-                                          <p:spTgt spid="34"/>
-                                        </p:tgtEl>
-                                        <p:attrNameLst>
-                                          <p:attrName>ppt_y</p:attrName>
-                                        </p:attrNameLst>
-                                      </p:cBhvr>
-                                      <p:tavLst>
-                                        <p:tav tm="0">
-                                          <p:val>
-                                            <p:strVal val="#ppt_y+.1"/>
-                                          </p:val>
-                                        </p:tav>
-                                        <p:tav tm="100000">
-                                          <p:val>
-                                            <p:strVal val="#ppt_y"/>
-                                          </p:val>
-                                        </p:tav>
-                                      </p:tavLst>
-                                    </p:anim>
-                                  </p:childTnLst>
-                                </p:cTn>
-                              </p:par>
-                              <p:par>
-                                <p:cTn id="15" presetID="42" presetClass="entr" presetSubtype="0" fill="hold" grpId="0" nodeType="withEffect">
-                                  <p:stCondLst>
-                                    <p:cond delay="0"/>
-                                  </p:stCondLst>
-                                  <p:childTnLst>
-                                    <p:set>
-                                      <p:cBhvr>
-                                        <p:cTn id="16" dur="1" fill="hold">
-                                          <p:stCondLst>
-                                            <p:cond delay="0"/>
-                                          </p:stCondLst>
-                                        </p:cTn>
-                                        <p:tgtEl>
-                                          <p:spTgt spid="29"/>
-                                        </p:tgtEl>
-                                        <p:attrNameLst>
-                                          <p:attrName>style.visibility</p:attrName>
-                                        </p:attrNameLst>
-                                      </p:cBhvr>
-                                      <p:to>
-                                        <p:strVal val="visible"/>
-                                      </p:to>
-                                    </p:set>
-                                    <p:animEffect transition="in" filter="fade">
-                                      <p:cBhvr>
-                                        <p:cTn id="17" dur="1000"/>
-                                        <p:tgtEl>
-                                          <p:spTgt spid="29"/>
-                                        </p:tgtEl>
-                                      </p:cBhvr>
-                                    </p:animEffect>
-                                    <p:anim calcmode="lin" valueType="num">
-                                      <p:cBhvr>
-                                        <p:cTn id="18" dur="1000" fill="hold"/>
-                                        <p:tgtEl>
-                                          <p:spTgt spid="29"/>
-                                        </p:tgtEl>
-                                        <p:attrNameLst>
-                                          <p:attrName>ppt_x</p:attrName>
-                                        </p:attrNameLst>
-                                      </p:cBhvr>
-                                      <p:tavLst>
-                                        <p:tav tm="0">
-                                          <p:val>
-                                            <p:strVal val="#ppt_x"/>
-                                          </p:val>
-                                        </p:tav>
-                                        <p:tav tm="100000">
-                                          <p:val>
-                                            <p:strVal val="#ppt_x"/>
-                                          </p:val>
-                                        </p:tav>
-                                      </p:tavLst>
-                                    </p:anim>
-                                    <p:anim calcmode="lin" valueType="num">
-                                      <p:cBhvr>
-                                        <p:cTn id="19" dur="1000" fill="hold"/>
-                                        <p:tgtEl>
-                                          <p:spTgt spid="29"/>
-                                        </p:tgtEl>
-                                        <p:attrNameLst>
-                                          <p:attrName>ppt_y</p:attrName>
-                                        </p:attrNameLst>
-                                      </p:cBhvr>
-                                      <p:tavLst>
-                                        <p:tav tm="0">
-                                          <p:val>
-                                            <p:strVal val="#ppt_y+.1"/>
-                                          </p:val>
-                                        </p:tav>
-                                        <p:tav tm="100000">
-                                          <p:val>
-                                            <p:strVal val="#ppt_y"/>
-                                          </p:val>
-                                        </p:tav>
-                                      </p:tavLst>
-                                    </p:anim>
-                                  </p:childTnLst>
-                                </p:cTn>
-                              </p:par>
-                              <p:par>
-                                <p:cTn id="20" presetID="42" presetClass="entr" presetSubtype="0" fill="hold" grpId="0" nodeType="withEffect">
-                                  <p:stCondLst>
-                                    <p:cond delay="0"/>
-                                  </p:stCondLst>
-                                  <p:childTnLst>
-                                    <p:set>
-                                      <p:cBhvr>
-                                        <p:cTn id="21" dur="1" fill="hold">
-                                          <p:stCondLst>
-                                            <p:cond delay="0"/>
-                                          </p:stCondLst>
-                                        </p:cTn>
-                                        <p:tgtEl>
-                                          <p:spTgt spid="33"/>
-                                        </p:tgtEl>
-                                        <p:attrNameLst>
-                                          <p:attrName>style.visibility</p:attrName>
-                                        </p:attrNameLst>
-                                      </p:cBhvr>
-                                      <p:to>
-                                        <p:strVal val="visible"/>
-                                      </p:to>
-                                    </p:set>
-                                    <p:animEffect transition="in" filter="fade">
-                                      <p:cBhvr>
-                                        <p:cTn id="22" dur="1000"/>
-                                        <p:tgtEl>
-                                          <p:spTgt spid="33"/>
-                                        </p:tgtEl>
-                                      </p:cBhvr>
-                                    </p:animEffect>
-                                    <p:anim calcmode="lin" valueType="num">
-                                      <p:cBhvr>
-                                        <p:cTn id="23" dur="1000" fill="hold"/>
-                                        <p:tgtEl>
-                                          <p:spTgt spid="33"/>
-                                        </p:tgtEl>
-                                        <p:attrNameLst>
-                                          <p:attrName>ppt_x</p:attrName>
-                                        </p:attrNameLst>
-                                      </p:cBhvr>
-                                      <p:tavLst>
-                                        <p:tav tm="0">
-                                          <p:val>
-                                            <p:strVal val="#ppt_x"/>
-                                          </p:val>
-                                        </p:tav>
-                                        <p:tav tm="100000">
-                                          <p:val>
-                                            <p:strVal val="#ppt_x"/>
-                                          </p:val>
-                                        </p:tav>
-                                      </p:tavLst>
-                                    </p:anim>
-                                    <p:anim calcmode="lin" valueType="num">
-                                      <p:cBhvr>
-                                        <p:cTn id="24" dur="1000" fill="hold"/>
-                                        <p:tgtEl>
-                                          <p:spTgt spid="33"/>
-                                        </p:tgtEl>
-                                        <p:attrNameLst>
-                                          <p:attrName>ppt_y</p:attrName>
-                                        </p:attrNameLst>
-                                      </p:cBhvr>
-                                      <p:tavLst>
-                                        <p:tav tm="0">
-                                          <p:val>
-                                            <p:strVal val="#ppt_y+.1"/>
-                                          </p:val>
-                                        </p:tav>
-                                        <p:tav tm="100000">
-                                          <p:val>
-                                            <p:strVal val="#ppt_y"/>
-                                          </p:val>
-                                        </p:tav>
-                                      </p:tavLst>
-                                    </p:anim>
-                                  </p:childTnLst>
-                                </p:cTn>
-                              </p:par>
-                              <p:par>
-                                <p:cTn id="25" presetID="42" presetClass="entr" presetSubtype="0" fill="hold" grpId="0" nodeType="withEffect">
-                                  <p:stCondLst>
-                                    <p:cond delay="0"/>
-                                  </p:stCondLst>
-                                  <p:childTnLst>
-                                    <p:set>
-                                      <p:cBhvr>
-                                        <p:cTn id="26" dur="1" fill="hold">
-                                          <p:stCondLst>
-                                            <p:cond delay="0"/>
-                                          </p:stCondLst>
-                                        </p:cTn>
-                                        <p:tgtEl>
-                                          <p:spTgt spid="28"/>
-                                        </p:tgtEl>
-                                        <p:attrNameLst>
-                                          <p:attrName>style.visibility</p:attrName>
-                                        </p:attrNameLst>
-                                      </p:cBhvr>
-                                      <p:to>
-                                        <p:strVal val="visible"/>
-                                      </p:to>
-                                    </p:set>
-                                    <p:animEffect transition="in" filter="fade">
-                                      <p:cBhvr>
-                                        <p:cTn id="27" dur="1000"/>
-                                        <p:tgtEl>
-                                          <p:spTgt spid="28"/>
-                                        </p:tgtEl>
-                                      </p:cBhvr>
-                                    </p:animEffect>
-                                    <p:anim calcmode="lin" valueType="num">
-                                      <p:cBhvr>
-                                        <p:cTn id="28" dur="1000" fill="hold"/>
-                                        <p:tgtEl>
-                                          <p:spTgt spid="28"/>
-                                        </p:tgtEl>
-                                        <p:attrNameLst>
-                                          <p:attrName>ppt_x</p:attrName>
-                                        </p:attrNameLst>
-                                      </p:cBhvr>
-                                      <p:tavLst>
-                                        <p:tav tm="0">
-                                          <p:val>
-                                            <p:strVal val="#ppt_x"/>
-                                          </p:val>
-                                        </p:tav>
-                                        <p:tav tm="100000">
-                                          <p:val>
-                                            <p:strVal val="#ppt_x"/>
-                                          </p:val>
-                                        </p:tav>
-                                      </p:tavLst>
-                                    </p:anim>
-                                    <p:anim calcmode="lin" valueType="num">
-                                      <p:cBhvr>
-                                        <p:cTn id="29" dur="1000" fill="hold"/>
-                                        <p:tgtEl>
-                                          <p:spTgt spid="28"/>
-                                        </p:tgtEl>
-                                        <p:attrNameLst>
-                                          <p:attrName>ppt_y</p:attrName>
-                                        </p:attrNameLst>
-                                      </p:cBhvr>
-                                      <p:tavLst>
-                                        <p:tav tm="0">
-                                          <p:val>
-                                            <p:strVal val="#ppt_y+.1"/>
-                                          </p:val>
-                                        </p:tav>
-                                        <p:tav tm="100000">
-                                          <p:val>
-                                            <p:strVal val="#ppt_y"/>
-                                          </p:val>
-                                        </p:tav>
-                                      </p:tavLst>
-                                    </p:anim>
-                                  </p:childTnLst>
-                                </p:cTn>
-                              </p:par>
-                              <p:par>
-                                <p:cTn id="30" presetID="42" presetClass="entr" presetSubtype="0" fill="hold" grpId="0" nodeType="withEffect">
-                                  <p:stCondLst>
-                                    <p:cond delay="0"/>
-                                  </p:stCondLst>
-                                  <p:childTnLst>
-                                    <p:set>
-                                      <p:cBhvr>
-                                        <p:cTn id="31" dur="1" fill="hold">
-                                          <p:stCondLst>
-                                            <p:cond delay="0"/>
-                                          </p:stCondLst>
-                                        </p:cTn>
-                                        <p:tgtEl>
-                                          <p:spTgt spid="27"/>
-                                        </p:tgtEl>
-                                        <p:attrNameLst>
-                                          <p:attrName>style.visibility</p:attrName>
-                                        </p:attrNameLst>
-                                      </p:cBhvr>
-                                      <p:to>
-                                        <p:strVal val="visible"/>
-                                      </p:to>
-                                    </p:set>
-                                    <p:animEffect transition="in" filter="fade">
-                                      <p:cBhvr>
-                                        <p:cTn id="32" dur="1000"/>
-                                        <p:tgtEl>
-                                          <p:spTgt spid="27"/>
-                                        </p:tgtEl>
-                                      </p:cBhvr>
-                                    </p:animEffect>
-                                    <p:anim calcmode="lin" valueType="num">
-                                      <p:cBhvr>
-                                        <p:cTn id="33" dur="1000" fill="hold"/>
-                                        <p:tgtEl>
-                                          <p:spTgt spid="27"/>
-                                        </p:tgtEl>
-                                        <p:attrNameLst>
-                                          <p:attrName>ppt_x</p:attrName>
-                                        </p:attrNameLst>
-                                      </p:cBhvr>
-                                      <p:tavLst>
-                                        <p:tav tm="0">
-                                          <p:val>
-                                            <p:strVal val="#ppt_x"/>
-                                          </p:val>
-                                        </p:tav>
-                                        <p:tav tm="100000">
-                                          <p:val>
-                                            <p:strVal val="#ppt_x"/>
-                                          </p:val>
-                                        </p:tav>
-                                      </p:tavLst>
-                                    </p:anim>
-                                    <p:anim calcmode="lin" valueType="num">
-                                      <p:cBhvr>
-                                        <p:cTn id="34" dur="1000" fill="hold"/>
-                                        <p:tgtEl>
-                                          <p:spTgt spid="27"/>
-                                        </p:tgtEl>
-                                        <p:attrNameLst>
-                                          <p:attrName>ppt_y</p:attrName>
-                                        </p:attrNameLst>
-                                      </p:cBhvr>
-                                      <p:tavLst>
-                                        <p:tav tm="0">
-                                          <p:val>
-                                            <p:strVal val="#ppt_y+.1"/>
-                                          </p:val>
-                                        </p:tav>
-                                        <p:tav tm="100000">
-                                          <p:val>
-                                            <p:strVal val="#ppt_y"/>
-                                          </p:val>
-                                        </p:tav>
-                                      </p:tavLst>
-                                    </p:anim>
-                                  </p:childTnLst>
-                                </p:cTn>
-                              </p:par>
-                              <p:par>
-                                <p:cTn id="35" presetID="42" presetClass="entr" presetSubtype="0" fill="hold" grpId="0" nodeType="withEffect">
-                                  <p:stCondLst>
-                                    <p:cond delay="0"/>
-                                  </p:stCondLst>
-                                  <p:childTnLst>
-                                    <p:set>
-                                      <p:cBhvr>
-                                        <p:cTn id="36" dur="1" fill="hold">
-                                          <p:stCondLst>
-                                            <p:cond delay="0"/>
-                                          </p:stCondLst>
-                                        </p:cTn>
-                                        <p:tgtEl>
-                                          <p:spTgt spid="36"/>
-                                        </p:tgtEl>
-                                        <p:attrNameLst>
-                                          <p:attrName>style.visibility</p:attrName>
-                                        </p:attrNameLst>
-                                      </p:cBhvr>
-                                      <p:to>
-                                        <p:strVal val="visible"/>
-                                      </p:to>
-                                    </p:set>
-                                    <p:animEffect transition="in" filter="fade">
-                                      <p:cBhvr>
-                                        <p:cTn id="37" dur="1000"/>
-                                        <p:tgtEl>
-                                          <p:spTgt spid="36"/>
-                                        </p:tgtEl>
-                                      </p:cBhvr>
-                                    </p:animEffect>
-                                    <p:anim calcmode="lin" valueType="num">
-                                      <p:cBhvr>
-                                        <p:cTn id="38" dur="1000" fill="hold"/>
-                                        <p:tgtEl>
-                                          <p:spTgt spid="36"/>
-                                        </p:tgtEl>
-                                        <p:attrNameLst>
-                                          <p:attrName>ppt_x</p:attrName>
-                                        </p:attrNameLst>
-                                      </p:cBhvr>
-                                      <p:tavLst>
-                                        <p:tav tm="0">
-                                          <p:val>
-                                            <p:strVal val="#ppt_x"/>
-                                          </p:val>
-                                        </p:tav>
-                                        <p:tav tm="100000">
-                                          <p:val>
-                                            <p:strVal val="#ppt_x"/>
-                                          </p:val>
-                                        </p:tav>
-                                      </p:tavLst>
-                                    </p:anim>
-                                    <p:anim calcmode="lin" valueType="num">
-                                      <p:cBhvr>
-                                        <p:cTn id="39" dur="1000" fill="hold"/>
-                                        <p:tgtEl>
-                                          <p:spTgt spid="36"/>
-                                        </p:tgtEl>
-                                        <p:attrNameLst>
-                                          <p:attrName>ppt_y</p:attrName>
-                                        </p:attrNameLst>
-                                      </p:cBhvr>
-                                      <p:tavLst>
-                                        <p:tav tm="0">
-                                          <p:val>
-                                            <p:strVal val="#ppt_y+.1"/>
-                                          </p:val>
-                                        </p:tav>
-                                        <p:tav tm="100000">
-                                          <p:val>
-                                            <p:strVal val="#ppt_y"/>
-                                          </p:val>
-                                        </p:tav>
-                                      </p:tavLst>
-                                    </p:anim>
-                                  </p:childTnLst>
-                                </p:cTn>
-                              </p:par>
-                              <p:par>
-                                <p:cTn id="40" presetID="42" presetClass="entr" presetSubtype="0" fill="hold" grpId="0" nodeType="withEffect">
-                                  <p:stCondLst>
-                                    <p:cond delay="0"/>
-                                  </p:stCondLst>
-                                  <p:childTnLst>
-                                    <p:set>
-                                      <p:cBhvr>
-                                        <p:cTn id="41" dur="1" fill="hold">
-                                          <p:stCondLst>
-                                            <p:cond delay="0"/>
-                                          </p:stCondLst>
-                                        </p:cTn>
-                                        <p:tgtEl>
-                                          <p:spTgt spid="30"/>
-                                        </p:tgtEl>
-                                        <p:attrNameLst>
-                                          <p:attrName>style.visibility</p:attrName>
-                                        </p:attrNameLst>
-                                      </p:cBhvr>
-                                      <p:to>
-                                        <p:strVal val="visible"/>
-                                      </p:to>
-                                    </p:set>
-                                    <p:animEffect transition="in" filter="fade">
-                                      <p:cBhvr>
-                                        <p:cTn id="42" dur="1000"/>
-                                        <p:tgtEl>
-                                          <p:spTgt spid="30"/>
-                                        </p:tgtEl>
-                                      </p:cBhvr>
-                                    </p:animEffect>
-                                    <p:anim calcmode="lin" valueType="num">
-                                      <p:cBhvr>
-                                        <p:cTn id="43" dur="1000" fill="hold"/>
-                                        <p:tgtEl>
-                                          <p:spTgt spid="30"/>
-                                        </p:tgtEl>
-                                        <p:attrNameLst>
-                                          <p:attrName>ppt_x</p:attrName>
-                                        </p:attrNameLst>
-                                      </p:cBhvr>
-                                      <p:tavLst>
-                                        <p:tav tm="0">
-                                          <p:val>
-                                            <p:strVal val="#ppt_x"/>
-                                          </p:val>
-                                        </p:tav>
-                                        <p:tav tm="100000">
-                                          <p:val>
-                                            <p:strVal val="#ppt_x"/>
-                                          </p:val>
-                                        </p:tav>
-                                      </p:tavLst>
-                                    </p:anim>
-                                    <p:anim calcmode="lin" valueType="num">
-                                      <p:cBhvr>
-                                        <p:cTn id="44" dur="1000" fill="hold"/>
-                                        <p:tgtEl>
-                                          <p:spTgt spid="30"/>
-                                        </p:tgtEl>
-                                        <p:attrNameLst>
-                                          <p:attrName>ppt_y</p:attrName>
-                                        </p:attrNameLst>
-                                      </p:cBhvr>
-                                      <p:tavLst>
-                                        <p:tav tm="0">
-                                          <p:val>
-                                            <p:strVal val="#ppt_y+.1"/>
-                                          </p:val>
-                                        </p:tav>
-                                        <p:tav tm="100000">
-                                          <p:val>
-                                            <p:strVal val="#ppt_y"/>
-                                          </p:val>
-                                        </p:tav>
-                                      </p:tavLst>
-                                    </p:anim>
-                                  </p:childTnLst>
-                                </p:cTn>
-                              </p:par>
-                              <p:par>
-                                <p:cTn id="45" presetID="42" presetClass="entr" presetSubtype="0" fill="hold" grpId="0" nodeType="withEffect">
-                                  <p:stCondLst>
-                                    <p:cond delay="0"/>
-                                  </p:stCondLst>
-                                  <p:childTnLst>
-                                    <p:set>
-                                      <p:cBhvr>
-                                        <p:cTn id="46" dur="1" fill="hold">
-                                          <p:stCondLst>
-                                            <p:cond delay="0"/>
-                                          </p:stCondLst>
-                                        </p:cTn>
-                                        <p:tgtEl>
-                                          <p:spTgt spid="32"/>
-                                        </p:tgtEl>
-                                        <p:attrNameLst>
-                                          <p:attrName>style.visibility</p:attrName>
-                                        </p:attrNameLst>
-                                      </p:cBhvr>
-                                      <p:to>
-                                        <p:strVal val="visible"/>
-                                      </p:to>
-                                    </p:set>
-                                    <p:animEffect transition="in" filter="fade">
-                                      <p:cBhvr>
-                                        <p:cTn id="47" dur="1000"/>
-                                        <p:tgtEl>
-                                          <p:spTgt spid="32"/>
-                                        </p:tgtEl>
-                                      </p:cBhvr>
-                                    </p:animEffect>
-                                    <p:anim calcmode="lin" valueType="num">
-                                      <p:cBhvr>
-                                        <p:cTn id="48" dur="1000" fill="hold"/>
-                                        <p:tgtEl>
-                                          <p:spTgt spid="32"/>
-                                        </p:tgtEl>
-                                        <p:attrNameLst>
-                                          <p:attrName>ppt_x</p:attrName>
-                                        </p:attrNameLst>
-                                      </p:cBhvr>
-                                      <p:tavLst>
-                                        <p:tav tm="0">
-                                          <p:val>
-                                            <p:strVal val="#ppt_x"/>
-                                          </p:val>
-                                        </p:tav>
-                                        <p:tav tm="100000">
-                                          <p:val>
-                                            <p:strVal val="#ppt_x"/>
-                                          </p:val>
-                                        </p:tav>
-                                      </p:tavLst>
-                                    </p:anim>
-                                    <p:anim calcmode="lin" valueType="num">
-                                      <p:cBhvr>
-                                        <p:cTn id="49" dur="1000" fill="hold"/>
-                                        <p:tgtEl>
-                                          <p:spTgt spid="32"/>
-                                        </p:tgtEl>
-                                        <p:attrNameLst>
-                                          <p:attrName>ppt_y</p:attrName>
-                                        </p:attrNameLst>
-                                      </p:cBhvr>
-                                      <p:tavLst>
-                                        <p:tav tm="0">
-                                          <p:val>
-                                            <p:strVal val="#ppt_y+.1"/>
-                                          </p:val>
-                                        </p:tav>
-                                        <p:tav tm="100000">
-                                          <p:val>
-                                            <p:strVal val="#ppt_y"/>
-                                          </p:val>
-                                        </p:tav>
-                                      </p:tavLst>
-                                    </p:anim>
-                                  </p:childTnLst>
-                                </p:cTn>
-                              </p:par>
-                              <p:par>
-                                <p:cTn id="50" presetID="42" presetClass="entr" presetSubtype="0" fill="hold" grpId="0" nodeType="withEffect">
-                                  <p:stCondLst>
-                                    <p:cond delay="0"/>
-                                  </p:stCondLst>
-                                  <p:childTnLst>
-                                    <p:set>
-                                      <p:cBhvr>
-                                        <p:cTn id="51" dur="1" fill="hold">
-                                          <p:stCondLst>
-                                            <p:cond delay="0"/>
-                                          </p:stCondLst>
-                                        </p:cTn>
-                                        <p:tgtEl>
-                                          <p:spTgt spid="31"/>
-                                        </p:tgtEl>
-                                        <p:attrNameLst>
-                                          <p:attrName>style.visibility</p:attrName>
-                                        </p:attrNameLst>
-                                      </p:cBhvr>
-                                      <p:to>
-                                        <p:strVal val="visible"/>
-                                      </p:to>
-                                    </p:set>
-                                    <p:animEffect transition="in" filter="fade">
-                                      <p:cBhvr>
-                                        <p:cTn id="52" dur="1000"/>
-                                        <p:tgtEl>
-                                          <p:spTgt spid="31"/>
-                                        </p:tgtEl>
-                                      </p:cBhvr>
-                                    </p:animEffect>
-                                    <p:anim calcmode="lin" valueType="num">
-                                      <p:cBhvr>
-                                        <p:cTn id="53" dur="1000" fill="hold"/>
-                                        <p:tgtEl>
-                                          <p:spTgt spid="31"/>
-                                        </p:tgtEl>
-                                        <p:attrNameLst>
-                                          <p:attrName>ppt_x</p:attrName>
-                                        </p:attrNameLst>
-                                      </p:cBhvr>
-                                      <p:tavLst>
-                                        <p:tav tm="0">
-                                          <p:val>
-                                            <p:strVal val="#ppt_x"/>
-                                          </p:val>
-                                        </p:tav>
-                                        <p:tav tm="100000">
-                                          <p:val>
-                                            <p:strVal val="#ppt_x"/>
-                                          </p:val>
-                                        </p:tav>
-                                      </p:tavLst>
-                                    </p:anim>
-                                    <p:anim calcmode="lin" valueType="num">
-                                      <p:cBhvr>
-                                        <p:cTn id="54" dur="1000" fill="hold"/>
-                                        <p:tgtEl>
-                                          <p:spTgt spid="31"/>
-                                        </p:tgtEl>
-                                        <p:attrNameLst>
-                                          <p:attrName>ppt_y</p:attrName>
-                                        </p:attrNameLst>
-                                      </p:cBhvr>
-                                      <p:tavLst>
-                                        <p:tav tm="0">
-                                          <p:val>
-                                            <p:strVal val="#ppt_y+.1"/>
-                                          </p:val>
-                                        </p:tav>
-                                        <p:tav tm="100000">
-                                          <p:val>
-                                            <p:strVal val="#ppt_y"/>
-                                          </p:val>
-                                        </p:tav>
-                                      </p:tavLst>
-                                    </p:anim>
-                                  </p:childTnLst>
-                                </p:cTn>
-                              </p:par>
-                              <p:par>
-                                <p:cTn id="55" presetID="42" presetClass="entr" presetSubtype="0" fill="hold" grpId="0" nodeType="withEffect">
-                                  <p:stCondLst>
-                                    <p:cond delay="0"/>
-                                  </p:stCondLst>
-                                  <p:childTnLst>
-                                    <p:set>
-                                      <p:cBhvr>
-                                        <p:cTn id="56" dur="1" fill="hold">
-                                          <p:stCondLst>
-                                            <p:cond delay="0"/>
-                                          </p:stCondLst>
-                                        </p:cTn>
-                                        <p:tgtEl>
-                                          <p:spTgt spid="35"/>
-                                        </p:tgtEl>
-                                        <p:attrNameLst>
-                                          <p:attrName>style.visibility</p:attrName>
-                                        </p:attrNameLst>
-                                      </p:cBhvr>
-                                      <p:to>
-                                        <p:strVal val="visible"/>
-                                      </p:to>
-                                    </p:set>
-                                    <p:animEffect transition="in" filter="fade">
-                                      <p:cBhvr>
-                                        <p:cTn id="57" dur="1000"/>
-                                        <p:tgtEl>
-                                          <p:spTgt spid="35"/>
-                                        </p:tgtEl>
-                                      </p:cBhvr>
-                                    </p:animEffect>
-                                    <p:anim calcmode="lin" valueType="num">
-                                      <p:cBhvr>
-                                        <p:cTn id="58" dur="1000" fill="hold"/>
-                                        <p:tgtEl>
-                                          <p:spTgt spid="35"/>
-                                        </p:tgtEl>
-                                        <p:attrNameLst>
-                                          <p:attrName>ppt_x</p:attrName>
-                                        </p:attrNameLst>
-                                      </p:cBhvr>
-                                      <p:tavLst>
-                                        <p:tav tm="0">
-                                          <p:val>
-                                            <p:strVal val="#ppt_x"/>
-                                          </p:val>
-                                        </p:tav>
-                                        <p:tav tm="100000">
-                                          <p:val>
-                                            <p:strVal val="#ppt_x"/>
-                                          </p:val>
-                                        </p:tav>
-                                      </p:tavLst>
-                                    </p:anim>
-                                    <p:anim calcmode="lin" valueType="num">
-                                      <p:cBhvr>
-                                        <p:cTn id="59" dur="1000" fill="hold"/>
-                                        <p:tgtEl>
-                                          <p:spTgt spid="35"/>
-                                        </p:tgtEl>
-                                        <p:attrNameLst>
-                                          <p:attrName>ppt_y</p:attrName>
-                                        </p:attrNameLst>
-                                      </p:cBhvr>
-                                      <p:tavLst>
-                                        <p:tav tm="0">
-                                          <p:val>
-                                            <p:strVal val="#ppt_y+.1"/>
-                                          </p:val>
-                                        </p:tav>
-                                        <p:tav tm="100000">
-                                          <p:val>
-                                            <p:strVal val="#ppt_y"/>
-                                          </p:val>
-                                        </p:tav>
-                                      </p:tavLst>
-                                    </p:anim>
-                                  </p:childTnLst>
-                                </p:cTn>
-                              </p:par>
-                            </p:childTnLst>
-                          </p:cTn>
-                        </p:par>
-                      </p:childTnLst>
-                    </p:cTn>
-                  </p:par>
-                </p:childTnLst>
-              </p:cTn>
-              <p:prevCondLst>
-                <p:cond evt="onPrev" delay="0">
-                  <p:tgtEl>
-                    <p:sldTgt/>
-                  </p:tgtEl>
-                </p:cond>
-              </p:prevCondLst>
-              <p:nextCondLst>
-                <p:cond evt="onNext" delay="0">
-                  <p:tgtEl>
-                    <p:sldTgt/>
-                  </p:tgtEl>
-                </p:cond>
-              </p:nextCondLst>
-            </p:seq>
-          </p:childTnLst>
-        </p:cTn>
+        <p:cTn id="1" dur="indefinite" restart="never" nodeType="tmRoot"/>
       </p:par>
     </p:tnLst>
-    <p:bldLst>
-      <p:bldP spid="16" grpId="0" bldLvl="0" animBg="1"/>
-      <p:bldP spid="27" grpId="0" animBg="1"/>
-      <p:bldP spid="28" grpId="0" animBg="1"/>
-      <p:bldP spid="29" grpId="0" animBg="1"/>
-      <p:bldP spid="30" grpId="0" animBg="1"/>
-      <p:bldP spid="31" grpId="0" animBg="1"/>
-      <p:bldP spid="32" grpId="0" animBg="1"/>
-      <p:bldP spid="33" grpId="0" animBg="1"/>
-      <p:bldP spid="34" grpId="0" animBg="1"/>
-      <p:bldP spid="35" grpId="0" animBg="1"/>
-      <p:bldP spid="36" grpId="0" animBg="1"/>
-    </p:bldLst>
+  </p:timing>
+</p:sld>
+</file>
+
+<file path=ppt/slides/slide19.xml><?xml version="1.0" encoding="utf-8"?>
+<p:sld xmlns:a="http://schemas.openxmlformats.org/drawingml/2006/main" xmlns:r="http://schemas.openxmlformats.org/officeDocument/2006/relationships" xmlns:p="http://schemas.openxmlformats.org/presentationml/2006/main">
+  <p:cSld>
+    <p:spTree>
+      <p:nvGrpSpPr>
+        <p:cNvPr id="1" name=""/>
+        <p:cNvGrpSpPr/>
+        <p:nvPr/>
+      </p:nvGrpSpPr>
+      <p:grpSpPr>
+        <a:xfrm>
+          <a:off x="0" y="0"/>
+          <a:ext cx="0" cy="0"/>
+          <a:chOff x="0" y="0"/>
+          <a:chExt cx="0" cy="0"/>
+        </a:xfrm>
+      </p:grpSpPr>
+      <p:sp>
+        <p:nvSpPr>
+          <p:cNvPr id="2" name="标题 1"/>
+          <p:cNvSpPr>
+            <a:spLocks noGrp="1"/>
+          </p:cNvSpPr>
+          <p:nvPr>
+            <p:ph type="ctrTitle"/>
+          </p:nvPr>
+        </p:nvSpPr>
+        <p:spPr/>
+        <p:txBody>
+          <a:bodyPr/>
+          <a:lstStyle/>
+          <a:p>
+            <a:r>
+              <a:rPr lang="zh-CN" altLang="en-US" dirty="0" smtClean="0"/>
+              <a:t>作业</a:t>
+            </a:r>
+            <a:endParaRPr lang="zh-CN" altLang="en-US" dirty="0"/>
+          </a:p>
+        </p:txBody>
+      </p:sp>
+      <p:sp>
+        <p:nvSpPr>
+          <p:cNvPr id="3" name="副标题 2"/>
+          <p:cNvSpPr>
+            <a:spLocks noGrp="1"/>
+          </p:cNvSpPr>
+          <p:nvPr>
+            <p:ph type="subTitle" idx="1"/>
+          </p:nvPr>
+        </p:nvSpPr>
+        <p:spPr/>
+        <p:txBody>
+          <a:bodyPr>
+            <a:normAutofit/>
+          </a:bodyPr>
+          <a:lstStyle/>
+          <a:p>
+            <a:r>
+              <a:rPr lang="zh-CN" altLang="en-US" dirty="0">
+                <a:sym typeface="+mn-ea"/>
+              </a:rPr>
+              <a:t>使</a:t>
+            </a:r>
+            <a:r>
+              <a:rPr lang="zh-CN" altLang="en-US" dirty="0" smtClean="0">
+                <a:sym typeface="+mn-ea"/>
+              </a:rPr>
+              <a:t>用</a:t>
+            </a:r>
+            <a:r>
+              <a:rPr lang="en-US" altLang="zh-CN" dirty="0" smtClean="0">
+                <a:sym typeface="+mn-ea"/>
+              </a:rPr>
+              <a:t>html5+css</a:t>
+            </a:r>
+            <a:r>
+              <a:rPr lang="zh-CN" altLang="en-US" dirty="0" smtClean="0">
+                <a:sym typeface="+mn-ea"/>
+              </a:rPr>
+              <a:t>将页面分割成上中下三部分，中间分为左右两部分（考核点：样式与结构分离、命名规范、界面好看有加分）</a:t>
+            </a:r>
+            <a:endParaRPr lang="en-US" altLang="zh-CN" dirty="0" smtClean="0">
+              <a:sym typeface="+mn-ea"/>
+            </a:endParaRPr>
+          </a:p>
+          <a:p>
+            <a:r>
+              <a:rPr lang="zh-CN" altLang="en-US" dirty="0">
+                <a:sym typeface="+mn-ea"/>
+              </a:rPr>
+              <a:t>提交</a:t>
+            </a:r>
+            <a:r>
+              <a:rPr lang="zh-CN" altLang="en-US" dirty="0" smtClean="0">
+                <a:sym typeface="+mn-ea"/>
+              </a:rPr>
+              <a:t>至</a:t>
+            </a:r>
+            <a:r>
+              <a:rPr lang="en-US" altLang="zh-CN" dirty="0" smtClean="0">
+                <a:sym typeface="+mn-ea"/>
+              </a:rPr>
+              <a:t>SVN</a:t>
+            </a:r>
+            <a:r>
+              <a:rPr lang="zh-CN" altLang="en-US" dirty="0" smtClean="0">
+                <a:sym typeface="+mn-ea"/>
+              </a:rPr>
+              <a:t>个人目录下</a:t>
+            </a:r>
+            <a:r>
+              <a:rPr lang="en-US" altLang="zh-CN" dirty="0" smtClean="0">
+                <a:sym typeface="+mn-ea"/>
+              </a:rPr>
+              <a:t>HTML</a:t>
+            </a:r>
+            <a:r>
+              <a:rPr lang="zh-CN" altLang="en-US" dirty="0" smtClean="0">
+                <a:sym typeface="+mn-ea"/>
+              </a:rPr>
+              <a:t>文件夹</a:t>
+            </a:r>
+            <a:endParaRPr lang="en-US" altLang="zh-CN" dirty="0" smtClean="0">
+              <a:sym typeface="+mn-ea"/>
+            </a:endParaRPr>
+          </a:p>
+          <a:p>
+            <a:r>
+              <a:rPr lang="en-US" altLang="zh-CN" dirty="0" smtClean="0">
+                <a:sym typeface="+mn-ea"/>
+              </a:rPr>
+              <a:t>4</a:t>
+            </a:r>
+            <a:r>
+              <a:rPr lang="zh-CN" altLang="en-US" dirty="0" smtClean="0">
+                <a:sym typeface="+mn-ea"/>
+              </a:rPr>
+              <a:t>月</a:t>
+            </a:r>
+            <a:r>
+              <a:rPr lang="en-US" altLang="zh-CN" dirty="0" smtClean="0">
+                <a:sym typeface="+mn-ea"/>
+              </a:rPr>
+              <a:t>16</a:t>
+            </a:r>
+            <a:r>
+              <a:rPr lang="zh-CN" altLang="en-US" dirty="0" smtClean="0">
+                <a:sym typeface="+mn-ea"/>
+              </a:rPr>
+              <a:t>日前交</a:t>
+            </a:r>
+            <a:r>
+              <a:rPr lang="zh-CN" altLang="en-US" dirty="0" smtClean="0">
+                <a:sym typeface="+mn-ea"/>
+              </a:rPr>
+              <a:t>作业（截止至</a:t>
+            </a:r>
+            <a:r>
+              <a:rPr lang="en-US" altLang="zh-CN" dirty="0" smtClean="0">
+                <a:sym typeface="+mn-ea"/>
+              </a:rPr>
+              <a:t>14</a:t>
+            </a:r>
+            <a:r>
+              <a:rPr lang="zh-CN" altLang="en-US" dirty="0" smtClean="0">
+                <a:sym typeface="+mn-ea"/>
+              </a:rPr>
+              <a:t>：</a:t>
+            </a:r>
+            <a:r>
+              <a:rPr lang="en-US" altLang="zh-CN" dirty="0" smtClean="0">
+                <a:sym typeface="+mn-ea"/>
+              </a:rPr>
+              <a:t>00</a:t>
+            </a:r>
+            <a:r>
+              <a:rPr lang="zh-CN" altLang="en-US" dirty="0" smtClean="0">
+                <a:sym typeface="+mn-ea"/>
+              </a:rPr>
+              <a:t>）</a:t>
+            </a:r>
+            <a:endParaRPr lang="en-US" altLang="zh-CN" dirty="0" smtClean="0">
+              <a:sym typeface="+mn-ea"/>
+            </a:endParaRPr>
+          </a:p>
+          <a:p>
+            <a:endParaRPr lang="zh-CN" altLang="en-US" dirty="0">
+              <a:sym typeface="+mn-ea"/>
+            </a:endParaRPr>
+          </a:p>
+          <a:p>
+            <a:endParaRPr lang="zh-CN" altLang="en-US" dirty="0"/>
+          </a:p>
+        </p:txBody>
+      </p:sp>
+    </p:spTree>
+    <p:extLst>
+      <p:ext uri="{BB962C8B-B14F-4D97-AF65-F5344CB8AC3E}">
+        <p14:creationId xmlns:p14="http://schemas.microsoft.com/office/powerpoint/2010/main" val="2153077848"/>
+      </p:ext>
+    </p:extLst>
+  </p:cSld>
+  <p:clrMapOvr>
+    <a:masterClrMapping/>
+  </p:clrMapOvr>
+  <p:transition>
+    <p:wipe dir="r"/>
+  </p:transition>
+  <p:timing>
+    <p:tnLst>
+      <p:par>
+        <p:cTn id="1" dur="indefinite" restart="never" nodeType="tmRoot"/>
+      </p:par>
+    </p:tnLst>
   </p:timing>
 </p:sld>
 </file>
@@ -7349,6 +6180,1866 @@
 </p:sld>
 </file>
 
+<file path=ppt/slides/slide20.xml><?xml version="1.0" encoding="utf-8"?>
+<p:sld xmlns:a="http://schemas.openxmlformats.org/drawingml/2006/main" xmlns:r="http://schemas.openxmlformats.org/officeDocument/2006/relationships" xmlns:p="http://schemas.openxmlformats.org/presentationml/2006/main">
+  <p:cSld>
+    <p:bg>
+      <p:bgPr>
+        <a:solidFill>
+          <a:srgbClr val="00B0F0"/>
+        </a:solidFill>
+        <a:effectLst/>
+      </p:bgPr>
+    </p:bg>
+    <p:spTree>
+      <p:nvGrpSpPr>
+        <p:cNvPr id="1" name=""/>
+        <p:cNvGrpSpPr/>
+        <p:nvPr/>
+      </p:nvGrpSpPr>
+      <p:grpSpPr>
+        <a:xfrm>
+          <a:off x="0" y="0"/>
+          <a:ext cx="0" cy="0"/>
+          <a:chOff x="0" y="0"/>
+          <a:chExt cx="0" cy="0"/>
+        </a:xfrm>
+      </p:grpSpPr>
+      <p:pic>
+        <p:nvPicPr>
+          <p:cNvPr id="2" name="图片 1"/>
+          <p:cNvPicPr>
+            <a:picLocks noChangeAspect="1"/>
+          </p:cNvPicPr>
+          <p:nvPr/>
+        </p:nvPicPr>
+        <p:blipFill>
+          <a:blip r:embed="rId2">
+            <a:extLst>
+              <a:ext uri="{28A0092B-C50C-407E-A947-70E740481C1C}">
+                <a14:useLocalDpi xmlns:a14="http://schemas.microsoft.com/office/drawing/2010/main" val="0"/>
+              </a:ext>
+            </a:extLst>
+          </a:blip>
+          <a:stretch>
+            <a:fillRect/>
+          </a:stretch>
+        </p:blipFill>
+        <p:spPr>
+          <a:xfrm>
+            <a:off x="1662112" y="942975"/>
+            <a:ext cx="8867775" cy="4972050"/>
+          </a:xfrm>
+          <a:prstGeom prst="rect">
+            <a:avLst/>
+          </a:prstGeom>
+        </p:spPr>
+      </p:pic>
+    </p:spTree>
+    <p:extLst>
+      <p:ext uri="{BB962C8B-B14F-4D97-AF65-F5344CB8AC3E}">
+        <p14:creationId xmlns:p14="http://schemas.microsoft.com/office/powerpoint/2010/main" val="3540348085"/>
+      </p:ext>
+    </p:extLst>
+  </p:cSld>
+  <p:clrMapOvr>
+    <a:masterClrMapping/>
+  </p:clrMapOvr>
+  <p:transition>
+    <p:wipe dir="r"/>
+  </p:transition>
+  <p:timing>
+    <p:tnLst>
+      <p:par>
+        <p:cTn id="1" dur="indefinite" restart="never" nodeType="tmRoot"/>
+      </p:par>
+    </p:tnLst>
+  </p:timing>
+</p:sld>
+</file>
+
+<file path=ppt/slides/slide21.xml><?xml version="1.0" encoding="utf-8"?>
+<p:sld xmlns:a="http://schemas.openxmlformats.org/drawingml/2006/main" xmlns:r="http://schemas.openxmlformats.org/officeDocument/2006/relationships" xmlns:p="http://schemas.openxmlformats.org/presentationml/2006/main">
+  <p:cSld>
+    <p:spTree>
+      <p:nvGrpSpPr>
+        <p:cNvPr id="1" name=""/>
+        <p:cNvGrpSpPr/>
+        <p:nvPr/>
+      </p:nvGrpSpPr>
+      <p:grpSpPr>
+        <a:xfrm>
+          <a:off x="0" y="0"/>
+          <a:ext cx="0" cy="0"/>
+          <a:chOff x="0" y="0"/>
+          <a:chExt cx="0" cy="0"/>
+        </a:xfrm>
+      </p:grpSpPr>
+      <p:sp>
+        <p:nvSpPr>
+          <p:cNvPr id="16" name="文本框 15"/>
+          <p:cNvSpPr txBox="1"/>
+          <p:nvPr/>
+        </p:nvSpPr>
+        <p:spPr>
+          <a:xfrm>
+            <a:off x="3951824" y="2521036"/>
+            <a:ext cx="4754880" cy="1310640"/>
+          </a:xfrm>
+          <a:prstGeom prst="rect">
+            <a:avLst/>
+          </a:prstGeom>
+          <a:noFill/>
+          <a:effectLst>
+            <a:outerShdw blurRad="114300" dist="38100" dir="5460000" algn="tr" rotWithShape="0">
+              <a:prstClr val="black">
+                <a:alpha val="16000"/>
+              </a:prstClr>
+            </a:outerShdw>
+          </a:effectLst>
+        </p:spPr>
+        <p:txBody>
+          <a:bodyPr wrap="none" rtlCol="0">
+            <a:spAutoFit/>
+          </a:bodyPr>
+          <a:lstStyle/>
+          <a:p>
+            <a:r>
+              <a:rPr lang="zh-CN" altLang="en-US" sz="8000" dirty="0" smtClean="0">
+                <a:solidFill>
+                  <a:schemeClr val="bg1"/>
+                </a:solidFill>
+                <a:latin typeface="方正正纤黑简体" panose="02000000000000000000" pitchFamily="2" charset="-122"/>
+                <a:ea typeface="方正正纤黑简体" panose="02000000000000000000" pitchFamily="2" charset="-122"/>
+              </a:rPr>
+              <a:t>谢谢大家</a:t>
+            </a:r>
+            <a:r>
+              <a:rPr lang="en-US" altLang="zh-CN" sz="8000" dirty="0" smtClean="0">
+                <a:solidFill>
+                  <a:schemeClr val="bg1"/>
+                </a:solidFill>
+                <a:latin typeface="方正正纤黑简体" panose="02000000000000000000" pitchFamily="2" charset="-122"/>
+                <a:ea typeface="方正正纤黑简体" panose="02000000000000000000" pitchFamily="2" charset="-122"/>
+              </a:rPr>
+              <a:t>!</a:t>
+            </a:r>
+          </a:p>
+        </p:txBody>
+      </p:sp>
+      <p:sp>
+        <p:nvSpPr>
+          <p:cNvPr id="27" name="六边形 26"/>
+          <p:cNvSpPr/>
+          <p:nvPr/>
+        </p:nvSpPr>
+        <p:spPr>
+          <a:xfrm rot="5400000">
+            <a:off x="3977317" y="5593935"/>
+            <a:ext cx="4237367" cy="3616159"/>
+          </a:xfrm>
+          <a:prstGeom prst="hexagon">
+            <a:avLst>
+              <a:gd name="adj" fmla="val 27952"/>
+              <a:gd name="vf" fmla="val 115470"/>
+            </a:avLst>
+          </a:prstGeom>
+          <a:gradFill flip="none" rotWithShape="1">
+            <a:gsLst>
+              <a:gs pos="0">
+                <a:srgbClr val="FBFBFB"/>
+              </a:gs>
+              <a:gs pos="100000">
+                <a:srgbClr val="E1E1E1"/>
+              </a:gs>
+            </a:gsLst>
+            <a:lin ang="18900000" scaled="1"/>
+            <a:tileRect/>
+          </a:gradFill>
+          <a:ln w="38100">
+            <a:gradFill>
+              <a:gsLst>
+                <a:gs pos="0">
+                  <a:srgbClr val="FCFCFC"/>
+                </a:gs>
+                <a:gs pos="100000">
+                  <a:srgbClr val="E1E1E1"/>
+                </a:gs>
+              </a:gsLst>
+              <a:lin ang="5400000" scaled="1"/>
+            </a:gradFill>
+          </a:ln>
+          <a:effectLst>
+            <a:outerShdw blurRad="901700" dist="927100" dir="11040000" sx="91000" sy="91000" algn="tr" rotWithShape="0">
+              <a:prstClr val="black">
+                <a:alpha val="5000"/>
+              </a:prstClr>
+            </a:outerShdw>
+          </a:effectLst>
+        </p:spPr>
+        <p:style>
+          <a:lnRef idx="2">
+            <a:schemeClr val="accent1">
+              <a:shade val="50000"/>
+            </a:schemeClr>
+          </a:lnRef>
+          <a:fillRef idx="1">
+            <a:schemeClr val="accent1"/>
+          </a:fillRef>
+          <a:effectRef idx="0">
+            <a:schemeClr val="accent1"/>
+          </a:effectRef>
+          <a:fontRef idx="minor">
+            <a:schemeClr val="lt1"/>
+          </a:fontRef>
+        </p:style>
+        <p:txBody>
+          <a:bodyPr rtlCol="0" anchor="ctr"/>
+          <a:lstStyle/>
+          <a:p>
+            <a:pPr algn="ctr"/>
+            <a:endParaRPr lang="zh-CN" altLang="en-US"/>
+          </a:p>
+        </p:txBody>
+      </p:sp>
+      <p:sp>
+        <p:nvSpPr>
+          <p:cNvPr id="28" name="六边形 27"/>
+          <p:cNvSpPr/>
+          <p:nvPr/>
+        </p:nvSpPr>
+        <p:spPr>
+          <a:xfrm rot="5400000" flipH="1">
+            <a:off x="2583546" y="7014855"/>
+            <a:ext cx="3207864" cy="2737582"/>
+          </a:xfrm>
+          <a:prstGeom prst="hexagon">
+            <a:avLst>
+              <a:gd name="adj" fmla="val 27952"/>
+              <a:gd name="vf" fmla="val 115470"/>
+            </a:avLst>
+          </a:prstGeom>
+          <a:gradFill flip="none" rotWithShape="1">
+            <a:gsLst>
+              <a:gs pos="0">
+                <a:srgbClr val="FBFBFB"/>
+              </a:gs>
+              <a:gs pos="100000">
+                <a:srgbClr val="E1E1E1"/>
+              </a:gs>
+            </a:gsLst>
+            <a:lin ang="18900000" scaled="1"/>
+            <a:tileRect/>
+          </a:gradFill>
+          <a:ln w="38100">
+            <a:gradFill>
+              <a:gsLst>
+                <a:gs pos="0">
+                  <a:srgbClr val="FCFCFC"/>
+                </a:gs>
+                <a:gs pos="100000">
+                  <a:srgbClr val="E1E1E1"/>
+                </a:gs>
+              </a:gsLst>
+              <a:lin ang="5400000" scaled="1"/>
+            </a:gradFill>
+          </a:ln>
+          <a:effectLst>
+            <a:outerShdw blurRad="901700" dist="927100" dir="11040000" sx="91000" sy="91000" algn="tr" rotWithShape="0">
+              <a:prstClr val="black">
+                <a:alpha val="5000"/>
+              </a:prstClr>
+            </a:outerShdw>
+          </a:effectLst>
+        </p:spPr>
+        <p:style>
+          <a:lnRef idx="2">
+            <a:schemeClr val="accent1">
+              <a:shade val="50000"/>
+            </a:schemeClr>
+          </a:lnRef>
+          <a:fillRef idx="1">
+            <a:schemeClr val="accent1"/>
+          </a:fillRef>
+          <a:effectRef idx="0">
+            <a:schemeClr val="accent1"/>
+          </a:effectRef>
+          <a:fontRef idx="minor">
+            <a:schemeClr val="lt1"/>
+          </a:fontRef>
+        </p:style>
+        <p:txBody>
+          <a:bodyPr rtlCol="0" anchor="ctr"/>
+          <a:lstStyle/>
+          <a:p>
+            <a:pPr algn="ctr"/>
+            <a:endParaRPr lang="zh-CN" altLang="en-US"/>
+          </a:p>
+        </p:txBody>
+      </p:sp>
+      <p:sp>
+        <p:nvSpPr>
+          <p:cNvPr id="29" name="六边形 28"/>
+          <p:cNvSpPr/>
+          <p:nvPr/>
+        </p:nvSpPr>
+        <p:spPr>
+          <a:xfrm rot="5400000" flipH="1">
+            <a:off x="3405372" y="5833227"/>
+            <a:ext cx="1188193" cy="1014000"/>
+          </a:xfrm>
+          <a:prstGeom prst="hexagon">
+            <a:avLst>
+              <a:gd name="adj" fmla="val 27952"/>
+              <a:gd name="vf" fmla="val 115470"/>
+            </a:avLst>
+          </a:prstGeom>
+          <a:gradFill flip="none" rotWithShape="1">
+            <a:gsLst>
+              <a:gs pos="0">
+                <a:srgbClr val="FBFBFB"/>
+              </a:gs>
+              <a:gs pos="100000">
+                <a:srgbClr val="E1E1E1"/>
+              </a:gs>
+            </a:gsLst>
+            <a:lin ang="18900000" scaled="1"/>
+            <a:tileRect/>
+          </a:gradFill>
+          <a:ln w="38100">
+            <a:gradFill>
+              <a:gsLst>
+                <a:gs pos="0">
+                  <a:srgbClr val="FCFCFC"/>
+                </a:gs>
+                <a:gs pos="100000">
+                  <a:srgbClr val="E1E1E1"/>
+                </a:gs>
+              </a:gsLst>
+              <a:lin ang="5400000" scaled="1"/>
+            </a:gradFill>
+          </a:ln>
+          <a:effectLst>
+            <a:outerShdw blurRad="901700" dist="927100" dir="11040000" sx="91000" sy="91000" algn="tr" rotWithShape="0">
+              <a:prstClr val="black">
+                <a:alpha val="5000"/>
+              </a:prstClr>
+            </a:outerShdw>
+          </a:effectLst>
+        </p:spPr>
+        <p:style>
+          <a:lnRef idx="2">
+            <a:schemeClr val="accent1">
+              <a:shade val="50000"/>
+            </a:schemeClr>
+          </a:lnRef>
+          <a:fillRef idx="1">
+            <a:schemeClr val="accent1"/>
+          </a:fillRef>
+          <a:effectRef idx="0">
+            <a:schemeClr val="accent1"/>
+          </a:effectRef>
+          <a:fontRef idx="minor">
+            <a:schemeClr val="lt1"/>
+          </a:fontRef>
+        </p:style>
+        <p:txBody>
+          <a:bodyPr rtlCol="0" anchor="ctr"/>
+          <a:lstStyle/>
+          <a:p>
+            <a:pPr algn="ctr"/>
+            <a:endParaRPr lang="zh-CN" altLang="en-US"/>
+          </a:p>
+        </p:txBody>
+      </p:sp>
+      <p:sp>
+        <p:nvSpPr>
+          <p:cNvPr id="30" name="六边形 29"/>
+          <p:cNvSpPr/>
+          <p:nvPr/>
+        </p:nvSpPr>
+        <p:spPr>
+          <a:xfrm rot="5400000" flipH="1">
+            <a:off x="8280493" y="5239130"/>
+            <a:ext cx="1188193" cy="1014000"/>
+          </a:xfrm>
+          <a:prstGeom prst="hexagon">
+            <a:avLst>
+              <a:gd name="adj" fmla="val 27952"/>
+              <a:gd name="vf" fmla="val 115470"/>
+            </a:avLst>
+          </a:prstGeom>
+          <a:gradFill flip="none" rotWithShape="1">
+            <a:gsLst>
+              <a:gs pos="0">
+                <a:srgbClr val="FBFBFB"/>
+              </a:gs>
+              <a:gs pos="100000">
+                <a:srgbClr val="E1E1E1"/>
+              </a:gs>
+            </a:gsLst>
+            <a:lin ang="18900000" scaled="1"/>
+            <a:tileRect/>
+          </a:gradFill>
+          <a:ln w="38100">
+            <a:gradFill>
+              <a:gsLst>
+                <a:gs pos="0">
+                  <a:srgbClr val="FCFCFC"/>
+                </a:gs>
+                <a:gs pos="100000">
+                  <a:srgbClr val="E1E1E1"/>
+                </a:gs>
+              </a:gsLst>
+              <a:lin ang="5400000" scaled="1"/>
+            </a:gradFill>
+          </a:ln>
+          <a:effectLst>
+            <a:outerShdw blurRad="901700" dist="927100" dir="11040000" sx="91000" sy="91000" algn="tr" rotWithShape="0">
+              <a:prstClr val="black">
+                <a:alpha val="5000"/>
+              </a:prstClr>
+            </a:outerShdw>
+          </a:effectLst>
+        </p:spPr>
+        <p:style>
+          <a:lnRef idx="2">
+            <a:schemeClr val="accent1">
+              <a:shade val="50000"/>
+            </a:schemeClr>
+          </a:lnRef>
+          <a:fillRef idx="1">
+            <a:schemeClr val="accent1"/>
+          </a:fillRef>
+          <a:effectRef idx="0">
+            <a:schemeClr val="accent1"/>
+          </a:effectRef>
+          <a:fontRef idx="minor">
+            <a:schemeClr val="lt1"/>
+          </a:fontRef>
+        </p:style>
+        <p:txBody>
+          <a:bodyPr rtlCol="0" anchor="ctr"/>
+          <a:lstStyle/>
+          <a:p>
+            <a:pPr algn="ctr"/>
+            <a:endParaRPr lang="zh-CN" altLang="en-US"/>
+          </a:p>
+        </p:txBody>
+      </p:sp>
+      <p:sp>
+        <p:nvSpPr>
+          <p:cNvPr id="31" name="六边形 30"/>
+          <p:cNvSpPr/>
+          <p:nvPr/>
+        </p:nvSpPr>
+        <p:spPr>
+          <a:xfrm rot="5400000" flipH="1">
+            <a:off x="8812784" y="6406577"/>
+            <a:ext cx="1689837" cy="1442102"/>
+          </a:xfrm>
+          <a:prstGeom prst="hexagon">
+            <a:avLst>
+              <a:gd name="adj" fmla="val 27952"/>
+              <a:gd name="vf" fmla="val 115470"/>
+            </a:avLst>
+          </a:prstGeom>
+          <a:gradFill flip="none" rotWithShape="1">
+            <a:gsLst>
+              <a:gs pos="0">
+                <a:srgbClr val="FBFBFB"/>
+              </a:gs>
+              <a:gs pos="100000">
+                <a:srgbClr val="E1E1E1"/>
+              </a:gs>
+            </a:gsLst>
+            <a:lin ang="18900000" scaled="1"/>
+            <a:tileRect/>
+          </a:gradFill>
+          <a:ln w="38100">
+            <a:gradFill>
+              <a:gsLst>
+                <a:gs pos="0">
+                  <a:srgbClr val="FCFCFC"/>
+                </a:gs>
+                <a:gs pos="100000">
+                  <a:srgbClr val="E1E1E1"/>
+                </a:gs>
+              </a:gsLst>
+              <a:lin ang="5400000" scaled="1"/>
+            </a:gradFill>
+          </a:ln>
+          <a:effectLst>
+            <a:outerShdw blurRad="901700" dist="927100" dir="11040000" sx="91000" sy="91000" algn="tr" rotWithShape="0">
+              <a:prstClr val="black">
+                <a:alpha val="5000"/>
+              </a:prstClr>
+            </a:outerShdw>
+          </a:effectLst>
+        </p:spPr>
+        <p:style>
+          <a:lnRef idx="2">
+            <a:schemeClr val="accent1">
+              <a:shade val="50000"/>
+            </a:schemeClr>
+          </a:lnRef>
+          <a:fillRef idx="1">
+            <a:schemeClr val="accent1"/>
+          </a:fillRef>
+          <a:effectRef idx="0">
+            <a:schemeClr val="accent1"/>
+          </a:effectRef>
+          <a:fontRef idx="minor">
+            <a:schemeClr val="lt1"/>
+          </a:fontRef>
+        </p:style>
+        <p:txBody>
+          <a:bodyPr rtlCol="0" anchor="ctr"/>
+          <a:lstStyle/>
+          <a:p>
+            <a:pPr algn="ctr"/>
+            <a:endParaRPr lang="zh-CN" altLang="en-US"/>
+          </a:p>
+        </p:txBody>
+      </p:sp>
+      <p:sp>
+        <p:nvSpPr>
+          <p:cNvPr id="32" name="六边形 31"/>
+          <p:cNvSpPr/>
+          <p:nvPr/>
+        </p:nvSpPr>
+        <p:spPr>
+          <a:xfrm rot="5400000" flipH="1">
+            <a:off x="9827152" y="6349133"/>
+            <a:ext cx="2635986" cy="2249543"/>
+          </a:xfrm>
+          <a:prstGeom prst="hexagon">
+            <a:avLst>
+              <a:gd name="adj" fmla="val 27952"/>
+              <a:gd name="vf" fmla="val 115470"/>
+            </a:avLst>
+          </a:prstGeom>
+          <a:gradFill flip="none" rotWithShape="1">
+            <a:gsLst>
+              <a:gs pos="0">
+                <a:srgbClr val="FBFBFB"/>
+              </a:gs>
+              <a:gs pos="100000">
+                <a:srgbClr val="E1E1E1"/>
+              </a:gs>
+            </a:gsLst>
+            <a:lin ang="18900000" scaled="1"/>
+            <a:tileRect/>
+          </a:gradFill>
+          <a:ln w="38100">
+            <a:gradFill>
+              <a:gsLst>
+                <a:gs pos="0">
+                  <a:srgbClr val="FCFCFC"/>
+                </a:gs>
+                <a:gs pos="100000">
+                  <a:srgbClr val="E1E1E1"/>
+                </a:gs>
+              </a:gsLst>
+              <a:lin ang="5400000" scaled="1"/>
+            </a:gradFill>
+          </a:ln>
+          <a:effectLst>
+            <a:outerShdw blurRad="901700" dist="927100" dir="11040000" sx="91000" sy="91000" algn="tr" rotWithShape="0">
+              <a:prstClr val="black">
+                <a:alpha val="5000"/>
+              </a:prstClr>
+            </a:outerShdw>
+          </a:effectLst>
+        </p:spPr>
+        <p:style>
+          <a:lnRef idx="2">
+            <a:schemeClr val="accent1">
+              <a:shade val="50000"/>
+            </a:schemeClr>
+          </a:lnRef>
+          <a:fillRef idx="1">
+            <a:schemeClr val="accent1"/>
+          </a:fillRef>
+          <a:effectRef idx="0">
+            <a:schemeClr val="accent1"/>
+          </a:effectRef>
+          <a:fontRef idx="minor">
+            <a:schemeClr val="lt1"/>
+          </a:fontRef>
+        </p:style>
+        <p:txBody>
+          <a:bodyPr rtlCol="0" anchor="ctr"/>
+          <a:lstStyle/>
+          <a:p>
+            <a:pPr algn="ctr"/>
+            <a:endParaRPr lang="zh-CN" altLang="en-US"/>
+          </a:p>
+        </p:txBody>
+      </p:sp>
+      <p:sp>
+        <p:nvSpPr>
+          <p:cNvPr id="33" name="六边形 32"/>
+          <p:cNvSpPr/>
+          <p:nvPr/>
+        </p:nvSpPr>
+        <p:spPr>
+          <a:xfrm rot="5400000" flipH="1">
+            <a:off x="1957338" y="6647237"/>
+            <a:ext cx="1833900" cy="1565045"/>
+          </a:xfrm>
+          <a:prstGeom prst="hexagon">
+            <a:avLst>
+              <a:gd name="adj" fmla="val 27952"/>
+              <a:gd name="vf" fmla="val 115470"/>
+            </a:avLst>
+          </a:prstGeom>
+          <a:gradFill flip="none" rotWithShape="1">
+            <a:gsLst>
+              <a:gs pos="0">
+                <a:srgbClr val="FBFBFB"/>
+              </a:gs>
+              <a:gs pos="100000">
+                <a:srgbClr val="E1E1E1"/>
+              </a:gs>
+            </a:gsLst>
+            <a:lin ang="18900000" scaled="1"/>
+            <a:tileRect/>
+          </a:gradFill>
+          <a:ln w="38100">
+            <a:gradFill>
+              <a:gsLst>
+                <a:gs pos="0">
+                  <a:srgbClr val="FCFCFC"/>
+                </a:gs>
+                <a:gs pos="100000">
+                  <a:srgbClr val="E1E1E1"/>
+                </a:gs>
+              </a:gsLst>
+              <a:lin ang="5400000" scaled="1"/>
+            </a:gradFill>
+          </a:ln>
+          <a:effectLst>
+            <a:outerShdw blurRad="901700" dist="927100" dir="11040000" sx="91000" sy="91000" algn="tr" rotWithShape="0">
+              <a:prstClr val="black">
+                <a:alpha val="5000"/>
+              </a:prstClr>
+            </a:outerShdw>
+          </a:effectLst>
+        </p:spPr>
+        <p:style>
+          <a:lnRef idx="2">
+            <a:schemeClr val="accent1">
+              <a:shade val="50000"/>
+            </a:schemeClr>
+          </a:lnRef>
+          <a:fillRef idx="1">
+            <a:schemeClr val="accent1"/>
+          </a:fillRef>
+          <a:effectRef idx="0">
+            <a:schemeClr val="accent1"/>
+          </a:effectRef>
+          <a:fontRef idx="minor">
+            <a:schemeClr val="lt1"/>
+          </a:fontRef>
+        </p:style>
+        <p:txBody>
+          <a:bodyPr rtlCol="0" anchor="ctr"/>
+          <a:lstStyle/>
+          <a:p>
+            <a:pPr algn="ctr"/>
+            <a:endParaRPr lang="zh-CN" altLang="en-US"/>
+          </a:p>
+        </p:txBody>
+      </p:sp>
+      <p:sp>
+        <p:nvSpPr>
+          <p:cNvPr id="34" name="六边形 33"/>
+          <p:cNvSpPr/>
+          <p:nvPr/>
+        </p:nvSpPr>
+        <p:spPr>
+          <a:xfrm rot="5400000" flipH="1">
+            <a:off x="-300354" y="5341249"/>
+            <a:ext cx="2581335" cy="2202903"/>
+          </a:xfrm>
+          <a:prstGeom prst="hexagon">
+            <a:avLst>
+              <a:gd name="adj" fmla="val 27952"/>
+              <a:gd name="vf" fmla="val 115470"/>
+            </a:avLst>
+          </a:prstGeom>
+          <a:gradFill flip="none" rotWithShape="1">
+            <a:gsLst>
+              <a:gs pos="0">
+                <a:srgbClr val="FBFBFB"/>
+              </a:gs>
+              <a:gs pos="100000">
+                <a:srgbClr val="E1E1E1"/>
+              </a:gs>
+            </a:gsLst>
+            <a:lin ang="18900000" scaled="1"/>
+            <a:tileRect/>
+          </a:gradFill>
+          <a:ln w="38100">
+            <a:gradFill>
+              <a:gsLst>
+                <a:gs pos="0">
+                  <a:srgbClr val="FCFCFC"/>
+                </a:gs>
+                <a:gs pos="100000">
+                  <a:srgbClr val="E1E1E1"/>
+                </a:gs>
+              </a:gsLst>
+              <a:lin ang="5400000" scaled="1"/>
+            </a:gradFill>
+          </a:ln>
+          <a:effectLst>
+            <a:outerShdw blurRad="901700" dist="927100" dir="11040000" sx="91000" sy="91000" algn="tr" rotWithShape="0">
+              <a:prstClr val="black">
+                <a:alpha val="5000"/>
+              </a:prstClr>
+            </a:outerShdw>
+          </a:effectLst>
+        </p:spPr>
+        <p:style>
+          <a:lnRef idx="2">
+            <a:schemeClr val="accent1">
+              <a:shade val="50000"/>
+            </a:schemeClr>
+          </a:lnRef>
+          <a:fillRef idx="1">
+            <a:schemeClr val="accent1"/>
+          </a:fillRef>
+          <a:effectRef idx="0">
+            <a:schemeClr val="accent1"/>
+          </a:effectRef>
+          <a:fontRef idx="minor">
+            <a:schemeClr val="lt1"/>
+          </a:fontRef>
+        </p:style>
+        <p:txBody>
+          <a:bodyPr rtlCol="0" anchor="ctr"/>
+          <a:lstStyle/>
+          <a:p>
+            <a:pPr algn="ctr"/>
+            <a:endParaRPr lang="zh-CN" altLang="en-US"/>
+          </a:p>
+        </p:txBody>
+      </p:sp>
+      <p:sp>
+        <p:nvSpPr>
+          <p:cNvPr id="35" name="六边形 34"/>
+          <p:cNvSpPr/>
+          <p:nvPr/>
+        </p:nvSpPr>
+        <p:spPr>
+          <a:xfrm rot="5400000" flipH="1">
+            <a:off x="8480954" y="6906027"/>
+            <a:ext cx="519340" cy="443204"/>
+          </a:xfrm>
+          <a:prstGeom prst="hexagon">
+            <a:avLst>
+              <a:gd name="adj" fmla="val 27952"/>
+              <a:gd name="vf" fmla="val 115470"/>
+            </a:avLst>
+          </a:prstGeom>
+          <a:gradFill flip="none" rotWithShape="1">
+            <a:gsLst>
+              <a:gs pos="0">
+                <a:srgbClr val="FBFBFB"/>
+              </a:gs>
+              <a:gs pos="100000">
+                <a:srgbClr val="E1E1E1"/>
+              </a:gs>
+            </a:gsLst>
+            <a:lin ang="18900000" scaled="1"/>
+            <a:tileRect/>
+          </a:gradFill>
+          <a:ln w="38100">
+            <a:gradFill>
+              <a:gsLst>
+                <a:gs pos="0">
+                  <a:srgbClr val="FCFCFC"/>
+                </a:gs>
+                <a:gs pos="100000">
+                  <a:srgbClr val="E1E1E1"/>
+                </a:gs>
+              </a:gsLst>
+              <a:lin ang="5400000" scaled="1"/>
+            </a:gradFill>
+          </a:ln>
+          <a:effectLst>
+            <a:outerShdw blurRad="901700" dist="927100" dir="11040000" sx="91000" sy="91000" algn="tr" rotWithShape="0">
+              <a:prstClr val="black">
+                <a:alpha val="5000"/>
+              </a:prstClr>
+            </a:outerShdw>
+          </a:effectLst>
+        </p:spPr>
+        <p:style>
+          <a:lnRef idx="2">
+            <a:schemeClr val="accent1">
+              <a:shade val="50000"/>
+            </a:schemeClr>
+          </a:lnRef>
+          <a:fillRef idx="1">
+            <a:schemeClr val="accent1"/>
+          </a:fillRef>
+          <a:effectRef idx="0">
+            <a:schemeClr val="accent1"/>
+          </a:effectRef>
+          <a:fontRef idx="minor">
+            <a:schemeClr val="lt1"/>
+          </a:fontRef>
+        </p:style>
+        <p:txBody>
+          <a:bodyPr rtlCol="0" anchor="ctr"/>
+          <a:lstStyle/>
+          <a:p>
+            <a:pPr algn="ctr"/>
+            <a:endParaRPr lang="zh-CN" altLang="en-US"/>
+          </a:p>
+        </p:txBody>
+      </p:sp>
+      <p:sp>
+        <p:nvSpPr>
+          <p:cNvPr id="36" name="六边形 35"/>
+          <p:cNvSpPr/>
+          <p:nvPr/>
+        </p:nvSpPr>
+        <p:spPr>
+          <a:xfrm rot="5400000" flipH="1">
+            <a:off x="7644409" y="5524526"/>
+            <a:ext cx="519344" cy="443208"/>
+          </a:xfrm>
+          <a:prstGeom prst="hexagon">
+            <a:avLst>
+              <a:gd name="adj" fmla="val 27952"/>
+              <a:gd name="vf" fmla="val 115470"/>
+            </a:avLst>
+          </a:prstGeom>
+          <a:gradFill flip="none" rotWithShape="1">
+            <a:gsLst>
+              <a:gs pos="0">
+                <a:srgbClr val="FBFBFB"/>
+              </a:gs>
+              <a:gs pos="100000">
+                <a:srgbClr val="E1E1E1"/>
+              </a:gs>
+            </a:gsLst>
+            <a:lin ang="18900000" scaled="1"/>
+            <a:tileRect/>
+          </a:gradFill>
+          <a:ln w="38100">
+            <a:gradFill>
+              <a:gsLst>
+                <a:gs pos="0">
+                  <a:srgbClr val="FCFCFC"/>
+                </a:gs>
+                <a:gs pos="100000">
+                  <a:srgbClr val="E1E1E1"/>
+                </a:gs>
+              </a:gsLst>
+              <a:lin ang="5400000" scaled="1"/>
+            </a:gradFill>
+          </a:ln>
+          <a:effectLst>
+            <a:outerShdw blurRad="901700" dist="927100" dir="11040000" sx="91000" sy="91000" algn="tr" rotWithShape="0">
+              <a:prstClr val="black">
+                <a:alpha val="5000"/>
+              </a:prstClr>
+            </a:outerShdw>
+          </a:effectLst>
+        </p:spPr>
+        <p:style>
+          <a:lnRef idx="2">
+            <a:schemeClr val="accent1">
+              <a:shade val="50000"/>
+            </a:schemeClr>
+          </a:lnRef>
+          <a:fillRef idx="1">
+            <a:schemeClr val="accent1"/>
+          </a:fillRef>
+          <a:effectRef idx="0">
+            <a:schemeClr val="accent1"/>
+          </a:effectRef>
+          <a:fontRef idx="minor">
+            <a:schemeClr val="lt1"/>
+          </a:fontRef>
+        </p:style>
+        <p:txBody>
+          <a:bodyPr rtlCol="0" anchor="ctr"/>
+          <a:lstStyle/>
+          <a:p>
+            <a:pPr algn="ctr"/>
+            <a:endParaRPr lang="zh-CN" altLang="en-US"/>
+          </a:p>
+        </p:txBody>
+      </p:sp>
+    </p:spTree>
+  </p:cSld>
+  <p:clrMapOvr>
+    <a:masterClrMapping/>
+  </p:clrMapOvr>
+  <p:timing>
+    <p:tnLst>
+      <p:par>
+        <p:cTn id="1" dur="indefinite" restart="never" nodeType="tmRoot">
+          <p:childTnLst>
+            <p:seq concurrent="1" nextAc="seek">
+              <p:cTn id="2" dur="indefinite" nodeType="mainSeq">
+                <p:childTnLst>
+                  <p:par>
+                    <p:cTn id="3" fill="hold">
+                      <p:stCondLst>
+                        <p:cond delay="indefinite"/>
+                        <p:cond evt="onBegin" delay="0">
+                          <p:tn val="2"/>
+                        </p:cond>
+                      </p:stCondLst>
+                      <p:childTnLst>
+                        <p:par>
+                          <p:cTn id="4" fill="hold">
+                            <p:stCondLst>
+                              <p:cond delay="0"/>
+                            </p:stCondLst>
+                            <p:childTnLst>
+                              <p:par>
+                                <p:cTn id="5" presetID="53" presetClass="entr" presetSubtype="16" fill="hold" grpId="0" nodeType="withEffect">
+                                  <p:stCondLst>
+                                    <p:cond delay="0"/>
+                                  </p:stCondLst>
+                                  <p:childTnLst>
+                                    <p:set>
+                                      <p:cBhvr>
+                                        <p:cTn id="6" dur="1" fill="hold">
+                                          <p:stCondLst>
+                                            <p:cond delay="0"/>
+                                          </p:stCondLst>
+                                        </p:cTn>
+                                        <p:tgtEl>
+                                          <p:spTgt spid="16"/>
+                                        </p:tgtEl>
+                                        <p:attrNameLst>
+                                          <p:attrName>style.visibility</p:attrName>
+                                        </p:attrNameLst>
+                                      </p:cBhvr>
+                                      <p:to>
+                                        <p:strVal val="visible"/>
+                                      </p:to>
+                                    </p:set>
+                                    <p:anim calcmode="lin" valueType="num">
+                                      <p:cBhvr>
+                                        <p:cTn id="7" dur="500" fill="hold"/>
+                                        <p:tgtEl>
+                                          <p:spTgt spid="16"/>
+                                        </p:tgtEl>
+                                        <p:attrNameLst>
+                                          <p:attrName>ppt_w</p:attrName>
+                                        </p:attrNameLst>
+                                      </p:cBhvr>
+                                      <p:tavLst>
+                                        <p:tav tm="0">
+                                          <p:val>
+                                            <p:fltVal val="0"/>
+                                          </p:val>
+                                        </p:tav>
+                                        <p:tav tm="100000">
+                                          <p:val>
+                                            <p:strVal val="#ppt_w"/>
+                                          </p:val>
+                                        </p:tav>
+                                      </p:tavLst>
+                                    </p:anim>
+                                    <p:anim calcmode="lin" valueType="num">
+                                      <p:cBhvr>
+                                        <p:cTn id="8" dur="500" fill="hold"/>
+                                        <p:tgtEl>
+                                          <p:spTgt spid="16"/>
+                                        </p:tgtEl>
+                                        <p:attrNameLst>
+                                          <p:attrName>ppt_h</p:attrName>
+                                        </p:attrNameLst>
+                                      </p:cBhvr>
+                                      <p:tavLst>
+                                        <p:tav tm="0">
+                                          <p:val>
+                                            <p:fltVal val="0"/>
+                                          </p:val>
+                                        </p:tav>
+                                        <p:tav tm="100000">
+                                          <p:val>
+                                            <p:strVal val="#ppt_h"/>
+                                          </p:val>
+                                        </p:tav>
+                                      </p:tavLst>
+                                    </p:anim>
+                                    <p:animEffect transition="in" filter="fade">
+                                      <p:cBhvr>
+                                        <p:cTn id="9" dur="500"/>
+                                        <p:tgtEl>
+                                          <p:spTgt spid="16"/>
+                                        </p:tgtEl>
+                                      </p:cBhvr>
+                                    </p:animEffect>
+                                  </p:childTnLst>
+                                </p:cTn>
+                              </p:par>
+                              <p:par>
+                                <p:cTn id="10" presetID="42" presetClass="entr" presetSubtype="0" fill="hold" grpId="0" nodeType="withEffect">
+                                  <p:stCondLst>
+                                    <p:cond delay="0"/>
+                                  </p:stCondLst>
+                                  <p:childTnLst>
+                                    <p:set>
+                                      <p:cBhvr>
+                                        <p:cTn id="11" dur="1" fill="hold">
+                                          <p:stCondLst>
+                                            <p:cond delay="0"/>
+                                          </p:stCondLst>
+                                        </p:cTn>
+                                        <p:tgtEl>
+                                          <p:spTgt spid="34"/>
+                                        </p:tgtEl>
+                                        <p:attrNameLst>
+                                          <p:attrName>style.visibility</p:attrName>
+                                        </p:attrNameLst>
+                                      </p:cBhvr>
+                                      <p:to>
+                                        <p:strVal val="visible"/>
+                                      </p:to>
+                                    </p:set>
+                                    <p:animEffect transition="in" filter="fade">
+                                      <p:cBhvr>
+                                        <p:cTn id="12" dur="1000"/>
+                                        <p:tgtEl>
+                                          <p:spTgt spid="34"/>
+                                        </p:tgtEl>
+                                      </p:cBhvr>
+                                    </p:animEffect>
+                                    <p:anim calcmode="lin" valueType="num">
+                                      <p:cBhvr>
+                                        <p:cTn id="13" dur="1000" fill="hold"/>
+                                        <p:tgtEl>
+                                          <p:spTgt spid="34"/>
+                                        </p:tgtEl>
+                                        <p:attrNameLst>
+                                          <p:attrName>ppt_x</p:attrName>
+                                        </p:attrNameLst>
+                                      </p:cBhvr>
+                                      <p:tavLst>
+                                        <p:tav tm="0">
+                                          <p:val>
+                                            <p:strVal val="#ppt_x"/>
+                                          </p:val>
+                                        </p:tav>
+                                        <p:tav tm="100000">
+                                          <p:val>
+                                            <p:strVal val="#ppt_x"/>
+                                          </p:val>
+                                        </p:tav>
+                                      </p:tavLst>
+                                    </p:anim>
+                                    <p:anim calcmode="lin" valueType="num">
+                                      <p:cBhvr>
+                                        <p:cTn id="14" dur="1000" fill="hold"/>
+                                        <p:tgtEl>
+                                          <p:spTgt spid="34"/>
+                                        </p:tgtEl>
+                                        <p:attrNameLst>
+                                          <p:attrName>ppt_y</p:attrName>
+                                        </p:attrNameLst>
+                                      </p:cBhvr>
+                                      <p:tavLst>
+                                        <p:tav tm="0">
+                                          <p:val>
+                                            <p:strVal val="#ppt_y+.1"/>
+                                          </p:val>
+                                        </p:tav>
+                                        <p:tav tm="100000">
+                                          <p:val>
+                                            <p:strVal val="#ppt_y"/>
+                                          </p:val>
+                                        </p:tav>
+                                      </p:tavLst>
+                                    </p:anim>
+                                  </p:childTnLst>
+                                </p:cTn>
+                              </p:par>
+                              <p:par>
+                                <p:cTn id="15" presetID="42" presetClass="entr" presetSubtype="0" fill="hold" grpId="0" nodeType="withEffect">
+                                  <p:stCondLst>
+                                    <p:cond delay="0"/>
+                                  </p:stCondLst>
+                                  <p:childTnLst>
+                                    <p:set>
+                                      <p:cBhvr>
+                                        <p:cTn id="16" dur="1" fill="hold">
+                                          <p:stCondLst>
+                                            <p:cond delay="0"/>
+                                          </p:stCondLst>
+                                        </p:cTn>
+                                        <p:tgtEl>
+                                          <p:spTgt spid="29"/>
+                                        </p:tgtEl>
+                                        <p:attrNameLst>
+                                          <p:attrName>style.visibility</p:attrName>
+                                        </p:attrNameLst>
+                                      </p:cBhvr>
+                                      <p:to>
+                                        <p:strVal val="visible"/>
+                                      </p:to>
+                                    </p:set>
+                                    <p:animEffect transition="in" filter="fade">
+                                      <p:cBhvr>
+                                        <p:cTn id="17" dur="1000"/>
+                                        <p:tgtEl>
+                                          <p:spTgt spid="29"/>
+                                        </p:tgtEl>
+                                      </p:cBhvr>
+                                    </p:animEffect>
+                                    <p:anim calcmode="lin" valueType="num">
+                                      <p:cBhvr>
+                                        <p:cTn id="18" dur="1000" fill="hold"/>
+                                        <p:tgtEl>
+                                          <p:spTgt spid="29"/>
+                                        </p:tgtEl>
+                                        <p:attrNameLst>
+                                          <p:attrName>ppt_x</p:attrName>
+                                        </p:attrNameLst>
+                                      </p:cBhvr>
+                                      <p:tavLst>
+                                        <p:tav tm="0">
+                                          <p:val>
+                                            <p:strVal val="#ppt_x"/>
+                                          </p:val>
+                                        </p:tav>
+                                        <p:tav tm="100000">
+                                          <p:val>
+                                            <p:strVal val="#ppt_x"/>
+                                          </p:val>
+                                        </p:tav>
+                                      </p:tavLst>
+                                    </p:anim>
+                                    <p:anim calcmode="lin" valueType="num">
+                                      <p:cBhvr>
+                                        <p:cTn id="19" dur="1000" fill="hold"/>
+                                        <p:tgtEl>
+                                          <p:spTgt spid="29"/>
+                                        </p:tgtEl>
+                                        <p:attrNameLst>
+                                          <p:attrName>ppt_y</p:attrName>
+                                        </p:attrNameLst>
+                                      </p:cBhvr>
+                                      <p:tavLst>
+                                        <p:tav tm="0">
+                                          <p:val>
+                                            <p:strVal val="#ppt_y+.1"/>
+                                          </p:val>
+                                        </p:tav>
+                                        <p:tav tm="100000">
+                                          <p:val>
+                                            <p:strVal val="#ppt_y"/>
+                                          </p:val>
+                                        </p:tav>
+                                      </p:tavLst>
+                                    </p:anim>
+                                  </p:childTnLst>
+                                </p:cTn>
+                              </p:par>
+                              <p:par>
+                                <p:cTn id="20" presetID="42" presetClass="entr" presetSubtype="0" fill="hold" grpId="0" nodeType="withEffect">
+                                  <p:stCondLst>
+                                    <p:cond delay="0"/>
+                                  </p:stCondLst>
+                                  <p:childTnLst>
+                                    <p:set>
+                                      <p:cBhvr>
+                                        <p:cTn id="21" dur="1" fill="hold">
+                                          <p:stCondLst>
+                                            <p:cond delay="0"/>
+                                          </p:stCondLst>
+                                        </p:cTn>
+                                        <p:tgtEl>
+                                          <p:spTgt spid="33"/>
+                                        </p:tgtEl>
+                                        <p:attrNameLst>
+                                          <p:attrName>style.visibility</p:attrName>
+                                        </p:attrNameLst>
+                                      </p:cBhvr>
+                                      <p:to>
+                                        <p:strVal val="visible"/>
+                                      </p:to>
+                                    </p:set>
+                                    <p:animEffect transition="in" filter="fade">
+                                      <p:cBhvr>
+                                        <p:cTn id="22" dur="1000"/>
+                                        <p:tgtEl>
+                                          <p:spTgt spid="33"/>
+                                        </p:tgtEl>
+                                      </p:cBhvr>
+                                    </p:animEffect>
+                                    <p:anim calcmode="lin" valueType="num">
+                                      <p:cBhvr>
+                                        <p:cTn id="23" dur="1000" fill="hold"/>
+                                        <p:tgtEl>
+                                          <p:spTgt spid="33"/>
+                                        </p:tgtEl>
+                                        <p:attrNameLst>
+                                          <p:attrName>ppt_x</p:attrName>
+                                        </p:attrNameLst>
+                                      </p:cBhvr>
+                                      <p:tavLst>
+                                        <p:tav tm="0">
+                                          <p:val>
+                                            <p:strVal val="#ppt_x"/>
+                                          </p:val>
+                                        </p:tav>
+                                        <p:tav tm="100000">
+                                          <p:val>
+                                            <p:strVal val="#ppt_x"/>
+                                          </p:val>
+                                        </p:tav>
+                                      </p:tavLst>
+                                    </p:anim>
+                                    <p:anim calcmode="lin" valueType="num">
+                                      <p:cBhvr>
+                                        <p:cTn id="24" dur="1000" fill="hold"/>
+                                        <p:tgtEl>
+                                          <p:spTgt spid="33"/>
+                                        </p:tgtEl>
+                                        <p:attrNameLst>
+                                          <p:attrName>ppt_y</p:attrName>
+                                        </p:attrNameLst>
+                                      </p:cBhvr>
+                                      <p:tavLst>
+                                        <p:tav tm="0">
+                                          <p:val>
+                                            <p:strVal val="#ppt_y+.1"/>
+                                          </p:val>
+                                        </p:tav>
+                                        <p:tav tm="100000">
+                                          <p:val>
+                                            <p:strVal val="#ppt_y"/>
+                                          </p:val>
+                                        </p:tav>
+                                      </p:tavLst>
+                                    </p:anim>
+                                  </p:childTnLst>
+                                </p:cTn>
+                              </p:par>
+                              <p:par>
+                                <p:cTn id="25" presetID="42" presetClass="entr" presetSubtype="0" fill="hold" grpId="0" nodeType="withEffect">
+                                  <p:stCondLst>
+                                    <p:cond delay="0"/>
+                                  </p:stCondLst>
+                                  <p:childTnLst>
+                                    <p:set>
+                                      <p:cBhvr>
+                                        <p:cTn id="26" dur="1" fill="hold">
+                                          <p:stCondLst>
+                                            <p:cond delay="0"/>
+                                          </p:stCondLst>
+                                        </p:cTn>
+                                        <p:tgtEl>
+                                          <p:spTgt spid="28"/>
+                                        </p:tgtEl>
+                                        <p:attrNameLst>
+                                          <p:attrName>style.visibility</p:attrName>
+                                        </p:attrNameLst>
+                                      </p:cBhvr>
+                                      <p:to>
+                                        <p:strVal val="visible"/>
+                                      </p:to>
+                                    </p:set>
+                                    <p:animEffect transition="in" filter="fade">
+                                      <p:cBhvr>
+                                        <p:cTn id="27" dur="1000"/>
+                                        <p:tgtEl>
+                                          <p:spTgt spid="28"/>
+                                        </p:tgtEl>
+                                      </p:cBhvr>
+                                    </p:animEffect>
+                                    <p:anim calcmode="lin" valueType="num">
+                                      <p:cBhvr>
+                                        <p:cTn id="28" dur="1000" fill="hold"/>
+                                        <p:tgtEl>
+                                          <p:spTgt spid="28"/>
+                                        </p:tgtEl>
+                                        <p:attrNameLst>
+                                          <p:attrName>ppt_x</p:attrName>
+                                        </p:attrNameLst>
+                                      </p:cBhvr>
+                                      <p:tavLst>
+                                        <p:tav tm="0">
+                                          <p:val>
+                                            <p:strVal val="#ppt_x"/>
+                                          </p:val>
+                                        </p:tav>
+                                        <p:tav tm="100000">
+                                          <p:val>
+                                            <p:strVal val="#ppt_x"/>
+                                          </p:val>
+                                        </p:tav>
+                                      </p:tavLst>
+                                    </p:anim>
+                                    <p:anim calcmode="lin" valueType="num">
+                                      <p:cBhvr>
+                                        <p:cTn id="29" dur="1000" fill="hold"/>
+                                        <p:tgtEl>
+                                          <p:spTgt spid="28"/>
+                                        </p:tgtEl>
+                                        <p:attrNameLst>
+                                          <p:attrName>ppt_y</p:attrName>
+                                        </p:attrNameLst>
+                                      </p:cBhvr>
+                                      <p:tavLst>
+                                        <p:tav tm="0">
+                                          <p:val>
+                                            <p:strVal val="#ppt_y+.1"/>
+                                          </p:val>
+                                        </p:tav>
+                                        <p:tav tm="100000">
+                                          <p:val>
+                                            <p:strVal val="#ppt_y"/>
+                                          </p:val>
+                                        </p:tav>
+                                      </p:tavLst>
+                                    </p:anim>
+                                  </p:childTnLst>
+                                </p:cTn>
+                              </p:par>
+                              <p:par>
+                                <p:cTn id="30" presetID="42" presetClass="entr" presetSubtype="0" fill="hold" grpId="0" nodeType="withEffect">
+                                  <p:stCondLst>
+                                    <p:cond delay="0"/>
+                                  </p:stCondLst>
+                                  <p:childTnLst>
+                                    <p:set>
+                                      <p:cBhvr>
+                                        <p:cTn id="31" dur="1" fill="hold">
+                                          <p:stCondLst>
+                                            <p:cond delay="0"/>
+                                          </p:stCondLst>
+                                        </p:cTn>
+                                        <p:tgtEl>
+                                          <p:spTgt spid="27"/>
+                                        </p:tgtEl>
+                                        <p:attrNameLst>
+                                          <p:attrName>style.visibility</p:attrName>
+                                        </p:attrNameLst>
+                                      </p:cBhvr>
+                                      <p:to>
+                                        <p:strVal val="visible"/>
+                                      </p:to>
+                                    </p:set>
+                                    <p:animEffect transition="in" filter="fade">
+                                      <p:cBhvr>
+                                        <p:cTn id="32" dur="1000"/>
+                                        <p:tgtEl>
+                                          <p:spTgt spid="27"/>
+                                        </p:tgtEl>
+                                      </p:cBhvr>
+                                    </p:animEffect>
+                                    <p:anim calcmode="lin" valueType="num">
+                                      <p:cBhvr>
+                                        <p:cTn id="33" dur="1000" fill="hold"/>
+                                        <p:tgtEl>
+                                          <p:spTgt spid="27"/>
+                                        </p:tgtEl>
+                                        <p:attrNameLst>
+                                          <p:attrName>ppt_x</p:attrName>
+                                        </p:attrNameLst>
+                                      </p:cBhvr>
+                                      <p:tavLst>
+                                        <p:tav tm="0">
+                                          <p:val>
+                                            <p:strVal val="#ppt_x"/>
+                                          </p:val>
+                                        </p:tav>
+                                        <p:tav tm="100000">
+                                          <p:val>
+                                            <p:strVal val="#ppt_x"/>
+                                          </p:val>
+                                        </p:tav>
+                                      </p:tavLst>
+                                    </p:anim>
+                                    <p:anim calcmode="lin" valueType="num">
+                                      <p:cBhvr>
+                                        <p:cTn id="34" dur="1000" fill="hold"/>
+                                        <p:tgtEl>
+                                          <p:spTgt spid="27"/>
+                                        </p:tgtEl>
+                                        <p:attrNameLst>
+                                          <p:attrName>ppt_y</p:attrName>
+                                        </p:attrNameLst>
+                                      </p:cBhvr>
+                                      <p:tavLst>
+                                        <p:tav tm="0">
+                                          <p:val>
+                                            <p:strVal val="#ppt_y+.1"/>
+                                          </p:val>
+                                        </p:tav>
+                                        <p:tav tm="100000">
+                                          <p:val>
+                                            <p:strVal val="#ppt_y"/>
+                                          </p:val>
+                                        </p:tav>
+                                      </p:tavLst>
+                                    </p:anim>
+                                  </p:childTnLst>
+                                </p:cTn>
+                              </p:par>
+                              <p:par>
+                                <p:cTn id="35" presetID="42" presetClass="entr" presetSubtype="0" fill="hold" grpId="0" nodeType="withEffect">
+                                  <p:stCondLst>
+                                    <p:cond delay="0"/>
+                                  </p:stCondLst>
+                                  <p:childTnLst>
+                                    <p:set>
+                                      <p:cBhvr>
+                                        <p:cTn id="36" dur="1" fill="hold">
+                                          <p:stCondLst>
+                                            <p:cond delay="0"/>
+                                          </p:stCondLst>
+                                        </p:cTn>
+                                        <p:tgtEl>
+                                          <p:spTgt spid="36"/>
+                                        </p:tgtEl>
+                                        <p:attrNameLst>
+                                          <p:attrName>style.visibility</p:attrName>
+                                        </p:attrNameLst>
+                                      </p:cBhvr>
+                                      <p:to>
+                                        <p:strVal val="visible"/>
+                                      </p:to>
+                                    </p:set>
+                                    <p:animEffect transition="in" filter="fade">
+                                      <p:cBhvr>
+                                        <p:cTn id="37" dur="1000"/>
+                                        <p:tgtEl>
+                                          <p:spTgt spid="36"/>
+                                        </p:tgtEl>
+                                      </p:cBhvr>
+                                    </p:animEffect>
+                                    <p:anim calcmode="lin" valueType="num">
+                                      <p:cBhvr>
+                                        <p:cTn id="38" dur="1000" fill="hold"/>
+                                        <p:tgtEl>
+                                          <p:spTgt spid="36"/>
+                                        </p:tgtEl>
+                                        <p:attrNameLst>
+                                          <p:attrName>ppt_x</p:attrName>
+                                        </p:attrNameLst>
+                                      </p:cBhvr>
+                                      <p:tavLst>
+                                        <p:tav tm="0">
+                                          <p:val>
+                                            <p:strVal val="#ppt_x"/>
+                                          </p:val>
+                                        </p:tav>
+                                        <p:tav tm="100000">
+                                          <p:val>
+                                            <p:strVal val="#ppt_x"/>
+                                          </p:val>
+                                        </p:tav>
+                                      </p:tavLst>
+                                    </p:anim>
+                                    <p:anim calcmode="lin" valueType="num">
+                                      <p:cBhvr>
+                                        <p:cTn id="39" dur="1000" fill="hold"/>
+                                        <p:tgtEl>
+                                          <p:spTgt spid="36"/>
+                                        </p:tgtEl>
+                                        <p:attrNameLst>
+                                          <p:attrName>ppt_y</p:attrName>
+                                        </p:attrNameLst>
+                                      </p:cBhvr>
+                                      <p:tavLst>
+                                        <p:tav tm="0">
+                                          <p:val>
+                                            <p:strVal val="#ppt_y+.1"/>
+                                          </p:val>
+                                        </p:tav>
+                                        <p:tav tm="100000">
+                                          <p:val>
+                                            <p:strVal val="#ppt_y"/>
+                                          </p:val>
+                                        </p:tav>
+                                      </p:tavLst>
+                                    </p:anim>
+                                  </p:childTnLst>
+                                </p:cTn>
+                              </p:par>
+                              <p:par>
+                                <p:cTn id="40" presetID="42" presetClass="entr" presetSubtype="0" fill="hold" grpId="0" nodeType="withEffect">
+                                  <p:stCondLst>
+                                    <p:cond delay="0"/>
+                                  </p:stCondLst>
+                                  <p:childTnLst>
+                                    <p:set>
+                                      <p:cBhvr>
+                                        <p:cTn id="41" dur="1" fill="hold">
+                                          <p:stCondLst>
+                                            <p:cond delay="0"/>
+                                          </p:stCondLst>
+                                        </p:cTn>
+                                        <p:tgtEl>
+                                          <p:spTgt spid="30"/>
+                                        </p:tgtEl>
+                                        <p:attrNameLst>
+                                          <p:attrName>style.visibility</p:attrName>
+                                        </p:attrNameLst>
+                                      </p:cBhvr>
+                                      <p:to>
+                                        <p:strVal val="visible"/>
+                                      </p:to>
+                                    </p:set>
+                                    <p:animEffect transition="in" filter="fade">
+                                      <p:cBhvr>
+                                        <p:cTn id="42" dur="1000"/>
+                                        <p:tgtEl>
+                                          <p:spTgt spid="30"/>
+                                        </p:tgtEl>
+                                      </p:cBhvr>
+                                    </p:animEffect>
+                                    <p:anim calcmode="lin" valueType="num">
+                                      <p:cBhvr>
+                                        <p:cTn id="43" dur="1000" fill="hold"/>
+                                        <p:tgtEl>
+                                          <p:spTgt spid="30"/>
+                                        </p:tgtEl>
+                                        <p:attrNameLst>
+                                          <p:attrName>ppt_x</p:attrName>
+                                        </p:attrNameLst>
+                                      </p:cBhvr>
+                                      <p:tavLst>
+                                        <p:tav tm="0">
+                                          <p:val>
+                                            <p:strVal val="#ppt_x"/>
+                                          </p:val>
+                                        </p:tav>
+                                        <p:tav tm="100000">
+                                          <p:val>
+                                            <p:strVal val="#ppt_x"/>
+                                          </p:val>
+                                        </p:tav>
+                                      </p:tavLst>
+                                    </p:anim>
+                                    <p:anim calcmode="lin" valueType="num">
+                                      <p:cBhvr>
+                                        <p:cTn id="44" dur="1000" fill="hold"/>
+                                        <p:tgtEl>
+                                          <p:spTgt spid="30"/>
+                                        </p:tgtEl>
+                                        <p:attrNameLst>
+                                          <p:attrName>ppt_y</p:attrName>
+                                        </p:attrNameLst>
+                                      </p:cBhvr>
+                                      <p:tavLst>
+                                        <p:tav tm="0">
+                                          <p:val>
+                                            <p:strVal val="#ppt_y+.1"/>
+                                          </p:val>
+                                        </p:tav>
+                                        <p:tav tm="100000">
+                                          <p:val>
+                                            <p:strVal val="#ppt_y"/>
+                                          </p:val>
+                                        </p:tav>
+                                      </p:tavLst>
+                                    </p:anim>
+                                  </p:childTnLst>
+                                </p:cTn>
+                              </p:par>
+                              <p:par>
+                                <p:cTn id="45" presetID="42" presetClass="entr" presetSubtype="0" fill="hold" grpId="0" nodeType="withEffect">
+                                  <p:stCondLst>
+                                    <p:cond delay="0"/>
+                                  </p:stCondLst>
+                                  <p:childTnLst>
+                                    <p:set>
+                                      <p:cBhvr>
+                                        <p:cTn id="46" dur="1" fill="hold">
+                                          <p:stCondLst>
+                                            <p:cond delay="0"/>
+                                          </p:stCondLst>
+                                        </p:cTn>
+                                        <p:tgtEl>
+                                          <p:spTgt spid="32"/>
+                                        </p:tgtEl>
+                                        <p:attrNameLst>
+                                          <p:attrName>style.visibility</p:attrName>
+                                        </p:attrNameLst>
+                                      </p:cBhvr>
+                                      <p:to>
+                                        <p:strVal val="visible"/>
+                                      </p:to>
+                                    </p:set>
+                                    <p:animEffect transition="in" filter="fade">
+                                      <p:cBhvr>
+                                        <p:cTn id="47" dur="1000"/>
+                                        <p:tgtEl>
+                                          <p:spTgt spid="32"/>
+                                        </p:tgtEl>
+                                      </p:cBhvr>
+                                    </p:animEffect>
+                                    <p:anim calcmode="lin" valueType="num">
+                                      <p:cBhvr>
+                                        <p:cTn id="48" dur="1000" fill="hold"/>
+                                        <p:tgtEl>
+                                          <p:spTgt spid="32"/>
+                                        </p:tgtEl>
+                                        <p:attrNameLst>
+                                          <p:attrName>ppt_x</p:attrName>
+                                        </p:attrNameLst>
+                                      </p:cBhvr>
+                                      <p:tavLst>
+                                        <p:tav tm="0">
+                                          <p:val>
+                                            <p:strVal val="#ppt_x"/>
+                                          </p:val>
+                                        </p:tav>
+                                        <p:tav tm="100000">
+                                          <p:val>
+                                            <p:strVal val="#ppt_x"/>
+                                          </p:val>
+                                        </p:tav>
+                                      </p:tavLst>
+                                    </p:anim>
+                                    <p:anim calcmode="lin" valueType="num">
+                                      <p:cBhvr>
+                                        <p:cTn id="49" dur="1000" fill="hold"/>
+                                        <p:tgtEl>
+                                          <p:spTgt spid="32"/>
+                                        </p:tgtEl>
+                                        <p:attrNameLst>
+                                          <p:attrName>ppt_y</p:attrName>
+                                        </p:attrNameLst>
+                                      </p:cBhvr>
+                                      <p:tavLst>
+                                        <p:tav tm="0">
+                                          <p:val>
+                                            <p:strVal val="#ppt_y+.1"/>
+                                          </p:val>
+                                        </p:tav>
+                                        <p:tav tm="100000">
+                                          <p:val>
+                                            <p:strVal val="#ppt_y"/>
+                                          </p:val>
+                                        </p:tav>
+                                      </p:tavLst>
+                                    </p:anim>
+                                  </p:childTnLst>
+                                </p:cTn>
+                              </p:par>
+                              <p:par>
+                                <p:cTn id="50" presetID="42" presetClass="entr" presetSubtype="0" fill="hold" grpId="0" nodeType="withEffect">
+                                  <p:stCondLst>
+                                    <p:cond delay="0"/>
+                                  </p:stCondLst>
+                                  <p:childTnLst>
+                                    <p:set>
+                                      <p:cBhvr>
+                                        <p:cTn id="51" dur="1" fill="hold">
+                                          <p:stCondLst>
+                                            <p:cond delay="0"/>
+                                          </p:stCondLst>
+                                        </p:cTn>
+                                        <p:tgtEl>
+                                          <p:spTgt spid="31"/>
+                                        </p:tgtEl>
+                                        <p:attrNameLst>
+                                          <p:attrName>style.visibility</p:attrName>
+                                        </p:attrNameLst>
+                                      </p:cBhvr>
+                                      <p:to>
+                                        <p:strVal val="visible"/>
+                                      </p:to>
+                                    </p:set>
+                                    <p:animEffect transition="in" filter="fade">
+                                      <p:cBhvr>
+                                        <p:cTn id="52" dur="1000"/>
+                                        <p:tgtEl>
+                                          <p:spTgt spid="31"/>
+                                        </p:tgtEl>
+                                      </p:cBhvr>
+                                    </p:animEffect>
+                                    <p:anim calcmode="lin" valueType="num">
+                                      <p:cBhvr>
+                                        <p:cTn id="53" dur="1000" fill="hold"/>
+                                        <p:tgtEl>
+                                          <p:spTgt spid="31"/>
+                                        </p:tgtEl>
+                                        <p:attrNameLst>
+                                          <p:attrName>ppt_x</p:attrName>
+                                        </p:attrNameLst>
+                                      </p:cBhvr>
+                                      <p:tavLst>
+                                        <p:tav tm="0">
+                                          <p:val>
+                                            <p:strVal val="#ppt_x"/>
+                                          </p:val>
+                                        </p:tav>
+                                        <p:tav tm="100000">
+                                          <p:val>
+                                            <p:strVal val="#ppt_x"/>
+                                          </p:val>
+                                        </p:tav>
+                                      </p:tavLst>
+                                    </p:anim>
+                                    <p:anim calcmode="lin" valueType="num">
+                                      <p:cBhvr>
+                                        <p:cTn id="54" dur="1000" fill="hold"/>
+                                        <p:tgtEl>
+                                          <p:spTgt spid="31"/>
+                                        </p:tgtEl>
+                                        <p:attrNameLst>
+                                          <p:attrName>ppt_y</p:attrName>
+                                        </p:attrNameLst>
+                                      </p:cBhvr>
+                                      <p:tavLst>
+                                        <p:tav tm="0">
+                                          <p:val>
+                                            <p:strVal val="#ppt_y+.1"/>
+                                          </p:val>
+                                        </p:tav>
+                                        <p:tav tm="100000">
+                                          <p:val>
+                                            <p:strVal val="#ppt_y"/>
+                                          </p:val>
+                                        </p:tav>
+                                      </p:tavLst>
+                                    </p:anim>
+                                  </p:childTnLst>
+                                </p:cTn>
+                              </p:par>
+                              <p:par>
+                                <p:cTn id="55" presetID="42" presetClass="entr" presetSubtype="0" fill="hold" grpId="0" nodeType="withEffect">
+                                  <p:stCondLst>
+                                    <p:cond delay="0"/>
+                                  </p:stCondLst>
+                                  <p:childTnLst>
+                                    <p:set>
+                                      <p:cBhvr>
+                                        <p:cTn id="56" dur="1" fill="hold">
+                                          <p:stCondLst>
+                                            <p:cond delay="0"/>
+                                          </p:stCondLst>
+                                        </p:cTn>
+                                        <p:tgtEl>
+                                          <p:spTgt spid="35"/>
+                                        </p:tgtEl>
+                                        <p:attrNameLst>
+                                          <p:attrName>style.visibility</p:attrName>
+                                        </p:attrNameLst>
+                                      </p:cBhvr>
+                                      <p:to>
+                                        <p:strVal val="visible"/>
+                                      </p:to>
+                                    </p:set>
+                                    <p:animEffect transition="in" filter="fade">
+                                      <p:cBhvr>
+                                        <p:cTn id="57" dur="1000"/>
+                                        <p:tgtEl>
+                                          <p:spTgt spid="35"/>
+                                        </p:tgtEl>
+                                      </p:cBhvr>
+                                    </p:animEffect>
+                                    <p:anim calcmode="lin" valueType="num">
+                                      <p:cBhvr>
+                                        <p:cTn id="58" dur="1000" fill="hold"/>
+                                        <p:tgtEl>
+                                          <p:spTgt spid="35"/>
+                                        </p:tgtEl>
+                                        <p:attrNameLst>
+                                          <p:attrName>ppt_x</p:attrName>
+                                        </p:attrNameLst>
+                                      </p:cBhvr>
+                                      <p:tavLst>
+                                        <p:tav tm="0">
+                                          <p:val>
+                                            <p:strVal val="#ppt_x"/>
+                                          </p:val>
+                                        </p:tav>
+                                        <p:tav tm="100000">
+                                          <p:val>
+                                            <p:strVal val="#ppt_x"/>
+                                          </p:val>
+                                        </p:tav>
+                                      </p:tavLst>
+                                    </p:anim>
+                                    <p:anim calcmode="lin" valueType="num">
+                                      <p:cBhvr>
+                                        <p:cTn id="59" dur="1000" fill="hold"/>
+                                        <p:tgtEl>
+                                          <p:spTgt spid="35"/>
+                                        </p:tgtEl>
+                                        <p:attrNameLst>
+                                          <p:attrName>ppt_y</p:attrName>
+                                        </p:attrNameLst>
+                                      </p:cBhvr>
+                                      <p:tavLst>
+                                        <p:tav tm="0">
+                                          <p:val>
+                                            <p:strVal val="#ppt_y+.1"/>
+                                          </p:val>
+                                        </p:tav>
+                                        <p:tav tm="100000">
+                                          <p:val>
+                                            <p:strVal val="#ppt_y"/>
+                                          </p:val>
+                                        </p:tav>
+                                      </p:tavLst>
+                                    </p:anim>
+                                  </p:childTnLst>
+                                </p:cTn>
+                              </p:par>
+                            </p:childTnLst>
+                          </p:cTn>
+                        </p:par>
+                      </p:childTnLst>
+                    </p:cTn>
+                  </p:par>
+                </p:childTnLst>
+              </p:cTn>
+              <p:prevCondLst>
+                <p:cond evt="onPrev" delay="0">
+                  <p:tgtEl>
+                    <p:sldTgt/>
+                  </p:tgtEl>
+                </p:cond>
+              </p:prevCondLst>
+              <p:nextCondLst>
+                <p:cond evt="onNext" delay="0">
+                  <p:tgtEl>
+                    <p:sldTgt/>
+                  </p:tgtEl>
+                </p:cond>
+              </p:nextCondLst>
+            </p:seq>
+          </p:childTnLst>
+        </p:cTn>
+      </p:par>
+    </p:tnLst>
+    <p:bldLst>
+      <p:bldP spid="16" grpId="0" bldLvl="0" animBg="1"/>
+      <p:bldP spid="27" grpId="0" animBg="1"/>
+      <p:bldP spid="28" grpId="0" animBg="1"/>
+      <p:bldP spid="29" grpId="0" animBg="1"/>
+      <p:bldP spid="30" grpId="0" animBg="1"/>
+      <p:bldP spid="31" grpId="0" animBg="1"/>
+      <p:bldP spid="32" grpId="0" animBg="1"/>
+      <p:bldP spid="33" grpId="0" animBg="1"/>
+      <p:bldP spid="34" grpId="0" animBg="1"/>
+      <p:bldP spid="35" grpId="0" animBg="1"/>
+      <p:bldP spid="36" grpId="0" animBg="1"/>
+    </p:bldLst>
+  </p:timing>
+</p:sld>
+</file>
+
 <file path=ppt/slides/slide3.xml><?xml version="1.0" encoding="utf-8"?>
 <p:sld xmlns:a="http://schemas.openxmlformats.org/drawingml/2006/main" xmlns:r="http://schemas.openxmlformats.org/officeDocument/2006/relationships" xmlns:p="http://schemas.openxmlformats.org/presentationml/2006/main">
   <p:cSld>
@@ -7619,6 +8310,17 @@
               </a:rPr>
               <a:t>&gt;</a:t>
             </a:r>
+            <a:r>
+              <a:rPr lang="en-US" altLang="zh-CN" sz="3600" dirty="0" smtClean="0">
+                <a:latin typeface="微软雅黑" panose="020B0503020204020204" pitchFamily="34" charset="-122"/>
+                <a:ea typeface="微软雅黑" panose="020B0503020204020204" pitchFamily="34" charset="-122"/>
+              </a:rPr>
+              <a:t>,</a:t>
+            </a:r>
+            <a:r>
+              <a:rPr lang="en-US" altLang="zh-CN" sz="3600" dirty="0" smtClean="0"/>
+              <a:t>&lt;div&gt;,&lt;span&gt;….</a:t>
+            </a:r>
             <a:endParaRPr lang="zh-CN" altLang="en-US" sz="3600" dirty="0">
               <a:latin typeface="微软雅黑" panose="020B0503020204020204" pitchFamily="34" charset="-122"/>
               <a:ea typeface="微软雅黑" panose="020B0503020204020204" pitchFamily="34" charset="-122"/>
@@ -7954,47 +8656,65 @@
               </a:lnSpc>
             </a:pPr>
             <a:r>
-              <a:rPr lang="en-US" altLang="zh-CN" sz="3600" dirty="0">
+              <a:rPr lang="zh-CN" altLang="en-US" sz="3600" dirty="0"/>
+              <a:t>一栋</a:t>
+            </a:r>
+            <a:r>
+              <a:rPr lang="zh-CN" altLang="en-US" sz="3600" dirty="0" smtClean="0"/>
+              <a:t>房子，</a:t>
+            </a:r>
+            <a:r>
+              <a:rPr lang="en-US" altLang="zh-CN" sz="3600" dirty="0" smtClean="0">
                 <a:latin typeface="微软雅黑" panose="020B0503020204020204" pitchFamily="34" charset="-122"/>
                 <a:ea typeface="微软雅黑" panose="020B0503020204020204" pitchFamily="34" charset="-122"/>
               </a:rPr>
               <a:t>HTML</a:t>
-            </a:r>
-            <a:r>
-              <a:rPr lang="zh-CN" altLang="en-US" sz="3600" dirty="0">
-                <a:latin typeface="微软雅黑" panose="020B0503020204020204" pitchFamily="34" charset="-122"/>
-                <a:ea typeface="微软雅黑" panose="020B0503020204020204" pitchFamily="34" charset="-122"/>
-              </a:rPr>
-              <a:t>就像是一个</a:t>
             </a:r>
             <a:r>
               <a:rPr lang="zh-CN" altLang="en-US" sz="3600" dirty="0" smtClean="0">
                 <a:latin typeface="微软雅黑" panose="020B0503020204020204" pitchFamily="34" charset="-122"/>
                 <a:ea typeface="微软雅黑" panose="020B0503020204020204" pitchFamily="34" charset="-122"/>
               </a:rPr>
-              <a:t>毛坯房</a:t>
-            </a:r>
-            <a:r>
-              <a:rPr lang="zh-CN" altLang="en-US" sz="3600" dirty="0">
+              <a:t>好比房子的架构；</a:t>
+            </a:r>
+            <a:r>
+              <a:rPr lang="en-US" altLang="zh-CN" sz="3600" dirty="0" smtClean="0"/>
+              <a:t>CSS</a:t>
+            </a:r>
+            <a:r>
+              <a:rPr lang="zh-CN" altLang="en-US" sz="3600" dirty="0" smtClean="0"/>
+              <a:t>就</a:t>
+            </a:r>
+            <a:r>
+              <a:rPr lang="zh-CN" altLang="en-US" sz="3600" dirty="0"/>
+              <a:t>像是</a:t>
+            </a:r>
+            <a:r>
+              <a:rPr lang="zh-CN" altLang="en-US" sz="3600" dirty="0" smtClean="0"/>
+              <a:t>装潢，</a:t>
+            </a:r>
+            <a:r>
+              <a:rPr lang="zh-CN" altLang="en-US" sz="3600" dirty="0" smtClean="0">
                 <a:latin typeface="微软雅黑" panose="020B0503020204020204" pitchFamily="34" charset="-122"/>
                 <a:ea typeface="微软雅黑" panose="020B0503020204020204" pitchFamily="34" charset="-122"/>
               </a:rPr>
-              <a:t>，只是一间空的房子；</a:t>
-            </a:r>
-            <a:r>
-              <a:rPr lang="en-US" altLang="zh-CN" sz="3600" dirty="0">
+              <a:t>描述</a:t>
+            </a:r>
+            <a:r>
+              <a:rPr lang="zh-CN" altLang="en-US" sz="3600" dirty="0" smtClean="0"/>
+              <a:t>房子的大小、房子的颜色这些外观属性</a:t>
+            </a:r>
+            <a:r>
+              <a:rPr lang="zh-CN" altLang="en-US" sz="3600" dirty="0" smtClean="0">
                 <a:latin typeface="微软雅黑" panose="020B0503020204020204" pitchFamily="34" charset="-122"/>
                 <a:ea typeface="微软雅黑" panose="020B0503020204020204" pitchFamily="34" charset="-122"/>
               </a:rPr>
-              <a:t>CSS</a:t>
-            </a:r>
-            <a:r>
-              <a:rPr lang="zh-CN" altLang="en-US" sz="3600" dirty="0">
-                <a:latin typeface="微软雅黑" panose="020B0503020204020204" pitchFamily="34" charset="-122"/>
-                <a:ea typeface="微软雅黑" panose="020B0503020204020204" pitchFamily="34" charset="-122"/>
-              </a:rPr>
-              <a:t>就像是装修，配置一些家具、电器、装饰物。</a:t>
-            </a:r>
+              <a:t>。</a:t>
+            </a:r>
+            <a:endParaRPr lang="zh-CN" altLang="en-US" sz="3600" dirty="0">
+              <a:latin typeface="微软雅黑" panose="020B0503020204020204" pitchFamily="34" charset="-122"/>
+              <a:ea typeface="微软雅黑" panose="020B0503020204020204" pitchFamily="34" charset="-122"/>
+            </a:endParaRPr>
           </a:p>
           <a:p>
             <a:pPr>

--- a/HTML_CSS/Html&CSS.pptx
+++ b/HTML_CSS/Html&CSS.pptx
@@ -4769,6 +4769,38 @@
               </a:rPr>
               <a:t>文件夹</a:t>
             </a:r>
+            <a:r>
+              <a:rPr lang="en-US" altLang="zh-CN" dirty="0" smtClean="0">
+                <a:sym typeface="+mn-ea"/>
+              </a:rPr>
+              <a:t>(</a:t>
+            </a:r>
+            <a:r>
+              <a:rPr lang="en-US" altLang="zh-CN" sz="3600" dirty="0">
+                <a:hlinkClick r:id="rId2"/>
+              </a:rPr>
+              <a:t>http://</a:t>
+            </a:r>
+            <a:r>
+              <a:rPr lang="en-US" altLang="zh-CN" sz="3600" dirty="0" smtClean="0">
+                <a:hlinkClick r:id="rId2"/>
+              </a:rPr>
+              <a:t>hw2/svn/test2018/</a:t>
+            </a:r>
+            <a:r>
+              <a:rPr lang="zh-CN" altLang="en-US" sz="3600" dirty="0" smtClean="0"/>
+              <a:t>电脑登录名</a:t>
+            </a:r>
+            <a:r>
+              <a:rPr lang="en-US" altLang="zh-CN" sz="3600" dirty="0" smtClean="0"/>
+              <a:t>/HTML</a:t>
+            </a:r>
+            <a:r>
+              <a:rPr lang="en-US" altLang="zh-CN" dirty="0" smtClean="0">
+                <a:sym typeface="+mn-ea"/>
+              </a:rPr>
+              <a:t>)</a:t>
+            </a:r>
             <a:endParaRPr lang="en-US" altLang="zh-CN" dirty="0" smtClean="0">
               <a:sym typeface="+mn-ea"/>
             </a:endParaRPr>
@@ -4796,13 +4828,7 @@
               <a:rPr lang="zh-CN" altLang="en-US" dirty="0" smtClean="0">
                 <a:sym typeface="+mn-ea"/>
               </a:rPr>
-              <a:t>日前交</a:t>
-            </a:r>
-            <a:r>
-              <a:rPr lang="zh-CN" altLang="en-US" dirty="0" smtClean="0">
-                <a:sym typeface="+mn-ea"/>
-              </a:rPr>
-              <a:t>作业（截止至</a:t>
+              <a:t>日前交作业（截止至</a:t>
             </a:r>
             <a:r>
               <a:rPr lang="en-US" altLang="zh-CN" dirty="0" smtClean="0">

--- a/HTML_CSS/Html&CSS.pptx
+++ b/HTML_CSS/Html&CSS.pptx
@@ -217,7 +217,7 @@
           <a:p>
             <a:fld id="{94EA9A77-0CE4-4E25-84E3-55E75407559E}" type="datetimeFigureOut">
               <a:rPr lang="zh-CN" altLang="en-US" smtClean="0"/>
-              <a:t>2018/4/11</a:t>
+              <a:t>2018/4/12</a:t>
             </a:fld>
             <a:endParaRPr lang="zh-CN" altLang="en-US"/>
           </a:p>
@@ -873,7 +873,7 @@
           <a:p>
             <a:fld id="{A94A5677-1990-4DEF-94A6-269AB3DAB6C5}" type="datetimeFigureOut">
               <a:rPr lang="zh-CN" altLang="en-US" smtClean="0"/>
-              <a:t>2018/4/11</a:t>
+              <a:t>2018/4/12</a:t>
             </a:fld>
             <a:endParaRPr lang="zh-CN" altLang="en-US"/>
           </a:p>
@@ -4114,7 +4114,11 @@
             </a:r>
             <a:r>
               <a:rPr lang="zh-CN" altLang="en-US" dirty="0" smtClean="0"/>
-              <a:t>、增加</a:t>
+              <a:t>、在包含</a:t>
+            </a:r>
+            <a:r>
+              <a:rPr lang="zh-CN" altLang="en-US" dirty="0"/>
+              <a:t>浮动子元素的父级元素上增加</a:t>
             </a:r>
             <a:r>
               <a:rPr lang="en-US" altLang="zh-CN" dirty="0"/>
@@ -4801,9 +4805,6 @@
               </a:rPr>
               <a:t>)</a:t>
             </a:r>
-            <a:endParaRPr lang="en-US" altLang="zh-CN" dirty="0" smtClean="0">
-              <a:sym typeface="+mn-ea"/>
-            </a:endParaRPr>
           </a:p>
           <a:p>
             <a:r>

--- a/HTML_CSS/Html&CSS.pptx
+++ b/HTML_CSS/Html&CSS.pptx
@@ -5,7 +5,7 @@
     <p:sldMasterId id="2147483648" r:id="rId1"/>
   </p:sldMasterIdLst>
   <p:notesMasterIdLst>
-    <p:notesMasterId r:id="rId23"/>
+    <p:notesMasterId r:id="rId22"/>
   </p:notesMasterIdLst>
   <p:sldIdLst>
     <p:sldId id="256" r:id="rId2"/>
@@ -24,11 +24,10 @@
     <p:sldId id="321" r:id="rId15"/>
     <p:sldId id="330" r:id="rId16"/>
     <p:sldId id="329" r:id="rId17"/>
-    <p:sldId id="306" r:id="rId18"/>
-    <p:sldId id="308" r:id="rId19"/>
-    <p:sldId id="324" r:id="rId20"/>
-    <p:sldId id="325" r:id="rId21"/>
-    <p:sldId id="280" r:id="rId22"/>
+    <p:sldId id="308" r:id="rId18"/>
+    <p:sldId id="324" r:id="rId19"/>
+    <p:sldId id="325" r:id="rId20"/>
+    <p:sldId id="280" r:id="rId21"/>
   </p:sldIdLst>
   <p:sldSz cx="12192000" cy="6858000"/>
   <p:notesSz cx="6858000" cy="9144000"/>
@@ -217,7 +216,7 @@
           <a:p>
             <a:fld id="{94EA9A77-0CE4-4E25-84E3-55E75407559E}" type="datetimeFigureOut">
               <a:rPr lang="zh-CN" altLang="en-US" smtClean="0"/>
-              <a:t>2018/4/12</a:t>
+              <a:t>2018/4/18</a:t>
             </a:fld>
             <a:endParaRPr lang="zh-CN" altLang="en-US"/>
           </a:p>
@@ -873,7 +872,7 @@
           <a:p>
             <a:fld id="{A94A5677-1990-4DEF-94A6-269AB3DAB6C5}" type="datetimeFigureOut">
               <a:rPr lang="zh-CN" altLang="en-US" smtClean="0"/>
-              <a:t>2018/4/12</a:t>
+              <a:t>2018/4/18</a:t>
             </a:fld>
             <a:endParaRPr lang="zh-CN" altLang="en-US"/>
           </a:p>
@@ -4428,8 +4427,8 @@
           <a:lstStyle/>
           <a:p>
             <a:r>
-              <a:rPr lang="zh-CN" altLang="en-US" dirty="0"/>
-              <a:t>一个简单的页面布局</a:t>
+              <a:rPr lang="zh-CN" altLang="en-US"/>
+              <a:t>学习建议</a:t>
             </a:r>
           </a:p>
         </p:txBody>
@@ -4447,62 +4446,60 @@
         <p:spPr/>
         <p:txBody>
           <a:bodyPr>
-            <a:normAutofit fontScale="97500"/>
+            <a:normAutofit/>
           </a:bodyPr>
           <a:lstStyle/>
           <a:p>
-            <a:pPr marL="0" indent="0">
-              <a:buNone/>
-            </a:pPr>
+            <a:r>
+              <a:rPr lang="zh-CN" altLang="en-US" dirty="0">
+                <a:sym typeface="+mn-ea"/>
+              </a:rPr>
+              <a:t>菜</a:t>
+            </a:r>
+            <a:r>
+              <a:rPr lang="zh-CN" altLang="en-US" dirty="0" smtClean="0">
+                <a:sym typeface="+mn-ea"/>
+              </a:rPr>
+              <a:t>鸟驿站（入门级，适用于零基础人群）</a:t>
+            </a:r>
+            <a:r>
+              <a:rPr lang="en-US" altLang="zh-CN" dirty="0" smtClean="0">
+                <a:sym typeface="+mn-ea"/>
+              </a:rPr>
+              <a:t>	</a:t>
+            </a:r>
+            <a:r>
+              <a:rPr lang="en-US" altLang="zh-CN" dirty="0" smtClean="0">
+                <a:sym typeface="+mn-ea"/>
+                <a:hlinkClick r:id="rId2"/>
+              </a:rPr>
+              <a:t>http://www.runoob.com/</a:t>
+            </a:r>
+            <a:endParaRPr lang="en-US" altLang="zh-CN" dirty="0" smtClean="0">
+              <a:sym typeface="+mn-ea"/>
+            </a:endParaRPr>
+          </a:p>
+          <a:p>
+            <a:r>
+              <a:rPr lang="zh-CN" altLang="en-US" dirty="0" smtClean="0"/>
+              <a:t>慕课网，上面有一些免费的视频资源</a:t>
+            </a:r>
+            <a:endParaRPr lang="en-US" altLang="zh-CN" dirty="0" smtClean="0"/>
+          </a:p>
+          <a:p>
+            <a:r>
+              <a:rPr lang="zh-CN" altLang="en-US" dirty="0" smtClean="0"/>
+              <a:t>读书</a:t>
+            </a:r>
             <a:r>
               <a:rPr lang="zh-CN" altLang="en-US" dirty="0"/>
-              <a:t>    &lt;div class="header"&gt;&lt;/div&gt;</a:t>
-            </a:r>
-          </a:p>
-          <a:p>
-            <a:pPr marL="0" indent="0">
-              <a:buNone/>
-            </a:pPr>
-            <a:r>
-              <a:rPr lang="zh-CN" altLang="en-US" dirty="0"/>
-              <a:t>    &lt;div class="center"&gt;</a:t>
-            </a:r>
-          </a:p>
-          <a:p>
-            <a:pPr marL="0" indent="0">
-              <a:buNone/>
-            </a:pPr>
-            <a:r>
-              <a:rPr lang="zh-CN" altLang="en-US" dirty="0"/>
-              <a:t>        &lt;div class="menu"&gt;&lt;/div&gt;</a:t>
-            </a:r>
-          </a:p>
-          <a:p>
-            <a:pPr marL="0" indent="0">
-              <a:buNone/>
-            </a:pPr>
-            <a:r>
-              <a:rPr lang="zh-CN" altLang="en-US" dirty="0"/>
-              <a:t>        &lt;div class="main"&gt;&lt;/div&gt;</a:t>
-            </a:r>
-          </a:p>
-          <a:p>
-            <a:pPr marL="0" indent="0">
-              <a:buNone/>
-            </a:pPr>
-            <a:r>
-              <a:rPr lang="zh-CN" altLang="en-US" dirty="0"/>
-              <a:t>    &lt;/div&gt;</a:t>
-            </a:r>
-          </a:p>
-          <a:p>
-            <a:pPr marL="0" indent="0">
-              <a:buNone/>
-            </a:pPr>
-            <a:r>
-              <a:rPr lang="zh-CN" altLang="en-US" dirty="0"/>
-              <a:t>    &lt;div class="footer"&gt;&lt;/div&gt;</a:t>
-            </a:r>
+              <a:t>好，多读书，读</a:t>
+            </a:r>
+            <a:r>
+              <a:rPr lang="zh-CN" altLang="en-US" dirty="0" smtClean="0"/>
+              <a:t>好书</a:t>
+            </a:r>
+            <a:endParaRPr lang="zh-CN" altLang="en-US" dirty="0"/>
           </a:p>
         </p:txBody>
       </p:sp>
@@ -4557,9 +4554,10 @@
           <a:lstStyle/>
           <a:p>
             <a:r>
-              <a:rPr lang="zh-CN" altLang="en-US"/>
-              <a:t>学习建议</a:t>
-            </a:r>
+              <a:rPr lang="zh-CN" altLang="en-US" dirty="0" smtClean="0"/>
+              <a:t>作业</a:t>
+            </a:r>
+            <a:endParaRPr lang="zh-CN" altLang="en-US" dirty="0"/>
           </a:p>
         </p:txBody>
       </p:sp>
@@ -4576,7 +4574,7 @@
         <p:spPr/>
         <p:txBody>
           <a:bodyPr>
-            <a:normAutofit/>
+            <a:normAutofit fontScale="92500" lnSpcReduction="20000"/>
           </a:bodyPr>
           <a:lstStyle/>
           <a:p>
@@ -4584,26 +4582,55 @@
               <a:rPr lang="zh-CN" altLang="en-US" dirty="0">
                 <a:sym typeface="+mn-ea"/>
               </a:rPr>
-              <a:t>菜</a:t>
+              <a:t>使</a:t>
             </a:r>
             <a:r>
               <a:rPr lang="zh-CN" altLang="en-US" dirty="0" smtClean="0">
                 <a:sym typeface="+mn-ea"/>
               </a:rPr>
-              <a:t>鸟驿站（入门级，适用于零基础人群）</a:t>
+              <a:t>用</a:t>
             </a:r>
             <a:r>
               <a:rPr lang="en-US" altLang="zh-CN" dirty="0" smtClean="0">
                 <a:sym typeface="+mn-ea"/>
               </a:rPr>
-              <a:t>	</a:t>
-            </a:r>
-            <a:r>
-              <a:rPr lang="en-US" altLang="zh-CN" dirty="0" smtClean="0">
+              <a:t>html5+css</a:t>
+            </a:r>
+            <a:r>
+              <a:rPr lang="zh-CN" altLang="en-US" dirty="0" smtClean="0">
                 <a:sym typeface="+mn-ea"/>
-                <a:hlinkClick r:id="rId2"/>
-              </a:rPr>
-              <a:t>http://www.runoob.com/</a:t>
+              </a:rPr>
+              <a:t>将页面分割成上中下三</a:t>
+            </a:r>
+            <a:r>
+              <a:rPr lang="zh-CN" altLang="en-US" dirty="0" smtClean="0">
+                <a:sym typeface="+mn-ea"/>
+              </a:rPr>
+              <a:t>部分（</a:t>
+            </a:r>
+            <a:r>
+              <a:rPr lang="zh-CN" altLang="en-US" dirty="0" smtClean="0">
+                <a:sym typeface="+mn-ea"/>
+              </a:rPr>
+              <a:t>上下大小固定，中间部分自适应</a:t>
+            </a:r>
+            <a:r>
+              <a:rPr lang="zh-CN" altLang="en-US" dirty="0" smtClean="0">
+                <a:sym typeface="+mn-ea"/>
+              </a:rPr>
+              <a:t>），</a:t>
+            </a:r>
+            <a:r>
+              <a:rPr lang="zh-CN" altLang="en-US" dirty="0" smtClean="0">
+                <a:sym typeface="+mn-ea"/>
+              </a:rPr>
+              <a:t>中间分为左右两</a:t>
+            </a:r>
+            <a:r>
+              <a:rPr lang="zh-CN" altLang="en-US" dirty="0" smtClean="0">
+                <a:sym typeface="+mn-ea"/>
+              </a:rPr>
+              <a:t>部分（左侧大小固定，右侧自适应）</a:t>
             </a:r>
             <a:endParaRPr lang="en-US" altLang="zh-CN" dirty="0" smtClean="0">
               <a:sym typeface="+mn-ea"/>
@@ -4611,29 +4638,166 @@
           </a:p>
           <a:p>
             <a:r>
-              <a:rPr lang="zh-CN" altLang="en-US" dirty="0" smtClean="0"/>
-              <a:t>慕课网，上面有一些免费的视频资源</a:t>
-            </a:r>
-            <a:endParaRPr lang="en-US" altLang="zh-CN" dirty="0" smtClean="0"/>
-          </a:p>
-          <a:p>
-            <a:r>
-              <a:rPr lang="zh-CN" altLang="en-US" dirty="0" smtClean="0"/>
-              <a:t>读书</a:t>
-            </a:r>
-            <a:r>
-              <a:rPr lang="zh-CN" altLang="en-US" dirty="0"/>
-              <a:t>好，多读书，读</a:t>
-            </a:r>
-            <a:r>
-              <a:rPr lang="zh-CN" altLang="en-US" dirty="0" smtClean="0"/>
-              <a:t>好书</a:t>
-            </a:r>
+              <a:rPr lang="zh-CN" altLang="en-US" dirty="0" smtClean="0">
+                <a:sym typeface="+mn-ea"/>
+              </a:rPr>
+              <a:t>考核</a:t>
+            </a:r>
+            <a:r>
+              <a:rPr lang="zh-CN" altLang="en-US" dirty="0" smtClean="0">
+                <a:sym typeface="+mn-ea"/>
+              </a:rPr>
+              <a:t>点：样式与结构分离、命名规范、</a:t>
+            </a:r>
+            <a:r>
+              <a:rPr lang="zh-CN" altLang="en-US" dirty="0" smtClean="0">
+                <a:sym typeface="+mn-ea"/>
+              </a:rPr>
+              <a:t>界面整体协调性</a:t>
+            </a:r>
+            <a:endParaRPr lang="en-US" altLang="zh-CN" dirty="0" smtClean="0">
+              <a:sym typeface="+mn-ea"/>
+            </a:endParaRPr>
+          </a:p>
+          <a:p>
+            <a:r>
+              <a:rPr lang="zh-CN" altLang="en-US" dirty="0">
+                <a:sym typeface="+mn-ea"/>
+              </a:rPr>
+              <a:t>提交</a:t>
+            </a:r>
+            <a:r>
+              <a:rPr lang="zh-CN" altLang="en-US" dirty="0" smtClean="0">
+                <a:sym typeface="+mn-ea"/>
+              </a:rPr>
+              <a:t>至</a:t>
+            </a:r>
+            <a:r>
+              <a:rPr lang="en-US" altLang="zh-CN" dirty="0" smtClean="0">
+                <a:sym typeface="+mn-ea"/>
+              </a:rPr>
+              <a:t>SVN</a:t>
+            </a:r>
+            <a:r>
+              <a:rPr lang="zh-CN" altLang="en-US" dirty="0" smtClean="0">
+                <a:sym typeface="+mn-ea"/>
+              </a:rPr>
+              <a:t>个人目录下</a:t>
+            </a:r>
+            <a:r>
+              <a:rPr lang="en-US" altLang="zh-CN" dirty="0" smtClean="0">
+                <a:sym typeface="+mn-ea"/>
+              </a:rPr>
+              <a:t>HTML</a:t>
+            </a:r>
+            <a:r>
+              <a:rPr lang="zh-CN" altLang="en-US" dirty="0" smtClean="0">
+                <a:sym typeface="+mn-ea"/>
+              </a:rPr>
+              <a:t>文件夹</a:t>
+            </a:r>
+            <a:r>
+              <a:rPr lang="en-US" altLang="zh-CN" dirty="0" smtClean="0">
+                <a:sym typeface="+mn-ea"/>
+              </a:rPr>
+              <a:t>(</a:t>
+            </a:r>
+            <a:r>
+              <a:rPr lang="en-US" altLang="zh-CN" sz="3600" dirty="0">
+                <a:hlinkClick r:id="rId2"/>
+              </a:rPr>
+              <a:t>http://</a:t>
+            </a:r>
+            <a:r>
+              <a:rPr lang="en-US" altLang="zh-CN" sz="3600" dirty="0" smtClean="0">
+                <a:hlinkClick r:id="rId2"/>
+              </a:rPr>
+              <a:t>hw2/svn/test2018/</a:t>
+            </a:r>
+            <a:r>
+              <a:rPr lang="zh-CN" altLang="en-US" sz="3600" dirty="0" smtClean="0"/>
+              <a:t>电脑登录名</a:t>
+            </a:r>
+            <a:r>
+              <a:rPr lang="en-US" altLang="zh-CN" sz="3600" dirty="0" smtClean="0"/>
+              <a:t>/HTML</a:t>
+            </a:r>
+            <a:r>
+              <a:rPr lang="en-US" altLang="zh-CN" dirty="0" smtClean="0">
+                <a:sym typeface="+mn-ea"/>
+              </a:rPr>
+              <a:t>)</a:t>
+            </a:r>
+          </a:p>
+          <a:p>
+            <a:r>
+              <a:rPr lang="en-US" altLang="zh-CN" dirty="0" smtClean="0">
+                <a:sym typeface="+mn-ea"/>
+              </a:rPr>
+              <a:t>4</a:t>
+            </a:r>
+            <a:r>
+              <a:rPr lang="zh-CN" altLang="en-US" dirty="0" smtClean="0">
+                <a:sym typeface="+mn-ea"/>
+              </a:rPr>
+              <a:t>月</a:t>
+            </a:r>
+            <a:r>
+              <a:rPr lang="en-US" altLang="zh-CN" dirty="0" smtClean="0">
+                <a:sym typeface="+mn-ea"/>
+              </a:rPr>
+              <a:t>16</a:t>
+            </a:r>
+            <a:r>
+              <a:rPr lang="zh-CN" altLang="en-US" dirty="0" smtClean="0">
+                <a:sym typeface="+mn-ea"/>
+              </a:rPr>
+              <a:t>日前交作业（截止至</a:t>
+            </a:r>
+            <a:r>
+              <a:rPr lang="en-US" altLang="zh-CN" dirty="0" smtClean="0">
+                <a:sym typeface="+mn-ea"/>
+              </a:rPr>
+              <a:t>14</a:t>
+            </a:r>
+            <a:r>
+              <a:rPr lang="zh-CN" altLang="en-US" dirty="0" smtClean="0">
+                <a:sym typeface="+mn-ea"/>
+              </a:rPr>
+              <a:t>：</a:t>
+            </a:r>
+            <a:r>
+              <a:rPr lang="en-US" altLang="zh-CN" dirty="0" smtClean="0">
+                <a:sym typeface="+mn-ea"/>
+              </a:rPr>
+              <a:t>00</a:t>
+            </a:r>
+            <a:r>
+              <a:rPr lang="zh-CN" altLang="en-US" dirty="0" smtClean="0">
+                <a:sym typeface="+mn-ea"/>
+              </a:rPr>
+              <a:t>）</a:t>
+            </a:r>
+            <a:endParaRPr lang="en-US" altLang="zh-CN" dirty="0" smtClean="0">
+              <a:sym typeface="+mn-ea"/>
+            </a:endParaRPr>
+          </a:p>
+          <a:p>
+            <a:endParaRPr lang="zh-CN" altLang="en-US" dirty="0">
+              <a:sym typeface="+mn-ea"/>
+            </a:endParaRPr>
+          </a:p>
+          <a:p>
             <a:endParaRPr lang="zh-CN" altLang="en-US" dirty="0"/>
           </a:p>
         </p:txBody>
       </p:sp>
     </p:spTree>
+    <p:extLst>
+      <p:ext uri="{BB962C8B-B14F-4D97-AF65-F5344CB8AC3E}">
+        <p14:creationId xmlns:p14="http://schemas.microsoft.com/office/powerpoint/2010/main" val="2153077848"/>
+      </p:ext>
+    </p:extLst>
   </p:cSld>
   <p:clrMapOvr>
     <a:masterClrMapping/>
@@ -4654,6 +4818,14 @@
 <file path=ppt/slides/slide19.xml><?xml version="1.0" encoding="utf-8"?>
 <p:sld xmlns:a="http://schemas.openxmlformats.org/drawingml/2006/main" xmlns:r="http://schemas.openxmlformats.org/officeDocument/2006/relationships" xmlns:p="http://schemas.openxmlformats.org/presentationml/2006/main">
   <p:cSld>
+    <p:bg>
+      <p:bgPr>
+        <a:solidFill>
+          <a:srgbClr val="00B0F0"/>
+        </a:solidFill>
+        <a:effectLst/>
+      </p:bgPr>
+    </p:bg>
     <p:spTree>
       <p:nvGrpSpPr>
         <p:cNvPr id="1" name=""/>
@@ -4668,211 +4840,40 @@
           <a:chExt cx="0" cy="0"/>
         </a:xfrm>
       </p:grpSpPr>
-      <p:sp>
-        <p:nvSpPr>
-          <p:cNvPr id="2" name="标题 1"/>
-          <p:cNvSpPr>
-            <a:spLocks noGrp="1"/>
-          </p:cNvSpPr>
-          <p:nvPr>
-            <p:ph type="ctrTitle"/>
-          </p:nvPr>
-        </p:nvSpPr>
-        <p:spPr/>
-        <p:txBody>
-          <a:bodyPr/>
-          <a:lstStyle/>
-          <a:p>
-            <a:r>
-              <a:rPr lang="zh-CN" altLang="en-US" dirty="0" smtClean="0"/>
-              <a:t>作业</a:t>
-            </a:r>
-            <a:endParaRPr lang="zh-CN" altLang="en-US" dirty="0"/>
-          </a:p>
-        </p:txBody>
-      </p:sp>
-      <p:sp>
-        <p:nvSpPr>
-          <p:cNvPr id="3" name="副标题 2"/>
-          <p:cNvSpPr>
-            <a:spLocks noGrp="1"/>
-          </p:cNvSpPr>
-          <p:nvPr>
-            <p:ph type="subTitle" idx="1"/>
-          </p:nvPr>
-        </p:nvSpPr>
-        <p:spPr/>
-        <p:txBody>
-          <a:bodyPr>
-            <a:normAutofit/>
-          </a:bodyPr>
-          <a:lstStyle/>
-          <a:p>
-            <a:r>
-              <a:rPr lang="zh-CN" altLang="en-US" dirty="0">
-                <a:sym typeface="+mn-ea"/>
-              </a:rPr>
-              <a:t>使</a:t>
-            </a:r>
-            <a:r>
-              <a:rPr lang="zh-CN" altLang="en-US" dirty="0" smtClean="0">
-                <a:sym typeface="+mn-ea"/>
-              </a:rPr>
-              <a:t>用</a:t>
-            </a:r>
-            <a:r>
-              <a:rPr lang="en-US" altLang="zh-CN" dirty="0" smtClean="0">
-                <a:sym typeface="+mn-ea"/>
-              </a:rPr>
-              <a:t>html5+css</a:t>
-            </a:r>
-            <a:r>
-              <a:rPr lang="zh-CN" altLang="en-US" dirty="0" smtClean="0">
-                <a:sym typeface="+mn-ea"/>
-              </a:rPr>
-              <a:t>将页面分割成上中下三部分，中间分为左右两部分（考核点：样式与结构分离、命名规范、界面好看有加分）</a:t>
-            </a:r>
-            <a:endParaRPr lang="en-US" altLang="zh-CN" dirty="0" smtClean="0">
-              <a:sym typeface="+mn-ea"/>
-            </a:endParaRPr>
-          </a:p>
-          <a:p>
-            <a:r>
-              <a:rPr lang="zh-CN" altLang="en-US" dirty="0">
-                <a:sym typeface="+mn-ea"/>
-              </a:rPr>
-              <a:t>提交</a:t>
-            </a:r>
-            <a:r>
-              <a:rPr lang="zh-CN" altLang="en-US" dirty="0" smtClean="0">
-                <a:sym typeface="+mn-ea"/>
-              </a:rPr>
-              <a:t>至</a:t>
-            </a:r>
-            <a:r>
-              <a:rPr lang="en-US" altLang="zh-CN" dirty="0" smtClean="0">
-                <a:sym typeface="+mn-ea"/>
-              </a:rPr>
-              <a:t>SVN</a:t>
-            </a:r>
-            <a:r>
-              <a:rPr lang="zh-CN" altLang="en-US" dirty="0" smtClean="0">
-                <a:sym typeface="+mn-ea"/>
-              </a:rPr>
-              <a:t>个人目录下</a:t>
-            </a:r>
-            <a:r>
-              <a:rPr lang="en-US" altLang="zh-CN" dirty="0" smtClean="0">
-                <a:sym typeface="+mn-ea"/>
-              </a:rPr>
-              <a:t>HTML</a:t>
-            </a:r>
-            <a:r>
-              <a:rPr lang="zh-CN" altLang="en-US" dirty="0" smtClean="0">
-                <a:sym typeface="+mn-ea"/>
-              </a:rPr>
-              <a:t>文件夹</a:t>
-            </a:r>
-            <a:r>
-              <a:rPr lang="en-US" altLang="zh-CN" dirty="0" smtClean="0">
-                <a:sym typeface="+mn-ea"/>
-              </a:rPr>
-              <a:t>(</a:t>
-            </a:r>
-            <a:r>
-              <a:rPr lang="en-US" altLang="zh-CN" sz="3600" dirty="0">
-                <a:hlinkClick r:id="rId2"/>
-              </a:rPr>
-              <a:t>http://</a:t>
-            </a:r>
-            <a:r>
-              <a:rPr lang="en-US" altLang="zh-CN" sz="3600" dirty="0" smtClean="0">
-                <a:hlinkClick r:id="rId2"/>
-              </a:rPr>
-              <a:t>hw2/svn/test2018/</a:t>
-            </a:r>
-            <a:r>
-              <a:rPr lang="zh-CN" altLang="en-US" sz="3600" dirty="0" smtClean="0"/>
-              <a:t>电脑登录名</a:t>
-            </a:r>
-            <a:r>
-              <a:rPr lang="en-US" altLang="zh-CN" sz="3600" dirty="0" smtClean="0"/>
-              <a:t>/HTML</a:t>
-            </a:r>
-            <a:r>
-              <a:rPr lang="en-US" altLang="zh-CN" dirty="0" smtClean="0">
-                <a:sym typeface="+mn-ea"/>
-              </a:rPr>
-              <a:t>)</a:t>
-            </a:r>
-          </a:p>
-          <a:p>
-            <a:r>
-              <a:rPr lang="en-US" altLang="zh-CN" dirty="0" smtClean="0">
-                <a:sym typeface="+mn-ea"/>
-              </a:rPr>
-              <a:t>4</a:t>
-            </a:r>
-            <a:r>
-              <a:rPr lang="zh-CN" altLang="en-US" dirty="0" smtClean="0">
-                <a:sym typeface="+mn-ea"/>
-              </a:rPr>
-              <a:t>月</a:t>
-            </a:r>
-            <a:r>
-              <a:rPr lang="en-US" altLang="zh-CN" dirty="0" smtClean="0">
-                <a:sym typeface="+mn-ea"/>
-              </a:rPr>
-              <a:t>16</a:t>
-            </a:r>
-            <a:r>
-              <a:rPr lang="zh-CN" altLang="en-US" dirty="0" smtClean="0">
-                <a:sym typeface="+mn-ea"/>
-              </a:rPr>
-              <a:t>日前交作业（截止至</a:t>
-            </a:r>
-            <a:r>
-              <a:rPr lang="en-US" altLang="zh-CN" dirty="0" smtClean="0">
-                <a:sym typeface="+mn-ea"/>
-              </a:rPr>
-              <a:t>14</a:t>
-            </a:r>
-            <a:r>
-              <a:rPr lang="zh-CN" altLang="en-US" dirty="0" smtClean="0">
-                <a:sym typeface="+mn-ea"/>
-              </a:rPr>
-              <a:t>：</a:t>
-            </a:r>
-            <a:r>
-              <a:rPr lang="en-US" altLang="zh-CN" dirty="0" smtClean="0">
-                <a:sym typeface="+mn-ea"/>
-              </a:rPr>
-              <a:t>00</a:t>
-            </a:r>
-            <a:r>
-              <a:rPr lang="zh-CN" altLang="en-US" dirty="0" smtClean="0">
-                <a:sym typeface="+mn-ea"/>
-              </a:rPr>
-              <a:t>）</a:t>
-            </a:r>
-            <a:endParaRPr lang="en-US" altLang="zh-CN" dirty="0" smtClean="0">
-              <a:sym typeface="+mn-ea"/>
-            </a:endParaRPr>
-          </a:p>
-          <a:p>
-            <a:endParaRPr lang="zh-CN" altLang="en-US" dirty="0">
-              <a:sym typeface="+mn-ea"/>
-            </a:endParaRPr>
-          </a:p>
-          <a:p>
-            <a:endParaRPr lang="zh-CN" altLang="en-US" dirty="0"/>
-          </a:p>
-        </p:txBody>
-      </p:sp>
+      <p:pic>
+        <p:nvPicPr>
+          <p:cNvPr id="2" name="图片 1"/>
+          <p:cNvPicPr>
+            <a:picLocks noChangeAspect="1"/>
+          </p:cNvPicPr>
+          <p:nvPr/>
+        </p:nvPicPr>
+        <p:blipFill>
+          <a:blip r:embed="rId2">
+            <a:extLst>
+              <a:ext uri="{28A0092B-C50C-407E-A947-70E740481C1C}">
+                <a14:useLocalDpi xmlns:a14="http://schemas.microsoft.com/office/drawing/2010/main" val="0"/>
+              </a:ext>
+            </a:extLst>
+          </a:blip>
+          <a:stretch>
+            <a:fillRect/>
+          </a:stretch>
+        </p:blipFill>
+        <p:spPr>
+          <a:xfrm>
+            <a:off x="1662112" y="942975"/>
+            <a:ext cx="8867775" cy="4972050"/>
+          </a:xfrm>
+          <a:prstGeom prst="rect">
+            <a:avLst/>
+          </a:prstGeom>
+        </p:spPr>
+      </p:pic>
     </p:spTree>
     <p:extLst>
       <p:ext uri="{BB962C8B-B14F-4D97-AF65-F5344CB8AC3E}">
-        <p14:creationId xmlns:p14="http://schemas.microsoft.com/office/powerpoint/2010/main" val="2153077848"/>
+        <p14:creationId xmlns:p14="http://schemas.microsoft.com/office/powerpoint/2010/main" val="3540348085"/>
       </p:ext>
     </p:extLst>
   </p:cSld>
@@ -6210,84 +6211,6 @@
 <file path=ppt/slides/slide20.xml><?xml version="1.0" encoding="utf-8"?>
 <p:sld xmlns:a="http://schemas.openxmlformats.org/drawingml/2006/main" xmlns:r="http://schemas.openxmlformats.org/officeDocument/2006/relationships" xmlns:p="http://schemas.openxmlformats.org/presentationml/2006/main">
   <p:cSld>
-    <p:bg>
-      <p:bgPr>
-        <a:solidFill>
-          <a:srgbClr val="00B0F0"/>
-        </a:solidFill>
-        <a:effectLst/>
-      </p:bgPr>
-    </p:bg>
-    <p:spTree>
-      <p:nvGrpSpPr>
-        <p:cNvPr id="1" name=""/>
-        <p:cNvGrpSpPr/>
-        <p:nvPr/>
-      </p:nvGrpSpPr>
-      <p:grpSpPr>
-        <a:xfrm>
-          <a:off x="0" y="0"/>
-          <a:ext cx="0" cy="0"/>
-          <a:chOff x="0" y="0"/>
-          <a:chExt cx="0" cy="0"/>
-        </a:xfrm>
-      </p:grpSpPr>
-      <p:pic>
-        <p:nvPicPr>
-          <p:cNvPr id="2" name="图片 1"/>
-          <p:cNvPicPr>
-            <a:picLocks noChangeAspect="1"/>
-          </p:cNvPicPr>
-          <p:nvPr/>
-        </p:nvPicPr>
-        <p:blipFill>
-          <a:blip r:embed="rId2">
-            <a:extLst>
-              <a:ext uri="{28A0092B-C50C-407E-A947-70E740481C1C}">
-                <a14:useLocalDpi xmlns:a14="http://schemas.microsoft.com/office/drawing/2010/main" val="0"/>
-              </a:ext>
-            </a:extLst>
-          </a:blip>
-          <a:stretch>
-            <a:fillRect/>
-          </a:stretch>
-        </p:blipFill>
-        <p:spPr>
-          <a:xfrm>
-            <a:off x="1662112" y="942975"/>
-            <a:ext cx="8867775" cy="4972050"/>
-          </a:xfrm>
-          <a:prstGeom prst="rect">
-            <a:avLst/>
-          </a:prstGeom>
-        </p:spPr>
-      </p:pic>
-    </p:spTree>
-    <p:extLst>
-      <p:ext uri="{BB962C8B-B14F-4D97-AF65-F5344CB8AC3E}">
-        <p14:creationId xmlns:p14="http://schemas.microsoft.com/office/powerpoint/2010/main" val="3540348085"/>
-      </p:ext>
-    </p:extLst>
-  </p:cSld>
-  <p:clrMapOvr>
-    <a:masterClrMapping/>
-  </p:clrMapOvr>
-  <p:transition>
-    <p:wipe dir="r"/>
-  </p:transition>
-  <p:timing>
-    <p:tnLst>
-      <p:par>
-        <p:cTn id="1" dur="indefinite" restart="never" nodeType="tmRoot"/>
-      </p:par>
-    </p:tnLst>
-  </p:timing>
-</p:sld>
-</file>
-
-<file path=ppt/slides/slide21.xml><?xml version="1.0" encoding="utf-8"?>
-<p:sld xmlns:a="http://schemas.openxmlformats.org/drawingml/2006/main" xmlns:r="http://schemas.openxmlformats.org/officeDocument/2006/relationships" xmlns:p="http://schemas.openxmlformats.org/presentationml/2006/main">
-  <p:cSld>
     <p:spTree>
       <p:nvGrpSpPr>
         <p:cNvPr id="1" name=""/>
